--- a/Web API教學與實做.pptx
+++ b/Web API教學與實做.pptx
@@ -5,93 +5,94 @@
     <p:sldMasterId id="2147483648" r:id="rId1"/>
   </p:sldMasterIdLst>
   <p:notesMasterIdLst>
-    <p:notesMasterId r:id="rId86"/>
+    <p:notesMasterId r:id="rId87"/>
   </p:notesMasterIdLst>
   <p:sldIdLst>
     <p:sldId id="256" r:id="rId2"/>
-    <p:sldId id="429" r:id="rId3"/>
-    <p:sldId id="257" r:id="rId4"/>
-    <p:sldId id="297" r:id="rId5"/>
-    <p:sldId id="291" r:id="rId6"/>
-    <p:sldId id="295" r:id="rId7"/>
-    <p:sldId id="293" r:id="rId8"/>
-    <p:sldId id="337" r:id="rId9"/>
-    <p:sldId id="317" r:id="rId10"/>
-    <p:sldId id="318" r:id="rId11"/>
-    <p:sldId id="357" r:id="rId12"/>
-    <p:sldId id="298" r:id="rId13"/>
-    <p:sldId id="306" r:id="rId14"/>
-    <p:sldId id="305" r:id="rId15"/>
-    <p:sldId id="308" r:id="rId16"/>
-    <p:sldId id="320" r:id="rId17"/>
-    <p:sldId id="339" r:id="rId18"/>
-    <p:sldId id="353" r:id="rId19"/>
-    <p:sldId id="363" r:id="rId20"/>
-    <p:sldId id="378" r:id="rId21"/>
-    <p:sldId id="379" r:id="rId22"/>
-    <p:sldId id="381" r:id="rId23"/>
-    <p:sldId id="351" r:id="rId24"/>
-    <p:sldId id="352" r:id="rId25"/>
-    <p:sldId id="354" r:id="rId26"/>
-    <p:sldId id="358" r:id="rId27"/>
-    <p:sldId id="359" r:id="rId28"/>
-    <p:sldId id="326" r:id="rId29"/>
-    <p:sldId id="335" r:id="rId30"/>
-    <p:sldId id="330" r:id="rId31"/>
-    <p:sldId id="336" r:id="rId32"/>
-    <p:sldId id="401" r:id="rId33"/>
-    <p:sldId id="333" r:id="rId34"/>
-    <p:sldId id="345" r:id="rId35"/>
-    <p:sldId id="342" r:id="rId36"/>
-    <p:sldId id="343" r:id="rId37"/>
-    <p:sldId id="341" r:id="rId38"/>
-    <p:sldId id="347" r:id="rId39"/>
-    <p:sldId id="349" r:id="rId40"/>
-    <p:sldId id="350" r:id="rId41"/>
-    <p:sldId id="312" r:id="rId42"/>
-    <p:sldId id="314" r:id="rId43"/>
-    <p:sldId id="310" r:id="rId44"/>
-    <p:sldId id="321" r:id="rId45"/>
-    <p:sldId id="313" r:id="rId46"/>
-    <p:sldId id="315" r:id="rId47"/>
-    <p:sldId id="400" r:id="rId48"/>
-    <p:sldId id="402" r:id="rId49"/>
-    <p:sldId id="389" r:id="rId50"/>
-    <p:sldId id="390" r:id="rId51"/>
-    <p:sldId id="391" r:id="rId52"/>
-    <p:sldId id="392" r:id="rId53"/>
-    <p:sldId id="393" r:id="rId54"/>
-    <p:sldId id="394" r:id="rId55"/>
-    <p:sldId id="395" r:id="rId56"/>
-    <p:sldId id="396" r:id="rId57"/>
-    <p:sldId id="397" r:id="rId58"/>
-    <p:sldId id="398" r:id="rId59"/>
-    <p:sldId id="403" r:id="rId60"/>
-    <p:sldId id="369" r:id="rId61"/>
-    <p:sldId id="370" r:id="rId62"/>
-    <p:sldId id="371" r:id="rId63"/>
-    <p:sldId id="373" r:id="rId64"/>
-    <p:sldId id="375" r:id="rId65"/>
-    <p:sldId id="377" r:id="rId66"/>
-    <p:sldId id="382" r:id="rId67"/>
-    <p:sldId id="386" r:id="rId68"/>
-    <p:sldId id="387" r:id="rId69"/>
-    <p:sldId id="410" r:id="rId70"/>
-    <p:sldId id="411" r:id="rId71"/>
-    <p:sldId id="412" r:id="rId72"/>
-    <p:sldId id="413" r:id="rId73"/>
-    <p:sldId id="414" r:id="rId74"/>
-    <p:sldId id="415" r:id="rId75"/>
-    <p:sldId id="417" r:id="rId76"/>
-    <p:sldId id="418" r:id="rId77"/>
-    <p:sldId id="416" r:id="rId78"/>
-    <p:sldId id="421" r:id="rId79"/>
-    <p:sldId id="427" r:id="rId80"/>
-    <p:sldId id="423" r:id="rId81"/>
-    <p:sldId id="424" r:id="rId82"/>
-    <p:sldId id="428" r:id="rId83"/>
-    <p:sldId id="425" r:id="rId84"/>
-    <p:sldId id="426" r:id="rId85"/>
+    <p:sldId id="431" r:id="rId3"/>
+    <p:sldId id="429" r:id="rId4"/>
+    <p:sldId id="257" r:id="rId5"/>
+    <p:sldId id="297" r:id="rId6"/>
+    <p:sldId id="291" r:id="rId7"/>
+    <p:sldId id="295" r:id="rId8"/>
+    <p:sldId id="293" r:id="rId9"/>
+    <p:sldId id="337" r:id="rId10"/>
+    <p:sldId id="317" r:id="rId11"/>
+    <p:sldId id="318" r:id="rId12"/>
+    <p:sldId id="357" r:id="rId13"/>
+    <p:sldId id="298" r:id="rId14"/>
+    <p:sldId id="306" r:id="rId15"/>
+    <p:sldId id="305" r:id="rId16"/>
+    <p:sldId id="308" r:id="rId17"/>
+    <p:sldId id="320" r:id="rId18"/>
+    <p:sldId id="339" r:id="rId19"/>
+    <p:sldId id="353" r:id="rId20"/>
+    <p:sldId id="363" r:id="rId21"/>
+    <p:sldId id="378" r:id="rId22"/>
+    <p:sldId id="379" r:id="rId23"/>
+    <p:sldId id="381" r:id="rId24"/>
+    <p:sldId id="351" r:id="rId25"/>
+    <p:sldId id="352" r:id="rId26"/>
+    <p:sldId id="354" r:id="rId27"/>
+    <p:sldId id="358" r:id="rId28"/>
+    <p:sldId id="359" r:id="rId29"/>
+    <p:sldId id="326" r:id="rId30"/>
+    <p:sldId id="335" r:id="rId31"/>
+    <p:sldId id="330" r:id="rId32"/>
+    <p:sldId id="336" r:id="rId33"/>
+    <p:sldId id="401" r:id="rId34"/>
+    <p:sldId id="432" r:id="rId35"/>
+    <p:sldId id="433" r:id="rId36"/>
+    <p:sldId id="333" r:id="rId37"/>
+    <p:sldId id="345" r:id="rId38"/>
+    <p:sldId id="342" r:id="rId39"/>
+    <p:sldId id="343" r:id="rId40"/>
+    <p:sldId id="341" r:id="rId41"/>
+    <p:sldId id="347" r:id="rId42"/>
+    <p:sldId id="349" r:id="rId43"/>
+    <p:sldId id="350" r:id="rId44"/>
+    <p:sldId id="312" r:id="rId45"/>
+    <p:sldId id="314" r:id="rId46"/>
+    <p:sldId id="310" r:id="rId47"/>
+    <p:sldId id="321" r:id="rId48"/>
+    <p:sldId id="313" r:id="rId49"/>
+    <p:sldId id="315" r:id="rId50"/>
+    <p:sldId id="400" r:id="rId51"/>
+    <p:sldId id="402" r:id="rId52"/>
+    <p:sldId id="389" r:id="rId53"/>
+    <p:sldId id="390" r:id="rId54"/>
+    <p:sldId id="391" r:id="rId55"/>
+    <p:sldId id="392" r:id="rId56"/>
+    <p:sldId id="393" r:id="rId57"/>
+    <p:sldId id="394" r:id="rId58"/>
+    <p:sldId id="395" r:id="rId59"/>
+    <p:sldId id="396" r:id="rId60"/>
+    <p:sldId id="397" r:id="rId61"/>
+    <p:sldId id="398" r:id="rId62"/>
+    <p:sldId id="403" r:id="rId63"/>
+    <p:sldId id="369" r:id="rId64"/>
+    <p:sldId id="370" r:id="rId65"/>
+    <p:sldId id="371" r:id="rId66"/>
+    <p:sldId id="373" r:id="rId67"/>
+    <p:sldId id="375" r:id="rId68"/>
+    <p:sldId id="377" r:id="rId69"/>
+    <p:sldId id="382" r:id="rId70"/>
+    <p:sldId id="386" r:id="rId71"/>
+    <p:sldId id="387" r:id="rId72"/>
+    <p:sldId id="410" r:id="rId73"/>
+    <p:sldId id="411" r:id="rId74"/>
+    <p:sldId id="412" r:id="rId75"/>
+    <p:sldId id="413" r:id="rId76"/>
+    <p:sldId id="414" r:id="rId77"/>
+    <p:sldId id="415" r:id="rId78"/>
+    <p:sldId id="417" r:id="rId79"/>
+    <p:sldId id="418" r:id="rId80"/>
+    <p:sldId id="416" r:id="rId81"/>
+    <p:sldId id="421" r:id="rId82"/>
+    <p:sldId id="427" r:id="rId83"/>
+    <p:sldId id="428" r:id="rId84"/>
+    <p:sldId id="425" r:id="rId85"/>
+    <p:sldId id="426" r:id="rId86"/>
   </p:sldIdLst>
   <p:sldSz cx="12192000" cy="6858000"/>
   <p:notesSz cx="6858000" cy="9144000"/>
@@ -280,7 +281,7 @@
           <a:p>
             <a:fld id="{2F6E5846-5D0F-48C5-89A4-48096943028B}" type="datetimeFigureOut">
               <a:rPr lang="zh-TW" altLang="en-US" smtClean="0"/>
-              <a:t>2021/12/24</a:t>
+              <a:t>2021/12/25</a:t>
             </a:fld>
             <a:endParaRPr lang="zh-TW" altLang="en-US"/>
           </a:p>
@@ -697,7 +698,7 @@
           <a:p>
             <a:fld id="{D1948313-5CBC-4C3A-A1C1-87A108B3BBD8}" type="slidenum">
               <a:rPr lang="zh-TW" altLang="en-US" smtClean="0"/>
-              <a:t>19</a:t>
+              <a:t>18</a:t>
             </a:fld>
             <a:endParaRPr lang="zh-TW" altLang="en-US"/>
           </a:p>
@@ -706,7 +707,7 @@
     </p:spTree>
     <p:extLst>
       <p:ext uri="{BB962C8B-B14F-4D97-AF65-F5344CB8AC3E}">
-        <p14:creationId xmlns:p14="http://schemas.microsoft.com/office/powerpoint/2010/main" val="2819045662"/>
+        <p14:creationId xmlns:p14="http://schemas.microsoft.com/office/powerpoint/2010/main" val="280222323"/>
       </p:ext>
     </p:extLst>
   </p:cSld>
@@ -790,7 +791,7 @@
     </p:spTree>
     <p:extLst>
       <p:ext uri="{BB962C8B-B14F-4D97-AF65-F5344CB8AC3E}">
-        <p14:creationId xmlns:p14="http://schemas.microsoft.com/office/powerpoint/2010/main" val="1220420059"/>
+        <p14:creationId xmlns:p14="http://schemas.microsoft.com/office/powerpoint/2010/main" val="2819045662"/>
       </p:ext>
     </p:extLst>
   </p:cSld>
@@ -844,10 +845,6 @@
           <a:bodyPr/>
           <a:lstStyle/>
           <a:p>
-            <a:r>
-              <a:rPr lang="zh-TW" altLang="en-US" dirty="0" smtClean="0"/>
-              <a:t>跳過該實作</a:t>
-            </a:r>
             <a:endParaRPr lang="zh-TW" altLang="en-US" dirty="0"/>
           </a:p>
         </p:txBody>
@@ -869,7 +866,7 @@
           <a:p>
             <a:fld id="{D1948313-5CBC-4C3A-A1C1-87A108B3BBD8}" type="slidenum">
               <a:rPr lang="zh-TW" altLang="en-US" smtClean="0"/>
-              <a:t>22</a:t>
+              <a:t>21</a:t>
             </a:fld>
             <a:endParaRPr lang="zh-TW" altLang="en-US"/>
           </a:p>
@@ -878,7 +875,7 @@
     </p:spTree>
     <p:extLst>
       <p:ext uri="{BB962C8B-B14F-4D97-AF65-F5344CB8AC3E}">
-        <p14:creationId xmlns:p14="http://schemas.microsoft.com/office/powerpoint/2010/main" val="3235919468"/>
+        <p14:creationId xmlns:p14="http://schemas.microsoft.com/office/powerpoint/2010/main" val="1220420059"/>
       </p:ext>
     </p:extLst>
   </p:cSld>
@@ -933,40 +930,8 @@
           <a:lstStyle/>
           <a:p>
             <a:r>
-              <a:rPr lang="en-US" altLang="zh-TW" sz="1200" kern="1200" dirty="0" smtClean="0">
-                <a:solidFill>
-                  <a:schemeClr val="tx1"/>
-                </a:solidFill>
-                <a:effectLst/>
-                <a:latin typeface="+mn-lt"/>
-                <a:ea typeface="+mn-ea"/>
-                <a:cs typeface="+mn-cs"/>
-              </a:rPr>
-              <a:t>[</a:t>
-            </a:r>
-            <a:r>
-              <a:rPr lang="en-US" altLang="zh-TW" sz="1200" kern="1200" dirty="0" err="1" smtClean="0">
-                <a:solidFill>
-                  <a:schemeClr val="tx1"/>
-                </a:solidFill>
-                <a:effectLst/>
-                <a:latin typeface="+mn-lt"/>
-                <a:ea typeface="+mn-ea"/>
-                <a:cs typeface="+mn-cs"/>
-              </a:rPr>
-              <a:t>FromBody</a:t>
-            </a:r>
-            <a:r>
-              <a:rPr lang="en-US" altLang="zh-TW" sz="1200" kern="1200" dirty="0" smtClean="0">
-                <a:solidFill>
-                  <a:schemeClr val="tx1"/>
-                </a:solidFill>
-                <a:effectLst/>
-                <a:latin typeface="+mn-lt"/>
-                <a:ea typeface="+mn-ea"/>
-                <a:cs typeface="+mn-cs"/>
-              </a:rPr>
-              <a:t>]</a:t>
+              <a:rPr lang="zh-TW" altLang="en-US" dirty="0" smtClean="0"/>
+              <a:t>跳過該實作</a:t>
             </a:r>
             <a:endParaRPr lang="zh-TW" altLang="en-US" dirty="0"/>
           </a:p>
@@ -989,7 +954,7 @@
           <a:p>
             <a:fld id="{D1948313-5CBC-4C3A-A1C1-87A108B3BBD8}" type="slidenum">
               <a:rPr lang="zh-TW" altLang="en-US" smtClean="0"/>
-              <a:t>24</a:t>
+              <a:t>23</a:t>
             </a:fld>
             <a:endParaRPr lang="zh-TW" altLang="en-US"/>
           </a:p>
@@ -998,7 +963,7 @@
     </p:spTree>
     <p:extLst>
       <p:ext uri="{BB962C8B-B14F-4D97-AF65-F5344CB8AC3E}">
-        <p14:creationId xmlns:p14="http://schemas.microsoft.com/office/powerpoint/2010/main" val="1820798621"/>
+        <p14:creationId xmlns:p14="http://schemas.microsoft.com/office/powerpoint/2010/main" val="3235919468"/>
       </p:ext>
     </p:extLst>
   </p:cSld>
@@ -1053,112 +1018,41 @@
           <a:lstStyle/>
           <a:p>
             <a:r>
-              <a:rPr lang="en-US" altLang="zh-TW" dirty="0" smtClean="0"/>
-              <a:t>/</a:t>
-            </a:r>
-            <a:r>
-              <a:rPr lang="zh-TW" altLang="en-US" dirty="0" smtClean="0"/>
-              <a:t>代表根目錄的意思</a:t>
-            </a:r>
-            <a:endParaRPr lang="en-US" altLang="zh-TW" dirty="0" smtClean="0"/>
-          </a:p>
-          <a:p>
-            <a:pPr marL="0" marR="0" lvl="0" indent="0" algn="l" defTabSz="914400" rtl="0" eaLnBrk="1" fontAlgn="auto" latinLnBrk="0" hangingPunct="1">
-              <a:lnSpc>
-                <a:spcPct val="100000"/>
-              </a:lnSpc>
-              <a:spcBef>
-                <a:spcPts val="0"/>
-              </a:spcBef>
-              <a:spcAft>
-                <a:spcPts val="0"/>
-              </a:spcAft>
-              <a:buClrTx/>
-              <a:buSzTx/>
-              <a:buFontTx/>
-              <a:buNone/>
-              <a:tabLst/>
-              <a:defRPr/>
-            </a:pPr>
-            <a:r>
-              <a:rPr lang="zh-TW" altLang="en-US" dirty="0" smtClean="0"/>
-              <a:t>不同公司，不一樣的工程師，設計的名稱都會不一樣，</a:t>
-            </a:r>
-            <a:r>
-              <a:rPr lang="zh-TW" altLang="en-US" b="1" dirty="0" smtClean="0"/>
-              <a:t>沒有統一的命名方式</a:t>
-            </a:r>
-            <a:r>
-              <a:rPr lang="zh-TW" altLang="en-US" dirty="0" smtClean="0"/>
-              <a:t>，造成在引用各家 </a:t>
-            </a:r>
-            <a:r>
-              <a:rPr lang="en-US" altLang="zh-TW" dirty="0" smtClean="0"/>
-              <a:t>API </a:t>
-            </a:r>
-            <a:r>
-              <a:rPr lang="zh-TW" altLang="en-US" dirty="0" smtClean="0"/>
-              <a:t>時，都需要詳讀 </a:t>
-            </a:r>
-            <a:r>
-              <a:rPr lang="en-US" altLang="zh-TW" dirty="0" smtClean="0"/>
-              <a:t>API </a:t>
-            </a:r>
-            <a:r>
-              <a:rPr lang="zh-TW" altLang="en-US" dirty="0" smtClean="0"/>
-              <a:t>文件，理解所有設計命名規則後，才可使用。</a:t>
-            </a:r>
-            <a:endParaRPr lang="en-US" altLang="zh-TW" dirty="0" smtClean="0"/>
-          </a:p>
-          <a:p>
-            <a:pPr marL="0" marR="0" lvl="0" indent="0" algn="l" defTabSz="914400" rtl="0" eaLnBrk="1" fontAlgn="auto" latinLnBrk="0" hangingPunct="1">
-              <a:lnSpc>
-                <a:spcPct val="100000"/>
-              </a:lnSpc>
-              <a:spcBef>
-                <a:spcPts val="0"/>
-              </a:spcBef>
-              <a:spcAft>
-                <a:spcPts val="0"/>
-              </a:spcAft>
-              <a:buClrTx/>
-              <a:buSzTx/>
-              <a:buFontTx/>
-              <a:buNone/>
-              <a:tabLst/>
-              <a:defRPr/>
-            </a:pPr>
-            <a:r>
-              <a:rPr lang="zh-TW" altLang="en-US" dirty="0" smtClean="0"/>
-              <a:t>就是用一個統一的 </a:t>
-            </a:r>
-            <a:r>
-              <a:rPr lang="en-US" altLang="zh-TW" dirty="0" smtClean="0"/>
-              <a:t>URL </a:t>
-            </a:r>
-            <a:r>
-              <a:rPr lang="zh-TW" altLang="en-US" dirty="0" smtClean="0"/>
-              <a:t>定位資源，將動作藏在 </a:t>
-            </a:r>
-            <a:r>
-              <a:rPr lang="en-US" altLang="zh-TW" dirty="0" smtClean="0"/>
-              <a:t>HTTP </a:t>
-            </a:r>
-            <a:r>
-              <a:rPr lang="zh-TW" altLang="en-US" dirty="0" smtClean="0"/>
-              <a:t>的 </a:t>
-            </a:r>
-            <a:r>
-              <a:rPr lang="en-US" altLang="zh-TW" dirty="0" smtClean="0"/>
-              <a:t>method </a:t>
-            </a:r>
-            <a:r>
-              <a:rPr lang="zh-TW" altLang="en-US" dirty="0" smtClean="0"/>
-              <a:t>裡面。</a:t>
-            </a:r>
-            <a:endParaRPr lang="en-US" altLang="zh-TW" dirty="0" smtClean="0"/>
-          </a:p>
-          <a:p>
+              <a:rPr lang="en-US" altLang="zh-TW" sz="1200" kern="1200" dirty="0" smtClean="0">
+                <a:solidFill>
+                  <a:schemeClr val="tx1"/>
+                </a:solidFill>
+                <a:effectLst/>
+                <a:latin typeface="+mn-lt"/>
+                <a:ea typeface="+mn-ea"/>
+                <a:cs typeface="+mn-cs"/>
+              </a:rPr>
+              <a:t>[</a:t>
+            </a:r>
+            <a:r>
+              <a:rPr lang="en-US" altLang="zh-TW" sz="1200" kern="1200" dirty="0" err="1" smtClean="0">
+                <a:solidFill>
+                  <a:schemeClr val="tx1"/>
+                </a:solidFill>
+                <a:effectLst/>
+                <a:latin typeface="+mn-lt"/>
+                <a:ea typeface="+mn-ea"/>
+                <a:cs typeface="+mn-cs"/>
+              </a:rPr>
+              <a:t>FromBody</a:t>
+            </a:r>
+            <a:r>
+              <a:rPr lang="en-US" altLang="zh-TW" sz="1200" kern="1200" dirty="0" smtClean="0">
+                <a:solidFill>
+                  <a:schemeClr val="tx1"/>
+                </a:solidFill>
+                <a:effectLst/>
+                <a:latin typeface="+mn-lt"/>
+                <a:ea typeface="+mn-ea"/>
+                <a:cs typeface="+mn-cs"/>
+              </a:rPr>
+              <a:t>]</a:t>
+            </a:r>
             <a:endParaRPr lang="zh-TW" altLang="en-US" dirty="0"/>
           </a:p>
         </p:txBody>
@@ -1189,7 +1083,7 @@
     </p:spTree>
     <p:extLst>
       <p:ext uri="{BB962C8B-B14F-4D97-AF65-F5344CB8AC3E}">
-        <p14:creationId xmlns:p14="http://schemas.microsoft.com/office/powerpoint/2010/main" val="444183716"/>
+        <p14:creationId xmlns:p14="http://schemas.microsoft.com/office/powerpoint/2010/main" val="1820798621"/>
       </p:ext>
     </p:extLst>
   </p:cSld>
@@ -1244,9 +1138,112 @@
           <a:lstStyle/>
           <a:p>
             <a:r>
+              <a:rPr lang="en-US" altLang="zh-TW" dirty="0" smtClean="0"/>
+              <a:t>/</a:t>
+            </a:r>
+            <a:r>
               <a:rPr lang="zh-TW" altLang="en-US" dirty="0" smtClean="0"/>
-              <a:t>跳過該實作</a:t>
-            </a:r>
+              <a:t>代表根目錄的意思</a:t>
+            </a:r>
+            <a:endParaRPr lang="en-US" altLang="zh-TW" dirty="0" smtClean="0"/>
+          </a:p>
+          <a:p>
+            <a:pPr marL="0" marR="0" lvl="0" indent="0" algn="l" defTabSz="914400" rtl="0" eaLnBrk="1" fontAlgn="auto" latinLnBrk="0" hangingPunct="1">
+              <a:lnSpc>
+                <a:spcPct val="100000"/>
+              </a:lnSpc>
+              <a:spcBef>
+                <a:spcPts val="0"/>
+              </a:spcBef>
+              <a:spcAft>
+                <a:spcPts val="0"/>
+              </a:spcAft>
+              <a:buClrTx/>
+              <a:buSzTx/>
+              <a:buFontTx/>
+              <a:buNone/>
+              <a:tabLst/>
+              <a:defRPr/>
+            </a:pPr>
+            <a:r>
+              <a:rPr lang="zh-TW" altLang="en-US" dirty="0" smtClean="0"/>
+              <a:t>不同公司，不一樣的工程師，設計的名稱都會不一樣，</a:t>
+            </a:r>
+            <a:r>
+              <a:rPr lang="zh-TW" altLang="en-US" b="1" dirty="0" smtClean="0"/>
+              <a:t>沒有統一的命名方式</a:t>
+            </a:r>
+            <a:r>
+              <a:rPr lang="zh-TW" altLang="en-US" dirty="0" smtClean="0"/>
+              <a:t>，造成在引用各家 </a:t>
+            </a:r>
+            <a:r>
+              <a:rPr lang="en-US" altLang="zh-TW" dirty="0" smtClean="0"/>
+              <a:t>API </a:t>
+            </a:r>
+            <a:r>
+              <a:rPr lang="zh-TW" altLang="en-US" dirty="0" smtClean="0"/>
+              <a:t>時，都需要詳讀 </a:t>
+            </a:r>
+            <a:r>
+              <a:rPr lang="en-US" altLang="zh-TW" dirty="0" smtClean="0"/>
+              <a:t>API </a:t>
+            </a:r>
+            <a:r>
+              <a:rPr lang="zh-TW" altLang="en-US" dirty="0" smtClean="0"/>
+              <a:t>文件，理解所有設計命名規則後，才可使用。</a:t>
+            </a:r>
+            <a:endParaRPr lang="en-US" altLang="zh-TW" dirty="0" smtClean="0"/>
+          </a:p>
+          <a:p>
+            <a:pPr marL="0" marR="0" lvl="0" indent="0" algn="l" defTabSz="914400" rtl="0" eaLnBrk="1" fontAlgn="auto" latinLnBrk="0" hangingPunct="1">
+              <a:lnSpc>
+                <a:spcPct val="100000"/>
+              </a:lnSpc>
+              <a:spcBef>
+                <a:spcPts val="0"/>
+              </a:spcBef>
+              <a:spcAft>
+                <a:spcPts val="0"/>
+              </a:spcAft>
+              <a:buClrTx/>
+              <a:buSzTx/>
+              <a:buFontTx/>
+              <a:buNone/>
+              <a:tabLst/>
+              <a:defRPr/>
+            </a:pPr>
+            <a:r>
+              <a:rPr lang="zh-TW" altLang="en-US" dirty="0" smtClean="0"/>
+              <a:t>就是用一個統一的 </a:t>
+            </a:r>
+            <a:r>
+              <a:rPr lang="en-US" altLang="zh-TW" dirty="0" smtClean="0"/>
+              <a:t>URL </a:t>
+            </a:r>
+            <a:r>
+              <a:rPr lang="zh-TW" altLang="en-US" dirty="0" smtClean="0"/>
+              <a:t>定位資源，將動作藏在 </a:t>
+            </a:r>
+            <a:r>
+              <a:rPr lang="en-US" altLang="zh-TW" dirty="0" smtClean="0"/>
+              <a:t>HTTP </a:t>
+            </a:r>
+            <a:r>
+              <a:rPr lang="zh-TW" altLang="en-US" dirty="0" smtClean="0"/>
+              <a:t>的 </a:t>
+            </a:r>
+            <a:r>
+              <a:rPr lang="en-US" altLang="zh-TW" dirty="0" smtClean="0"/>
+              <a:t>method </a:t>
+            </a:r>
+            <a:r>
+              <a:rPr lang="zh-TW" altLang="en-US" dirty="0" smtClean="0"/>
+              <a:t>裡面。</a:t>
+            </a:r>
+            <a:endParaRPr lang="en-US" altLang="zh-TW" dirty="0" smtClean="0"/>
+          </a:p>
+          <a:p>
             <a:endParaRPr lang="zh-TW" altLang="en-US" dirty="0"/>
           </a:p>
         </p:txBody>
@@ -1268,7 +1265,7 @@
           <a:p>
             <a:fld id="{D1948313-5CBC-4C3A-A1C1-87A108B3BBD8}" type="slidenum">
               <a:rPr lang="zh-TW" altLang="en-US" smtClean="0"/>
-              <a:t>27</a:t>
+              <a:t>26</a:t>
             </a:fld>
             <a:endParaRPr lang="zh-TW" altLang="en-US"/>
           </a:p>
@@ -1277,7 +1274,7 @@
     </p:spTree>
     <p:extLst>
       <p:ext uri="{BB962C8B-B14F-4D97-AF65-F5344CB8AC3E}">
-        <p14:creationId xmlns:p14="http://schemas.microsoft.com/office/powerpoint/2010/main" val="931994155"/>
+        <p14:creationId xmlns:p14="http://schemas.microsoft.com/office/powerpoint/2010/main" val="444183716"/>
       </p:ext>
     </p:extLst>
   </p:cSld>
@@ -1331,6 +1328,10 @@
           <a:bodyPr/>
           <a:lstStyle/>
           <a:p>
+            <a:r>
+              <a:rPr lang="zh-TW" altLang="en-US" dirty="0" smtClean="0"/>
+              <a:t>跳過該實作</a:t>
+            </a:r>
             <a:endParaRPr lang="zh-TW" altLang="en-US" dirty="0"/>
           </a:p>
         </p:txBody>
@@ -1352,7 +1353,7 @@
           <a:p>
             <a:fld id="{D1948313-5CBC-4C3A-A1C1-87A108B3BBD8}" type="slidenum">
               <a:rPr lang="zh-TW" altLang="en-US" smtClean="0"/>
-              <a:t>29</a:t>
+              <a:t>28</a:t>
             </a:fld>
             <a:endParaRPr lang="zh-TW" altLang="en-US"/>
           </a:p>
@@ -1361,7 +1362,7 @@
     </p:spTree>
     <p:extLst>
       <p:ext uri="{BB962C8B-B14F-4D97-AF65-F5344CB8AC3E}">
-        <p14:creationId xmlns:p14="http://schemas.microsoft.com/office/powerpoint/2010/main" val="3731621487"/>
+        <p14:creationId xmlns:p14="http://schemas.microsoft.com/office/powerpoint/2010/main" val="931994155"/>
       </p:ext>
     </p:extLst>
   </p:cSld>
@@ -1436,7 +1437,7 @@
           <a:p>
             <a:fld id="{D1948313-5CBC-4C3A-A1C1-87A108B3BBD8}" type="slidenum">
               <a:rPr lang="zh-TW" altLang="en-US" smtClean="0"/>
-              <a:t>32</a:t>
+              <a:t>30</a:t>
             </a:fld>
             <a:endParaRPr lang="zh-TW" altLang="en-US"/>
           </a:p>
@@ -1445,7 +1446,7 @@
     </p:spTree>
     <p:extLst>
       <p:ext uri="{BB962C8B-B14F-4D97-AF65-F5344CB8AC3E}">
-        <p14:creationId xmlns:p14="http://schemas.microsoft.com/office/powerpoint/2010/main" val="216744022"/>
+        <p14:creationId xmlns:p14="http://schemas.microsoft.com/office/powerpoint/2010/main" val="3731621487"/>
       </p:ext>
     </p:extLst>
   </p:cSld>
@@ -1520,7 +1521,7 @@
           <a:p>
             <a:fld id="{D1948313-5CBC-4C3A-A1C1-87A108B3BBD8}" type="slidenum">
               <a:rPr lang="zh-TW" altLang="en-US" smtClean="0"/>
-              <a:t>34</a:t>
+              <a:t>33</a:t>
             </a:fld>
             <a:endParaRPr lang="zh-TW" altLang="en-US"/>
           </a:p>
@@ -1529,7 +1530,7 @@
     </p:spTree>
     <p:extLst>
       <p:ext uri="{BB962C8B-B14F-4D97-AF65-F5344CB8AC3E}">
-        <p14:creationId xmlns:p14="http://schemas.microsoft.com/office/powerpoint/2010/main" val="3480834988"/>
+        <p14:creationId xmlns:p14="http://schemas.microsoft.com/office/powerpoint/2010/main" val="216744022"/>
       </p:ext>
     </p:extLst>
   </p:cSld>
@@ -1583,6 +1584,54 @@
           <a:bodyPr/>
           <a:lstStyle/>
           <a:p>
+            <a:r>
+              <a:rPr lang="zh-TW" altLang="en-US" dirty="0" smtClean="0"/>
+              <a:t>呼叫</a:t>
+            </a:r>
+            <a:r>
+              <a:rPr lang="en-US" altLang="zh-TW" dirty="0" smtClean="0"/>
+              <a:t>API</a:t>
+            </a:r>
+            <a:r>
+              <a:rPr lang="zh-TW" altLang="en-US" dirty="0" smtClean="0"/>
+              <a:t>和</a:t>
+            </a:r>
+            <a:r>
+              <a:rPr lang="en-US" altLang="zh-TW" dirty="0" smtClean="0"/>
+              <a:t>API</a:t>
+            </a:r>
+            <a:r>
+              <a:rPr lang="zh-TW" altLang="en-US" dirty="0" smtClean="0"/>
+              <a:t>回傳的資料格式很多種，如</a:t>
+            </a:r>
+            <a:r>
+              <a:rPr lang="en-US" altLang="zh-TW" dirty="0" smtClean="0"/>
+              <a:t>XML</a:t>
+            </a:r>
+            <a:r>
+              <a:rPr lang="zh-TW" altLang="en-US" dirty="0" smtClean="0"/>
+              <a:t>、</a:t>
+            </a:r>
+            <a:r>
+              <a:rPr lang="en-US" altLang="zh-TW" dirty="0" smtClean="0"/>
+              <a:t>TXT</a:t>
+            </a:r>
+            <a:r>
+              <a:rPr lang="zh-TW" altLang="en-US" dirty="0" smtClean="0"/>
+              <a:t>、</a:t>
+            </a:r>
+            <a:r>
+              <a:rPr lang="en-US" altLang="zh-TW" dirty="0" smtClean="0"/>
+              <a:t>JSON</a:t>
+            </a:r>
+            <a:r>
+              <a:rPr lang="zh-TW" altLang="en-US" dirty="0" smtClean="0"/>
+              <a:t>等，那目前最常用的就是</a:t>
+            </a:r>
+            <a:r>
+              <a:rPr lang="en-US" altLang="zh-TW" dirty="0" smtClean="0"/>
+              <a:t>JSON</a:t>
+            </a:r>
             <a:endParaRPr lang="zh-TW" altLang="en-US" dirty="0"/>
           </a:p>
         </p:txBody>
@@ -1604,7 +1653,7 @@
           <a:p>
             <a:fld id="{D1948313-5CBC-4C3A-A1C1-87A108B3BBD8}" type="slidenum">
               <a:rPr lang="zh-TW" altLang="en-US" smtClean="0"/>
-              <a:t>35</a:t>
+              <a:t>34</a:t>
             </a:fld>
             <a:endParaRPr lang="zh-TW" altLang="en-US"/>
           </a:p>
@@ -1613,7 +1662,7 @@
     </p:spTree>
     <p:extLst>
       <p:ext uri="{BB962C8B-B14F-4D97-AF65-F5344CB8AC3E}">
-        <p14:creationId xmlns:p14="http://schemas.microsoft.com/office/powerpoint/2010/main" val="1510460788"/>
+        <p14:creationId xmlns:p14="http://schemas.microsoft.com/office/powerpoint/2010/main" val="3951855604"/>
       </p:ext>
     </p:extLst>
   </p:cSld>
@@ -1667,7 +1716,27 @@
           <a:bodyPr/>
           <a:lstStyle/>
           <a:p>
-            <a:endParaRPr lang="zh-TW" altLang="en-US" dirty="0" smtClean="0"/>
+            <a:r>
+              <a:rPr lang="zh-TW" altLang="en-US" dirty="0" smtClean="0"/>
+              <a:t>今日教學</a:t>
+            </a:r>
+            <a:r>
+              <a:rPr lang="en-US" altLang="zh-TW" dirty="0" smtClean="0"/>
+              <a:t>PPT</a:t>
+            </a:r>
+            <a:r>
+              <a:rPr lang="zh-TW" altLang="en-US" dirty="0" smtClean="0"/>
+              <a:t>及範例檔都放在這個</a:t>
+            </a:r>
+            <a:r>
+              <a:rPr lang="en-US" altLang="zh-TW" dirty="0" err="1" smtClean="0"/>
+              <a:t>git</a:t>
+            </a:r>
+            <a:r>
+              <a:rPr lang="zh-TW" altLang="en-US" dirty="0" smtClean="0"/>
+              <a:t>上</a:t>
+            </a:r>
+            <a:endParaRPr lang="zh-TW" altLang="en-US" dirty="0"/>
           </a:p>
         </p:txBody>
       </p:sp>
@@ -1688,7 +1757,7 @@
           <a:p>
             <a:fld id="{D1948313-5CBC-4C3A-A1C1-87A108B3BBD8}" type="slidenum">
               <a:rPr lang="zh-TW" altLang="en-US" smtClean="0"/>
-              <a:t>5</a:t>
+              <a:t>3</a:t>
             </a:fld>
             <a:endParaRPr lang="zh-TW" altLang="en-US"/>
           </a:p>
@@ -1697,7 +1766,7 @@
     </p:spTree>
     <p:extLst>
       <p:ext uri="{BB962C8B-B14F-4D97-AF65-F5344CB8AC3E}">
-        <p14:creationId xmlns:p14="http://schemas.microsoft.com/office/powerpoint/2010/main" val="2362610489"/>
+        <p14:creationId xmlns:p14="http://schemas.microsoft.com/office/powerpoint/2010/main" val="3183339806"/>
       </p:ext>
     </p:extLst>
   </p:cSld>
@@ -1751,7 +1820,73 @@
           <a:bodyPr/>
           <a:lstStyle/>
           <a:p>
-            <a:endParaRPr lang="zh-TW" altLang="en-US" dirty="0"/>
+            <a:r>
+              <a:rPr lang="en-US" altLang="zh-TW" dirty="0" smtClean="0"/>
+              <a:t>{</a:t>
+            </a:r>
+          </a:p>
+          <a:p>
+            <a:r>
+              <a:rPr lang="zh-TW" altLang="en-US" dirty="0" smtClean="0"/>
+              <a:t>    </a:t>
+            </a:r>
+            <a:r>
+              <a:rPr lang="en-US" altLang="zh-TW" dirty="0" smtClean="0"/>
+              <a:t>"name" : "Amy",	// </a:t>
+            </a:r>
+            <a:r>
+              <a:rPr lang="zh-TW" altLang="en-US" dirty="0" smtClean="0"/>
+              <a:t>所有</a:t>
+            </a:r>
+            <a:r>
+              <a:rPr lang="en-US" altLang="zh-TW" dirty="0" smtClean="0"/>
+              <a:t>key</a:t>
+            </a:r>
+            <a:r>
+              <a:rPr lang="zh-TW" altLang="en-US" dirty="0" smtClean="0"/>
+              <a:t>都需用</a:t>
+            </a:r>
+            <a:r>
+              <a:rPr lang="en-US" altLang="zh-TW" dirty="0" smtClean="0"/>
+              <a:t>""</a:t>
+            </a:r>
+            <a:r>
+              <a:rPr lang="zh-TW" altLang="en-US" dirty="0" smtClean="0"/>
+              <a:t>包住</a:t>
+            </a:r>
+          </a:p>
+          <a:p>
+            <a:r>
+              <a:rPr lang="zh-TW" altLang="en-US" dirty="0" smtClean="0"/>
+              <a:t>    </a:t>
+            </a:r>
+            <a:r>
+              <a:rPr lang="en-US" altLang="zh-TW" dirty="0" smtClean="0"/>
+              <a:t>"age" : 18	// </a:t>
+            </a:r>
+            <a:r>
+              <a:rPr lang="zh-TW" altLang="en-US" dirty="0" smtClean="0"/>
+              <a:t>最後一個</a:t>
+            </a:r>
+            <a:r>
+              <a:rPr lang="en-US" altLang="zh-TW" dirty="0" smtClean="0"/>
+              <a:t>key</a:t>
+            </a:r>
+            <a:r>
+              <a:rPr lang="zh-TW" altLang="en-US" dirty="0" smtClean="0"/>
+              <a:t>的話不用再加</a:t>
+            </a:r>
+            <a:r>
+              <a:rPr lang="en-US" altLang="zh-TW" dirty="0" smtClean="0"/>
+              <a:t>,</a:t>
+            </a:r>
+          </a:p>
+          <a:p>
+            <a:r>
+              <a:rPr lang="en-US" altLang="zh-TW" dirty="0" smtClean="0"/>
+              <a:t>}</a:t>
+            </a:r>
+            <a:endParaRPr lang="zh-TW" altLang="en-US" dirty="0" smtClean="0"/>
           </a:p>
         </p:txBody>
       </p:sp>
@@ -1772,7 +1907,7 @@
           <a:p>
             <a:fld id="{D1948313-5CBC-4C3A-A1C1-87A108B3BBD8}" type="slidenum">
               <a:rPr lang="zh-TW" altLang="en-US" smtClean="0"/>
-              <a:t>36</a:t>
+              <a:t>35</a:t>
             </a:fld>
             <a:endParaRPr lang="zh-TW" altLang="en-US"/>
           </a:p>
@@ -1781,7 +1916,7 @@
     </p:spTree>
     <p:extLst>
       <p:ext uri="{BB962C8B-B14F-4D97-AF65-F5344CB8AC3E}">
-        <p14:creationId xmlns:p14="http://schemas.microsoft.com/office/powerpoint/2010/main" val="2202365968"/>
+        <p14:creationId xmlns:p14="http://schemas.microsoft.com/office/powerpoint/2010/main" val="2160854002"/>
       </p:ext>
     </p:extLst>
   </p:cSld>
@@ -1865,7 +2000,7 @@
     </p:spTree>
     <p:extLst>
       <p:ext uri="{BB962C8B-B14F-4D97-AF65-F5344CB8AC3E}">
-        <p14:creationId xmlns:p14="http://schemas.microsoft.com/office/powerpoint/2010/main" val="1651858121"/>
+        <p14:creationId xmlns:p14="http://schemas.microsoft.com/office/powerpoint/2010/main" val="3480834988"/>
       </p:ext>
     </p:extLst>
   </p:cSld>
@@ -1940,7 +2075,7 @@
           <a:p>
             <a:fld id="{D1948313-5CBC-4C3A-A1C1-87A108B3BBD8}" type="slidenum">
               <a:rPr lang="zh-TW" altLang="en-US" smtClean="0"/>
-              <a:t>39</a:t>
+              <a:t>38</a:t>
             </a:fld>
             <a:endParaRPr lang="zh-TW" altLang="en-US"/>
           </a:p>
@@ -1949,7 +2084,7 @@
     </p:spTree>
     <p:extLst>
       <p:ext uri="{BB962C8B-B14F-4D97-AF65-F5344CB8AC3E}">
-        <p14:creationId xmlns:p14="http://schemas.microsoft.com/office/powerpoint/2010/main" val="1619065113"/>
+        <p14:creationId xmlns:p14="http://schemas.microsoft.com/office/powerpoint/2010/main" val="1510460788"/>
       </p:ext>
     </p:extLst>
   </p:cSld>
@@ -2024,7 +2159,7 @@
           <a:p>
             <a:fld id="{D1948313-5CBC-4C3A-A1C1-87A108B3BBD8}" type="slidenum">
               <a:rPr lang="zh-TW" altLang="en-US" smtClean="0"/>
-              <a:t>40</a:t>
+              <a:t>39</a:t>
             </a:fld>
             <a:endParaRPr lang="zh-TW" altLang="en-US"/>
           </a:p>
@@ -2033,7 +2168,7 @@
     </p:spTree>
     <p:extLst>
       <p:ext uri="{BB962C8B-B14F-4D97-AF65-F5344CB8AC3E}">
-        <p14:creationId xmlns:p14="http://schemas.microsoft.com/office/powerpoint/2010/main" val="3799209600"/>
+        <p14:creationId xmlns:p14="http://schemas.microsoft.com/office/powerpoint/2010/main" val="2202365968"/>
       </p:ext>
     </p:extLst>
   </p:cSld>
@@ -2108,7 +2243,7 @@
           <a:p>
             <a:fld id="{D1948313-5CBC-4C3A-A1C1-87A108B3BBD8}" type="slidenum">
               <a:rPr lang="zh-TW" altLang="en-US" smtClean="0"/>
-              <a:t>41</a:t>
+              <a:t>40</a:t>
             </a:fld>
             <a:endParaRPr lang="zh-TW" altLang="en-US"/>
           </a:p>
@@ -2117,7 +2252,7 @@
     </p:spTree>
     <p:extLst>
       <p:ext uri="{BB962C8B-B14F-4D97-AF65-F5344CB8AC3E}">
-        <p14:creationId xmlns:p14="http://schemas.microsoft.com/office/powerpoint/2010/main" val="3937655924"/>
+        <p14:creationId xmlns:p14="http://schemas.microsoft.com/office/powerpoint/2010/main" val="1651858121"/>
       </p:ext>
     </p:extLst>
   </p:cSld>
@@ -2201,7 +2336,7 @@
     </p:spTree>
     <p:extLst>
       <p:ext uri="{BB962C8B-B14F-4D97-AF65-F5344CB8AC3E}">
-        <p14:creationId xmlns:p14="http://schemas.microsoft.com/office/powerpoint/2010/main" val="4136244169"/>
+        <p14:creationId xmlns:p14="http://schemas.microsoft.com/office/powerpoint/2010/main" val="1619065113"/>
       </p:ext>
     </p:extLst>
   </p:cSld>
@@ -2285,7 +2420,7 @@
     </p:spTree>
     <p:extLst>
       <p:ext uri="{BB962C8B-B14F-4D97-AF65-F5344CB8AC3E}">
-        <p14:creationId xmlns:p14="http://schemas.microsoft.com/office/powerpoint/2010/main" val="2113459851"/>
+        <p14:creationId xmlns:p14="http://schemas.microsoft.com/office/powerpoint/2010/main" val="3799209600"/>
       </p:ext>
     </p:extLst>
   </p:cSld>
@@ -2369,7 +2504,7 @@
     </p:spTree>
     <p:extLst>
       <p:ext uri="{BB962C8B-B14F-4D97-AF65-F5344CB8AC3E}">
-        <p14:creationId xmlns:p14="http://schemas.microsoft.com/office/powerpoint/2010/main" val="1944659428"/>
+        <p14:creationId xmlns:p14="http://schemas.microsoft.com/office/powerpoint/2010/main" val="3937655924"/>
       </p:ext>
     </p:extLst>
   </p:cSld>
@@ -2453,7 +2588,7 @@
     </p:spTree>
     <p:extLst>
       <p:ext uri="{BB962C8B-B14F-4D97-AF65-F5344CB8AC3E}">
-        <p14:creationId xmlns:p14="http://schemas.microsoft.com/office/powerpoint/2010/main" val="3845394718"/>
+        <p14:creationId xmlns:p14="http://schemas.microsoft.com/office/powerpoint/2010/main" val="4136244169"/>
       </p:ext>
     </p:extLst>
   </p:cSld>
@@ -2537,7 +2672,7 @@
     </p:spTree>
     <p:extLst>
       <p:ext uri="{BB962C8B-B14F-4D97-AF65-F5344CB8AC3E}">
-        <p14:creationId xmlns:p14="http://schemas.microsoft.com/office/powerpoint/2010/main" val="2214356638"/>
+        <p14:creationId xmlns:p14="http://schemas.microsoft.com/office/powerpoint/2010/main" val="2113459851"/>
       </p:ext>
     </p:extLst>
   </p:cSld>
@@ -2591,78 +2726,7 @@
           <a:bodyPr/>
           <a:lstStyle/>
           <a:p>
-            <a:pPr marL="0" marR="0" lvl="0" indent="0" algn="l" defTabSz="914400" rtl="0" eaLnBrk="1" fontAlgn="auto" latinLnBrk="0" hangingPunct="1">
-              <a:lnSpc>
-                <a:spcPct val="100000"/>
-              </a:lnSpc>
-              <a:spcBef>
-                <a:spcPts val="0"/>
-              </a:spcBef>
-              <a:spcAft>
-                <a:spcPts val="0"/>
-              </a:spcAft>
-              <a:buClrTx/>
-              <a:buSzTx/>
-              <a:buFontTx/>
-              <a:buNone/>
-              <a:tabLst/>
-              <a:defRPr/>
-            </a:pPr>
-            <a:r>
-              <a:rPr lang="zh-TW" altLang="en-US" dirty="0" smtClean="0"/>
-              <a:t>今日主要以</a:t>
-            </a:r>
-            <a:r>
-              <a:rPr lang="en-US" altLang="zh-TW" dirty="0" smtClean="0"/>
-              <a:t>VS2017</a:t>
-            </a:r>
-            <a:r>
-              <a:rPr lang="zh-TW" altLang="en-US" dirty="0" smtClean="0"/>
-              <a:t>、</a:t>
-            </a:r>
-            <a:r>
-              <a:rPr lang="en-US" altLang="zh-TW" dirty="0" smtClean="0"/>
-              <a:t>.NET</a:t>
-            </a:r>
-            <a:r>
-              <a:rPr lang="zh-TW" altLang="en-US" dirty="0" smtClean="0"/>
-              <a:t> </a:t>
-            </a:r>
-            <a:r>
-              <a:rPr lang="en-US" altLang="zh-TW" dirty="0" smtClean="0"/>
-              <a:t>4.5</a:t>
-            </a:r>
-            <a:r>
-              <a:rPr lang="zh-TW" altLang="en-US" dirty="0" smtClean="0"/>
-              <a:t>來介紹與實作，</a:t>
-            </a:r>
-            <a:r>
-              <a:rPr lang="en-US" altLang="zh-TW" dirty="0" smtClean="0"/>
-              <a:t>VS2019</a:t>
-            </a:r>
-            <a:r>
-              <a:rPr lang="zh-TW" altLang="en-US" dirty="0" smtClean="0"/>
-              <a:t>、</a:t>
-            </a:r>
-            <a:r>
-              <a:rPr lang="en-US" altLang="zh-TW" dirty="0" smtClean="0"/>
-              <a:t>.NET</a:t>
-            </a:r>
-            <a:r>
-              <a:rPr lang="zh-TW" altLang="en-US" dirty="0" smtClean="0"/>
-              <a:t> </a:t>
-            </a:r>
-            <a:r>
-              <a:rPr lang="en-US" altLang="zh-TW" dirty="0" smtClean="0"/>
-              <a:t>Core</a:t>
-            </a:r>
-            <a:r>
-              <a:rPr lang="zh-TW" altLang="en-US" dirty="0" smtClean="0"/>
-              <a:t>的部分也會講到一點</a:t>
-            </a:r>
-          </a:p>
-          <a:p>
-            <a:endParaRPr lang="zh-TW" altLang="en-US" dirty="0"/>
+            <a:endParaRPr lang="zh-TW" altLang="en-US" dirty="0" smtClean="0"/>
           </a:p>
         </p:txBody>
       </p:sp>
@@ -2692,7 +2756,7 @@
     </p:spTree>
     <p:extLst>
       <p:ext uri="{BB962C8B-B14F-4D97-AF65-F5344CB8AC3E}">
-        <p14:creationId xmlns:p14="http://schemas.microsoft.com/office/powerpoint/2010/main" val="305809692"/>
+        <p14:creationId xmlns:p14="http://schemas.microsoft.com/office/powerpoint/2010/main" val="2362610489"/>
       </p:ext>
     </p:extLst>
   </p:cSld>
@@ -2776,7 +2840,7 @@
     </p:spTree>
     <p:extLst>
       <p:ext uri="{BB962C8B-B14F-4D97-AF65-F5344CB8AC3E}">
-        <p14:creationId xmlns:p14="http://schemas.microsoft.com/office/powerpoint/2010/main" val="1637959252"/>
+        <p14:creationId xmlns:p14="http://schemas.microsoft.com/office/powerpoint/2010/main" val="1944659428"/>
       </p:ext>
     </p:extLst>
   </p:cSld>
@@ -2860,7 +2924,7 @@
     </p:spTree>
     <p:extLst>
       <p:ext uri="{BB962C8B-B14F-4D97-AF65-F5344CB8AC3E}">
-        <p14:creationId xmlns:p14="http://schemas.microsoft.com/office/powerpoint/2010/main" val="4206616355"/>
+        <p14:creationId xmlns:p14="http://schemas.microsoft.com/office/powerpoint/2010/main" val="3845394718"/>
       </p:ext>
     </p:extLst>
   </p:cSld>
@@ -2944,7 +3008,7 @@
     </p:spTree>
     <p:extLst>
       <p:ext uri="{BB962C8B-B14F-4D97-AF65-F5344CB8AC3E}">
-        <p14:creationId xmlns:p14="http://schemas.microsoft.com/office/powerpoint/2010/main" val="63467006"/>
+        <p14:creationId xmlns:p14="http://schemas.microsoft.com/office/powerpoint/2010/main" val="2214356638"/>
       </p:ext>
     </p:extLst>
   </p:cSld>
@@ -3028,7 +3092,7 @@
     </p:spTree>
     <p:extLst>
       <p:ext uri="{BB962C8B-B14F-4D97-AF65-F5344CB8AC3E}">
-        <p14:creationId xmlns:p14="http://schemas.microsoft.com/office/powerpoint/2010/main" val="3230389232"/>
+        <p14:creationId xmlns:p14="http://schemas.microsoft.com/office/powerpoint/2010/main" val="1637959252"/>
       </p:ext>
     </p:extLst>
   </p:cSld>
@@ -3112,7 +3176,7 @@
     </p:spTree>
     <p:extLst>
       <p:ext uri="{BB962C8B-B14F-4D97-AF65-F5344CB8AC3E}">
-        <p14:creationId xmlns:p14="http://schemas.microsoft.com/office/powerpoint/2010/main" val="4084411148"/>
+        <p14:creationId xmlns:p14="http://schemas.microsoft.com/office/powerpoint/2010/main" val="4206616355"/>
       </p:ext>
     </p:extLst>
   </p:cSld>
@@ -3196,7 +3260,7 @@
     </p:spTree>
     <p:extLst>
       <p:ext uri="{BB962C8B-B14F-4D97-AF65-F5344CB8AC3E}">
-        <p14:creationId xmlns:p14="http://schemas.microsoft.com/office/powerpoint/2010/main" val="3436294762"/>
+        <p14:creationId xmlns:p14="http://schemas.microsoft.com/office/powerpoint/2010/main" val="63467006"/>
       </p:ext>
     </p:extLst>
   </p:cSld>
@@ -3280,7 +3344,7 @@
     </p:spTree>
     <p:extLst>
       <p:ext uri="{BB962C8B-B14F-4D97-AF65-F5344CB8AC3E}">
-        <p14:creationId xmlns:p14="http://schemas.microsoft.com/office/powerpoint/2010/main" val="977325148"/>
+        <p14:creationId xmlns:p14="http://schemas.microsoft.com/office/powerpoint/2010/main" val="3230389232"/>
       </p:ext>
     </p:extLst>
   </p:cSld>
@@ -3364,7 +3428,7 @@
     </p:spTree>
     <p:extLst>
       <p:ext uri="{BB962C8B-B14F-4D97-AF65-F5344CB8AC3E}">
-        <p14:creationId xmlns:p14="http://schemas.microsoft.com/office/powerpoint/2010/main" val="1693092001"/>
+        <p14:creationId xmlns:p14="http://schemas.microsoft.com/office/powerpoint/2010/main" val="4084411148"/>
       </p:ext>
     </p:extLst>
   </p:cSld>
@@ -3448,7 +3512,7 @@
     </p:spTree>
     <p:extLst>
       <p:ext uri="{BB962C8B-B14F-4D97-AF65-F5344CB8AC3E}">
-        <p14:creationId xmlns:p14="http://schemas.microsoft.com/office/powerpoint/2010/main" val="403064465"/>
+        <p14:creationId xmlns:p14="http://schemas.microsoft.com/office/powerpoint/2010/main" val="3436294762"/>
       </p:ext>
     </p:extLst>
   </p:cSld>
@@ -3532,7 +3596,7 @@
     </p:spTree>
     <p:extLst>
       <p:ext uri="{BB962C8B-B14F-4D97-AF65-F5344CB8AC3E}">
-        <p14:creationId xmlns:p14="http://schemas.microsoft.com/office/powerpoint/2010/main" val="2473548469"/>
+        <p14:creationId xmlns:p14="http://schemas.microsoft.com/office/powerpoint/2010/main" val="977325148"/>
       </p:ext>
     </p:extLst>
   </p:cSld>
@@ -3604,147 +3668,60 @@
               <a:defRPr/>
             </a:pPr>
             <a:r>
-              <a:rPr lang="zh-TW" altLang="en-US" sz="1200" dirty="0" smtClean="0">
-                <a:latin typeface="微軟正黑體" panose="020B0604030504040204" pitchFamily="34" charset="-120"/>
-                <a:ea typeface="微軟正黑體" panose="020B0604030504040204" pitchFamily="34" charset="-120"/>
-              </a:rPr>
-              <a:t>例：先想像你是一家餐廳的</a:t>
-            </a:r>
-            <a:r>
-              <a:rPr lang="zh-TW" altLang="en-US" sz="1200" b="1" dirty="0" smtClean="0">
-                <a:latin typeface="微軟正黑體" panose="020B0604030504040204" pitchFamily="34" charset="-120"/>
-                <a:ea typeface="微軟正黑體" panose="020B0604030504040204" pitchFamily="34" charset="-120"/>
-              </a:rPr>
-              <a:t>客人</a:t>
-            </a:r>
-            <a:r>
-              <a:rPr lang="zh-TW" altLang="en-US" sz="1200" dirty="0" smtClean="0">
-                <a:latin typeface="微軟正黑體" panose="020B0604030504040204" pitchFamily="34" charset="-120"/>
-                <a:ea typeface="微軟正黑體" panose="020B0604030504040204" pitchFamily="34" charset="-120"/>
-              </a:rPr>
-              <a:t>，然後你拿</a:t>
-            </a:r>
-            <a:r>
-              <a:rPr lang="zh-TW" altLang="en-US" sz="1200" b="1" dirty="0" smtClean="0">
-                <a:latin typeface="微軟正黑體" panose="020B0604030504040204" pitchFamily="34" charset="-120"/>
-                <a:ea typeface="微軟正黑體" panose="020B0604030504040204" pitchFamily="34" charset="-120"/>
-              </a:rPr>
-              <a:t>訂單</a:t>
-            </a:r>
-            <a:r>
-              <a:rPr lang="zh-TW" altLang="en-US" sz="1200" dirty="0" smtClean="0">
-                <a:latin typeface="微軟正黑體" panose="020B0604030504040204" pitchFamily="34" charset="-120"/>
-                <a:ea typeface="微軟正黑體" panose="020B0604030504040204" pitchFamily="34" charset="-120"/>
-              </a:rPr>
-              <a:t>紀錄你是第幾桌、點了什麼餐點等，再將訂單給</a:t>
-            </a:r>
-            <a:r>
-              <a:rPr lang="zh-TW" altLang="en-US" sz="1200" b="1" dirty="0" smtClean="0">
-                <a:latin typeface="微軟正黑體" panose="020B0604030504040204" pitchFamily="34" charset="-120"/>
-                <a:ea typeface="微軟正黑體" panose="020B0604030504040204" pitchFamily="34" charset="-120"/>
-              </a:rPr>
-              <a:t>服務生</a:t>
-            </a:r>
-            <a:r>
-              <a:rPr lang="zh-TW" altLang="en-US" sz="1200" dirty="0" smtClean="0">
-                <a:latin typeface="微軟正黑體" panose="020B0604030504040204" pitchFamily="34" charset="-120"/>
-                <a:ea typeface="微軟正黑體" panose="020B0604030504040204" pitchFamily="34" charset="-120"/>
-              </a:rPr>
-              <a:t>，之後服務生將訂單交給</a:t>
-            </a:r>
-            <a:r>
-              <a:rPr lang="zh-TW" altLang="en-US" sz="1200" b="1" dirty="0" smtClean="0">
-                <a:latin typeface="微軟正黑體" panose="020B0604030504040204" pitchFamily="34" charset="-120"/>
-                <a:ea typeface="微軟正黑體" panose="020B0604030504040204" pitchFamily="34" charset="-120"/>
-              </a:rPr>
-              <a:t>廚房</a:t>
-            </a:r>
-            <a:r>
-              <a:rPr lang="zh-TW" altLang="en-US" sz="1200" dirty="0" smtClean="0">
-                <a:latin typeface="微軟正黑體" panose="020B0604030504040204" pitchFamily="34" charset="-120"/>
-                <a:ea typeface="微軟正黑體" panose="020B0604030504040204" pitchFamily="34" charset="-120"/>
-              </a:rPr>
-              <a:t>，廚房做好後，服務生再將餐點送回給你。</a:t>
-            </a:r>
-            <a:r>
-              <a:rPr lang="zh-TW" altLang="en-US" sz="1200" b="1" dirty="0" smtClean="0">
-                <a:latin typeface="微軟正黑體" panose="020B0604030504040204" pitchFamily="34" charset="-120"/>
-                <a:ea typeface="微軟正黑體" panose="020B0604030504040204" pitchFamily="34" charset="-120"/>
-              </a:rPr>
-              <a:t>服務生就是客人和廚房的溝通橋樑。</a:t>
-            </a:r>
-            <a:endParaRPr lang="en-US" altLang="zh-TW" sz="1200" b="1" dirty="0" smtClean="0">
-              <a:latin typeface="微軟正黑體" panose="020B0604030504040204" pitchFamily="34" charset="-120"/>
-              <a:ea typeface="微軟正黑體" panose="020B0604030504040204" pitchFamily="34" charset="-120"/>
-            </a:endParaRPr>
-          </a:p>
-          <a:p>
-            <a:pPr marL="0" marR="0" lvl="0" indent="0" algn="l" defTabSz="914400" rtl="0" eaLnBrk="1" fontAlgn="auto" latinLnBrk="0" hangingPunct="1">
-              <a:lnSpc>
-                <a:spcPct val="100000"/>
-              </a:lnSpc>
-              <a:spcBef>
-                <a:spcPts val="0"/>
-              </a:spcBef>
-              <a:spcAft>
-                <a:spcPts val="0"/>
-              </a:spcAft>
-              <a:buClrTx/>
-              <a:buSzTx/>
-              <a:buFontTx/>
-              <a:buNone/>
-              <a:tabLst/>
-              <a:defRPr/>
-            </a:pPr>
-            <a:r>
-              <a:rPr lang="zh-TW" altLang="en-US" sz="1200" b="1" dirty="0" smtClean="0">
-                <a:latin typeface="微軟正黑體" panose="020B0604030504040204" pitchFamily="34" charset="-120"/>
-                <a:ea typeface="微軟正黑體" panose="020B0604030504040204" pitchFamily="34" charset="-120"/>
-              </a:rPr>
-              <a:t>訂單就是我們的</a:t>
-            </a:r>
-            <a:r>
-              <a:rPr lang="en-US" altLang="zh-TW" sz="1200" b="1" dirty="0" smtClean="0">
-                <a:latin typeface="微軟正黑體" panose="020B0604030504040204" pitchFamily="34" charset="-120"/>
-                <a:ea typeface="微軟正黑體" panose="020B0604030504040204" pitchFamily="34" charset="-120"/>
-              </a:rPr>
-              <a:t>HTTP</a:t>
-            </a:r>
-            <a:r>
-              <a:rPr lang="zh-TW" altLang="en-US" sz="1200" b="1" dirty="0" smtClean="0">
-                <a:latin typeface="微軟正黑體" panose="020B0604030504040204" pitchFamily="34" charset="-120"/>
-                <a:ea typeface="微軟正黑體" panose="020B0604030504040204" pitchFamily="34" charset="-120"/>
-              </a:rPr>
-              <a:t>資訊</a:t>
-            </a:r>
-            <a:r>
-              <a:rPr lang="en-US" altLang="zh-TW" sz="1200" b="1" dirty="0" smtClean="0">
-                <a:latin typeface="微軟正黑體" panose="020B0604030504040204" pitchFamily="34" charset="-120"/>
-                <a:ea typeface="微軟正黑體" panose="020B0604030504040204" pitchFamily="34" charset="-120"/>
-              </a:rPr>
-              <a:t>(</a:t>
-            </a:r>
-            <a:r>
-              <a:rPr lang="zh-TW" altLang="en-US" sz="1200" b="1" dirty="0" smtClean="0">
-                <a:latin typeface="微軟正黑體" panose="020B0604030504040204" pitchFamily="34" charset="-120"/>
-                <a:ea typeface="微軟正黑體" panose="020B0604030504040204" pitchFamily="34" charset="-120"/>
-              </a:rPr>
-              <a:t>規範資料格式跟傳遞方法等</a:t>
-            </a:r>
-            <a:r>
-              <a:rPr lang="en-US" altLang="zh-TW" sz="1200" b="1" dirty="0" smtClean="0">
-                <a:latin typeface="微軟正黑體" panose="020B0604030504040204" pitchFamily="34" charset="-120"/>
-                <a:ea typeface="微軟正黑體" panose="020B0604030504040204" pitchFamily="34" charset="-120"/>
-              </a:rPr>
-              <a:t>)</a:t>
-            </a:r>
-            <a:endParaRPr lang="zh-TW" altLang="en-US" sz="1200" dirty="0" smtClean="0">
-              <a:latin typeface="微軟正黑體" panose="020B0604030504040204" pitchFamily="34" charset="-120"/>
-              <a:ea typeface="微軟正黑體" panose="020B0604030504040204" pitchFamily="34" charset="-120"/>
-            </a:endParaRPr>
-          </a:p>
-          <a:p>
-            <a:endParaRPr lang="en-US" altLang="zh-TW" dirty="0" smtClean="0"/>
+              <a:rPr lang="zh-TW" altLang="en-US" dirty="0" smtClean="0"/>
+              <a:t>今日主要以</a:t>
+            </a:r>
+            <a:r>
+              <a:rPr lang="en-US" altLang="zh-TW" dirty="0" smtClean="0"/>
+              <a:t>VS2017</a:t>
+            </a:r>
+            <a:r>
+              <a:rPr lang="zh-TW" altLang="en-US" dirty="0" smtClean="0"/>
+              <a:t>、</a:t>
+            </a:r>
+            <a:r>
+              <a:rPr lang="en-US" altLang="zh-TW" dirty="0" smtClean="0"/>
+              <a:t>.NET</a:t>
+            </a:r>
+            <a:r>
+              <a:rPr lang="zh-TW" altLang="en-US" dirty="0" smtClean="0"/>
+              <a:t> </a:t>
+            </a:r>
+            <a:r>
+              <a:rPr lang="en-US" altLang="zh-TW" dirty="0" smtClean="0"/>
+              <a:t>4.5</a:t>
+            </a:r>
+            <a:r>
+              <a:rPr lang="zh-TW" altLang="en-US" dirty="0" smtClean="0"/>
+              <a:t>來介紹與實作，</a:t>
+            </a:r>
+            <a:r>
+              <a:rPr lang="en-US" altLang="zh-TW" dirty="0" smtClean="0"/>
+              <a:t>VS2019</a:t>
+            </a:r>
+            <a:r>
+              <a:rPr lang="zh-TW" altLang="en-US" dirty="0" smtClean="0"/>
+              <a:t>、</a:t>
+            </a:r>
+            <a:r>
+              <a:rPr lang="en-US" altLang="zh-TW" dirty="0" smtClean="0"/>
+              <a:t>.NET</a:t>
+            </a:r>
+            <a:r>
+              <a:rPr lang="zh-TW" altLang="en-US" dirty="0" smtClean="0"/>
+              <a:t> </a:t>
+            </a:r>
+            <a:r>
+              <a:rPr lang="en-US" altLang="zh-TW" dirty="0" smtClean="0"/>
+              <a:t>Core</a:t>
+            </a:r>
+            <a:r>
+              <a:rPr lang="zh-TW" altLang="en-US" dirty="0" smtClean="0"/>
+              <a:t>的部分也會講到一點</a:t>
+            </a:r>
+          </a:p>
+          <a:p>
+            <a:endParaRPr lang="zh-TW" altLang="en-US" dirty="0"/>
           </a:p>
         </p:txBody>
       </p:sp>
@@ -3765,7 +3742,7 @@
           <a:p>
             <a:fld id="{D1948313-5CBC-4C3A-A1C1-87A108B3BBD8}" type="slidenum">
               <a:rPr lang="zh-TW" altLang="en-US" smtClean="0"/>
-              <a:t>8</a:t>
+              <a:t>7</a:t>
             </a:fld>
             <a:endParaRPr lang="zh-TW" altLang="en-US"/>
           </a:p>
@@ -3774,7 +3751,7 @@
     </p:spTree>
     <p:extLst>
       <p:ext uri="{BB962C8B-B14F-4D97-AF65-F5344CB8AC3E}">
-        <p14:creationId xmlns:p14="http://schemas.microsoft.com/office/powerpoint/2010/main" val="2988940586"/>
+        <p14:creationId xmlns:p14="http://schemas.microsoft.com/office/powerpoint/2010/main" val="305809692"/>
       </p:ext>
     </p:extLst>
   </p:cSld>
@@ -3858,7 +3835,7 @@
     </p:spTree>
     <p:extLst>
       <p:ext uri="{BB962C8B-B14F-4D97-AF65-F5344CB8AC3E}">
-        <p14:creationId xmlns:p14="http://schemas.microsoft.com/office/powerpoint/2010/main" val="2394353080"/>
+        <p14:creationId xmlns:p14="http://schemas.microsoft.com/office/powerpoint/2010/main" val="1693092001"/>
       </p:ext>
     </p:extLst>
   </p:cSld>
@@ -3942,7 +3919,7 @@
     </p:spTree>
     <p:extLst>
       <p:ext uri="{BB962C8B-B14F-4D97-AF65-F5344CB8AC3E}">
-        <p14:creationId xmlns:p14="http://schemas.microsoft.com/office/powerpoint/2010/main" val="891471205"/>
+        <p14:creationId xmlns:p14="http://schemas.microsoft.com/office/powerpoint/2010/main" val="403064465"/>
       </p:ext>
     </p:extLst>
   </p:cSld>
@@ -4026,7 +4003,7 @@
     </p:spTree>
     <p:extLst>
       <p:ext uri="{BB962C8B-B14F-4D97-AF65-F5344CB8AC3E}">
-        <p14:creationId xmlns:p14="http://schemas.microsoft.com/office/powerpoint/2010/main" val="3717023924"/>
+        <p14:creationId xmlns:p14="http://schemas.microsoft.com/office/powerpoint/2010/main" val="2473548469"/>
       </p:ext>
     </p:extLst>
   </p:cSld>
@@ -4101,7 +4078,7 @@
           <a:p>
             <a:fld id="{D1948313-5CBC-4C3A-A1C1-87A108B3BBD8}" type="slidenum">
               <a:rPr lang="zh-TW" altLang="en-US" smtClean="0"/>
-              <a:t>61</a:t>
+              <a:t>60</a:t>
             </a:fld>
             <a:endParaRPr lang="zh-TW" altLang="en-US"/>
           </a:p>
@@ -4110,7 +4087,7 @@
     </p:spTree>
     <p:extLst>
       <p:ext uri="{BB962C8B-B14F-4D97-AF65-F5344CB8AC3E}">
-        <p14:creationId xmlns:p14="http://schemas.microsoft.com/office/powerpoint/2010/main" val="3163614619"/>
+        <p14:creationId xmlns:p14="http://schemas.microsoft.com/office/powerpoint/2010/main" val="2394353080"/>
       </p:ext>
     </p:extLst>
   </p:cSld>
@@ -4185,7 +4162,7 @@
           <a:p>
             <a:fld id="{D1948313-5CBC-4C3A-A1C1-87A108B3BBD8}" type="slidenum">
               <a:rPr lang="zh-TW" altLang="en-US" smtClean="0"/>
-              <a:t>62</a:t>
+              <a:t>61</a:t>
             </a:fld>
             <a:endParaRPr lang="zh-TW" altLang="en-US"/>
           </a:p>
@@ -4194,7 +4171,7 @@
     </p:spTree>
     <p:extLst>
       <p:ext uri="{BB962C8B-B14F-4D97-AF65-F5344CB8AC3E}">
-        <p14:creationId xmlns:p14="http://schemas.microsoft.com/office/powerpoint/2010/main" val="3260018743"/>
+        <p14:creationId xmlns:p14="http://schemas.microsoft.com/office/powerpoint/2010/main" val="891471205"/>
       </p:ext>
     </p:extLst>
   </p:cSld>
@@ -4269,7 +4246,7 @@
           <a:p>
             <a:fld id="{D1948313-5CBC-4C3A-A1C1-87A108B3BBD8}" type="slidenum">
               <a:rPr lang="zh-TW" altLang="en-US" smtClean="0"/>
-              <a:t>63</a:t>
+              <a:t>62</a:t>
             </a:fld>
             <a:endParaRPr lang="zh-TW" altLang="en-US"/>
           </a:p>
@@ -4278,7 +4255,7 @@
     </p:spTree>
     <p:extLst>
       <p:ext uri="{BB962C8B-B14F-4D97-AF65-F5344CB8AC3E}">
-        <p14:creationId xmlns:p14="http://schemas.microsoft.com/office/powerpoint/2010/main" val="486173596"/>
+        <p14:creationId xmlns:p14="http://schemas.microsoft.com/office/powerpoint/2010/main" val="3717023924"/>
       </p:ext>
     </p:extLst>
   </p:cSld>
@@ -4332,6 +4309,10 @@
           <a:bodyPr/>
           <a:lstStyle/>
           <a:p>
+            <a:r>
+              <a:rPr lang="zh-TW" altLang="en-US" dirty="0" smtClean="0"/>
+              <a:t>例如：一家公司，該公司員工和公司要資料，公司會給他；若為外來者要和該公司要資料，公司會因無法辨別外來者身分，而不給予資料，除非該公司有設定允許該外來者存取資料</a:t>
+            </a:r>
             <a:endParaRPr lang="zh-TW" altLang="en-US" dirty="0"/>
           </a:p>
         </p:txBody>
@@ -4362,7 +4343,7 @@
     </p:spTree>
     <p:extLst>
       <p:ext uri="{BB962C8B-B14F-4D97-AF65-F5344CB8AC3E}">
-        <p14:creationId xmlns:p14="http://schemas.microsoft.com/office/powerpoint/2010/main" val="928530861"/>
+        <p14:creationId xmlns:p14="http://schemas.microsoft.com/office/powerpoint/2010/main" val="3163614619"/>
       </p:ext>
     </p:extLst>
   </p:cSld>
@@ -4416,215 +4397,6 @@
           <a:bodyPr/>
           <a:lstStyle/>
           <a:p>
-            <a:r>
-              <a:rPr lang="zh-TW" altLang="en-US" sz="1200" b="0" i="0" kern="1200" dirty="0" smtClean="0">
-                <a:solidFill>
-                  <a:schemeClr val="tx1"/>
-                </a:solidFill>
-                <a:effectLst/>
-                <a:latin typeface="+mn-lt"/>
-                <a:ea typeface="+mn-ea"/>
-                <a:cs typeface="+mn-cs"/>
-              </a:rPr>
-              <a:t>這邊用</a:t>
-            </a:r>
-            <a:r>
-              <a:rPr lang="en-US" altLang="zh-TW" sz="1200" b="0" i="0" kern="1200" dirty="0" err="1" smtClean="0">
-                <a:solidFill>
-                  <a:schemeClr val="tx1"/>
-                </a:solidFill>
-                <a:effectLst/>
-                <a:latin typeface="+mn-lt"/>
-                <a:ea typeface="+mn-ea"/>
-                <a:cs typeface="+mn-cs"/>
-              </a:rPr>
-              <a:t>axios</a:t>
-            </a:r>
-            <a:r>
-              <a:rPr lang="zh-TW" altLang="en-US" sz="1200" b="0" i="0" kern="1200" dirty="0" smtClean="0">
-                <a:solidFill>
-                  <a:schemeClr val="tx1"/>
-                </a:solidFill>
-                <a:effectLst/>
-                <a:latin typeface="+mn-lt"/>
-                <a:ea typeface="+mn-ea"/>
-                <a:cs typeface="+mn-cs"/>
-              </a:rPr>
-              <a:t>呼叫賣座電影的</a:t>
-            </a:r>
-            <a:r>
-              <a:rPr lang="en-US" altLang="zh-TW" sz="1200" b="0" i="0" kern="1200" dirty="0" smtClean="0">
-                <a:solidFill>
-                  <a:schemeClr val="tx1"/>
-                </a:solidFill>
-                <a:effectLst/>
-                <a:latin typeface="+mn-lt"/>
-                <a:ea typeface="+mn-ea"/>
-                <a:cs typeface="+mn-cs"/>
-              </a:rPr>
-              <a:t>API</a:t>
-            </a:r>
-            <a:r>
-              <a:rPr lang="zh-TW" altLang="en-US" sz="1200" b="0" i="0" kern="1200" dirty="0" smtClean="0">
-                <a:solidFill>
-                  <a:schemeClr val="tx1"/>
-                </a:solidFill>
-                <a:effectLst/>
-                <a:latin typeface="+mn-lt"/>
-                <a:ea typeface="+mn-ea"/>
-                <a:cs typeface="+mn-cs"/>
-              </a:rPr>
-              <a:t>舉例</a:t>
-            </a:r>
-            <a:endParaRPr lang="en-US" altLang="zh-TW" sz="1200" b="0" i="0" kern="1200" dirty="0" smtClean="0">
-              <a:solidFill>
-                <a:schemeClr val="tx1"/>
-              </a:solidFill>
-              <a:effectLst/>
-              <a:latin typeface="+mn-lt"/>
-              <a:ea typeface="+mn-ea"/>
-              <a:cs typeface="+mn-cs"/>
-            </a:endParaRPr>
-          </a:p>
-          <a:p>
-            <a:r>
-              <a:rPr lang="en-US" altLang="zh-TW" sz="1200" b="0" i="0" kern="1200" dirty="0" smtClean="0">
-                <a:solidFill>
-                  <a:schemeClr val="tx1"/>
-                </a:solidFill>
-                <a:effectLst/>
-                <a:latin typeface="+mn-lt"/>
-                <a:ea typeface="+mn-ea"/>
-                <a:cs typeface="+mn-cs"/>
-              </a:rPr>
-              <a:t>header</a:t>
-            </a:r>
-            <a:r>
-              <a:rPr lang="zh-TW" altLang="en-US" sz="1200" b="0" i="0" kern="1200" dirty="0" smtClean="0">
-                <a:solidFill>
-                  <a:schemeClr val="tx1"/>
-                </a:solidFill>
-                <a:effectLst/>
-                <a:latin typeface="+mn-lt"/>
-                <a:ea typeface="+mn-ea"/>
-                <a:cs typeface="+mn-cs"/>
-              </a:rPr>
-              <a:t>參數可以在開發人員工具的</a:t>
-            </a:r>
-            <a:r>
-              <a:rPr lang="en-US" altLang="zh-TW" sz="1200" b="0" i="0" kern="1200" dirty="0" smtClean="0">
-                <a:solidFill>
-                  <a:schemeClr val="tx1"/>
-                </a:solidFill>
-                <a:effectLst/>
-                <a:latin typeface="+mn-lt"/>
-                <a:ea typeface="+mn-ea"/>
-                <a:cs typeface="+mn-cs"/>
-              </a:rPr>
-              <a:t>network</a:t>
-            </a:r>
-            <a:r>
-              <a:rPr lang="zh-TW" altLang="en-US" sz="1200" b="0" i="0" kern="1200" dirty="0" smtClean="0">
-                <a:solidFill>
-                  <a:schemeClr val="tx1"/>
-                </a:solidFill>
-                <a:effectLst/>
-                <a:latin typeface="+mn-lt"/>
-                <a:ea typeface="+mn-ea"/>
-                <a:cs typeface="+mn-cs"/>
-              </a:rPr>
-              <a:t>那邊看該請求的</a:t>
-            </a:r>
-            <a:r>
-              <a:rPr lang="en-US" altLang="zh-TW" sz="1200" b="0" i="0" kern="1200" dirty="0" smtClean="0">
-                <a:solidFill>
-                  <a:schemeClr val="tx1"/>
-                </a:solidFill>
-                <a:effectLst/>
-                <a:latin typeface="+mn-lt"/>
-                <a:ea typeface="+mn-ea"/>
-                <a:cs typeface="+mn-cs"/>
-              </a:rPr>
-              <a:t>Request Headers</a:t>
-            </a:r>
-          </a:p>
-          <a:p>
-            <a:r>
-              <a:rPr lang="zh-TW" altLang="en-US" sz="1200" b="0" i="0" kern="1200" dirty="0" smtClean="0">
-                <a:solidFill>
-                  <a:schemeClr val="tx1"/>
-                </a:solidFill>
-                <a:effectLst/>
-                <a:latin typeface="+mn-lt"/>
-                <a:ea typeface="+mn-ea"/>
-                <a:cs typeface="+mn-cs"/>
-              </a:rPr>
-              <a:t>通常是</a:t>
-            </a:r>
-            <a:r>
-              <a:rPr lang="en-US" altLang="zh-TW" sz="1200" b="0" i="0" kern="1200" dirty="0" smtClean="0">
-                <a:solidFill>
-                  <a:schemeClr val="tx1"/>
-                </a:solidFill>
-                <a:effectLst/>
-                <a:latin typeface="+mn-lt"/>
-                <a:ea typeface="+mn-ea"/>
-                <a:cs typeface="+mn-cs"/>
-              </a:rPr>
-              <a:t>X-</a:t>
-            </a:r>
-            <a:r>
-              <a:rPr lang="zh-TW" altLang="en-US" sz="1200" b="0" i="0" kern="1200" dirty="0" smtClean="0">
-                <a:solidFill>
-                  <a:schemeClr val="tx1"/>
-                </a:solidFill>
-                <a:effectLst/>
-                <a:latin typeface="+mn-lt"/>
-                <a:ea typeface="+mn-ea"/>
-                <a:cs typeface="+mn-cs"/>
-              </a:rPr>
-              <a:t>開頭的參數，可自行測試需要帶哪個參數</a:t>
-            </a:r>
-          </a:p>
-          <a:p>
-            <a:r>
-              <a:rPr lang="zh-TW" altLang="en-US" sz="1200" b="0" i="0" kern="1200" dirty="0" smtClean="0">
-                <a:solidFill>
-                  <a:schemeClr val="tx1"/>
-                </a:solidFill>
-                <a:effectLst/>
-                <a:latin typeface="+mn-lt"/>
-                <a:ea typeface="+mn-ea"/>
-                <a:cs typeface="+mn-cs"/>
-              </a:rPr>
-              <a:t>傳送時</a:t>
-            </a:r>
-            <a:r>
-              <a:rPr lang="en-US" altLang="zh-TW" sz="1200" b="0" i="0" kern="1200" dirty="0" smtClean="0">
-                <a:solidFill>
-                  <a:schemeClr val="tx1"/>
-                </a:solidFill>
-                <a:effectLst/>
-                <a:latin typeface="+mn-lt"/>
-                <a:ea typeface="+mn-ea"/>
-                <a:cs typeface="+mn-cs"/>
-              </a:rPr>
-              <a:t>header</a:t>
-            </a:r>
-            <a:r>
-              <a:rPr lang="zh-TW" altLang="en-US" sz="1200" b="0" i="0" kern="1200" dirty="0" smtClean="0">
-                <a:solidFill>
-                  <a:schemeClr val="tx1"/>
-                </a:solidFill>
-                <a:effectLst/>
-                <a:latin typeface="+mn-lt"/>
-                <a:ea typeface="+mn-ea"/>
-                <a:cs typeface="+mn-cs"/>
-              </a:rPr>
-              <a:t>值要用字串型別傳送</a:t>
-            </a:r>
-          </a:p>
-          <a:p>
             <a:endParaRPr lang="zh-TW" altLang="en-US" dirty="0"/>
           </a:p>
         </p:txBody>
@@ -4655,7 +4427,7 @@
     </p:spTree>
     <p:extLst>
       <p:ext uri="{BB962C8B-B14F-4D97-AF65-F5344CB8AC3E}">
-        <p14:creationId xmlns:p14="http://schemas.microsoft.com/office/powerpoint/2010/main" val="3333158881"/>
+        <p14:creationId xmlns:p14="http://schemas.microsoft.com/office/powerpoint/2010/main" val="3260018743"/>
       </p:ext>
     </p:extLst>
   </p:cSld>
@@ -4730,7 +4502,7 @@
           <a:p>
             <a:fld id="{D1948313-5CBC-4C3A-A1C1-87A108B3BBD8}" type="slidenum">
               <a:rPr lang="zh-TW" altLang="en-US" smtClean="0"/>
-              <a:t>67</a:t>
+              <a:t>66</a:t>
             </a:fld>
             <a:endParaRPr lang="zh-TW" altLang="en-US"/>
           </a:p>
@@ -4739,7 +4511,7 @@
     </p:spTree>
     <p:extLst>
       <p:ext uri="{BB962C8B-B14F-4D97-AF65-F5344CB8AC3E}">
-        <p14:creationId xmlns:p14="http://schemas.microsoft.com/office/powerpoint/2010/main" val="679122859"/>
+        <p14:creationId xmlns:p14="http://schemas.microsoft.com/office/powerpoint/2010/main" val="486173596"/>
       </p:ext>
     </p:extLst>
   </p:cSld>
@@ -4814,7 +4586,7 @@
           <a:p>
             <a:fld id="{D1948313-5CBC-4C3A-A1C1-87A108B3BBD8}" type="slidenum">
               <a:rPr lang="zh-TW" altLang="en-US" smtClean="0"/>
-              <a:t>68</a:t>
+              <a:t>67</a:t>
             </a:fld>
             <a:endParaRPr lang="zh-TW" altLang="en-US"/>
           </a:p>
@@ -4823,7 +4595,7 @@
     </p:spTree>
     <p:extLst>
       <p:ext uri="{BB962C8B-B14F-4D97-AF65-F5344CB8AC3E}">
-        <p14:creationId xmlns:p14="http://schemas.microsoft.com/office/powerpoint/2010/main" val="3450323183"/>
+        <p14:creationId xmlns:p14="http://schemas.microsoft.com/office/powerpoint/2010/main" val="928530861"/>
       </p:ext>
     </p:extLst>
   </p:cSld>
@@ -4877,150 +4649,165 @@
           <a:bodyPr/>
           <a:lstStyle/>
           <a:p>
-            <a:r>
-              <a:rPr lang="zh-TW" altLang="en-US" dirty="0" smtClean="0">
-                <a:latin typeface="微軟正黑體" panose="020B0604030504040204" pitchFamily="34" charset="-120"/>
-                <a:ea typeface="微軟正黑體" panose="020B0604030504040204" pitchFamily="34" charset="-120"/>
-              </a:rPr>
-              <a:t>備註：</a:t>
-            </a:r>
-            <a:endParaRPr lang="en-US" altLang="zh-TW" dirty="0" smtClean="0">
+            <a:pPr marL="0" marR="0" lvl="0" indent="0" algn="l" defTabSz="914400" rtl="0" eaLnBrk="1" fontAlgn="auto" latinLnBrk="0" hangingPunct="1">
+              <a:lnSpc>
+                <a:spcPct val="100000"/>
+              </a:lnSpc>
+              <a:spcBef>
+                <a:spcPts val="0"/>
+              </a:spcBef>
+              <a:spcAft>
+                <a:spcPts val="0"/>
+              </a:spcAft>
+              <a:buClrTx/>
+              <a:buSzTx/>
+              <a:buFontTx/>
+              <a:buNone/>
+              <a:tabLst/>
+              <a:defRPr/>
+            </a:pPr>
+            <a:r>
+              <a:rPr lang="zh-TW" altLang="en-US" sz="1200" dirty="0" smtClean="0">
+                <a:latin typeface="微軟正黑體" panose="020B0604030504040204" pitchFamily="34" charset="-120"/>
+                <a:ea typeface="微軟正黑體" panose="020B0604030504040204" pitchFamily="34" charset="-120"/>
+              </a:rPr>
+              <a:t>例：先想像你是一家餐廳的</a:t>
+            </a:r>
+            <a:r>
+              <a:rPr lang="zh-TW" altLang="en-US" sz="1200" b="1" dirty="0" smtClean="0">
+                <a:latin typeface="微軟正黑體" panose="020B0604030504040204" pitchFamily="34" charset="-120"/>
+                <a:ea typeface="微軟正黑體" panose="020B0604030504040204" pitchFamily="34" charset="-120"/>
+              </a:rPr>
+              <a:t>客人</a:t>
+            </a:r>
+            <a:r>
+              <a:rPr lang="zh-TW" altLang="en-US" sz="1200" dirty="0" smtClean="0">
+                <a:latin typeface="微軟正黑體" panose="020B0604030504040204" pitchFamily="34" charset="-120"/>
+                <a:ea typeface="微軟正黑體" panose="020B0604030504040204" pitchFamily="34" charset="-120"/>
+              </a:rPr>
+              <a:t>，然後你拿</a:t>
+            </a:r>
+            <a:r>
+              <a:rPr lang="zh-TW" altLang="en-US" sz="1200" b="1" dirty="0" smtClean="0">
+                <a:latin typeface="微軟正黑體" panose="020B0604030504040204" pitchFamily="34" charset="-120"/>
+                <a:ea typeface="微軟正黑體" panose="020B0604030504040204" pitchFamily="34" charset="-120"/>
+              </a:rPr>
+              <a:t>訂單</a:t>
+            </a:r>
+            <a:r>
+              <a:rPr lang="zh-TW" altLang="en-US" sz="1200" dirty="0" smtClean="0">
+                <a:latin typeface="微軟正黑體" panose="020B0604030504040204" pitchFamily="34" charset="-120"/>
+                <a:ea typeface="微軟正黑體" panose="020B0604030504040204" pitchFamily="34" charset="-120"/>
+              </a:rPr>
+              <a:t>紀錄你是第幾桌、點了什麼餐點等，再將訂單給</a:t>
+            </a:r>
+            <a:r>
+              <a:rPr lang="zh-TW" altLang="en-US" sz="1200" b="1" dirty="0" smtClean="0">
+                <a:latin typeface="微軟正黑體" panose="020B0604030504040204" pitchFamily="34" charset="-120"/>
+                <a:ea typeface="微軟正黑體" panose="020B0604030504040204" pitchFamily="34" charset="-120"/>
+              </a:rPr>
+              <a:t>服務生</a:t>
+            </a:r>
+            <a:r>
+              <a:rPr lang="zh-TW" altLang="en-US" sz="1200" dirty="0" smtClean="0">
+                <a:latin typeface="微軟正黑體" panose="020B0604030504040204" pitchFamily="34" charset="-120"/>
+                <a:ea typeface="微軟正黑體" panose="020B0604030504040204" pitchFamily="34" charset="-120"/>
+              </a:rPr>
+              <a:t>，之後服務生將訂單交給</a:t>
+            </a:r>
+            <a:r>
+              <a:rPr lang="zh-TW" altLang="en-US" sz="1200" b="1" dirty="0" smtClean="0">
+                <a:latin typeface="微軟正黑體" panose="020B0604030504040204" pitchFamily="34" charset="-120"/>
+                <a:ea typeface="微軟正黑體" panose="020B0604030504040204" pitchFamily="34" charset="-120"/>
+              </a:rPr>
+              <a:t>廚房</a:t>
+            </a:r>
+            <a:r>
+              <a:rPr lang="zh-TW" altLang="en-US" sz="1200" dirty="0" smtClean="0">
+                <a:latin typeface="微軟正黑體" panose="020B0604030504040204" pitchFamily="34" charset="-120"/>
+                <a:ea typeface="微軟正黑體" panose="020B0604030504040204" pitchFamily="34" charset="-120"/>
+              </a:rPr>
+              <a:t>，廚房做好後，服務生再將餐點送回給你。</a:t>
+            </a:r>
+            <a:r>
+              <a:rPr lang="zh-TW" altLang="en-US" sz="1200" b="1" dirty="0" smtClean="0">
+                <a:latin typeface="微軟正黑體" panose="020B0604030504040204" pitchFamily="34" charset="-120"/>
+                <a:ea typeface="微軟正黑體" panose="020B0604030504040204" pitchFamily="34" charset="-120"/>
+              </a:rPr>
+              <a:t>服務生就是客人和廚房的溝通橋樑。</a:t>
+            </a:r>
+            <a:endParaRPr lang="en-US" altLang="zh-TW" sz="1200" b="1" dirty="0" smtClean="0">
               <a:latin typeface="微軟正黑體" panose="020B0604030504040204" pitchFamily="34" charset="-120"/>
               <a:ea typeface="微軟正黑體" panose="020B0604030504040204" pitchFamily="34" charset="-120"/>
             </a:endParaRPr>
           </a:p>
           <a:p>
-            <a:pPr marL="171450" indent="-171450">
-              <a:buFont typeface="Arial" panose="020B0604020202020204" pitchFamily="34" charset="0"/>
-              <a:buChar char="•"/>
+            <a:pPr marL="0" marR="0" lvl="0" indent="0" algn="l" defTabSz="914400" rtl="0" eaLnBrk="1" fontAlgn="auto" latinLnBrk="0" hangingPunct="1">
+              <a:lnSpc>
+                <a:spcPct val="100000"/>
+              </a:lnSpc>
+              <a:spcBef>
+                <a:spcPts val="0"/>
+              </a:spcBef>
+              <a:spcAft>
+                <a:spcPts val="0"/>
+              </a:spcAft>
+              <a:buClrTx/>
+              <a:buSzTx/>
+              <a:buFontTx/>
+              <a:buNone/>
+              <a:tabLst/>
+              <a:defRPr/>
             </a:pPr>
             <a:r>
-              <a:rPr lang="en-US" altLang="zh-TW" dirty="0" smtClean="0">
-                <a:latin typeface="微軟正黑體" panose="020B0604030504040204" pitchFamily="34" charset="-120"/>
-                <a:ea typeface="微軟正黑體" panose="020B0604030504040204" pitchFamily="34" charset="-120"/>
-              </a:rPr>
-              <a:t>CRUD </a:t>
-            </a:r>
-            <a:r>
-              <a:rPr lang="zh-TW" altLang="en-US" dirty="0" smtClean="0">
-                <a:latin typeface="微軟正黑體" panose="020B0604030504040204" pitchFamily="34" charset="-120"/>
-                <a:ea typeface="微軟正黑體" panose="020B0604030504040204" pitchFamily="34" charset="-120"/>
-              </a:rPr>
-              <a:t>為 </a:t>
-            </a:r>
-            <a:r>
-              <a:rPr lang="en-US" altLang="zh-TW" dirty="0" smtClean="0">
-                <a:latin typeface="微軟正黑體" panose="020B0604030504040204" pitchFamily="34" charset="-120"/>
-                <a:ea typeface="微軟正黑體" panose="020B0604030504040204" pitchFamily="34" charset="-120"/>
-              </a:rPr>
-              <a:t>Create(</a:t>
-            </a:r>
-            <a:r>
-              <a:rPr lang="zh-TW" altLang="en-US" dirty="0" smtClean="0">
-                <a:latin typeface="微軟正黑體" panose="020B0604030504040204" pitchFamily="34" charset="-120"/>
-                <a:ea typeface="微軟正黑體" panose="020B0604030504040204" pitchFamily="34" charset="-120"/>
-              </a:rPr>
-              <a:t>新增</a:t>
-            </a:r>
-            <a:r>
-              <a:rPr lang="en-US" altLang="zh-TW" dirty="0" smtClean="0">
+              <a:rPr lang="zh-TW" altLang="en-US" sz="1200" b="1" dirty="0" smtClean="0">
+                <a:latin typeface="微軟正黑體" panose="020B0604030504040204" pitchFamily="34" charset="-120"/>
+                <a:ea typeface="微軟正黑體" panose="020B0604030504040204" pitchFamily="34" charset="-120"/>
+              </a:rPr>
+              <a:t>訂單就是我們的</a:t>
+            </a:r>
+            <a:r>
+              <a:rPr lang="en-US" altLang="zh-TW" sz="1200" b="1" dirty="0" smtClean="0">
+                <a:latin typeface="微軟正黑體" panose="020B0604030504040204" pitchFamily="34" charset="-120"/>
+                <a:ea typeface="微軟正黑體" panose="020B0604030504040204" pitchFamily="34" charset="-120"/>
+              </a:rPr>
+              <a:t>HTTP</a:t>
+            </a:r>
+            <a:r>
+              <a:rPr lang="zh-TW" altLang="en-US" sz="1200" b="1" dirty="0" smtClean="0">
+                <a:latin typeface="微軟正黑體" panose="020B0604030504040204" pitchFamily="34" charset="-120"/>
+                <a:ea typeface="微軟正黑體" panose="020B0604030504040204" pitchFamily="34" charset="-120"/>
+              </a:rPr>
+              <a:t>資訊</a:t>
+            </a:r>
+            <a:r>
+              <a:rPr lang="en-US" altLang="zh-TW" sz="1200" b="1" dirty="0" smtClean="0">
+                <a:latin typeface="微軟正黑體" panose="020B0604030504040204" pitchFamily="34" charset="-120"/>
+                <a:ea typeface="微軟正黑體" panose="020B0604030504040204" pitchFamily="34" charset="-120"/>
+              </a:rPr>
+              <a:t>(</a:t>
+            </a:r>
+            <a:r>
+              <a:rPr lang="zh-TW" altLang="en-US" sz="1200" b="1" dirty="0" smtClean="0">
+                <a:latin typeface="微軟正黑體" panose="020B0604030504040204" pitchFamily="34" charset="-120"/>
+                <a:ea typeface="微軟正黑體" panose="020B0604030504040204" pitchFamily="34" charset="-120"/>
+              </a:rPr>
+              <a:t>規範資料格式跟傳遞方法等</a:t>
+            </a:r>
+            <a:r>
+              <a:rPr lang="en-US" altLang="zh-TW" sz="1200" b="1" dirty="0" smtClean="0">
                 <a:latin typeface="微軟正黑體" panose="020B0604030504040204" pitchFamily="34" charset="-120"/>
                 <a:ea typeface="微軟正黑體" panose="020B0604030504040204" pitchFamily="34" charset="-120"/>
               </a:rPr>
               <a:t>)</a:t>
             </a:r>
-            <a:r>
-              <a:rPr lang="zh-TW" altLang="en-US" dirty="0" smtClean="0">
-                <a:latin typeface="微軟正黑體" panose="020B0604030504040204" pitchFamily="34" charset="-120"/>
-                <a:ea typeface="微軟正黑體" panose="020B0604030504040204" pitchFamily="34" charset="-120"/>
-              </a:rPr>
-              <a:t>、</a:t>
-            </a:r>
-            <a:r>
-              <a:rPr lang="en-US" altLang="zh-TW" dirty="0" smtClean="0">
-                <a:latin typeface="微軟正黑體" panose="020B0604030504040204" pitchFamily="34" charset="-120"/>
-                <a:ea typeface="微軟正黑體" panose="020B0604030504040204" pitchFamily="34" charset="-120"/>
-              </a:rPr>
-              <a:t>Read(</a:t>
-            </a:r>
-            <a:r>
-              <a:rPr lang="zh-TW" altLang="en-US" dirty="0" smtClean="0">
-                <a:latin typeface="微軟正黑體" panose="020B0604030504040204" pitchFamily="34" charset="-120"/>
-                <a:ea typeface="微軟正黑體" panose="020B0604030504040204" pitchFamily="34" charset="-120"/>
-              </a:rPr>
-              <a:t>讀取</a:t>
-            </a:r>
-            <a:r>
-              <a:rPr lang="en-US" altLang="zh-TW" dirty="0" smtClean="0">
-                <a:latin typeface="微軟正黑體" panose="020B0604030504040204" pitchFamily="34" charset="-120"/>
-                <a:ea typeface="微軟正黑體" panose="020B0604030504040204" pitchFamily="34" charset="-120"/>
-              </a:rPr>
-              <a:t>)</a:t>
-            </a:r>
-            <a:r>
-              <a:rPr lang="zh-TW" altLang="en-US" dirty="0" smtClean="0">
-                <a:latin typeface="微軟正黑體" panose="020B0604030504040204" pitchFamily="34" charset="-120"/>
-                <a:ea typeface="微軟正黑體" panose="020B0604030504040204" pitchFamily="34" charset="-120"/>
-              </a:rPr>
-              <a:t>、</a:t>
-            </a:r>
-            <a:r>
-              <a:rPr lang="en-US" altLang="zh-TW" dirty="0" smtClean="0">
-                <a:latin typeface="微軟正黑體" panose="020B0604030504040204" pitchFamily="34" charset="-120"/>
-                <a:ea typeface="微軟正黑體" panose="020B0604030504040204" pitchFamily="34" charset="-120"/>
-              </a:rPr>
-              <a:t>Update(</a:t>
-            </a:r>
-            <a:r>
-              <a:rPr lang="zh-TW" altLang="en-US" dirty="0" smtClean="0">
-                <a:latin typeface="微軟正黑體" panose="020B0604030504040204" pitchFamily="34" charset="-120"/>
-                <a:ea typeface="微軟正黑體" panose="020B0604030504040204" pitchFamily="34" charset="-120"/>
-              </a:rPr>
-              <a:t>更新</a:t>
-            </a:r>
-            <a:r>
-              <a:rPr lang="en-US" altLang="zh-TW" dirty="0" smtClean="0">
-                <a:latin typeface="微軟正黑體" panose="020B0604030504040204" pitchFamily="34" charset="-120"/>
-                <a:ea typeface="微軟正黑體" panose="020B0604030504040204" pitchFamily="34" charset="-120"/>
-              </a:rPr>
-              <a:t>)</a:t>
-            </a:r>
-            <a:r>
-              <a:rPr lang="zh-TW" altLang="en-US" dirty="0" smtClean="0">
-                <a:latin typeface="微軟正黑體" panose="020B0604030504040204" pitchFamily="34" charset="-120"/>
-                <a:ea typeface="微軟正黑體" panose="020B0604030504040204" pitchFamily="34" charset="-120"/>
-              </a:rPr>
-              <a:t>與</a:t>
-            </a:r>
-            <a:r>
-              <a:rPr lang="en-US" altLang="zh-TW" dirty="0" smtClean="0">
-                <a:latin typeface="微軟正黑體" panose="020B0604030504040204" pitchFamily="34" charset="-120"/>
-                <a:ea typeface="微軟正黑體" panose="020B0604030504040204" pitchFamily="34" charset="-120"/>
-              </a:rPr>
-              <a:t>Delete(</a:t>
-            </a:r>
-            <a:r>
-              <a:rPr lang="zh-TW" altLang="en-US" dirty="0" smtClean="0">
-                <a:latin typeface="微軟正黑體" panose="020B0604030504040204" pitchFamily="34" charset="-120"/>
-                <a:ea typeface="微軟正黑體" panose="020B0604030504040204" pitchFamily="34" charset="-120"/>
-              </a:rPr>
-              <a:t>刪除</a:t>
-            </a:r>
-            <a:r>
-              <a:rPr lang="en-US" altLang="zh-TW" dirty="0" smtClean="0">
-                <a:latin typeface="微軟正黑體" panose="020B0604030504040204" pitchFamily="34" charset="-120"/>
-                <a:ea typeface="微軟正黑體" panose="020B0604030504040204" pitchFamily="34" charset="-120"/>
-              </a:rPr>
-              <a:t>)</a:t>
-            </a:r>
-            <a:r>
-              <a:rPr lang="zh-TW" altLang="en-US" dirty="0" smtClean="0">
-                <a:latin typeface="微軟正黑體" panose="020B0604030504040204" pitchFamily="34" charset="-120"/>
-                <a:ea typeface="微軟正黑體" panose="020B0604030504040204" pitchFamily="34" charset="-120"/>
-              </a:rPr>
-              <a:t>的縮寫</a:t>
-            </a:r>
-            <a:endParaRPr lang="zh-TW" altLang="en-US" dirty="0"/>
+            <a:endParaRPr lang="zh-TW" altLang="en-US" sz="1200" dirty="0" smtClean="0">
+              <a:latin typeface="微軟正黑體" panose="020B0604030504040204" pitchFamily="34" charset="-120"/>
+              <a:ea typeface="微軟正黑體" panose="020B0604030504040204" pitchFamily="34" charset="-120"/>
+            </a:endParaRPr>
+          </a:p>
+          <a:p>
+            <a:endParaRPr lang="en-US" altLang="zh-TW" dirty="0" smtClean="0"/>
           </a:p>
         </p:txBody>
       </p:sp>
@@ -5050,7 +4837,7 @@
     </p:spTree>
     <p:extLst>
       <p:ext uri="{BB962C8B-B14F-4D97-AF65-F5344CB8AC3E}">
-        <p14:creationId xmlns:p14="http://schemas.microsoft.com/office/powerpoint/2010/main" val="2777947870"/>
+        <p14:creationId xmlns:p14="http://schemas.microsoft.com/office/powerpoint/2010/main" val="2988940586"/>
       </p:ext>
     </p:extLst>
   </p:cSld>
@@ -5104,6 +4891,215 @@
           <a:bodyPr/>
           <a:lstStyle/>
           <a:p>
+            <a:r>
+              <a:rPr lang="zh-TW" altLang="en-US" sz="1200" b="0" i="0" kern="1200" dirty="0" smtClean="0">
+                <a:solidFill>
+                  <a:schemeClr val="tx1"/>
+                </a:solidFill>
+                <a:effectLst/>
+                <a:latin typeface="+mn-lt"/>
+                <a:ea typeface="+mn-ea"/>
+                <a:cs typeface="+mn-cs"/>
+              </a:rPr>
+              <a:t>這邊用</a:t>
+            </a:r>
+            <a:r>
+              <a:rPr lang="en-US" altLang="zh-TW" sz="1200" b="0" i="0" kern="1200" dirty="0" err="1" smtClean="0">
+                <a:solidFill>
+                  <a:schemeClr val="tx1"/>
+                </a:solidFill>
+                <a:effectLst/>
+                <a:latin typeface="+mn-lt"/>
+                <a:ea typeface="+mn-ea"/>
+                <a:cs typeface="+mn-cs"/>
+              </a:rPr>
+              <a:t>axios</a:t>
+            </a:r>
+            <a:r>
+              <a:rPr lang="zh-TW" altLang="en-US" sz="1200" b="0" i="0" kern="1200" dirty="0" smtClean="0">
+                <a:solidFill>
+                  <a:schemeClr val="tx1"/>
+                </a:solidFill>
+                <a:effectLst/>
+                <a:latin typeface="+mn-lt"/>
+                <a:ea typeface="+mn-ea"/>
+                <a:cs typeface="+mn-cs"/>
+              </a:rPr>
+              <a:t>呼叫賣座電影的</a:t>
+            </a:r>
+            <a:r>
+              <a:rPr lang="en-US" altLang="zh-TW" sz="1200" b="0" i="0" kern="1200" dirty="0" smtClean="0">
+                <a:solidFill>
+                  <a:schemeClr val="tx1"/>
+                </a:solidFill>
+                <a:effectLst/>
+                <a:latin typeface="+mn-lt"/>
+                <a:ea typeface="+mn-ea"/>
+                <a:cs typeface="+mn-cs"/>
+              </a:rPr>
+              <a:t>API</a:t>
+            </a:r>
+            <a:r>
+              <a:rPr lang="zh-TW" altLang="en-US" sz="1200" b="0" i="0" kern="1200" dirty="0" smtClean="0">
+                <a:solidFill>
+                  <a:schemeClr val="tx1"/>
+                </a:solidFill>
+                <a:effectLst/>
+                <a:latin typeface="+mn-lt"/>
+                <a:ea typeface="+mn-ea"/>
+                <a:cs typeface="+mn-cs"/>
+              </a:rPr>
+              <a:t>舉例</a:t>
+            </a:r>
+            <a:endParaRPr lang="en-US" altLang="zh-TW" sz="1200" b="0" i="0" kern="1200" dirty="0" smtClean="0">
+              <a:solidFill>
+                <a:schemeClr val="tx1"/>
+              </a:solidFill>
+              <a:effectLst/>
+              <a:latin typeface="+mn-lt"/>
+              <a:ea typeface="+mn-ea"/>
+              <a:cs typeface="+mn-cs"/>
+            </a:endParaRPr>
+          </a:p>
+          <a:p>
+            <a:r>
+              <a:rPr lang="en-US" altLang="zh-TW" sz="1200" b="0" i="0" kern="1200" dirty="0" smtClean="0">
+                <a:solidFill>
+                  <a:schemeClr val="tx1"/>
+                </a:solidFill>
+                <a:effectLst/>
+                <a:latin typeface="+mn-lt"/>
+                <a:ea typeface="+mn-ea"/>
+                <a:cs typeface="+mn-cs"/>
+              </a:rPr>
+              <a:t>header</a:t>
+            </a:r>
+            <a:r>
+              <a:rPr lang="zh-TW" altLang="en-US" sz="1200" b="0" i="0" kern="1200" dirty="0" smtClean="0">
+                <a:solidFill>
+                  <a:schemeClr val="tx1"/>
+                </a:solidFill>
+                <a:effectLst/>
+                <a:latin typeface="+mn-lt"/>
+                <a:ea typeface="+mn-ea"/>
+                <a:cs typeface="+mn-cs"/>
+              </a:rPr>
+              <a:t>參數可以在開發人員工具的</a:t>
+            </a:r>
+            <a:r>
+              <a:rPr lang="en-US" altLang="zh-TW" sz="1200" b="0" i="0" kern="1200" dirty="0" smtClean="0">
+                <a:solidFill>
+                  <a:schemeClr val="tx1"/>
+                </a:solidFill>
+                <a:effectLst/>
+                <a:latin typeface="+mn-lt"/>
+                <a:ea typeface="+mn-ea"/>
+                <a:cs typeface="+mn-cs"/>
+              </a:rPr>
+              <a:t>network</a:t>
+            </a:r>
+            <a:r>
+              <a:rPr lang="zh-TW" altLang="en-US" sz="1200" b="0" i="0" kern="1200" dirty="0" smtClean="0">
+                <a:solidFill>
+                  <a:schemeClr val="tx1"/>
+                </a:solidFill>
+                <a:effectLst/>
+                <a:latin typeface="+mn-lt"/>
+                <a:ea typeface="+mn-ea"/>
+                <a:cs typeface="+mn-cs"/>
+              </a:rPr>
+              <a:t>那邊看該請求的</a:t>
+            </a:r>
+            <a:r>
+              <a:rPr lang="en-US" altLang="zh-TW" sz="1200" b="0" i="0" kern="1200" dirty="0" smtClean="0">
+                <a:solidFill>
+                  <a:schemeClr val="tx1"/>
+                </a:solidFill>
+                <a:effectLst/>
+                <a:latin typeface="+mn-lt"/>
+                <a:ea typeface="+mn-ea"/>
+                <a:cs typeface="+mn-cs"/>
+              </a:rPr>
+              <a:t>Request Headers</a:t>
+            </a:r>
+          </a:p>
+          <a:p>
+            <a:r>
+              <a:rPr lang="zh-TW" altLang="en-US" sz="1200" b="0" i="0" kern="1200" dirty="0" smtClean="0">
+                <a:solidFill>
+                  <a:schemeClr val="tx1"/>
+                </a:solidFill>
+                <a:effectLst/>
+                <a:latin typeface="+mn-lt"/>
+                <a:ea typeface="+mn-ea"/>
+                <a:cs typeface="+mn-cs"/>
+              </a:rPr>
+              <a:t>通常是</a:t>
+            </a:r>
+            <a:r>
+              <a:rPr lang="en-US" altLang="zh-TW" sz="1200" b="0" i="0" kern="1200" dirty="0" smtClean="0">
+                <a:solidFill>
+                  <a:schemeClr val="tx1"/>
+                </a:solidFill>
+                <a:effectLst/>
+                <a:latin typeface="+mn-lt"/>
+                <a:ea typeface="+mn-ea"/>
+                <a:cs typeface="+mn-cs"/>
+              </a:rPr>
+              <a:t>X-</a:t>
+            </a:r>
+            <a:r>
+              <a:rPr lang="zh-TW" altLang="en-US" sz="1200" b="0" i="0" kern="1200" dirty="0" smtClean="0">
+                <a:solidFill>
+                  <a:schemeClr val="tx1"/>
+                </a:solidFill>
+                <a:effectLst/>
+                <a:latin typeface="+mn-lt"/>
+                <a:ea typeface="+mn-ea"/>
+                <a:cs typeface="+mn-cs"/>
+              </a:rPr>
+              <a:t>開頭的參數，可自行測試需要帶哪個參數</a:t>
+            </a:r>
+          </a:p>
+          <a:p>
+            <a:r>
+              <a:rPr lang="zh-TW" altLang="en-US" sz="1200" b="0" i="0" kern="1200" dirty="0" smtClean="0">
+                <a:solidFill>
+                  <a:schemeClr val="tx1"/>
+                </a:solidFill>
+                <a:effectLst/>
+                <a:latin typeface="+mn-lt"/>
+                <a:ea typeface="+mn-ea"/>
+                <a:cs typeface="+mn-cs"/>
+              </a:rPr>
+              <a:t>傳送時</a:t>
+            </a:r>
+            <a:r>
+              <a:rPr lang="en-US" altLang="zh-TW" sz="1200" b="0" i="0" kern="1200" dirty="0" smtClean="0">
+                <a:solidFill>
+                  <a:schemeClr val="tx1"/>
+                </a:solidFill>
+                <a:effectLst/>
+                <a:latin typeface="+mn-lt"/>
+                <a:ea typeface="+mn-ea"/>
+                <a:cs typeface="+mn-cs"/>
+              </a:rPr>
+              <a:t>header</a:t>
+            </a:r>
+            <a:r>
+              <a:rPr lang="zh-TW" altLang="en-US" sz="1200" b="0" i="0" kern="1200" dirty="0" smtClean="0">
+                <a:solidFill>
+                  <a:schemeClr val="tx1"/>
+                </a:solidFill>
+                <a:effectLst/>
+                <a:latin typeface="+mn-lt"/>
+                <a:ea typeface="+mn-ea"/>
+                <a:cs typeface="+mn-cs"/>
+              </a:rPr>
+              <a:t>值要用字串型別傳送</a:t>
+            </a:r>
+          </a:p>
+          <a:p>
             <a:endParaRPr lang="zh-TW" altLang="en-US" dirty="0"/>
           </a:p>
         </p:txBody>
@@ -5125,7 +5121,7 @@
           <a:p>
             <a:fld id="{D1948313-5CBC-4C3A-A1C1-87A108B3BBD8}" type="slidenum">
               <a:rPr lang="zh-TW" altLang="en-US" smtClean="0"/>
-              <a:t>70</a:t>
+              <a:t>68</a:t>
             </a:fld>
             <a:endParaRPr lang="zh-TW" altLang="en-US"/>
           </a:p>
@@ -5134,7 +5130,7 @@
     </p:spTree>
     <p:extLst>
       <p:ext uri="{BB962C8B-B14F-4D97-AF65-F5344CB8AC3E}">
-        <p14:creationId xmlns:p14="http://schemas.microsoft.com/office/powerpoint/2010/main" val="2503615827"/>
+        <p14:creationId xmlns:p14="http://schemas.microsoft.com/office/powerpoint/2010/main" val="3333158881"/>
       </p:ext>
     </p:extLst>
   </p:cSld>
@@ -5209,7 +5205,7 @@
           <a:p>
             <a:fld id="{D1948313-5CBC-4C3A-A1C1-87A108B3BBD8}" type="slidenum">
               <a:rPr lang="zh-TW" altLang="en-US" smtClean="0"/>
-              <a:t>71</a:t>
+              <a:t>70</a:t>
             </a:fld>
             <a:endParaRPr lang="zh-TW" altLang="en-US"/>
           </a:p>
@@ -5218,7 +5214,7 @@
     </p:spTree>
     <p:extLst>
       <p:ext uri="{BB962C8B-B14F-4D97-AF65-F5344CB8AC3E}">
-        <p14:creationId xmlns:p14="http://schemas.microsoft.com/office/powerpoint/2010/main" val="3223808738"/>
+        <p14:creationId xmlns:p14="http://schemas.microsoft.com/office/powerpoint/2010/main" val="679122859"/>
       </p:ext>
     </p:extLst>
   </p:cSld>
@@ -5293,7 +5289,7 @@
           <a:p>
             <a:fld id="{D1948313-5CBC-4C3A-A1C1-87A108B3BBD8}" type="slidenum">
               <a:rPr lang="zh-TW" altLang="en-US" smtClean="0"/>
-              <a:t>72</a:t>
+              <a:t>71</a:t>
             </a:fld>
             <a:endParaRPr lang="zh-TW" altLang="en-US"/>
           </a:p>
@@ -5302,7 +5298,7 @@
     </p:spTree>
     <p:extLst>
       <p:ext uri="{BB962C8B-B14F-4D97-AF65-F5344CB8AC3E}">
-        <p14:creationId xmlns:p14="http://schemas.microsoft.com/office/powerpoint/2010/main" val="2549743796"/>
+        <p14:creationId xmlns:p14="http://schemas.microsoft.com/office/powerpoint/2010/main" val="3450323183"/>
       </p:ext>
     </p:extLst>
   </p:cSld>
@@ -5386,7 +5382,7 @@
     </p:spTree>
     <p:extLst>
       <p:ext uri="{BB962C8B-B14F-4D97-AF65-F5344CB8AC3E}">
-        <p14:creationId xmlns:p14="http://schemas.microsoft.com/office/powerpoint/2010/main" val="1210170732"/>
+        <p14:creationId xmlns:p14="http://schemas.microsoft.com/office/powerpoint/2010/main" val="2503615827"/>
       </p:ext>
     </p:extLst>
   </p:cSld>
@@ -5470,7 +5466,7 @@
     </p:spTree>
     <p:extLst>
       <p:ext uri="{BB962C8B-B14F-4D97-AF65-F5344CB8AC3E}">
-        <p14:creationId xmlns:p14="http://schemas.microsoft.com/office/powerpoint/2010/main" val="3644355196"/>
+        <p14:creationId xmlns:p14="http://schemas.microsoft.com/office/powerpoint/2010/main" val="3223808738"/>
       </p:ext>
     </p:extLst>
   </p:cSld>
@@ -5554,7 +5550,7 @@
     </p:spTree>
     <p:extLst>
       <p:ext uri="{BB962C8B-B14F-4D97-AF65-F5344CB8AC3E}">
-        <p14:creationId xmlns:p14="http://schemas.microsoft.com/office/powerpoint/2010/main" val="137004934"/>
+        <p14:creationId xmlns:p14="http://schemas.microsoft.com/office/powerpoint/2010/main" val="2549743796"/>
       </p:ext>
     </p:extLst>
   </p:cSld>
@@ -5638,7 +5634,7 @@
     </p:spTree>
     <p:extLst>
       <p:ext uri="{BB962C8B-B14F-4D97-AF65-F5344CB8AC3E}">
-        <p14:creationId xmlns:p14="http://schemas.microsoft.com/office/powerpoint/2010/main" val="3336022227"/>
+        <p14:creationId xmlns:p14="http://schemas.microsoft.com/office/powerpoint/2010/main" val="1210170732"/>
       </p:ext>
     </p:extLst>
   </p:cSld>
@@ -5722,7 +5718,7 @@
     </p:spTree>
     <p:extLst>
       <p:ext uri="{BB962C8B-B14F-4D97-AF65-F5344CB8AC3E}">
-        <p14:creationId xmlns:p14="http://schemas.microsoft.com/office/powerpoint/2010/main" val="1469834737"/>
+        <p14:creationId xmlns:p14="http://schemas.microsoft.com/office/powerpoint/2010/main" val="3644355196"/>
       </p:ext>
     </p:extLst>
   </p:cSld>
@@ -5806,7 +5802,7 @@
     </p:spTree>
     <p:extLst>
       <p:ext uri="{BB962C8B-B14F-4D97-AF65-F5344CB8AC3E}">
-        <p14:creationId xmlns:p14="http://schemas.microsoft.com/office/powerpoint/2010/main" val="193789911"/>
+        <p14:creationId xmlns:p14="http://schemas.microsoft.com/office/powerpoint/2010/main" val="137004934"/>
       </p:ext>
     </p:extLst>
   </p:cSld>
@@ -5860,54 +5856,6 @@
           <a:bodyPr/>
           <a:lstStyle/>
           <a:p>
-            <a:r>
-              <a:rPr lang="zh-TW" altLang="en-US" dirty="0" smtClean="0"/>
-              <a:t>呼叫</a:t>
-            </a:r>
-            <a:r>
-              <a:rPr lang="en-US" altLang="zh-TW" dirty="0" smtClean="0"/>
-              <a:t>API</a:t>
-            </a:r>
-            <a:r>
-              <a:rPr lang="zh-TW" altLang="en-US" dirty="0" smtClean="0"/>
-              <a:t>和</a:t>
-            </a:r>
-            <a:r>
-              <a:rPr lang="en-US" altLang="zh-TW" dirty="0" smtClean="0"/>
-              <a:t>API</a:t>
-            </a:r>
-            <a:r>
-              <a:rPr lang="zh-TW" altLang="en-US" dirty="0" smtClean="0"/>
-              <a:t>回傳的資料格式很多種，如</a:t>
-            </a:r>
-            <a:r>
-              <a:rPr lang="en-US" altLang="zh-TW" dirty="0" smtClean="0"/>
-              <a:t>XML</a:t>
-            </a:r>
-            <a:r>
-              <a:rPr lang="zh-TW" altLang="en-US" dirty="0" smtClean="0"/>
-              <a:t>、</a:t>
-            </a:r>
-            <a:r>
-              <a:rPr lang="en-US" altLang="zh-TW" dirty="0" smtClean="0"/>
-              <a:t>TXT</a:t>
-            </a:r>
-            <a:r>
-              <a:rPr lang="zh-TW" altLang="en-US" dirty="0" smtClean="0"/>
-              <a:t>、</a:t>
-            </a:r>
-            <a:r>
-              <a:rPr lang="en-US" altLang="zh-TW" dirty="0" smtClean="0"/>
-              <a:t>JSON</a:t>
-            </a:r>
-            <a:r>
-              <a:rPr lang="zh-TW" altLang="en-US" dirty="0" smtClean="0"/>
-              <a:t>等，那目前最常用的就是</a:t>
-            </a:r>
-            <a:r>
-              <a:rPr lang="en-US" altLang="zh-TW" dirty="0" smtClean="0"/>
-              <a:t>JSON</a:t>
-            </a:r>
             <a:endParaRPr lang="zh-TW" altLang="en-US" dirty="0"/>
           </a:p>
         </p:txBody>
@@ -5929,7 +5877,7 @@
           <a:p>
             <a:fld id="{D1948313-5CBC-4C3A-A1C1-87A108B3BBD8}" type="slidenum">
               <a:rPr lang="zh-TW" altLang="en-US" smtClean="0"/>
-              <a:t>80</a:t>
+              <a:t>79</a:t>
             </a:fld>
             <a:endParaRPr lang="zh-TW" altLang="en-US"/>
           </a:p>
@@ -5938,7 +5886,7 @@
     </p:spTree>
     <p:extLst>
       <p:ext uri="{BB962C8B-B14F-4D97-AF65-F5344CB8AC3E}">
-        <p14:creationId xmlns:p14="http://schemas.microsoft.com/office/powerpoint/2010/main" val="1457414071"/>
+        <p14:creationId xmlns:p14="http://schemas.microsoft.com/office/powerpoint/2010/main" val="3336022227"/>
       </p:ext>
     </p:extLst>
   </p:cSld>
@@ -5993,8 +5941,147 @@
           <a:lstStyle/>
           <a:p>
             <a:r>
-              <a:rPr lang="zh-TW" altLang="en-US" dirty="0" smtClean="0"/>
-              <a:t>找後端回傳範例圖配</a:t>
+              <a:rPr lang="zh-TW" altLang="en-US" dirty="0" smtClean="0">
+                <a:latin typeface="微軟正黑體" panose="020B0604030504040204" pitchFamily="34" charset="-120"/>
+                <a:ea typeface="微軟正黑體" panose="020B0604030504040204" pitchFamily="34" charset="-120"/>
+              </a:rPr>
+              <a:t>備註：</a:t>
+            </a:r>
+            <a:endParaRPr lang="en-US" altLang="zh-TW" dirty="0" smtClean="0">
+              <a:latin typeface="微軟正黑體" panose="020B0604030504040204" pitchFamily="34" charset="-120"/>
+              <a:ea typeface="微軟正黑體" panose="020B0604030504040204" pitchFamily="34" charset="-120"/>
+            </a:endParaRPr>
+          </a:p>
+          <a:p>
+            <a:pPr marL="171450" indent="-171450">
+              <a:buFont typeface="Arial" panose="020B0604020202020204" pitchFamily="34" charset="0"/>
+              <a:buChar char="•"/>
+            </a:pPr>
+            <a:r>
+              <a:rPr lang="en-US" altLang="zh-TW" dirty="0" smtClean="0">
+                <a:latin typeface="微軟正黑體" panose="020B0604030504040204" pitchFamily="34" charset="-120"/>
+                <a:ea typeface="微軟正黑體" panose="020B0604030504040204" pitchFamily="34" charset="-120"/>
+              </a:rPr>
+              <a:t>CRUD </a:t>
+            </a:r>
+            <a:r>
+              <a:rPr lang="zh-TW" altLang="en-US" dirty="0" smtClean="0">
+                <a:latin typeface="微軟正黑體" panose="020B0604030504040204" pitchFamily="34" charset="-120"/>
+                <a:ea typeface="微軟正黑體" panose="020B0604030504040204" pitchFamily="34" charset="-120"/>
+              </a:rPr>
+              <a:t>為 </a:t>
+            </a:r>
+            <a:r>
+              <a:rPr lang="en-US" altLang="zh-TW" dirty="0" smtClean="0">
+                <a:latin typeface="微軟正黑體" panose="020B0604030504040204" pitchFamily="34" charset="-120"/>
+                <a:ea typeface="微軟正黑體" panose="020B0604030504040204" pitchFamily="34" charset="-120"/>
+              </a:rPr>
+              <a:t>Create(</a:t>
+            </a:r>
+            <a:r>
+              <a:rPr lang="zh-TW" altLang="en-US" dirty="0" smtClean="0">
+                <a:latin typeface="微軟正黑體" panose="020B0604030504040204" pitchFamily="34" charset="-120"/>
+                <a:ea typeface="微軟正黑體" panose="020B0604030504040204" pitchFamily="34" charset="-120"/>
+              </a:rPr>
+              <a:t>新增</a:t>
+            </a:r>
+            <a:r>
+              <a:rPr lang="en-US" altLang="zh-TW" dirty="0" smtClean="0">
+                <a:latin typeface="微軟正黑體" panose="020B0604030504040204" pitchFamily="34" charset="-120"/>
+                <a:ea typeface="微軟正黑體" panose="020B0604030504040204" pitchFamily="34" charset="-120"/>
+              </a:rPr>
+              <a:t>)</a:t>
+            </a:r>
+            <a:r>
+              <a:rPr lang="zh-TW" altLang="en-US" dirty="0" smtClean="0">
+                <a:latin typeface="微軟正黑體" panose="020B0604030504040204" pitchFamily="34" charset="-120"/>
+                <a:ea typeface="微軟正黑體" panose="020B0604030504040204" pitchFamily="34" charset="-120"/>
+              </a:rPr>
+              <a:t>、</a:t>
+            </a:r>
+            <a:r>
+              <a:rPr lang="en-US" altLang="zh-TW" dirty="0" smtClean="0">
+                <a:latin typeface="微軟正黑體" panose="020B0604030504040204" pitchFamily="34" charset="-120"/>
+                <a:ea typeface="微軟正黑體" panose="020B0604030504040204" pitchFamily="34" charset="-120"/>
+              </a:rPr>
+              <a:t>Read(</a:t>
+            </a:r>
+            <a:r>
+              <a:rPr lang="zh-TW" altLang="en-US" dirty="0" smtClean="0">
+                <a:latin typeface="微軟正黑體" panose="020B0604030504040204" pitchFamily="34" charset="-120"/>
+                <a:ea typeface="微軟正黑體" panose="020B0604030504040204" pitchFamily="34" charset="-120"/>
+              </a:rPr>
+              <a:t>讀取</a:t>
+            </a:r>
+            <a:r>
+              <a:rPr lang="en-US" altLang="zh-TW" dirty="0" smtClean="0">
+                <a:latin typeface="微軟正黑體" panose="020B0604030504040204" pitchFamily="34" charset="-120"/>
+                <a:ea typeface="微軟正黑體" panose="020B0604030504040204" pitchFamily="34" charset="-120"/>
+              </a:rPr>
+              <a:t>)</a:t>
+            </a:r>
+            <a:r>
+              <a:rPr lang="zh-TW" altLang="en-US" dirty="0" smtClean="0">
+                <a:latin typeface="微軟正黑體" panose="020B0604030504040204" pitchFamily="34" charset="-120"/>
+                <a:ea typeface="微軟正黑體" panose="020B0604030504040204" pitchFamily="34" charset="-120"/>
+              </a:rPr>
+              <a:t>、</a:t>
+            </a:r>
+            <a:r>
+              <a:rPr lang="en-US" altLang="zh-TW" dirty="0" smtClean="0">
+                <a:latin typeface="微軟正黑體" panose="020B0604030504040204" pitchFamily="34" charset="-120"/>
+                <a:ea typeface="微軟正黑體" panose="020B0604030504040204" pitchFamily="34" charset="-120"/>
+              </a:rPr>
+              <a:t>Update(</a:t>
+            </a:r>
+            <a:r>
+              <a:rPr lang="zh-TW" altLang="en-US" dirty="0" smtClean="0">
+                <a:latin typeface="微軟正黑體" panose="020B0604030504040204" pitchFamily="34" charset="-120"/>
+                <a:ea typeface="微軟正黑體" panose="020B0604030504040204" pitchFamily="34" charset="-120"/>
+              </a:rPr>
+              <a:t>更新</a:t>
+            </a:r>
+            <a:r>
+              <a:rPr lang="en-US" altLang="zh-TW" dirty="0" smtClean="0">
+                <a:latin typeface="微軟正黑體" panose="020B0604030504040204" pitchFamily="34" charset="-120"/>
+                <a:ea typeface="微軟正黑體" panose="020B0604030504040204" pitchFamily="34" charset="-120"/>
+              </a:rPr>
+              <a:t>)</a:t>
+            </a:r>
+            <a:r>
+              <a:rPr lang="zh-TW" altLang="en-US" dirty="0" smtClean="0">
+                <a:latin typeface="微軟正黑體" panose="020B0604030504040204" pitchFamily="34" charset="-120"/>
+                <a:ea typeface="微軟正黑體" panose="020B0604030504040204" pitchFamily="34" charset="-120"/>
+              </a:rPr>
+              <a:t>與</a:t>
+            </a:r>
+            <a:r>
+              <a:rPr lang="en-US" altLang="zh-TW" dirty="0" smtClean="0">
+                <a:latin typeface="微軟正黑體" panose="020B0604030504040204" pitchFamily="34" charset="-120"/>
+                <a:ea typeface="微軟正黑體" panose="020B0604030504040204" pitchFamily="34" charset="-120"/>
+              </a:rPr>
+              <a:t>Delete(</a:t>
+            </a:r>
+            <a:r>
+              <a:rPr lang="zh-TW" altLang="en-US" dirty="0" smtClean="0">
+                <a:latin typeface="微軟正黑體" panose="020B0604030504040204" pitchFamily="34" charset="-120"/>
+                <a:ea typeface="微軟正黑體" panose="020B0604030504040204" pitchFamily="34" charset="-120"/>
+              </a:rPr>
+              <a:t>刪除</a:t>
+            </a:r>
+            <a:r>
+              <a:rPr lang="en-US" altLang="zh-TW" dirty="0" smtClean="0">
+                <a:latin typeface="微軟正黑體" panose="020B0604030504040204" pitchFamily="34" charset="-120"/>
+                <a:ea typeface="微軟正黑體" panose="020B0604030504040204" pitchFamily="34" charset="-120"/>
+              </a:rPr>
+              <a:t>)</a:t>
+            </a:r>
+            <a:r>
+              <a:rPr lang="zh-TW" altLang="en-US" dirty="0" smtClean="0">
+                <a:latin typeface="微軟正黑體" panose="020B0604030504040204" pitchFamily="34" charset="-120"/>
+                <a:ea typeface="微軟正黑體" panose="020B0604030504040204" pitchFamily="34" charset="-120"/>
+              </a:rPr>
+              <a:t>的縮寫</a:t>
             </a:r>
             <a:endParaRPr lang="zh-TW" altLang="en-US" dirty="0"/>
           </a:p>
@@ -6026,7 +6113,7 @@
     </p:spTree>
     <p:extLst>
       <p:ext uri="{BB962C8B-B14F-4D97-AF65-F5344CB8AC3E}">
-        <p14:creationId xmlns:p14="http://schemas.microsoft.com/office/powerpoint/2010/main" val="4913647"/>
+        <p14:creationId xmlns:p14="http://schemas.microsoft.com/office/powerpoint/2010/main" val="2777947870"/>
       </p:ext>
     </p:extLst>
   </p:cSld>
@@ -6080,73 +6167,7 @@
           <a:bodyPr/>
           <a:lstStyle/>
           <a:p>
-            <a:r>
-              <a:rPr lang="en-US" altLang="zh-TW" dirty="0" smtClean="0"/>
-              <a:t>{</a:t>
-            </a:r>
-          </a:p>
-          <a:p>
-            <a:r>
-              <a:rPr lang="zh-TW" altLang="en-US" dirty="0" smtClean="0"/>
-              <a:t>    </a:t>
-            </a:r>
-            <a:r>
-              <a:rPr lang="en-US" altLang="zh-TW" dirty="0" smtClean="0"/>
-              <a:t>"name" : "Amy",	// </a:t>
-            </a:r>
-            <a:r>
-              <a:rPr lang="zh-TW" altLang="en-US" dirty="0" smtClean="0"/>
-              <a:t>所有</a:t>
-            </a:r>
-            <a:r>
-              <a:rPr lang="en-US" altLang="zh-TW" dirty="0" smtClean="0"/>
-              <a:t>key</a:t>
-            </a:r>
-            <a:r>
-              <a:rPr lang="zh-TW" altLang="en-US" dirty="0" smtClean="0"/>
-              <a:t>都需用</a:t>
-            </a:r>
-            <a:r>
-              <a:rPr lang="en-US" altLang="zh-TW" dirty="0" smtClean="0"/>
-              <a:t>""</a:t>
-            </a:r>
-            <a:r>
-              <a:rPr lang="zh-TW" altLang="en-US" dirty="0" smtClean="0"/>
-              <a:t>包住</a:t>
-            </a:r>
-          </a:p>
-          <a:p>
-            <a:r>
-              <a:rPr lang="zh-TW" altLang="en-US" dirty="0" smtClean="0"/>
-              <a:t>    </a:t>
-            </a:r>
-            <a:r>
-              <a:rPr lang="en-US" altLang="zh-TW" dirty="0" smtClean="0"/>
-              <a:t>"age" : 18	// </a:t>
-            </a:r>
-            <a:r>
-              <a:rPr lang="zh-TW" altLang="en-US" dirty="0" smtClean="0"/>
-              <a:t>最後一個</a:t>
-            </a:r>
-            <a:r>
-              <a:rPr lang="en-US" altLang="zh-TW" dirty="0" smtClean="0"/>
-              <a:t>key</a:t>
-            </a:r>
-            <a:r>
-              <a:rPr lang="zh-TW" altLang="en-US" dirty="0" smtClean="0"/>
-              <a:t>的話不用再加</a:t>
-            </a:r>
-            <a:r>
-              <a:rPr lang="en-US" altLang="zh-TW" dirty="0" smtClean="0"/>
-              <a:t>,</a:t>
-            </a:r>
-          </a:p>
-          <a:p>
-            <a:r>
-              <a:rPr lang="en-US" altLang="zh-TW" dirty="0" smtClean="0"/>
-              <a:t>}</a:t>
-            </a:r>
-            <a:endParaRPr lang="zh-TW" altLang="en-US" dirty="0" smtClean="0"/>
+            <a:endParaRPr lang="zh-TW" altLang="en-US" dirty="0"/>
           </a:p>
         </p:txBody>
       </p:sp>
@@ -6167,7 +6188,7 @@
           <a:p>
             <a:fld id="{D1948313-5CBC-4C3A-A1C1-87A108B3BBD8}" type="slidenum">
               <a:rPr lang="zh-TW" altLang="en-US" smtClean="0"/>
-              <a:t>81</a:t>
+              <a:t>80</a:t>
             </a:fld>
             <a:endParaRPr lang="zh-TW" altLang="en-US"/>
           </a:p>
@@ -6176,7 +6197,7 @@
     </p:spTree>
     <p:extLst>
       <p:ext uri="{BB962C8B-B14F-4D97-AF65-F5344CB8AC3E}">
-        <p14:creationId xmlns:p14="http://schemas.microsoft.com/office/powerpoint/2010/main" val="4193631432"/>
+        <p14:creationId xmlns:p14="http://schemas.microsoft.com/office/powerpoint/2010/main" val="1469834737"/>
       </p:ext>
     </p:extLst>
   </p:cSld>
@@ -6251,7 +6272,7 @@
           <a:p>
             <a:fld id="{D1948313-5CBC-4C3A-A1C1-87A108B3BBD8}" type="slidenum">
               <a:rPr lang="zh-TW" altLang="en-US" smtClean="0"/>
-              <a:t>82</a:t>
+              <a:t>81</a:t>
             </a:fld>
             <a:endParaRPr lang="zh-TW" altLang="en-US"/>
           </a:p>
@@ -6260,7 +6281,7 @@
     </p:spTree>
     <p:extLst>
       <p:ext uri="{BB962C8B-B14F-4D97-AF65-F5344CB8AC3E}">
-        <p14:creationId xmlns:p14="http://schemas.microsoft.com/office/powerpoint/2010/main" val="2744307944"/>
+        <p14:creationId xmlns:p14="http://schemas.microsoft.com/office/powerpoint/2010/main" val="193789911"/>
       </p:ext>
     </p:extLst>
   </p:cSld>
@@ -6344,7 +6365,7 @@
     </p:spTree>
     <p:extLst>
       <p:ext uri="{BB962C8B-B14F-4D97-AF65-F5344CB8AC3E}">
-        <p14:creationId xmlns:p14="http://schemas.microsoft.com/office/powerpoint/2010/main" val="990525398"/>
+        <p14:creationId xmlns:p14="http://schemas.microsoft.com/office/powerpoint/2010/main" val="2744307944"/>
       </p:ext>
     </p:extLst>
   </p:cSld>
@@ -6420,6 +6441,100 @@
             <a:fld id="{D1948313-5CBC-4C3A-A1C1-87A108B3BBD8}" type="slidenum">
               <a:rPr lang="zh-TW" altLang="en-US" smtClean="0"/>
               <a:t>84</a:t>
+            </a:fld>
+            <a:endParaRPr lang="zh-TW" altLang="en-US"/>
+          </a:p>
+        </p:txBody>
+      </p:sp>
+    </p:spTree>
+    <p:extLst>
+      <p:ext uri="{BB962C8B-B14F-4D97-AF65-F5344CB8AC3E}">
+        <p14:creationId xmlns:p14="http://schemas.microsoft.com/office/powerpoint/2010/main" val="990525398"/>
+      </p:ext>
+    </p:extLst>
+  </p:cSld>
+  <p:clrMapOvr>
+    <a:masterClrMapping/>
+  </p:clrMapOvr>
+</p:notes>
+</file>
+
+<file path=ppt/notesSlides/notesSlide64.xml><?xml version="1.0" encoding="utf-8"?>
+<p:notes xmlns:a="http://schemas.openxmlformats.org/drawingml/2006/main" xmlns:r="http://schemas.openxmlformats.org/officeDocument/2006/relationships" xmlns:p="http://schemas.openxmlformats.org/presentationml/2006/main">
+  <p:cSld>
+    <p:spTree>
+      <p:nvGrpSpPr>
+        <p:cNvPr id="1" name=""/>
+        <p:cNvGrpSpPr/>
+        <p:nvPr/>
+      </p:nvGrpSpPr>
+      <p:grpSpPr>
+        <a:xfrm>
+          <a:off x="0" y="0"/>
+          <a:ext cx="0" cy="0"/>
+          <a:chOff x="0" y="0"/>
+          <a:chExt cx="0" cy="0"/>
+        </a:xfrm>
+      </p:grpSpPr>
+      <p:sp>
+        <p:nvSpPr>
+          <p:cNvPr id="2" name="投影片圖像版面配置區 1"/>
+          <p:cNvSpPr>
+            <a:spLocks noGrp="1" noRot="1" noChangeAspect="1"/>
+          </p:cNvSpPr>
+          <p:nvPr>
+            <p:ph type="sldImg"/>
+          </p:nvPr>
+        </p:nvSpPr>
+        <p:spPr/>
+      </p:sp>
+      <p:sp>
+        <p:nvSpPr>
+          <p:cNvPr id="3" name="備忘稿版面配置區 2"/>
+          <p:cNvSpPr>
+            <a:spLocks noGrp="1"/>
+          </p:cNvSpPr>
+          <p:nvPr>
+            <p:ph type="body" idx="1"/>
+          </p:nvPr>
+        </p:nvSpPr>
+        <p:spPr/>
+        <p:txBody>
+          <a:bodyPr/>
+          <a:lstStyle/>
+          <a:p>
+            <a:r>
+              <a:rPr lang="zh-TW" altLang="en-US" dirty="0" smtClean="0"/>
+              <a:t>參考：</a:t>
+            </a:r>
+            <a:r>
+              <a:rPr lang="en-US" altLang="zh-TW" smtClean="0"/>
+              <a:t>https://ericwu.asia/2019/05/01/%E7%94%A2%E7%94%9F%E4%BB%BB%E4%BD%95-mock-http-%E5%9B%9E%E6%87%89%E7%9A%84%E5%A5%BD%E5%B7%A5%E5%85%B7-mocky-io/</a:t>
+            </a:r>
+          </a:p>
+          <a:p>
+            <a:endParaRPr lang="zh-TW" altLang="en-US" dirty="0"/>
+          </a:p>
+        </p:txBody>
+      </p:sp>
+      <p:sp>
+        <p:nvSpPr>
+          <p:cNvPr id="4" name="投影片編號版面配置區 3"/>
+          <p:cNvSpPr>
+            <a:spLocks noGrp="1"/>
+          </p:cNvSpPr>
+          <p:nvPr>
+            <p:ph type="sldNum" sz="quarter" idx="10"/>
+          </p:nvPr>
+        </p:nvSpPr>
+        <p:spPr/>
+        <p:txBody>
+          <a:bodyPr/>
+          <a:lstStyle/>
+          <a:p>
+            <a:fld id="{D1948313-5CBC-4C3A-A1C1-87A108B3BBD8}" type="slidenum">
+              <a:rPr lang="zh-TW" altLang="en-US" smtClean="0"/>
+              <a:t>85</a:t>
             </a:fld>
             <a:endParaRPr lang="zh-TW" altLang="en-US"/>
           </a:p>
@@ -6503,7 +6618,7 @@
           <a:p>
             <a:fld id="{D1948313-5CBC-4C3A-A1C1-87A108B3BBD8}" type="slidenum">
               <a:rPr lang="zh-TW" altLang="en-US" smtClean="0"/>
-              <a:t>15</a:t>
+              <a:t>11</a:t>
             </a:fld>
             <a:endParaRPr lang="zh-TW" altLang="en-US"/>
           </a:p>
@@ -6512,7 +6627,7 @@
     </p:spTree>
     <p:extLst>
       <p:ext uri="{BB962C8B-B14F-4D97-AF65-F5344CB8AC3E}">
-        <p14:creationId xmlns:p14="http://schemas.microsoft.com/office/powerpoint/2010/main" val="1017803923"/>
+        <p14:creationId xmlns:p14="http://schemas.microsoft.com/office/powerpoint/2010/main" val="4913647"/>
       </p:ext>
     </p:extLst>
   </p:cSld>
@@ -6596,7 +6711,7 @@
     </p:spTree>
     <p:extLst>
       <p:ext uri="{BB962C8B-B14F-4D97-AF65-F5344CB8AC3E}">
-        <p14:creationId xmlns:p14="http://schemas.microsoft.com/office/powerpoint/2010/main" val="3574111896"/>
+        <p14:creationId xmlns:p14="http://schemas.microsoft.com/office/powerpoint/2010/main" val="1017803923"/>
       </p:ext>
     </p:extLst>
   </p:cSld>
@@ -6680,7 +6795,7 @@
     </p:spTree>
     <p:extLst>
       <p:ext uri="{BB962C8B-B14F-4D97-AF65-F5344CB8AC3E}">
-        <p14:creationId xmlns:p14="http://schemas.microsoft.com/office/powerpoint/2010/main" val="280222323"/>
+        <p14:creationId xmlns:p14="http://schemas.microsoft.com/office/powerpoint/2010/main" val="3574111896"/>
       </p:ext>
     </p:extLst>
   </p:cSld>
@@ -6821,7 +6936,7 @@
           <a:p>
             <a:fld id="{AE18679F-F7AD-4C3C-A7D1-3B957986030F}" type="datetimeFigureOut">
               <a:rPr lang="zh-TW" altLang="en-US" smtClean="0"/>
-              <a:t>2021/12/24</a:t>
+              <a:t>2021/12/25</a:t>
             </a:fld>
             <a:endParaRPr lang="zh-TW" altLang="en-US"/>
           </a:p>
@@ -6991,7 +7106,7 @@
           <a:p>
             <a:fld id="{AE18679F-F7AD-4C3C-A7D1-3B957986030F}" type="datetimeFigureOut">
               <a:rPr lang="zh-TW" altLang="en-US" smtClean="0"/>
-              <a:t>2021/12/24</a:t>
+              <a:t>2021/12/25</a:t>
             </a:fld>
             <a:endParaRPr lang="zh-TW" altLang="en-US"/>
           </a:p>
@@ -7171,7 +7286,7 @@
           <a:p>
             <a:fld id="{AE18679F-F7AD-4C3C-A7D1-3B957986030F}" type="datetimeFigureOut">
               <a:rPr lang="zh-TW" altLang="en-US" smtClean="0"/>
-              <a:t>2021/12/24</a:t>
+              <a:t>2021/12/25</a:t>
             </a:fld>
             <a:endParaRPr lang="zh-TW" altLang="en-US"/>
           </a:p>
@@ -7341,7 +7456,7 @@
           <a:p>
             <a:fld id="{AE18679F-F7AD-4C3C-A7D1-3B957986030F}" type="datetimeFigureOut">
               <a:rPr lang="zh-TW" altLang="en-US" smtClean="0"/>
-              <a:t>2021/12/24</a:t>
+              <a:t>2021/12/25</a:t>
             </a:fld>
             <a:endParaRPr lang="zh-TW" altLang="en-US"/>
           </a:p>
@@ -7587,7 +7702,7 @@
           <a:p>
             <a:fld id="{AE18679F-F7AD-4C3C-A7D1-3B957986030F}" type="datetimeFigureOut">
               <a:rPr lang="zh-TW" altLang="en-US" smtClean="0"/>
-              <a:t>2021/12/24</a:t>
+              <a:t>2021/12/25</a:t>
             </a:fld>
             <a:endParaRPr lang="zh-TW" altLang="en-US"/>
           </a:p>
@@ -7819,7 +7934,7 @@
           <a:p>
             <a:fld id="{AE18679F-F7AD-4C3C-A7D1-3B957986030F}" type="datetimeFigureOut">
               <a:rPr lang="zh-TW" altLang="en-US" smtClean="0"/>
-              <a:t>2021/12/24</a:t>
+              <a:t>2021/12/25</a:t>
             </a:fld>
             <a:endParaRPr lang="zh-TW" altLang="en-US"/>
           </a:p>
@@ -8186,7 +8301,7 @@
           <a:p>
             <a:fld id="{AE18679F-F7AD-4C3C-A7D1-3B957986030F}" type="datetimeFigureOut">
               <a:rPr lang="zh-TW" altLang="en-US" smtClean="0"/>
-              <a:t>2021/12/24</a:t>
+              <a:t>2021/12/25</a:t>
             </a:fld>
             <a:endParaRPr lang="zh-TW" altLang="en-US"/>
           </a:p>
@@ -8304,7 +8419,7 @@
           <a:p>
             <a:fld id="{AE18679F-F7AD-4C3C-A7D1-3B957986030F}" type="datetimeFigureOut">
               <a:rPr lang="zh-TW" altLang="en-US" smtClean="0"/>
-              <a:t>2021/12/24</a:t>
+              <a:t>2021/12/25</a:t>
             </a:fld>
             <a:endParaRPr lang="zh-TW" altLang="en-US"/>
           </a:p>
@@ -8399,7 +8514,7 @@
           <a:p>
             <a:fld id="{AE18679F-F7AD-4C3C-A7D1-3B957986030F}" type="datetimeFigureOut">
               <a:rPr lang="zh-TW" altLang="en-US" smtClean="0"/>
-              <a:t>2021/12/24</a:t>
+              <a:t>2021/12/25</a:t>
             </a:fld>
             <a:endParaRPr lang="zh-TW" altLang="en-US"/>
           </a:p>
@@ -8676,7 +8791,7 @@
           <a:p>
             <a:fld id="{AE18679F-F7AD-4C3C-A7D1-3B957986030F}" type="datetimeFigureOut">
               <a:rPr lang="zh-TW" altLang="en-US" smtClean="0"/>
-              <a:t>2021/12/24</a:t>
+              <a:t>2021/12/25</a:t>
             </a:fld>
             <a:endParaRPr lang="zh-TW" altLang="en-US"/>
           </a:p>
@@ -8929,7 +9044,7 @@
           <a:p>
             <a:fld id="{AE18679F-F7AD-4C3C-A7D1-3B957986030F}" type="datetimeFigureOut">
               <a:rPr lang="zh-TW" altLang="en-US" smtClean="0"/>
-              <a:t>2021/12/24</a:t>
+              <a:t>2021/12/25</a:t>
             </a:fld>
             <a:endParaRPr lang="zh-TW" altLang="en-US"/>
           </a:p>
@@ -9142,7 +9257,7 @@
           <a:p>
             <a:fld id="{AE18679F-F7AD-4C3C-A7D1-3B957986030F}" type="datetimeFigureOut">
               <a:rPr lang="zh-TW" altLang="en-US" smtClean="0"/>
-              <a:t>2021/12/24</a:t>
+              <a:t>2021/12/25</a:t>
             </a:fld>
             <a:endParaRPr lang="zh-TW" altLang="en-US"/>
           </a:p>
@@ -9709,6 +9824,329 @@
       </p:grpSpPr>
       <p:sp>
         <p:nvSpPr>
+          <p:cNvPr id="3" name="內容版面配置區 2"/>
+          <p:cNvSpPr>
+            <a:spLocks noGrp="1"/>
+          </p:cNvSpPr>
+          <p:nvPr>
+            <p:ph idx="1"/>
+          </p:nvPr>
+        </p:nvSpPr>
+        <p:spPr>
+          <a:xfrm>
+            <a:off x="429491" y="1257300"/>
+            <a:ext cx="11152909" cy="5508624"/>
+          </a:xfrm>
+        </p:spPr>
+        <p:txBody>
+          <a:bodyPr>
+            <a:noAutofit/>
+          </a:bodyPr>
+          <a:lstStyle/>
+          <a:p>
+            <a:pPr>
+              <a:lnSpc>
+                <a:spcPct val="150000"/>
+              </a:lnSpc>
+            </a:pPr>
+            <a:r>
+              <a:rPr lang="en-US" altLang="zh-TW" dirty="0" smtClean="0">
+                <a:latin typeface="微軟正黑體" panose="020B0604030504040204" pitchFamily="34" charset="-120"/>
+                <a:ea typeface="微軟正黑體" panose="020B0604030504040204" pitchFamily="34" charset="-120"/>
+              </a:rPr>
+              <a:t>Request</a:t>
+            </a:r>
+            <a:r>
+              <a:rPr lang="zh-TW" altLang="en-US" dirty="0" smtClean="0">
+                <a:latin typeface="微軟正黑體" panose="020B0604030504040204" pitchFamily="34" charset="-120"/>
+                <a:ea typeface="微軟正黑體" panose="020B0604030504040204" pitchFamily="34" charset="-120"/>
+              </a:rPr>
+              <a:t>或</a:t>
+            </a:r>
+            <a:r>
+              <a:rPr lang="en-US" altLang="zh-TW" dirty="0" smtClean="0">
+                <a:latin typeface="微軟正黑體" panose="020B0604030504040204" pitchFamily="34" charset="-120"/>
+                <a:ea typeface="微軟正黑體" panose="020B0604030504040204" pitchFamily="34" charset="-120"/>
+              </a:rPr>
+              <a:t>Response</a:t>
+            </a:r>
+            <a:r>
+              <a:rPr lang="zh-TW" altLang="en-US" dirty="0" smtClean="0">
+                <a:latin typeface="微軟正黑體" panose="020B0604030504040204" pitchFamily="34" charset="-120"/>
+                <a:ea typeface="微軟正黑體" panose="020B0604030504040204" pitchFamily="34" charset="-120"/>
+              </a:rPr>
+              <a:t>資訊有一定的資料格式跟傳遞方法等</a:t>
+            </a:r>
+            <a:endParaRPr lang="en-US" altLang="zh-TW" dirty="0" smtClean="0">
+              <a:latin typeface="微軟正黑體" panose="020B0604030504040204" pitchFamily="34" charset="-120"/>
+              <a:ea typeface="微軟正黑體" panose="020B0604030504040204" pitchFamily="34" charset="-120"/>
+            </a:endParaRPr>
+          </a:p>
+          <a:p>
+            <a:pPr>
+              <a:lnSpc>
+                <a:spcPct val="150000"/>
+              </a:lnSpc>
+            </a:pPr>
+            <a:r>
+              <a:rPr lang="zh-TW" altLang="en-US" b="1" dirty="0">
+                <a:latin typeface="微軟正黑體" panose="020B0604030504040204" pitchFamily="34" charset="-120"/>
+                <a:ea typeface="微軟正黑體" panose="020B0604030504040204" pitchFamily="34" charset="-120"/>
+              </a:rPr>
+              <a:t>傳遞方法</a:t>
+            </a:r>
+            <a:r>
+              <a:rPr lang="en-US" altLang="zh-TW" b="1" dirty="0" smtClean="0">
+                <a:latin typeface="微軟正黑體" panose="020B0604030504040204" pitchFamily="34" charset="-120"/>
+                <a:ea typeface="微軟正黑體" panose="020B0604030504040204" pitchFamily="34" charset="-120"/>
+              </a:rPr>
+              <a:t>(method)</a:t>
+            </a:r>
+            <a:r>
+              <a:rPr lang="zh-TW" altLang="en-US" b="1" dirty="0" smtClean="0">
+                <a:latin typeface="微軟正黑體" panose="020B0604030504040204" pitchFamily="34" charset="-120"/>
+                <a:ea typeface="微軟正黑體" panose="020B0604030504040204" pitchFamily="34" charset="-120"/>
+              </a:rPr>
+              <a:t>：</a:t>
+            </a:r>
+            <a:r>
+              <a:rPr lang="zh-TW" altLang="en-US" dirty="0" smtClean="0">
+                <a:latin typeface="微軟正黑體" panose="020B0604030504040204" pitchFamily="34" charset="-120"/>
+                <a:ea typeface="微軟正黑體" panose="020B0604030504040204" pitchFamily="34" charset="-120"/>
+              </a:rPr>
+              <a:t>常用的</a:t>
+            </a:r>
+            <a:r>
+              <a:rPr lang="zh-TW" altLang="en-US" dirty="0">
+                <a:latin typeface="微軟正黑體" panose="020B0604030504040204" pitchFamily="34" charset="-120"/>
+                <a:ea typeface="微軟正黑體" panose="020B0604030504040204" pitchFamily="34" charset="-120"/>
+              </a:rPr>
+              <a:t>有</a:t>
+            </a:r>
+            <a:r>
+              <a:rPr lang="en-US" altLang="zh-TW" b="1" dirty="0" smtClean="0">
+                <a:latin typeface="微軟正黑體" panose="020B0604030504040204" pitchFamily="34" charset="-120"/>
+                <a:ea typeface="微軟正黑體" panose="020B0604030504040204" pitchFamily="34" charset="-120"/>
+              </a:rPr>
+              <a:t>POST </a:t>
+            </a:r>
+            <a:r>
+              <a:rPr lang="en-US" altLang="zh-TW" b="1" dirty="0">
+                <a:latin typeface="微軟正黑體" panose="020B0604030504040204" pitchFamily="34" charset="-120"/>
+                <a:ea typeface="微軟正黑體" panose="020B0604030504040204" pitchFamily="34" charset="-120"/>
+              </a:rPr>
+              <a:t>/ GET / PUT / DELETE</a:t>
+            </a:r>
+            <a:r>
+              <a:rPr lang="zh-TW" altLang="en-US" dirty="0">
+                <a:latin typeface="微軟正黑體" panose="020B0604030504040204" pitchFamily="34" charset="-120"/>
+                <a:ea typeface="微軟正黑體" panose="020B0604030504040204" pitchFamily="34" charset="-120"/>
+              </a:rPr>
+              <a:t>，正好會對應</a:t>
+            </a:r>
+            <a:r>
+              <a:rPr lang="zh-TW" altLang="en-US" dirty="0" smtClean="0">
+                <a:latin typeface="微軟正黑體" panose="020B0604030504040204" pitchFamily="34" charset="-120"/>
+                <a:ea typeface="微軟正黑體" panose="020B0604030504040204" pitchFamily="34" charset="-120"/>
+              </a:rPr>
+              <a:t>到</a:t>
+            </a:r>
+            <a:r>
+              <a:rPr lang="en-US" altLang="zh-TW" dirty="0" smtClean="0">
+                <a:latin typeface="微軟正黑體" panose="020B0604030504040204" pitchFamily="34" charset="-120"/>
+                <a:ea typeface="微軟正黑體" panose="020B0604030504040204" pitchFamily="34" charset="-120"/>
+              </a:rPr>
+              <a:t>CRUD </a:t>
+            </a:r>
+            <a:r>
+              <a:rPr lang="zh-TW" altLang="en-US" dirty="0" smtClean="0">
+                <a:latin typeface="微軟正黑體" panose="020B0604030504040204" pitchFamily="34" charset="-120"/>
+                <a:ea typeface="微軟正黑體" panose="020B0604030504040204" pitchFamily="34" charset="-120"/>
+              </a:rPr>
+              <a:t>。</a:t>
+            </a:r>
+            <a:endParaRPr lang="en-US" altLang="zh-TW" dirty="0">
+              <a:latin typeface="微軟正黑體" panose="020B0604030504040204" pitchFamily="34" charset="-120"/>
+              <a:ea typeface="微軟正黑體" panose="020B0604030504040204" pitchFamily="34" charset="-120"/>
+            </a:endParaRPr>
+          </a:p>
+          <a:p>
+            <a:pPr marL="171450" indent="-171450">
+              <a:lnSpc>
+                <a:spcPct val="150000"/>
+              </a:lnSpc>
+            </a:pPr>
+            <a:r>
+              <a:rPr lang="en-US" altLang="zh-TW" dirty="0">
+                <a:latin typeface="微軟正黑體" panose="020B0604030504040204" pitchFamily="34" charset="-120"/>
+                <a:ea typeface="微軟正黑體" panose="020B0604030504040204" pitchFamily="34" charset="-120"/>
+              </a:rPr>
+              <a:t>Get</a:t>
+            </a:r>
+            <a:r>
+              <a:rPr lang="zh-TW" altLang="en-US" dirty="0">
+                <a:latin typeface="微軟正黑體" panose="020B0604030504040204" pitchFamily="34" charset="-120"/>
+                <a:ea typeface="微軟正黑體" panose="020B0604030504040204" pitchFamily="34" charset="-120"/>
+              </a:rPr>
+              <a:t>：傳送</a:t>
+            </a:r>
+            <a:r>
+              <a:rPr lang="zh-TW" altLang="en-US" dirty="0" smtClean="0">
+                <a:latin typeface="微軟正黑體" panose="020B0604030504040204" pitchFamily="34" charset="-120"/>
+                <a:ea typeface="微軟正黑體" panose="020B0604030504040204" pitchFamily="34" charset="-120"/>
+              </a:rPr>
+              <a:t>的參數會</a:t>
+            </a:r>
+            <a:r>
+              <a:rPr lang="zh-TW" altLang="en-US" dirty="0">
+                <a:latin typeface="微軟正黑體" panose="020B0604030504040204" pitchFamily="34" charset="-120"/>
+                <a:ea typeface="微軟正黑體" panose="020B0604030504040204" pitchFamily="34" charset="-120"/>
+              </a:rPr>
+              <a:t>透過網址的方式</a:t>
+            </a:r>
+            <a:r>
+              <a:rPr lang="zh-TW" altLang="en-US" dirty="0" smtClean="0">
+                <a:latin typeface="微軟正黑體" panose="020B0604030504040204" pitchFamily="34" charset="-120"/>
+                <a:ea typeface="微軟正黑體" panose="020B0604030504040204" pitchFamily="34" charset="-120"/>
+              </a:rPr>
+              <a:t>傳送，大家都看得到</a:t>
+            </a:r>
+            <a:endParaRPr lang="en-US" altLang="zh-TW" dirty="0" smtClean="0">
+              <a:latin typeface="微軟正黑體" panose="020B0604030504040204" pitchFamily="34" charset="-120"/>
+              <a:ea typeface="微軟正黑體" panose="020B0604030504040204" pitchFamily="34" charset="-120"/>
+            </a:endParaRPr>
+          </a:p>
+          <a:p>
+            <a:pPr marL="171450" indent="-171450">
+              <a:lnSpc>
+                <a:spcPct val="150000"/>
+              </a:lnSpc>
+            </a:pPr>
+            <a:r>
+              <a:rPr lang="en-US" altLang="zh-TW" dirty="0" smtClean="0">
+                <a:latin typeface="微軟正黑體" panose="020B0604030504040204" pitchFamily="34" charset="-120"/>
+                <a:ea typeface="微軟正黑體" panose="020B0604030504040204" pitchFamily="34" charset="-120"/>
+              </a:rPr>
+              <a:t>Post</a:t>
+            </a:r>
+            <a:r>
+              <a:rPr lang="zh-TW" altLang="en-US" dirty="0" smtClean="0">
+                <a:latin typeface="微軟正黑體" panose="020B0604030504040204" pitchFamily="34" charset="-120"/>
+                <a:ea typeface="微軟正黑體" panose="020B0604030504040204" pitchFamily="34" charset="-120"/>
+              </a:rPr>
+              <a:t>：傳送的資料會包在</a:t>
+            </a:r>
+            <a:r>
+              <a:rPr lang="en-US" altLang="zh-TW" dirty="0" smtClean="0">
+                <a:latin typeface="微軟正黑體" panose="020B0604030504040204" pitchFamily="34" charset="-120"/>
+                <a:ea typeface="微軟正黑體" panose="020B0604030504040204" pitchFamily="34" charset="-120"/>
+              </a:rPr>
+              <a:t>Request Body</a:t>
+            </a:r>
+            <a:endParaRPr lang="zh-TW" altLang="en-US" sz="2800" dirty="0">
+              <a:latin typeface="微軟正黑體" panose="020B0604030504040204" pitchFamily="34" charset="-120"/>
+              <a:ea typeface="微軟正黑體" panose="020B0604030504040204" pitchFamily="34" charset="-120"/>
+            </a:endParaRPr>
+          </a:p>
+        </p:txBody>
+      </p:sp>
+      <p:sp>
+        <p:nvSpPr>
+          <p:cNvPr id="4" name="標題 1"/>
+          <p:cNvSpPr txBox="1">
+            <a:spLocks/>
+          </p:cNvSpPr>
+          <p:nvPr/>
+        </p:nvSpPr>
+        <p:spPr>
+          <a:xfrm>
+            <a:off x="429491" y="1"/>
+            <a:ext cx="11152909" cy="1481496"/>
+          </a:xfrm>
+          <a:prstGeom prst="rect">
+            <a:avLst/>
+          </a:prstGeom>
+        </p:spPr>
+        <p:txBody>
+          <a:bodyPr vert="horz" lIns="91440" tIns="45720" rIns="91440" bIns="45720" rtlCol="0" anchor="ctr">
+            <a:noAutofit/>
+          </a:bodyPr>
+          <a:lstStyle>
+            <a:lvl1pPr algn="l" defTabSz="914400" rtl="0" eaLnBrk="1" latinLnBrk="0" hangingPunct="1">
+              <a:lnSpc>
+                <a:spcPct val="90000"/>
+              </a:lnSpc>
+              <a:spcBef>
+                <a:spcPct val="0"/>
+              </a:spcBef>
+              <a:buNone/>
+              <a:defRPr sz="4400" kern="1200">
+                <a:solidFill>
+                  <a:schemeClr val="tx1"/>
+                </a:solidFill>
+                <a:latin typeface="+mj-lt"/>
+                <a:ea typeface="+mj-ea"/>
+                <a:cs typeface="+mj-cs"/>
+              </a:defRPr>
+            </a:lvl1pPr>
+          </a:lstStyle>
+          <a:p>
+            <a:r>
+              <a:rPr lang="en-US" altLang="zh-TW" sz="3200" dirty="0">
+                <a:latin typeface="微軟正黑體" panose="020B0604030504040204" pitchFamily="34" charset="-120"/>
+                <a:ea typeface="微軟正黑體" panose="020B0604030504040204" pitchFamily="34" charset="-120"/>
+              </a:rPr>
+              <a:t>HTTP</a:t>
+            </a:r>
+            <a:r>
+              <a:rPr lang="zh-TW" altLang="en-US" sz="3200" dirty="0">
+                <a:latin typeface="微軟正黑體" panose="020B0604030504040204" pitchFamily="34" charset="-120"/>
+                <a:ea typeface="微軟正黑體" panose="020B0604030504040204" pitchFamily="34" charset="-120"/>
+              </a:rPr>
+              <a:t>資訊介紹</a:t>
+            </a:r>
+          </a:p>
+        </p:txBody>
+      </p:sp>
+    </p:spTree>
+    <p:extLst>
+      <p:ext uri="{BB962C8B-B14F-4D97-AF65-F5344CB8AC3E}">
+        <p14:creationId xmlns:p14="http://schemas.microsoft.com/office/powerpoint/2010/main" val="2994102965"/>
+      </p:ext>
+    </p:extLst>
+  </p:cSld>
+  <p:clrMapOvr>
+    <a:masterClrMapping/>
+  </p:clrMapOvr>
+  <p:timing>
+    <p:tnLst>
+      <p:par>
+        <p:cTn id="1" dur="indefinite" restart="never" nodeType="tmRoot"/>
+      </p:par>
+    </p:tnLst>
+  </p:timing>
+</p:sld>
+</file>
+
+<file path=ppt/slides/slide11.xml><?xml version="1.0" encoding="utf-8"?>
+<p:sld xmlns:a="http://schemas.openxmlformats.org/drawingml/2006/main" xmlns:r="http://schemas.openxmlformats.org/officeDocument/2006/relationships" xmlns:p="http://schemas.openxmlformats.org/presentationml/2006/main">
+  <p:cSld>
+    <p:spTree>
+      <p:nvGrpSpPr>
+        <p:cNvPr id="1" name=""/>
+        <p:cNvGrpSpPr/>
+        <p:nvPr/>
+      </p:nvGrpSpPr>
+      <p:grpSpPr>
+        <a:xfrm>
+          <a:off x="0" y="0"/>
+          <a:ext cx="0" cy="0"/>
+          <a:chOff x="0" y="0"/>
+          <a:chExt cx="0" cy="0"/>
+        </a:xfrm>
+      </p:grpSpPr>
+      <p:sp>
+        <p:nvSpPr>
           <p:cNvPr id="4" name="標題 1"/>
           <p:cNvSpPr txBox="1">
             <a:spLocks/>
@@ -10107,35 +10545,35 @@
               <a:t>客戶端錯誤</a:t>
             </a:r>
             <a:r>
-              <a:rPr lang="zh-TW" altLang="en-US" dirty="0">
+              <a:rPr lang="zh-TW" altLang="en-US" dirty="0" smtClean="0">
                 <a:latin typeface="微軟正黑體" panose="020B0604030504040204" pitchFamily="34" charset="-120"/>
                 <a:ea typeface="微軟正黑體" panose="020B0604030504040204" pitchFamily="34" charset="-120"/>
               </a:rPr>
               <a:t>，</a:t>
             </a:r>
             <a:r>
-              <a:rPr lang="en-US" altLang="zh-TW" dirty="0">
+              <a:rPr lang="en-US" altLang="zh-TW" dirty="0" smtClean="0">
                 <a:latin typeface="微軟正黑體" panose="020B0604030504040204" pitchFamily="34" charset="-120"/>
                 <a:ea typeface="微軟正黑體" panose="020B0604030504040204" pitchFamily="34" charset="-120"/>
               </a:rPr>
               <a:t>http </a:t>
             </a:r>
             <a:r>
-              <a:rPr lang="zh-TW" altLang="en-US" dirty="0">
+              <a:rPr lang="zh-TW" altLang="en-US" dirty="0" smtClean="0">
                 <a:latin typeface="微軟正黑體" panose="020B0604030504040204" pitchFamily="34" charset="-120"/>
                 <a:ea typeface="微軟正黑體" panose="020B0604030504040204" pitchFamily="34" charset="-120"/>
               </a:rPr>
               <a:t>請求失敗，常見的可能是找不到資源，或是</a:t>
             </a:r>
             <a:r>
-              <a:rPr lang="en-US" altLang="zh-TW" dirty="0">
+              <a:rPr lang="en-US" altLang="zh-TW" dirty="0" smtClean="0">
                 <a:latin typeface="微軟正黑體" panose="020B0604030504040204" pitchFamily="34" charset="-120"/>
                 <a:ea typeface="微軟正黑體" panose="020B0604030504040204" pitchFamily="34" charset="-120"/>
               </a:rPr>
               <a:t>403</a:t>
             </a:r>
             <a:r>
-              <a:rPr lang="zh-TW" altLang="en-US" dirty="0">
+              <a:rPr lang="zh-TW" altLang="en-US" dirty="0" smtClean="0">
                 <a:latin typeface="微軟正黑體" panose="020B0604030504040204" pitchFamily="34" charset="-120"/>
                 <a:ea typeface="微軟正黑體" panose="020B0604030504040204" pitchFamily="34" charset="-120"/>
               </a:rPr>
@@ -10144,80 +10582,73 @@
           </a:p>
           <a:p>
             <a:r>
-              <a:rPr lang="en-US" altLang="zh-TW" b="1" dirty="0">
+              <a:rPr lang="en-US" altLang="zh-TW" b="1" dirty="0" smtClean="0">
                 <a:latin typeface="微軟正黑體" panose="020B0604030504040204" pitchFamily="34" charset="-120"/>
                 <a:ea typeface="微軟正黑體" panose="020B0604030504040204" pitchFamily="34" charset="-120"/>
               </a:rPr>
               <a:t>5xx</a:t>
             </a:r>
             <a:r>
-              <a:rPr lang="zh-TW" altLang="en-US" dirty="0">
+              <a:rPr lang="zh-TW" altLang="en-US" dirty="0" smtClean="0">
                 <a:latin typeface="微軟正黑體" panose="020B0604030504040204" pitchFamily="34" charset="-120"/>
                 <a:ea typeface="微軟正黑體" panose="020B0604030504040204" pitchFamily="34" charset="-120"/>
               </a:rPr>
               <a:t>：</a:t>
             </a:r>
             <a:r>
-              <a:rPr lang="zh-TW" altLang="en-US" b="1" dirty="0">
+              <a:rPr lang="zh-TW" altLang="en-US" b="1" dirty="0" smtClean="0">
                 <a:latin typeface="微軟正黑體" panose="020B0604030504040204" pitchFamily="34" charset="-120"/>
                 <a:ea typeface="微軟正黑體" panose="020B0604030504040204" pitchFamily="34" charset="-120"/>
               </a:rPr>
               <a:t>伺服器錯誤</a:t>
             </a:r>
             <a:r>
-              <a:rPr lang="zh-TW" altLang="en-US" dirty="0">
+              <a:rPr lang="zh-TW" altLang="en-US" dirty="0" smtClean="0">
                 <a:latin typeface="微軟正黑體" panose="020B0604030504040204" pitchFamily="34" charset="-120"/>
                 <a:ea typeface="微軟正黑體" panose="020B0604030504040204" pitchFamily="34" charset="-120"/>
               </a:rPr>
               <a:t>，這類狀態碼 </a:t>
             </a:r>
             <a:r>
-              <a:rPr lang="en-US" altLang="zh-TW" dirty="0">
+              <a:rPr lang="en-US" altLang="zh-TW" dirty="0" smtClean="0">
                 <a:latin typeface="微軟正黑體" panose="020B0604030504040204" pitchFamily="34" charset="-120"/>
                 <a:ea typeface="微軟正黑體" panose="020B0604030504040204" pitchFamily="34" charset="-120"/>
               </a:rPr>
               <a:t>90% </a:t>
             </a:r>
             <a:r>
-              <a:rPr lang="zh-TW" altLang="en-US" dirty="0">
+              <a:rPr lang="zh-TW" altLang="en-US" dirty="0" smtClean="0">
                 <a:latin typeface="微軟正黑體" panose="020B0604030504040204" pitchFamily="34" charset="-120"/>
                 <a:ea typeface="微軟正黑體" panose="020B0604030504040204" pitchFamily="34" charset="-120"/>
               </a:rPr>
               <a:t>代表了伺服器在處理請求的過程中有錯誤或者異常狀態發生，可以去找後端，不是前端的</a:t>
             </a:r>
             <a:r>
-              <a:rPr lang="en-US" altLang="zh-TW" dirty="0">
+              <a:rPr lang="en-US" altLang="zh-TW" dirty="0" smtClean="0">
                 <a:latin typeface="微軟正黑體" panose="020B0604030504040204" pitchFamily="34" charset="-120"/>
                 <a:ea typeface="微軟正黑體" panose="020B0604030504040204" pitchFamily="34" charset="-120"/>
               </a:rPr>
               <a:t>code</a:t>
             </a:r>
             <a:r>
-              <a:rPr lang="zh-TW" altLang="en-US" dirty="0">
+              <a:rPr lang="zh-TW" altLang="en-US" dirty="0" smtClean="0">
                 <a:latin typeface="微軟正黑體" panose="020B0604030504040204" pitchFamily="34" charset="-120"/>
                 <a:ea typeface="微軟正黑體" panose="020B0604030504040204" pitchFamily="34" charset="-120"/>
               </a:rPr>
               <a:t>寫錯</a:t>
             </a:r>
-            <a:endParaRPr lang="en-US" altLang="zh-TW" dirty="0">
+            <a:endParaRPr lang="en-US" altLang="zh-TW" dirty="0" smtClean="0">
               <a:latin typeface="微軟正黑體" panose="020B0604030504040204" pitchFamily="34" charset="-120"/>
               <a:ea typeface="微軟正黑體" panose="020B0604030504040204" pitchFamily="34" charset="-120"/>
             </a:endParaRPr>
           </a:p>
           <a:p>
             <a:r>
-              <a:rPr lang="zh-TW" altLang="en-US" b="1" dirty="0">
-                <a:latin typeface="微軟正黑體" panose="020B0604030504040204" pitchFamily="34" charset="-120"/>
-                <a:ea typeface="微軟正黑體" panose="020B0604030504040204" pitchFamily="34" charset="-120"/>
-              </a:rPr>
-              <a:t>備註</a:t>
-            </a:r>
-            <a:r>
               <a:rPr lang="zh-TW" altLang="en-US" b="1" dirty="0" smtClean="0">
                 <a:latin typeface="微軟正黑體" panose="020B0604030504040204" pitchFamily="34" charset="-120"/>
                 <a:ea typeface="微軟正黑體" panose="020B0604030504040204" pitchFamily="34" charset="-120"/>
               </a:rPr>
-              <a:t>：</a:t>
+              <a:t>備註：</a:t>
             </a:r>
             <a:endParaRPr lang="en-US" altLang="zh-TW" b="1" dirty="0" smtClean="0">
               <a:latin typeface="微軟正黑體" panose="020B0604030504040204" pitchFamily="34" charset="-120"/>
@@ -10343,7 +10774,7 @@
 </p:sld>
 </file>
 
-<file path=ppt/slides/slide11.xml><?xml version="1.0" encoding="utf-8"?>
+<file path=ppt/slides/slide12.xml><?xml version="1.0" encoding="utf-8"?>
 <p:sld xmlns:a="http://schemas.openxmlformats.org/drawingml/2006/main" xmlns:r="http://schemas.openxmlformats.org/officeDocument/2006/relationships" xmlns:p="http://schemas.openxmlformats.org/presentationml/2006/main">
   <p:cSld>
     <p:spTree>
@@ -10466,7 +10897,7 @@
 </p:sld>
 </file>
 
-<file path=ppt/slides/slide12.xml><?xml version="1.0" encoding="utf-8"?>
+<file path=ppt/slides/slide13.xml><?xml version="1.0" encoding="utf-8"?>
 <p:sld xmlns:a="http://schemas.openxmlformats.org/drawingml/2006/main" xmlns:r="http://schemas.openxmlformats.org/officeDocument/2006/relationships" xmlns:p="http://schemas.openxmlformats.org/presentationml/2006/main">
   <p:cSld>
     <p:spTree>
@@ -10710,7 +11141,7 @@
 </p:sld>
 </file>
 
-<file path=ppt/slides/slide13.xml><?xml version="1.0" encoding="utf-8"?>
+<file path=ppt/slides/slide14.xml><?xml version="1.0" encoding="utf-8"?>
 <p:sld xmlns:a="http://schemas.openxmlformats.org/drawingml/2006/main" xmlns:r="http://schemas.openxmlformats.org/officeDocument/2006/relationships" xmlns:p="http://schemas.openxmlformats.org/presentationml/2006/main">
   <p:cSld>
     <p:spTree>
@@ -10852,7 +11283,7 @@
 </p:sld>
 </file>
 
-<file path=ppt/slides/slide14.xml><?xml version="1.0" encoding="utf-8"?>
+<file path=ppt/slides/slide15.xml><?xml version="1.0" encoding="utf-8"?>
 <p:sld xmlns:a="http://schemas.openxmlformats.org/drawingml/2006/main" xmlns:r="http://schemas.openxmlformats.org/officeDocument/2006/relationships" xmlns:p="http://schemas.openxmlformats.org/presentationml/2006/main">
   <p:cSld>
     <p:spTree>
@@ -11038,7 +11469,7 @@
 </p:sld>
 </file>
 
-<file path=ppt/slides/slide15.xml><?xml version="1.0" encoding="utf-8"?>
+<file path=ppt/slides/slide16.xml><?xml version="1.0" encoding="utf-8"?>
 <p:sld xmlns:a="http://schemas.openxmlformats.org/drawingml/2006/main" xmlns:r="http://schemas.openxmlformats.org/officeDocument/2006/relationships" xmlns:p="http://schemas.openxmlformats.org/presentationml/2006/main">
   <p:cSld>
     <p:spTree>
@@ -11218,7 +11649,7 @@
 </p:sld>
 </file>
 
-<file path=ppt/slides/slide16.xml><?xml version="1.0" encoding="utf-8"?>
+<file path=ppt/slides/slide17.xml><?xml version="1.0" encoding="utf-8"?>
 <p:sld xmlns:a="http://schemas.openxmlformats.org/drawingml/2006/main" xmlns:r="http://schemas.openxmlformats.org/officeDocument/2006/relationships" xmlns:p="http://schemas.openxmlformats.org/presentationml/2006/main">
   <p:cSld>
     <p:spTree>
@@ -11366,7 +11797,7 @@
 </p:sld>
 </file>
 
-<file path=ppt/slides/slide17.xml><?xml version="1.0" encoding="utf-8"?>
+<file path=ppt/slides/slide18.xml><?xml version="1.0" encoding="utf-8"?>
 <p:sld xmlns:a="http://schemas.openxmlformats.org/drawingml/2006/main" xmlns:r="http://schemas.openxmlformats.org/officeDocument/2006/relationships" xmlns:p="http://schemas.openxmlformats.org/presentationml/2006/main">
   <p:cSld>
     <p:spTree>
@@ -11582,7 +12013,7 @@
 </p:sld>
 </file>
 
-<file path=ppt/slides/slide18.xml><?xml version="1.0" encoding="utf-8"?>
+<file path=ppt/slides/slide19.xml><?xml version="1.0" encoding="utf-8"?>
 <p:sld xmlns:a="http://schemas.openxmlformats.org/drawingml/2006/main" xmlns:r="http://schemas.openxmlformats.org/officeDocument/2006/relationships" xmlns:p="http://schemas.openxmlformats.org/presentationml/2006/main">
   <p:cSld>
     <p:spTree>
@@ -11779,7 +12210,300 @@
 </p:sld>
 </file>
 
-<file path=ppt/slides/slide19.xml><?xml version="1.0" encoding="utf-8"?>
+<file path=ppt/slides/slide2.xml><?xml version="1.0" encoding="utf-8"?>
+<p:sld xmlns:a="http://schemas.openxmlformats.org/drawingml/2006/main" xmlns:r="http://schemas.openxmlformats.org/officeDocument/2006/relationships" xmlns:p="http://schemas.openxmlformats.org/presentationml/2006/main">
+  <p:cSld>
+    <p:spTree>
+      <p:nvGrpSpPr>
+        <p:cNvPr id="1" name=""/>
+        <p:cNvGrpSpPr/>
+        <p:nvPr/>
+      </p:nvGrpSpPr>
+      <p:grpSpPr>
+        <a:xfrm>
+          <a:off x="0" y="0"/>
+          <a:ext cx="0" cy="0"/>
+          <a:chOff x="0" y="0"/>
+          <a:chExt cx="0" cy="0"/>
+        </a:xfrm>
+      </p:grpSpPr>
+      <p:sp>
+        <p:nvSpPr>
+          <p:cNvPr id="2" name="標題 1"/>
+          <p:cNvSpPr>
+            <a:spLocks noGrp="1"/>
+          </p:cNvSpPr>
+          <p:nvPr>
+            <p:ph type="title"/>
+          </p:nvPr>
+        </p:nvSpPr>
+        <p:spPr/>
+        <p:txBody>
+          <a:bodyPr>
+            <a:normAutofit/>
+          </a:bodyPr>
+          <a:lstStyle/>
+          <a:p>
+            <a:r>
+              <a:rPr lang="en-US" altLang="zh-TW" dirty="0" smtClean="0">
+                <a:latin typeface="微軟正黑體" panose="020B0604030504040204" pitchFamily="34" charset="-120"/>
+                <a:ea typeface="微軟正黑體" panose="020B0604030504040204" pitchFamily="34" charset="-120"/>
+              </a:rPr>
+              <a:t>API</a:t>
+            </a:r>
+            <a:r>
+              <a:rPr lang="zh-TW" altLang="en-US" dirty="0" smtClean="0">
+                <a:latin typeface="微軟正黑體" panose="020B0604030504040204" pitchFamily="34" charset="-120"/>
+                <a:ea typeface="微軟正黑體" panose="020B0604030504040204" pitchFamily="34" charset="-120"/>
+              </a:rPr>
+              <a:t>串接經驗</a:t>
+            </a:r>
+            <a:endParaRPr lang="zh-TW" altLang="en-US" dirty="0">
+              <a:latin typeface="微軟正黑體" panose="020B0604030504040204" pitchFamily="34" charset="-120"/>
+              <a:ea typeface="微軟正黑體" panose="020B0604030504040204" pitchFamily="34" charset="-120"/>
+            </a:endParaRPr>
+          </a:p>
+        </p:txBody>
+      </p:sp>
+      <p:sp>
+        <p:nvSpPr>
+          <p:cNvPr id="3" name="內容版面配置區 2"/>
+          <p:cNvSpPr>
+            <a:spLocks noGrp="1"/>
+          </p:cNvSpPr>
+          <p:nvPr>
+            <p:ph idx="1"/>
+          </p:nvPr>
+        </p:nvSpPr>
+        <p:spPr/>
+        <p:txBody>
+          <a:bodyPr>
+            <a:normAutofit/>
+          </a:bodyPr>
+          <a:lstStyle/>
+          <a:p>
+            <a:r>
+              <a:rPr lang="zh-TW" altLang="en-US" sz="3200" dirty="0" smtClean="0">
+                <a:latin typeface="微軟正黑體" panose="020B0604030504040204" pitchFamily="34" charset="-120"/>
+                <a:ea typeface="微軟正黑體" panose="020B0604030504040204" pitchFamily="34" charset="-120"/>
+              </a:rPr>
+              <a:t>電商</a:t>
+            </a:r>
+            <a:r>
+              <a:rPr lang="en-US" altLang="zh-TW" sz="3200" dirty="0">
+                <a:latin typeface="微軟正黑體" panose="020B0604030504040204" pitchFamily="34" charset="-120"/>
+                <a:ea typeface="微軟正黑體" panose="020B0604030504040204" pitchFamily="34" charset="-120"/>
+              </a:rPr>
+              <a:t> </a:t>
+            </a:r>
+            <a:r>
+              <a:rPr lang="zh-TW" altLang="en-US" sz="3200" dirty="0" smtClean="0">
+                <a:latin typeface="微軟正黑體" panose="020B0604030504040204" pitchFamily="34" charset="-120"/>
+                <a:ea typeface="微軟正黑體" panose="020B0604030504040204" pitchFamily="34" charset="-120"/>
+              </a:rPr>
+              <a:t>綠界電子發票串接</a:t>
+            </a:r>
+            <a:r>
+              <a:rPr lang="en-US" altLang="zh-TW" sz="3200" dirty="0" smtClean="0">
+                <a:latin typeface="微軟正黑體" panose="020B0604030504040204" pitchFamily="34" charset="-120"/>
+                <a:ea typeface="微軟正黑體" panose="020B0604030504040204" pitchFamily="34" charset="-120"/>
+              </a:rPr>
+              <a:t> (</a:t>
+            </a:r>
+            <a:r>
+              <a:rPr lang="en-US" altLang="zh-TW" sz="3200" dirty="0">
+                <a:latin typeface="微軟正黑體" panose="020B0604030504040204" pitchFamily="34" charset="-120"/>
+                <a:ea typeface="微軟正黑體" panose="020B0604030504040204" pitchFamily="34" charset="-120"/>
+              </a:rPr>
+              <a:t>ASP.NET Core 5.0</a:t>
+            </a:r>
+            <a:r>
+              <a:rPr lang="en-US" altLang="zh-TW" sz="3200" dirty="0" smtClean="0">
+                <a:latin typeface="微軟正黑體" panose="020B0604030504040204" pitchFamily="34" charset="-120"/>
+                <a:ea typeface="微軟正黑體" panose="020B0604030504040204" pitchFamily="34" charset="-120"/>
+              </a:rPr>
+              <a:t>)</a:t>
+            </a:r>
+          </a:p>
+          <a:p>
+            <a:r>
+              <a:rPr lang="zh-TW" altLang="en-US" sz="3200" dirty="0">
+                <a:latin typeface="微軟正黑體" panose="020B0604030504040204" pitchFamily="34" charset="-120"/>
+                <a:ea typeface="微軟正黑體" panose="020B0604030504040204" pitchFamily="34" charset="-120"/>
+              </a:rPr>
+              <a:t>桃園捷運車務</a:t>
+            </a:r>
+            <a:r>
+              <a:rPr lang="zh-TW" altLang="en-US" sz="3200" dirty="0" smtClean="0">
+                <a:latin typeface="微軟正黑體" panose="020B0604030504040204" pitchFamily="34" charset="-120"/>
+                <a:ea typeface="微軟正黑體" panose="020B0604030504040204" pitchFamily="34" charset="-120"/>
+              </a:rPr>
+              <a:t>系統</a:t>
+            </a:r>
+            <a:r>
+              <a:rPr lang="en-US" altLang="zh-TW" sz="3200" dirty="0" smtClean="0">
+                <a:latin typeface="微軟正黑體" panose="020B0604030504040204" pitchFamily="34" charset="-120"/>
+                <a:ea typeface="微軟正黑體" panose="020B0604030504040204" pitchFamily="34" charset="-120"/>
+              </a:rPr>
+              <a:t>Excel</a:t>
+            </a:r>
+            <a:r>
+              <a:rPr lang="zh-TW" altLang="en-US" sz="3200" dirty="0" smtClean="0">
+                <a:latin typeface="微軟正黑體" panose="020B0604030504040204" pitchFamily="34" charset="-120"/>
+                <a:ea typeface="微軟正黑體" panose="020B0604030504040204" pitchFamily="34" charset="-120"/>
+              </a:rPr>
+              <a:t>匯入</a:t>
+            </a:r>
+            <a:r>
+              <a:rPr lang="en-US" altLang="zh-TW" sz="3200" dirty="0" smtClean="0">
+                <a:latin typeface="微軟正黑體" panose="020B0604030504040204" pitchFamily="34" charset="-120"/>
+                <a:ea typeface="微軟正黑體" panose="020B0604030504040204" pitchFamily="34" charset="-120"/>
+              </a:rPr>
+              <a:t>/</a:t>
+            </a:r>
+            <a:r>
+              <a:rPr lang="zh-TW" altLang="en-US" sz="3200" dirty="0" smtClean="0">
+                <a:latin typeface="微軟正黑體" panose="020B0604030504040204" pitchFamily="34" charset="-120"/>
+                <a:ea typeface="微軟正黑體" panose="020B0604030504040204" pitchFamily="34" charset="-120"/>
+              </a:rPr>
+              <a:t>匯出串接</a:t>
+            </a:r>
+            <a:r>
+              <a:rPr lang="en-US" altLang="zh-TW" sz="3200" dirty="0" smtClean="0">
+                <a:latin typeface="微軟正黑體" panose="020B0604030504040204" pitchFamily="34" charset="-120"/>
+                <a:ea typeface="微軟正黑體" panose="020B0604030504040204" pitchFamily="34" charset="-120"/>
+              </a:rPr>
+              <a:t> (</a:t>
+            </a:r>
+            <a:r>
+              <a:rPr lang="en-US" altLang="zh-TW" sz="3200" dirty="0">
+                <a:latin typeface="微軟正黑體" panose="020B0604030504040204" pitchFamily="34" charset="-120"/>
+                <a:ea typeface="微軟正黑體" panose="020B0604030504040204" pitchFamily="34" charset="-120"/>
+              </a:rPr>
+              <a:t>ASP.NET Core </a:t>
+            </a:r>
+            <a:r>
+              <a:rPr lang="en-US" altLang="zh-TW" sz="3200" dirty="0" smtClean="0">
+                <a:latin typeface="微軟正黑體" panose="020B0604030504040204" pitchFamily="34" charset="-120"/>
+                <a:ea typeface="微軟正黑體" panose="020B0604030504040204" pitchFamily="34" charset="-120"/>
+              </a:rPr>
+              <a:t>2.2)</a:t>
+            </a:r>
+          </a:p>
+          <a:p>
+            <a:r>
+              <a:rPr lang="zh-TW" altLang="en-US" sz="3200" dirty="0" smtClean="0">
+                <a:latin typeface="微軟正黑體" panose="020B0604030504040204" pitchFamily="34" charset="-120"/>
+                <a:ea typeface="微軟正黑體" panose="020B0604030504040204" pitchFamily="34" charset="-120"/>
+              </a:rPr>
+              <a:t>災害</a:t>
+            </a:r>
+            <a:r>
+              <a:rPr lang="zh-TW" altLang="en-US" sz="3200" dirty="0">
+                <a:latin typeface="微軟正黑體" panose="020B0604030504040204" pitchFamily="34" charset="-120"/>
+                <a:ea typeface="微軟正黑體" panose="020B0604030504040204" pitchFamily="34" charset="-120"/>
+              </a:rPr>
+              <a:t>防救資訊</a:t>
+            </a:r>
+            <a:r>
+              <a:rPr lang="zh-TW" altLang="en-US" sz="3200" dirty="0" smtClean="0">
+                <a:latin typeface="微軟正黑體" panose="020B0604030504040204" pitchFamily="34" charset="-120"/>
+                <a:ea typeface="微軟正黑體" panose="020B0604030504040204" pitchFamily="34" charset="-120"/>
+              </a:rPr>
+              <a:t>系統 災情</a:t>
+            </a:r>
+            <a:r>
+              <a:rPr lang="en-US" altLang="zh-TW" sz="3200" dirty="0">
+                <a:latin typeface="微軟正黑體" panose="020B0604030504040204" pitchFamily="34" charset="-120"/>
+                <a:ea typeface="微軟正黑體" panose="020B0604030504040204" pitchFamily="34" charset="-120"/>
+              </a:rPr>
+              <a:t>XML</a:t>
+            </a:r>
+            <a:r>
+              <a:rPr lang="zh-TW" altLang="en-US" sz="3200" dirty="0">
+                <a:latin typeface="微軟正黑體" panose="020B0604030504040204" pitchFamily="34" charset="-120"/>
+                <a:ea typeface="微軟正黑體" panose="020B0604030504040204" pitchFamily="34" charset="-120"/>
+              </a:rPr>
+              <a:t>資料</a:t>
+            </a:r>
+            <a:r>
+              <a:rPr lang="en-US" altLang="zh-TW" sz="3200" dirty="0">
+                <a:latin typeface="微軟正黑體" panose="020B0604030504040204" pitchFamily="34" charset="-120"/>
+                <a:ea typeface="微軟正黑體" panose="020B0604030504040204" pitchFamily="34" charset="-120"/>
+              </a:rPr>
+              <a:t>API</a:t>
+            </a:r>
+            <a:r>
+              <a:rPr lang="zh-TW" altLang="en-US" sz="3200" dirty="0">
+                <a:latin typeface="微軟正黑體" panose="020B0604030504040204" pitchFamily="34" charset="-120"/>
+                <a:ea typeface="微軟正黑體" panose="020B0604030504040204" pitchFamily="34" charset="-120"/>
+              </a:rPr>
+              <a:t>介</a:t>
+            </a:r>
+            <a:r>
+              <a:rPr lang="zh-TW" altLang="en-US" sz="3200" dirty="0" smtClean="0">
+                <a:latin typeface="微軟正黑體" panose="020B0604030504040204" pitchFamily="34" charset="-120"/>
+                <a:ea typeface="微軟正黑體" panose="020B0604030504040204" pitchFamily="34" charset="-120"/>
+              </a:rPr>
+              <a:t>接 </a:t>
+            </a:r>
+            <a:r>
+              <a:rPr lang="en-US" altLang="zh-TW" sz="3200" dirty="0" smtClean="0">
+                <a:latin typeface="微軟正黑體" panose="020B0604030504040204" pitchFamily="34" charset="-120"/>
+                <a:ea typeface="微軟正黑體" panose="020B0604030504040204" pitchFamily="34" charset="-120"/>
+              </a:rPr>
+              <a:t>(ASP.NET</a:t>
+            </a:r>
+            <a:r>
+              <a:rPr lang="zh-TW" altLang="en-US" sz="3200" dirty="0" smtClean="0">
+                <a:latin typeface="微軟正黑體" panose="020B0604030504040204" pitchFamily="34" charset="-120"/>
+                <a:ea typeface="微軟正黑體" panose="020B0604030504040204" pitchFamily="34" charset="-120"/>
+              </a:rPr>
+              <a:t> </a:t>
+            </a:r>
+            <a:r>
+              <a:rPr lang="en-US" altLang="zh-TW" sz="3200" dirty="0" smtClean="0">
+                <a:latin typeface="微軟正黑體" panose="020B0604030504040204" pitchFamily="34" charset="-120"/>
+                <a:ea typeface="微軟正黑體" panose="020B0604030504040204" pitchFamily="34" charset="-120"/>
+              </a:rPr>
+              <a:t>4.7.2)</a:t>
+            </a:r>
+          </a:p>
+          <a:p>
+            <a:endParaRPr lang="zh-TW" altLang="en-US" sz="3200" dirty="0">
+              <a:latin typeface="微軟正黑體" panose="020B0604030504040204" pitchFamily="34" charset="-120"/>
+              <a:ea typeface="微軟正黑體" panose="020B0604030504040204" pitchFamily="34" charset="-120"/>
+            </a:endParaRPr>
+          </a:p>
+          <a:p>
+            <a:endParaRPr lang="zh-TW" altLang="en-US" sz="3200" dirty="0">
+              <a:latin typeface="微軟正黑體" panose="020B0604030504040204" pitchFamily="34" charset="-120"/>
+              <a:ea typeface="微軟正黑體" panose="020B0604030504040204" pitchFamily="34" charset="-120"/>
+            </a:endParaRPr>
+          </a:p>
+        </p:txBody>
+      </p:sp>
+    </p:spTree>
+    <p:extLst>
+      <p:ext uri="{BB962C8B-B14F-4D97-AF65-F5344CB8AC3E}">
+        <p14:creationId xmlns:p14="http://schemas.microsoft.com/office/powerpoint/2010/main" val="2040207965"/>
+      </p:ext>
+    </p:extLst>
+  </p:cSld>
+  <p:clrMapOvr>
+    <a:masterClrMapping/>
+  </p:clrMapOvr>
+  <p:timing>
+    <p:tnLst>
+      <p:par>
+        <p:cTn id="1" dur="indefinite" restart="never" nodeType="tmRoot"/>
+      </p:par>
+    </p:tnLst>
+  </p:timing>
+</p:sld>
+</file>
+
+<file path=ppt/slides/slide20.xml><?xml version="1.0" encoding="utf-8"?>
 <p:sld xmlns:a="http://schemas.openxmlformats.org/drawingml/2006/main" xmlns:r="http://schemas.openxmlformats.org/officeDocument/2006/relationships" xmlns:p="http://schemas.openxmlformats.org/presentationml/2006/main">
   <p:cSld>
     <p:spTree>
@@ -12327,7 +13051,7 @@
 </p:sld>
 </file>
 
-<file path=ppt/slides/slide2.xml><?xml version="1.0" encoding="utf-8"?>
+<file path=ppt/slides/slide21.xml><?xml version="1.0" encoding="utf-8"?>
 <p:sld xmlns:a="http://schemas.openxmlformats.org/drawingml/2006/main" xmlns:r="http://schemas.openxmlformats.org/officeDocument/2006/relationships" xmlns:p="http://schemas.openxmlformats.org/presentationml/2006/main">
   <p:cSld>
     <p:spTree>
@@ -12354,100 +13078,6 @@
             <p:ph type="title"/>
           </p:nvPr>
         </p:nvSpPr>
-        <p:spPr/>
-        <p:txBody>
-          <a:bodyPr/>
-          <a:lstStyle/>
-          <a:p>
-            <a:r>
-              <a:rPr lang="en-US" altLang="zh-TW" dirty="0" err="1" smtClean="0"/>
-              <a:t>Github</a:t>
-            </a:r>
-            <a:r>
-              <a:rPr lang="zh-TW" altLang="en-US" dirty="0" smtClean="0"/>
-              <a:t>範例</a:t>
-            </a:r>
-            <a:endParaRPr lang="zh-TW" altLang="en-US" dirty="0"/>
-          </a:p>
-        </p:txBody>
-      </p:sp>
-      <p:sp>
-        <p:nvSpPr>
-          <p:cNvPr id="3" name="內容版面配置區 2"/>
-          <p:cNvSpPr>
-            <a:spLocks noGrp="1"/>
-          </p:cNvSpPr>
-          <p:nvPr>
-            <p:ph idx="1"/>
-          </p:nvPr>
-        </p:nvSpPr>
-        <p:spPr/>
-        <p:txBody>
-          <a:bodyPr/>
-          <a:lstStyle/>
-          <a:p>
-            <a:r>
-              <a:rPr lang="en-US" altLang="zh-TW" dirty="0">
-                <a:hlinkClick r:id="rId2"/>
-              </a:rPr>
-              <a:t>https://</a:t>
-            </a:r>
-            <a:r>
-              <a:rPr lang="en-US" altLang="zh-TW" dirty="0" smtClean="0">
-                <a:hlinkClick r:id="rId2"/>
-              </a:rPr>
-              <a:t>github.com/HueiYou/WebApiPractice.git</a:t>
-            </a:r>
-            <a:endParaRPr lang="en-US" altLang="zh-TW" dirty="0" smtClean="0"/>
-          </a:p>
-          <a:p>
-            <a:pPr marL="0" indent="0">
-              <a:buNone/>
-            </a:pPr>
-            <a:endParaRPr lang="zh-TW" altLang="en-US" dirty="0"/>
-          </a:p>
-        </p:txBody>
-      </p:sp>
-    </p:spTree>
-    <p:extLst>
-      <p:ext uri="{BB962C8B-B14F-4D97-AF65-F5344CB8AC3E}">
-        <p14:creationId xmlns:p14="http://schemas.microsoft.com/office/powerpoint/2010/main" val="1317207877"/>
-      </p:ext>
-    </p:extLst>
-  </p:cSld>
-  <p:clrMapOvr>
-    <a:masterClrMapping/>
-  </p:clrMapOvr>
-</p:sld>
-</file>
-
-<file path=ppt/slides/slide20.xml><?xml version="1.0" encoding="utf-8"?>
-<p:sld xmlns:a="http://schemas.openxmlformats.org/drawingml/2006/main" xmlns:r="http://schemas.openxmlformats.org/officeDocument/2006/relationships" xmlns:p="http://schemas.openxmlformats.org/presentationml/2006/main">
-  <p:cSld>
-    <p:spTree>
-      <p:nvGrpSpPr>
-        <p:cNvPr id="1" name=""/>
-        <p:cNvGrpSpPr/>
-        <p:nvPr/>
-      </p:nvGrpSpPr>
-      <p:grpSpPr>
-        <a:xfrm>
-          <a:off x="0" y="0"/>
-          <a:ext cx="0" cy="0"/>
-          <a:chOff x="0" y="0"/>
-          <a:chExt cx="0" cy="0"/>
-        </a:xfrm>
-      </p:grpSpPr>
-      <p:sp>
-        <p:nvSpPr>
-          <p:cNvPr id="2" name="標題 1"/>
-          <p:cNvSpPr>
-            <a:spLocks noGrp="1"/>
-          </p:cNvSpPr>
-          <p:nvPr>
-            <p:ph type="title"/>
-          </p:nvPr>
-        </p:nvSpPr>
         <p:spPr>
           <a:xfrm>
             <a:off x="341086" y="0"/>
@@ -12533,7 +13163,7 @@
             <p:ph idx="1"/>
             <p:extLst>
               <p:ext uri="{D42A27DB-BD31-4B8C-83A1-F6EECF244321}">
-                <p14:modId xmlns:p14="http://schemas.microsoft.com/office/powerpoint/2010/main" val="3435702227"/>
+                <p14:modId xmlns:p14="http://schemas.microsoft.com/office/powerpoint/2010/main" val="3508615617"/>
               </p:ext>
             </p:extLst>
           </p:nvPr>
@@ -12592,7 +13222,7 @@
                           <a:ea typeface="+mn-ea"/>
                           <a:cs typeface="+mn-cs"/>
                         </a:rPr>
-                        <a:t>“Get"</a:t>
+                        <a:t>"Get"</a:t>
                       </a:r>
                       <a:r>
                         <a:rPr lang="en-US" altLang="zh-TW" sz="2800" dirty="0" smtClean="0"/>
@@ -13071,7 +13701,7 @@
 </p:sld>
 </file>
 
-<file path=ppt/slides/slide21.xml><?xml version="1.0" encoding="utf-8"?>
+<file path=ppt/slides/slide22.xml><?xml version="1.0" encoding="utf-8"?>
 <p:sld xmlns:a="http://schemas.openxmlformats.org/drawingml/2006/main" xmlns:r="http://schemas.openxmlformats.org/officeDocument/2006/relationships" xmlns:p="http://schemas.openxmlformats.org/presentationml/2006/main">
   <p:cSld>
     <p:spTree>
@@ -13173,7 +13803,7 @@
 </p:sld>
 </file>
 
-<file path=ppt/slides/slide22.xml><?xml version="1.0" encoding="utf-8"?>
+<file path=ppt/slides/slide23.xml><?xml version="1.0" encoding="utf-8"?>
 <p:sld xmlns:a="http://schemas.openxmlformats.org/drawingml/2006/main" xmlns:r="http://schemas.openxmlformats.org/officeDocument/2006/relationships" xmlns:p="http://schemas.openxmlformats.org/presentationml/2006/main">
   <p:cSld>
     <p:spTree>
@@ -13287,7 +13917,7 @@
 </p:sld>
 </file>
 
-<file path=ppt/slides/slide23.xml><?xml version="1.0" encoding="utf-8"?>
+<file path=ppt/slides/slide24.xml><?xml version="1.0" encoding="utf-8"?>
 <p:sld xmlns:a="http://schemas.openxmlformats.org/drawingml/2006/main" xmlns:r="http://schemas.openxmlformats.org/officeDocument/2006/relationships" xmlns:p="http://schemas.openxmlformats.org/presentationml/2006/main">
   <p:cSld>
     <p:spTree>
@@ -13500,7 +14130,7 @@
 </p:sld>
 </file>
 
-<file path=ppt/slides/slide24.xml><?xml version="1.0" encoding="utf-8"?>
+<file path=ppt/slides/slide25.xml><?xml version="1.0" encoding="utf-8"?>
 <p:sld xmlns:a="http://schemas.openxmlformats.org/drawingml/2006/main" xmlns:r="http://schemas.openxmlformats.org/officeDocument/2006/relationships" xmlns:p="http://schemas.openxmlformats.org/presentationml/2006/main">
   <p:cSld>
     <p:spTree>
@@ -13581,12 +14211,16 @@
             <a:graphicFrameLocks noGrp="1"/>
           </p:cNvGraphicFramePr>
           <p:nvPr>
-            <p:extLst/>
+            <p:extLst>
+              <p:ext uri="{D42A27DB-BD31-4B8C-83A1-F6EECF244321}">
+                <p14:modId xmlns:p14="http://schemas.microsoft.com/office/powerpoint/2010/main" val="149197397"/>
+              </p:ext>
+            </p:extLst>
           </p:nvPr>
         </p:nvGraphicFramePr>
         <p:xfrm>
           <a:off x="391885" y="1325563"/>
-          <a:ext cx="11430000" cy="4438830"/>
+          <a:ext cx="11430000" cy="5008335"/>
         </p:xfrm>
         <a:graphic>
           <a:graphicData uri="http://schemas.openxmlformats.org/drawingml/2006/table">
@@ -13708,7 +14342,90 @@
                         </a:rPr>
                         <a:t>類別</a:t>
                       </a:r>
-                      <a:endParaRPr lang="zh-TW" altLang="en-US" sz="2800" dirty="0">
+                      <a:endParaRPr lang="en-US" altLang="zh-TW" sz="2800" dirty="0" smtClean="0">
+                        <a:latin typeface="微軟正黑體" panose="020B0604030504040204" pitchFamily="34" charset="-120"/>
+                        <a:ea typeface="微軟正黑體" panose="020B0604030504040204" pitchFamily="34" charset="-120"/>
+                      </a:endParaRPr>
+                    </a:p>
+                    <a:p>
+                      <a:r>
+                        <a:rPr lang="en-US" altLang="zh-TW" sz="2800" dirty="0" smtClean="0">
+                          <a:latin typeface="微軟正黑體" panose="020B0604030504040204" pitchFamily="34" charset="-120"/>
+                          <a:ea typeface="微軟正黑體" panose="020B0604030504040204" pitchFamily="34" charset="-120"/>
+                        </a:rPr>
+                        <a:t>*</a:t>
+                      </a:r>
+                      <a:r>
+                        <a:rPr lang="zh-TW" altLang="en-US" sz="2800" dirty="0" smtClean="0">
+                          <a:latin typeface="微軟正黑體" panose="020B0604030504040204" pitchFamily="34" charset="-120"/>
+                          <a:ea typeface="微軟正黑體" panose="020B0604030504040204" pitchFamily="34" charset="-120"/>
+                        </a:rPr>
+                        <a:t>註：</a:t>
+                      </a:r>
+                      <a:r>
+                        <a:rPr lang="en-US" altLang="zh-TW" sz="2800" dirty="0" err="1" smtClean="0">
+                          <a:latin typeface="微軟正黑體" panose="020B0604030504040204" pitchFamily="34" charset="-120"/>
+                          <a:ea typeface="微軟正黑體" panose="020B0604030504040204" pitchFamily="34" charset="-120"/>
+                        </a:rPr>
+                        <a:t>.net</a:t>
+                      </a:r>
+                      <a:r>
+                        <a:rPr lang="en-US" altLang="zh-TW" sz="2800" dirty="0" smtClean="0">
+                          <a:latin typeface="微軟正黑體" panose="020B0604030504040204" pitchFamily="34" charset="-120"/>
+                          <a:ea typeface="微軟正黑體" panose="020B0604030504040204" pitchFamily="34" charset="-120"/>
+                        </a:rPr>
+                        <a:t> core</a:t>
+                      </a:r>
+                      <a:r>
+                        <a:rPr lang="zh-TW" altLang="en-US" sz="2800" dirty="0" smtClean="0">
+                          <a:latin typeface="微軟正黑體" panose="020B0604030504040204" pitchFamily="34" charset="-120"/>
+                          <a:ea typeface="微軟正黑體" panose="020B0604030504040204" pitchFamily="34" charset="-120"/>
+                        </a:rPr>
+                        <a:t>繼承</a:t>
+                      </a:r>
+                      <a:r>
+                        <a:rPr lang="en-US" altLang="zh-TW" sz="2800" dirty="0" err="1" smtClean="0">
+                          <a:latin typeface="微軟正黑體" panose="020B0604030504040204" pitchFamily="34" charset="-120"/>
+                          <a:ea typeface="微軟正黑體" panose="020B0604030504040204" pitchFamily="34" charset="-120"/>
+                        </a:rPr>
+                        <a:t>ControllerBase</a:t>
+                      </a:r>
+                      <a:r>
+                        <a:rPr lang="zh-TW" altLang="en-US" sz="2800" dirty="0" smtClean="0">
+                          <a:latin typeface="微軟正黑體" panose="020B0604030504040204" pitchFamily="34" charset="-120"/>
+                          <a:ea typeface="微軟正黑體" panose="020B0604030504040204" pitchFamily="34" charset="-120"/>
+                        </a:rPr>
+                        <a:t>且會多</a:t>
+                      </a:r>
+                      <a:r>
+                        <a:rPr lang="en-US" altLang="zh-TW" sz="2800" dirty="0" smtClean="0">
+                          <a:latin typeface="微軟正黑體" panose="020B0604030504040204" pitchFamily="34" charset="-120"/>
+                          <a:ea typeface="微軟正黑體" panose="020B0604030504040204" pitchFamily="34" charset="-120"/>
+                        </a:rPr>
+                        <a:t>[</a:t>
+                      </a:r>
+                      <a:r>
+                        <a:rPr lang="en-US" altLang="zh-TW" sz="2800" dirty="0" err="1" smtClean="0">
+                          <a:latin typeface="微軟正黑體" panose="020B0604030504040204" pitchFamily="34" charset="-120"/>
+                          <a:ea typeface="微軟正黑體" panose="020B0604030504040204" pitchFamily="34" charset="-120"/>
+                        </a:rPr>
+                        <a:t>ApiController</a:t>
+                      </a:r>
+                      <a:r>
+                        <a:rPr lang="en-US" altLang="zh-TW" sz="2800" dirty="0" smtClean="0">
+                          <a:latin typeface="微軟正黑體" panose="020B0604030504040204" pitchFamily="34" charset="-120"/>
+                          <a:ea typeface="微軟正黑體" panose="020B0604030504040204" pitchFamily="34" charset="-120"/>
+                        </a:rPr>
+                        <a:t>]</a:t>
+                      </a:r>
+                      <a:r>
+                        <a:rPr lang="zh-TW" altLang="en-US" sz="2800" dirty="0" smtClean="0">
+                          <a:latin typeface="微軟正黑體" panose="020B0604030504040204" pitchFamily="34" charset="-120"/>
+                          <a:ea typeface="微軟正黑體" panose="020B0604030504040204" pitchFamily="34" charset="-120"/>
+                        </a:rPr>
+                        <a:t>屬性</a:t>
+                      </a:r>
+                      <a:endParaRPr lang="en-US" altLang="zh-TW" sz="2800" dirty="0" smtClean="0">
                         <a:latin typeface="微軟正黑體" panose="020B0604030504040204" pitchFamily="34" charset="-120"/>
                         <a:ea typeface="微軟正黑體" panose="020B0604030504040204" pitchFamily="34" charset="-120"/>
                       </a:endParaRPr>
@@ -14182,7 +14899,7 @@
 </p:sld>
 </file>
 
-<file path=ppt/slides/slide25.xml><?xml version="1.0" encoding="utf-8"?>
+<file path=ppt/slides/slide26.xml><?xml version="1.0" encoding="utf-8"?>
 <p:sld xmlns:a="http://schemas.openxmlformats.org/drawingml/2006/main" xmlns:r="http://schemas.openxmlformats.org/officeDocument/2006/relationships" xmlns:p="http://schemas.openxmlformats.org/presentationml/2006/main">
   <p:cSld>
     <p:spTree>
@@ -14561,7 +15278,7 @@
 </p:sld>
 </file>
 
-<file path=ppt/slides/slide26.xml><?xml version="1.0" encoding="utf-8"?>
+<file path=ppt/slides/slide27.xml><?xml version="1.0" encoding="utf-8"?>
 <p:sld xmlns:a="http://schemas.openxmlformats.org/drawingml/2006/main" xmlns:r="http://schemas.openxmlformats.org/officeDocument/2006/relationships" xmlns:p="http://schemas.openxmlformats.org/presentationml/2006/main">
   <p:cSld>
     <p:spTree>
@@ -14663,7 +15380,7 @@
 </p:sld>
 </file>
 
-<file path=ppt/slides/slide27.xml><?xml version="1.0" encoding="utf-8"?>
+<file path=ppt/slides/slide28.xml><?xml version="1.0" encoding="utf-8"?>
 <p:sld xmlns:a="http://schemas.openxmlformats.org/drawingml/2006/main" xmlns:r="http://schemas.openxmlformats.org/officeDocument/2006/relationships" xmlns:p="http://schemas.openxmlformats.org/presentationml/2006/main">
   <p:cSld>
     <p:spTree>
@@ -14753,96 +15470,6 @@
 </p:sld>
 </file>
 
-<file path=ppt/slides/slide28.xml><?xml version="1.0" encoding="utf-8"?>
-<p:sld xmlns:a="http://schemas.openxmlformats.org/drawingml/2006/main" xmlns:r="http://schemas.openxmlformats.org/officeDocument/2006/relationships" xmlns:p="http://schemas.openxmlformats.org/presentationml/2006/main">
-  <p:cSld>
-    <p:spTree>
-      <p:nvGrpSpPr>
-        <p:cNvPr id="1" name=""/>
-        <p:cNvGrpSpPr/>
-        <p:nvPr/>
-      </p:nvGrpSpPr>
-      <p:grpSpPr>
-        <a:xfrm>
-          <a:off x="0" y="0"/>
-          <a:ext cx="0" cy="0"/>
-          <a:chOff x="0" y="0"/>
-          <a:chExt cx="0" cy="0"/>
-        </a:xfrm>
-      </p:grpSpPr>
-      <p:sp>
-        <p:nvSpPr>
-          <p:cNvPr id="4" name="標題 3"/>
-          <p:cNvSpPr>
-            <a:spLocks noGrp="1"/>
-          </p:cNvSpPr>
-          <p:nvPr>
-            <p:ph type="title"/>
-          </p:nvPr>
-        </p:nvSpPr>
-        <p:spPr/>
-        <p:txBody>
-          <a:bodyPr>
-            <a:normAutofit/>
-          </a:bodyPr>
-          <a:lstStyle/>
-          <a:p>
-            <a:r>
-              <a:rPr lang="en-US" altLang="zh-TW" dirty="0">
-                <a:latin typeface="+mn-lt"/>
-                <a:ea typeface="微軟正黑體" panose="020B0604030504040204" pitchFamily="34" charset="-120"/>
-              </a:rPr>
-              <a:t>Postman</a:t>
-            </a:r>
-            <a:r>
-              <a:rPr lang="zh-TW" altLang="en-US" dirty="0">
-                <a:latin typeface="微軟正黑體" panose="020B0604030504040204" pitchFamily="34" charset="-120"/>
-                <a:ea typeface="微軟正黑體" panose="020B0604030504040204" pitchFamily="34" charset="-120"/>
-              </a:rPr>
-              <a:t>介紹與簡易操作</a:t>
-            </a:r>
-          </a:p>
-        </p:txBody>
-      </p:sp>
-      <p:sp>
-        <p:nvSpPr>
-          <p:cNvPr id="5" name="文字版面配置區 4"/>
-          <p:cNvSpPr>
-            <a:spLocks noGrp="1"/>
-          </p:cNvSpPr>
-          <p:nvPr>
-            <p:ph type="body" idx="1"/>
-          </p:nvPr>
-        </p:nvSpPr>
-        <p:spPr/>
-        <p:txBody>
-          <a:bodyPr/>
-          <a:lstStyle/>
-          <a:p>
-            <a:endParaRPr lang="zh-TW" altLang="en-US"/>
-          </a:p>
-        </p:txBody>
-      </p:sp>
-    </p:spTree>
-    <p:extLst>
-      <p:ext uri="{BB962C8B-B14F-4D97-AF65-F5344CB8AC3E}">
-        <p14:creationId xmlns:p14="http://schemas.microsoft.com/office/powerpoint/2010/main" val="176077386"/>
-      </p:ext>
-    </p:extLst>
-  </p:cSld>
-  <p:clrMapOvr>
-    <a:masterClrMapping/>
-  </p:clrMapOvr>
-  <p:timing>
-    <p:tnLst>
-      <p:par>
-        <p:cTn id="1" dur="indefinite" restart="never" nodeType="tmRoot"/>
-      </p:par>
-    </p:tnLst>
-  </p:timing>
-</p:sld>
-</file>
-
 <file path=ppt/slides/slide29.xml><?xml version="1.0" encoding="utf-8"?>
 <p:sld xmlns:a="http://schemas.openxmlformats.org/drawingml/2006/main" xmlns:r="http://schemas.openxmlformats.org/officeDocument/2006/relationships" xmlns:p="http://schemas.openxmlformats.org/presentationml/2006/main">
   <p:cSld>
@@ -14862,7 +15489,7 @@
       </p:grpSpPr>
       <p:sp>
         <p:nvSpPr>
-          <p:cNvPr id="2" name="標題 1"/>
+          <p:cNvPr id="4" name="標題 3"/>
           <p:cNvSpPr>
             <a:spLocks noGrp="1"/>
           </p:cNvSpPr>
@@ -14870,12 +15497,7 @@
             <p:ph type="title"/>
           </p:nvPr>
         </p:nvSpPr>
-        <p:spPr>
-          <a:xfrm>
-            <a:off x="341086" y="0"/>
-            <a:ext cx="11366500" cy="1325563"/>
-          </a:xfrm>
-        </p:spPr>
+        <p:spPr/>
         <p:txBody>
           <a:bodyPr>
             <a:normAutofit/>
@@ -14883,55 +15505,30 @@
           <a:lstStyle/>
           <a:p>
             <a:r>
-              <a:rPr lang="en-US" altLang="zh-TW" sz="3200" dirty="0">
-                <a:latin typeface="微軟正黑體" panose="020B0604030504040204" pitchFamily="34" charset="-120"/>
+              <a:rPr lang="en-US" altLang="zh-TW" dirty="0">
+                <a:latin typeface="+mn-lt"/>
                 <a:ea typeface="微軟正黑體" panose="020B0604030504040204" pitchFamily="34" charset="-120"/>
               </a:rPr>
               <a:t>Postman</a:t>
             </a:r>
             <a:r>
-              <a:rPr lang="zh-TW" altLang="en-US" sz="3200" dirty="0">
-                <a:latin typeface="微軟正黑體" panose="020B0604030504040204" pitchFamily="34" charset="-120"/>
-                <a:ea typeface="微軟正黑體" panose="020B0604030504040204" pitchFamily="34" charset="-120"/>
-              </a:rPr>
-              <a:t>介紹</a:t>
-            </a:r>
-          </a:p>
-        </p:txBody>
-      </p:sp>
-      <p:sp>
-        <p:nvSpPr>
-          <p:cNvPr id="8" name="矩形 7"/>
-          <p:cNvSpPr/>
-          <p:nvPr/>
-        </p:nvSpPr>
-        <p:spPr>
-          <a:xfrm>
-            <a:off x="3048000" y="1028343"/>
-            <a:ext cx="6096000" cy="369332"/>
-          </a:xfrm>
-          <a:prstGeom prst="rect">
-            <a:avLst/>
-          </a:prstGeom>
-        </p:spPr>
-        <p:txBody>
-          <a:bodyPr>
-            <a:spAutoFit/>
-          </a:bodyPr>
-          <a:lstStyle/>
-          <a:p>
-            <a:endParaRPr lang="zh-TW" altLang="en-US" dirty="0"/>
-          </a:p>
-        </p:txBody>
-      </p:sp>
-      <p:sp>
-        <p:nvSpPr>
-          <p:cNvPr id="3" name="內容版面配置區 2"/>
+              <a:rPr lang="zh-TW" altLang="en-US" dirty="0">
+                <a:latin typeface="微軟正黑體" panose="020B0604030504040204" pitchFamily="34" charset="-120"/>
+                <a:ea typeface="微軟正黑體" panose="020B0604030504040204" pitchFamily="34" charset="-120"/>
+              </a:rPr>
+              <a:t>介紹與簡易操作</a:t>
+            </a:r>
+          </a:p>
+        </p:txBody>
+      </p:sp>
+      <p:sp>
+        <p:nvSpPr>
+          <p:cNvPr id="5" name="文字版面配置區 4"/>
           <p:cNvSpPr>
             <a:spLocks noGrp="1"/>
           </p:cNvSpPr>
           <p:nvPr>
-            <p:ph idx="1"/>
+            <p:ph type="body" idx="1"/>
           </p:nvPr>
         </p:nvSpPr>
         <p:spPr/>
@@ -14939,100 +15536,14 @@
           <a:bodyPr/>
           <a:lstStyle/>
           <a:p>
-            <a:r>
-              <a:rPr lang="zh-TW" altLang="en-US" dirty="0"/>
-              <a:t>用於</a:t>
-            </a:r>
-            <a:r>
-              <a:rPr lang="en-US" altLang="zh-TW" dirty="0"/>
-              <a:t>API</a:t>
-            </a:r>
-            <a:r>
-              <a:rPr lang="zh-TW" altLang="en-US" dirty="0"/>
-              <a:t>測試的輔助開發</a:t>
-            </a:r>
-            <a:r>
-              <a:rPr lang="en-US" altLang="zh-TW" dirty="0"/>
-              <a:t>GUI</a:t>
-            </a:r>
-            <a:r>
-              <a:rPr lang="zh-TW" altLang="en-US" dirty="0"/>
-              <a:t>工具</a:t>
-            </a:r>
-            <a:endParaRPr lang="en-US" altLang="zh-TW" dirty="0"/>
-          </a:p>
-          <a:p>
-            <a:r>
-              <a:rPr lang="zh-TW" altLang="en-US" dirty="0"/>
-              <a:t>可輕鬆快速地模擬各類請求，並以視覺化呈現及解析回應結果</a:t>
-            </a:r>
-            <a:endParaRPr lang="en-US" altLang="zh-TW" dirty="0"/>
-          </a:p>
-          <a:p>
-            <a:r>
-              <a:rPr lang="zh-TW" altLang="en-US" dirty="0"/>
-              <a:t>提供一些如產生呼叫</a:t>
-            </a:r>
-            <a:r>
-              <a:rPr lang="en-US" altLang="zh-TW" dirty="0"/>
-              <a:t>API</a:t>
-            </a:r>
-            <a:r>
-              <a:rPr lang="zh-TW" altLang="en-US" dirty="0"/>
-              <a:t>程式碼、</a:t>
-            </a:r>
-            <a:r>
-              <a:rPr lang="en-US" altLang="zh-TW" dirty="0"/>
-              <a:t>API</a:t>
-            </a:r>
-            <a:r>
-              <a:rPr lang="zh-TW" altLang="en-US" dirty="0"/>
-              <a:t>文件等便利的功能可用</a:t>
-            </a:r>
-            <a:endParaRPr lang="en-US" altLang="zh-TW" dirty="0"/>
-          </a:p>
-          <a:p>
-            <a:r>
-              <a:rPr lang="zh-TW" altLang="en-US" dirty="0"/>
-              <a:t>參考：</a:t>
-            </a:r>
-            <a:endParaRPr lang="en-US" altLang="zh-TW" dirty="0"/>
-          </a:p>
-          <a:p>
-            <a:pPr lvl="1"/>
-            <a:r>
-              <a:rPr lang="en-US" altLang="zh-TW" dirty="0">
-                <a:hlinkClick r:id="rId3"/>
-              </a:rPr>
-              <a:t>https://learning.postman.com/docs/getting-started/introduction/</a:t>
-            </a:r>
-            <a:endParaRPr lang="en-US" altLang="zh-TW" dirty="0"/>
-          </a:p>
-          <a:p>
-            <a:pPr lvl="1"/>
-            <a:r>
-              <a:rPr lang="en-US" altLang="zh-TW" dirty="0">
-                <a:hlinkClick r:id="rId4"/>
-              </a:rPr>
-              <a:t>https://honye.gitbooks.io/postman/content/chapter1.html</a:t>
-            </a:r>
-            <a:endParaRPr lang="en-US" altLang="zh-TW" dirty="0"/>
-          </a:p>
-          <a:p>
-            <a:pPr marL="457200" lvl="1" indent="0">
-              <a:buNone/>
-            </a:pPr>
-            <a:endParaRPr lang="en-US" altLang="zh-TW" dirty="0"/>
-          </a:p>
-          <a:p>
-            <a:endParaRPr lang="zh-TW" altLang="en-US" dirty="0"/>
+            <a:endParaRPr lang="zh-TW" altLang="en-US"/>
           </a:p>
         </p:txBody>
       </p:sp>
     </p:spTree>
     <p:extLst>
       <p:ext uri="{BB962C8B-B14F-4D97-AF65-F5344CB8AC3E}">
-        <p14:creationId xmlns:p14="http://schemas.microsoft.com/office/powerpoint/2010/main" val="1269533400"/>
+        <p14:creationId xmlns:p14="http://schemas.microsoft.com/office/powerpoint/2010/main" val="176077386"/>
       </p:ext>
     </p:extLst>
   </p:cSld>
@@ -15078,22 +15589,18 @@
         </p:nvSpPr>
         <p:spPr/>
         <p:txBody>
-          <a:bodyPr>
-            <a:normAutofit/>
-          </a:bodyPr>
-          <a:lstStyle/>
-          <a:p>
-            <a:r>
-              <a:rPr lang="zh-TW" altLang="en-US" dirty="0" smtClean="0">
-                <a:latin typeface="微軟正黑體" panose="020B0604030504040204" pitchFamily="34" charset="-120"/>
-                <a:ea typeface="微軟正黑體" panose="020B0604030504040204" pitchFamily="34" charset="-120"/>
-              </a:rPr>
-              <a:t>大綱</a:t>
-            </a:r>
-            <a:endParaRPr lang="zh-TW" altLang="en-US" dirty="0">
-              <a:latin typeface="微軟正黑體" panose="020B0604030504040204" pitchFamily="34" charset="-120"/>
-              <a:ea typeface="微軟正黑體" panose="020B0604030504040204" pitchFamily="34" charset="-120"/>
-            </a:endParaRPr>
+          <a:bodyPr/>
+          <a:lstStyle/>
+          <a:p>
+            <a:r>
+              <a:rPr lang="en-US" altLang="zh-TW" dirty="0" err="1" smtClean="0"/>
+              <a:t>Github</a:t>
+            </a:r>
+            <a:r>
+              <a:rPr lang="zh-TW" altLang="en-US" dirty="0" smtClean="0"/>
+              <a:t>範例</a:t>
+            </a:r>
+            <a:endParaRPr lang="zh-TW" altLang="en-US" dirty="0"/>
           </a:p>
         </p:txBody>
       </p:sp>
@@ -15109,210 +15616,35 @@
         </p:nvSpPr>
         <p:spPr/>
         <p:txBody>
-          <a:bodyPr>
-            <a:normAutofit/>
-          </a:bodyPr>
-          <a:lstStyle/>
-          <a:p>
-            <a:r>
-              <a:rPr lang="zh-TW" altLang="en-US" sz="3200" dirty="0">
-                <a:latin typeface="微軟正黑體" panose="020B0604030504040204" pitchFamily="34" charset="-120"/>
-                <a:ea typeface="微軟正黑體" panose="020B0604030504040204" pitchFamily="34" charset="-120"/>
-              </a:rPr>
-              <a:t>事前環境</a:t>
-            </a:r>
-            <a:r>
-              <a:rPr lang="zh-TW" altLang="en-US" sz="3200" dirty="0" smtClean="0">
-                <a:latin typeface="微軟正黑體" panose="020B0604030504040204" pitchFamily="34" charset="-120"/>
-                <a:ea typeface="微軟正黑體" panose="020B0604030504040204" pitchFamily="34" charset="-120"/>
-              </a:rPr>
-              <a:t>準備</a:t>
-            </a:r>
-            <a:endParaRPr lang="en-US" altLang="zh-TW" sz="3200" dirty="0" smtClean="0">
-              <a:latin typeface="微軟正黑體" panose="020B0604030504040204" pitchFamily="34" charset="-120"/>
-              <a:ea typeface="微軟正黑體" panose="020B0604030504040204" pitchFamily="34" charset="-120"/>
-            </a:endParaRPr>
-          </a:p>
-          <a:p>
-            <a:r>
-              <a:rPr lang="zh-TW" altLang="en-US" sz="3200" dirty="0" smtClean="0">
-                <a:latin typeface="微軟正黑體" panose="020B0604030504040204" pitchFamily="34" charset="-120"/>
-                <a:ea typeface="微軟正黑體" panose="020B0604030504040204" pitchFamily="34" charset="-120"/>
-              </a:rPr>
-              <a:t>什麼是</a:t>
-            </a:r>
-            <a:r>
-              <a:rPr lang="en-US" altLang="zh-TW" sz="3200" dirty="0" smtClean="0">
-                <a:latin typeface="微軟正黑體" panose="020B0604030504040204" pitchFamily="34" charset="-120"/>
-                <a:ea typeface="微軟正黑體" panose="020B0604030504040204" pitchFamily="34" charset="-120"/>
-              </a:rPr>
-              <a:t>API</a:t>
-            </a:r>
-            <a:r>
-              <a:rPr lang="zh-TW" altLang="en-US" sz="3200" dirty="0" smtClean="0">
-                <a:latin typeface="微軟正黑體" panose="020B0604030504040204" pitchFamily="34" charset="-120"/>
-                <a:ea typeface="微軟正黑體" panose="020B0604030504040204" pitchFamily="34" charset="-120"/>
-              </a:rPr>
-              <a:t>？</a:t>
-            </a:r>
-            <a:endParaRPr lang="en-US" altLang="zh-TW" sz="3200" dirty="0" smtClean="0">
-              <a:latin typeface="微軟正黑體" panose="020B0604030504040204" pitchFamily="34" charset="-120"/>
-              <a:ea typeface="微軟正黑體" panose="020B0604030504040204" pitchFamily="34" charset="-120"/>
-            </a:endParaRPr>
-          </a:p>
-          <a:p>
-            <a:r>
-              <a:rPr lang="en-US" altLang="zh-TW" sz="3200" dirty="0" smtClean="0">
-                <a:latin typeface="微軟正黑體" panose="020B0604030504040204" pitchFamily="34" charset="-120"/>
-                <a:ea typeface="微軟正黑體" panose="020B0604030504040204" pitchFamily="34" charset="-120"/>
-              </a:rPr>
-              <a:t>.NET Web </a:t>
-            </a:r>
-            <a:r>
-              <a:rPr lang="en-US" altLang="zh-TW" sz="3200" dirty="0">
-                <a:latin typeface="微軟正黑體" panose="020B0604030504040204" pitchFamily="34" charset="-120"/>
-                <a:ea typeface="微軟正黑體" panose="020B0604030504040204" pitchFamily="34" charset="-120"/>
-              </a:rPr>
-              <a:t>API</a:t>
-            </a:r>
-            <a:r>
-              <a:rPr lang="zh-TW" altLang="en-US" sz="3200" dirty="0">
-                <a:latin typeface="微軟正黑體" panose="020B0604030504040204" pitchFamily="34" charset="-120"/>
-                <a:ea typeface="微軟正黑體" panose="020B0604030504040204" pitchFamily="34" charset="-120"/>
-              </a:rPr>
-              <a:t>建立與</a:t>
-            </a:r>
-            <a:r>
-              <a:rPr lang="zh-TW" altLang="en-US" sz="3200" dirty="0" smtClean="0">
-                <a:latin typeface="微軟正黑體" panose="020B0604030504040204" pitchFamily="34" charset="-120"/>
-                <a:ea typeface="微軟正黑體" panose="020B0604030504040204" pitchFamily="34" charset="-120"/>
-              </a:rPr>
-              <a:t>應用</a:t>
-            </a:r>
-            <a:endParaRPr lang="zh-TW" altLang="en-US" sz="3200" b="0" dirty="0" smtClean="0">
-              <a:effectLst/>
-              <a:latin typeface="微軟正黑體" panose="020B0604030504040204" pitchFamily="34" charset="-120"/>
-              <a:ea typeface="微軟正黑體" panose="020B0604030504040204" pitchFamily="34" charset="-120"/>
-            </a:endParaRPr>
-          </a:p>
-          <a:p>
-            <a:r>
-              <a:rPr lang="en-US" altLang="zh-TW" sz="3200" dirty="0" smtClean="0">
-                <a:latin typeface="微軟正黑體" panose="020B0604030504040204" pitchFamily="34" charset="-120"/>
-                <a:ea typeface="微軟正黑體" panose="020B0604030504040204" pitchFamily="34" charset="-120"/>
-              </a:rPr>
-              <a:t>Postman</a:t>
-            </a:r>
-            <a:r>
-              <a:rPr lang="zh-TW" altLang="en-US" sz="3200" dirty="0" smtClean="0">
-                <a:latin typeface="微軟正黑體" panose="020B0604030504040204" pitchFamily="34" charset="-120"/>
-                <a:ea typeface="微軟正黑體" panose="020B0604030504040204" pitchFamily="34" charset="-120"/>
-              </a:rPr>
-              <a:t>工具介紹與簡易操作</a:t>
-            </a:r>
-            <a:endParaRPr lang="zh-TW" altLang="en-US" sz="3200" b="0" dirty="0" smtClean="0">
-              <a:effectLst/>
-              <a:latin typeface="微軟正黑體" panose="020B0604030504040204" pitchFamily="34" charset="-120"/>
-              <a:ea typeface="微軟正黑體" panose="020B0604030504040204" pitchFamily="34" charset="-120"/>
-            </a:endParaRPr>
-          </a:p>
-          <a:p>
-            <a:r>
-              <a:rPr lang="zh-TW" altLang="en-US" sz="3200" dirty="0" smtClean="0">
-                <a:latin typeface="微軟正黑體" panose="020B0604030504040204" pitchFamily="34" charset="-120"/>
-                <a:ea typeface="微軟正黑體" panose="020B0604030504040204" pitchFamily="34" charset="-120"/>
-              </a:rPr>
-              <a:t>跨網域存取</a:t>
-            </a:r>
-            <a:r>
-              <a:rPr lang="en-US" altLang="zh-TW" sz="3200" dirty="0" smtClean="0">
-                <a:latin typeface="微軟正黑體" panose="020B0604030504040204" pitchFamily="34" charset="-120"/>
-                <a:ea typeface="微軟正黑體" panose="020B0604030504040204" pitchFamily="34" charset="-120"/>
-              </a:rPr>
-              <a:t>CORS</a:t>
-            </a:r>
-            <a:r>
-              <a:rPr lang="zh-TW" altLang="en-US" sz="3200" dirty="0" smtClean="0">
-                <a:latin typeface="微軟正黑體" panose="020B0604030504040204" pitchFamily="34" charset="-120"/>
-                <a:ea typeface="微軟正黑體" panose="020B0604030504040204" pitchFamily="34" charset="-120"/>
-              </a:rPr>
-              <a:t>問題與設定</a:t>
-            </a:r>
-            <a:endParaRPr lang="zh-TW" altLang="en-US" sz="3200" b="0" dirty="0" smtClean="0">
-              <a:effectLst/>
-              <a:latin typeface="微軟正黑體" panose="020B0604030504040204" pitchFamily="34" charset="-120"/>
-              <a:ea typeface="微軟正黑體" panose="020B0604030504040204" pitchFamily="34" charset="-120"/>
-            </a:endParaRPr>
-          </a:p>
-          <a:p>
-            <a:r>
-              <a:rPr lang="en-US" altLang="zh-TW" sz="3200" dirty="0" smtClean="0">
-                <a:latin typeface="微軟正黑體" panose="020B0604030504040204" pitchFamily="34" charset="-120"/>
-                <a:ea typeface="微軟正黑體" panose="020B0604030504040204" pitchFamily="34" charset="-120"/>
-              </a:rPr>
-              <a:t>Web </a:t>
-            </a:r>
-            <a:r>
-              <a:rPr lang="en-US" altLang="zh-TW" sz="3200" dirty="0">
-                <a:latin typeface="微軟正黑體" panose="020B0604030504040204" pitchFamily="34" charset="-120"/>
-                <a:ea typeface="微軟正黑體" panose="020B0604030504040204" pitchFamily="34" charset="-120"/>
-              </a:rPr>
-              <a:t>API </a:t>
-            </a:r>
-            <a:r>
-              <a:rPr lang="zh-TW" altLang="en-US" sz="3200" dirty="0">
-                <a:latin typeface="微軟正黑體" panose="020B0604030504040204" pitchFamily="34" charset="-120"/>
-                <a:ea typeface="微軟正黑體" panose="020B0604030504040204" pitchFamily="34" charset="-120"/>
-              </a:rPr>
-              <a:t>文件產生器 </a:t>
-            </a:r>
-            <a:r>
-              <a:rPr lang="en-US" altLang="zh-TW" sz="3200" dirty="0">
-                <a:latin typeface="微軟正黑體" panose="020B0604030504040204" pitchFamily="34" charset="-120"/>
-                <a:ea typeface="微軟正黑體" panose="020B0604030504040204" pitchFamily="34" charset="-120"/>
-              </a:rPr>
-              <a:t>- Swagger</a:t>
-            </a:r>
-            <a:r>
-              <a:rPr lang="zh-TW" altLang="en-US" sz="3200" dirty="0">
-                <a:latin typeface="微軟正黑體" panose="020B0604030504040204" pitchFamily="34" charset="-120"/>
-                <a:ea typeface="微軟正黑體" panose="020B0604030504040204" pitchFamily="34" charset="-120"/>
-              </a:rPr>
-              <a:t>套件</a:t>
-            </a:r>
-            <a:r>
-              <a:rPr lang="zh-TW" altLang="en-US" sz="3200" dirty="0" smtClean="0">
-                <a:latin typeface="微軟正黑體" panose="020B0604030504040204" pitchFamily="34" charset="-120"/>
-                <a:ea typeface="微軟正黑體" panose="020B0604030504040204" pitchFamily="34" charset="-120"/>
-              </a:rPr>
-              <a:t>介紹</a:t>
-            </a:r>
-            <a:r>
-              <a:rPr lang="zh-TW" altLang="en-US" sz="3200" b="0" dirty="0" smtClean="0">
-                <a:effectLst/>
-                <a:latin typeface="微軟正黑體" panose="020B0604030504040204" pitchFamily="34" charset="-120"/>
-                <a:ea typeface="微軟正黑體" panose="020B0604030504040204" pitchFamily="34" charset="-120"/>
-              </a:rPr>
-              <a:t/>
-            </a:r>
-            <a:br>
-              <a:rPr lang="zh-TW" altLang="en-US" sz="3200" b="0" dirty="0" smtClean="0">
-                <a:effectLst/>
-                <a:latin typeface="微軟正黑體" panose="020B0604030504040204" pitchFamily="34" charset="-120"/>
-                <a:ea typeface="微軟正黑體" panose="020B0604030504040204" pitchFamily="34" charset="-120"/>
-              </a:rPr>
-            </a:br>
-            <a:endParaRPr lang="zh-TW" altLang="en-US" sz="3200" dirty="0">
-              <a:latin typeface="微軟正黑體" panose="020B0604030504040204" pitchFamily="34" charset="-120"/>
-              <a:ea typeface="微軟正黑體" panose="020B0604030504040204" pitchFamily="34" charset="-120"/>
-            </a:endParaRPr>
+          <a:bodyPr/>
+          <a:lstStyle/>
+          <a:p>
+            <a:r>
+              <a:rPr lang="en-US" altLang="zh-TW" dirty="0">
+                <a:hlinkClick r:id="rId3"/>
+              </a:rPr>
+              <a:t>https://</a:t>
+            </a:r>
+            <a:r>
+              <a:rPr lang="en-US" altLang="zh-TW" dirty="0" smtClean="0">
+                <a:hlinkClick r:id="rId3"/>
+              </a:rPr>
+              <a:t>github.com/HueiYou/WebApiPractice.git</a:t>
+            </a:r>
+            <a:endParaRPr lang="en-US" altLang="zh-TW" dirty="0" smtClean="0"/>
+          </a:p>
+          <a:p>
+            <a:pPr marL="0" indent="0">
+              <a:buNone/>
+            </a:pPr>
+            <a:endParaRPr lang="zh-TW" altLang="en-US" dirty="0"/>
           </a:p>
         </p:txBody>
       </p:sp>
     </p:spTree>
     <p:extLst>
       <p:ext uri="{BB962C8B-B14F-4D97-AF65-F5344CB8AC3E}">
-        <p14:creationId xmlns:p14="http://schemas.microsoft.com/office/powerpoint/2010/main" val="3623756694"/>
+        <p14:creationId xmlns:p14="http://schemas.microsoft.com/office/powerpoint/2010/main" val="1317207877"/>
       </p:ext>
     </p:extLst>
   </p:cSld>
@@ -15330,6 +15662,212 @@
 </file>
 
 <file path=ppt/slides/slide30.xml><?xml version="1.0" encoding="utf-8"?>
+<p:sld xmlns:a="http://schemas.openxmlformats.org/drawingml/2006/main" xmlns:r="http://schemas.openxmlformats.org/officeDocument/2006/relationships" xmlns:p="http://schemas.openxmlformats.org/presentationml/2006/main">
+  <p:cSld>
+    <p:spTree>
+      <p:nvGrpSpPr>
+        <p:cNvPr id="1" name=""/>
+        <p:cNvGrpSpPr/>
+        <p:nvPr/>
+      </p:nvGrpSpPr>
+      <p:grpSpPr>
+        <a:xfrm>
+          <a:off x="0" y="0"/>
+          <a:ext cx="0" cy="0"/>
+          <a:chOff x="0" y="0"/>
+          <a:chExt cx="0" cy="0"/>
+        </a:xfrm>
+      </p:grpSpPr>
+      <p:sp>
+        <p:nvSpPr>
+          <p:cNvPr id="2" name="標題 1"/>
+          <p:cNvSpPr>
+            <a:spLocks noGrp="1"/>
+          </p:cNvSpPr>
+          <p:nvPr>
+            <p:ph type="title"/>
+          </p:nvPr>
+        </p:nvSpPr>
+        <p:spPr>
+          <a:xfrm>
+            <a:off x="341086" y="0"/>
+            <a:ext cx="11366500" cy="1325563"/>
+          </a:xfrm>
+        </p:spPr>
+        <p:txBody>
+          <a:bodyPr>
+            <a:normAutofit/>
+          </a:bodyPr>
+          <a:lstStyle/>
+          <a:p>
+            <a:r>
+              <a:rPr lang="en-US" altLang="zh-TW" sz="3200" dirty="0">
+                <a:latin typeface="微軟正黑體" panose="020B0604030504040204" pitchFamily="34" charset="-120"/>
+                <a:ea typeface="微軟正黑體" panose="020B0604030504040204" pitchFamily="34" charset="-120"/>
+              </a:rPr>
+              <a:t>Postman</a:t>
+            </a:r>
+            <a:r>
+              <a:rPr lang="zh-TW" altLang="en-US" sz="3200" dirty="0">
+                <a:latin typeface="微軟正黑體" panose="020B0604030504040204" pitchFamily="34" charset="-120"/>
+                <a:ea typeface="微軟正黑體" panose="020B0604030504040204" pitchFamily="34" charset="-120"/>
+              </a:rPr>
+              <a:t>介紹</a:t>
+            </a:r>
+          </a:p>
+        </p:txBody>
+      </p:sp>
+      <p:sp>
+        <p:nvSpPr>
+          <p:cNvPr id="8" name="矩形 7"/>
+          <p:cNvSpPr/>
+          <p:nvPr/>
+        </p:nvSpPr>
+        <p:spPr>
+          <a:xfrm>
+            <a:off x="3048000" y="1028343"/>
+            <a:ext cx="6096000" cy="369332"/>
+          </a:xfrm>
+          <a:prstGeom prst="rect">
+            <a:avLst/>
+          </a:prstGeom>
+        </p:spPr>
+        <p:txBody>
+          <a:bodyPr>
+            <a:spAutoFit/>
+          </a:bodyPr>
+          <a:lstStyle/>
+          <a:p>
+            <a:endParaRPr lang="zh-TW" altLang="en-US" dirty="0"/>
+          </a:p>
+        </p:txBody>
+      </p:sp>
+      <p:sp>
+        <p:nvSpPr>
+          <p:cNvPr id="3" name="內容版面配置區 2"/>
+          <p:cNvSpPr>
+            <a:spLocks noGrp="1"/>
+          </p:cNvSpPr>
+          <p:nvPr>
+            <p:ph idx="1"/>
+          </p:nvPr>
+        </p:nvSpPr>
+        <p:spPr/>
+        <p:txBody>
+          <a:bodyPr/>
+          <a:lstStyle/>
+          <a:p>
+            <a:r>
+              <a:rPr lang="zh-TW" altLang="en-US" dirty="0"/>
+              <a:t>用於</a:t>
+            </a:r>
+            <a:r>
+              <a:rPr lang="en-US" altLang="zh-TW" dirty="0"/>
+              <a:t>API</a:t>
+            </a:r>
+            <a:r>
+              <a:rPr lang="zh-TW" altLang="en-US" dirty="0"/>
+              <a:t>測試的輔助開發</a:t>
+            </a:r>
+            <a:r>
+              <a:rPr lang="en-US" altLang="zh-TW" dirty="0"/>
+              <a:t>GUI</a:t>
+            </a:r>
+            <a:r>
+              <a:rPr lang="zh-TW" altLang="en-US" dirty="0"/>
+              <a:t>工具</a:t>
+            </a:r>
+            <a:endParaRPr lang="en-US" altLang="zh-TW" dirty="0"/>
+          </a:p>
+          <a:p>
+            <a:r>
+              <a:rPr lang="zh-TW" altLang="en-US" dirty="0"/>
+              <a:t>可輕鬆快速地模擬各類請求，並以視覺化呈現及解析回應結果</a:t>
+            </a:r>
+            <a:endParaRPr lang="en-US" altLang="zh-TW" dirty="0"/>
+          </a:p>
+          <a:p>
+            <a:r>
+              <a:rPr lang="zh-TW" altLang="en-US" dirty="0"/>
+              <a:t>提供一些如產生呼叫</a:t>
+            </a:r>
+            <a:r>
+              <a:rPr lang="en-US" altLang="zh-TW" dirty="0"/>
+              <a:t>API</a:t>
+            </a:r>
+            <a:r>
+              <a:rPr lang="zh-TW" altLang="en-US" dirty="0"/>
+              <a:t>程式碼、</a:t>
+            </a:r>
+            <a:r>
+              <a:rPr lang="en-US" altLang="zh-TW" dirty="0"/>
+              <a:t>API</a:t>
+            </a:r>
+            <a:r>
+              <a:rPr lang="zh-TW" altLang="en-US" dirty="0"/>
+              <a:t>文件等便利的功能可用</a:t>
+            </a:r>
+            <a:endParaRPr lang="en-US" altLang="zh-TW" dirty="0"/>
+          </a:p>
+          <a:p>
+            <a:r>
+              <a:rPr lang="zh-TW" altLang="en-US" dirty="0"/>
+              <a:t>參考：</a:t>
+            </a:r>
+            <a:endParaRPr lang="en-US" altLang="zh-TW" dirty="0"/>
+          </a:p>
+          <a:p>
+            <a:pPr lvl="1"/>
+            <a:r>
+              <a:rPr lang="en-US" altLang="zh-TW" dirty="0">
+                <a:hlinkClick r:id="rId3"/>
+              </a:rPr>
+              <a:t>https://learning.postman.com/docs/getting-started/introduction/</a:t>
+            </a:r>
+            <a:endParaRPr lang="en-US" altLang="zh-TW" dirty="0"/>
+          </a:p>
+          <a:p>
+            <a:pPr lvl="1"/>
+            <a:r>
+              <a:rPr lang="en-US" altLang="zh-TW" dirty="0">
+                <a:hlinkClick r:id="rId4"/>
+              </a:rPr>
+              <a:t>https://honye.gitbooks.io/postman/content/chapter1.html</a:t>
+            </a:r>
+            <a:endParaRPr lang="en-US" altLang="zh-TW" dirty="0"/>
+          </a:p>
+          <a:p>
+            <a:pPr marL="457200" lvl="1" indent="0">
+              <a:buNone/>
+            </a:pPr>
+            <a:endParaRPr lang="en-US" altLang="zh-TW" dirty="0"/>
+          </a:p>
+          <a:p>
+            <a:endParaRPr lang="zh-TW" altLang="en-US" dirty="0"/>
+          </a:p>
+        </p:txBody>
+      </p:sp>
+    </p:spTree>
+    <p:extLst>
+      <p:ext uri="{BB962C8B-B14F-4D97-AF65-F5344CB8AC3E}">
+        <p14:creationId xmlns:p14="http://schemas.microsoft.com/office/powerpoint/2010/main" val="1269533400"/>
+      </p:ext>
+    </p:extLst>
+  </p:cSld>
+  <p:clrMapOvr>
+    <a:masterClrMapping/>
+  </p:clrMapOvr>
+  <p:timing>
+    <p:tnLst>
+      <p:par>
+        <p:cTn id="1" dur="indefinite" restart="never" nodeType="tmRoot"/>
+      </p:par>
+    </p:tnLst>
+  </p:timing>
+</p:sld>
+</file>
+
+<file path=ppt/slides/slide31.xml><?xml version="1.0" encoding="utf-8"?>
 <p:sld xmlns:a="http://schemas.openxmlformats.org/drawingml/2006/main" xmlns:r="http://schemas.openxmlformats.org/officeDocument/2006/relationships" xmlns:p="http://schemas.openxmlformats.org/presentationml/2006/main">
   <p:cSld>
     <p:spTree>
@@ -15678,7 +16216,7 @@
 </p:sld>
 </file>
 
-<file path=ppt/slides/slide31.xml><?xml version="1.0" encoding="utf-8"?>
+<file path=ppt/slides/slide32.xml><?xml version="1.0" encoding="utf-8"?>
 <p:sld xmlns:a="http://schemas.openxmlformats.org/drawingml/2006/main" xmlns:r="http://schemas.openxmlformats.org/officeDocument/2006/relationships" xmlns:p="http://schemas.openxmlformats.org/presentationml/2006/main">
   <p:cSld>
     <p:spTree>
@@ -15952,7 +16490,7 @@
 </p:sld>
 </file>
 
-<file path=ppt/slides/slide32.xml><?xml version="1.0" encoding="utf-8"?>
+<file path=ppt/slides/slide33.xml><?xml version="1.0" encoding="utf-8"?>
 <p:sld xmlns:a="http://schemas.openxmlformats.org/drawingml/2006/main" xmlns:r="http://schemas.openxmlformats.org/officeDocument/2006/relationships" xmlns:p="http://schemas.openxmlformats.org/presentationml/2006/main">
   <p:cSld>
     <p:spTree>
@@ -16164,10 +16702,42 @@
             </a:r>
           </a:p>
           <a:p>
-            <a:endParaRPr lang="zh-TW" altLang="en-US" dirty="0">
+            <a:endParaRPr lang="en-US" altLang="zh-TW" dirty="0" smtClean="0">
               <a:latin typeface="微軟正黑體" panose="020B0604030504040204" pitchFamily="34" charset="-120"/>
               <a:ea typeface="微軟正黑體" panose="020B0604030504040204" pitchFamily="34" charset="-120"/>
             </a:endParaRPr>
+          </a:p>
+          <a:p>
+            <a:r>
+              <a:rPr lang="en-US" altLang="zh-TW" dirty="0" smtClean="0"/>
+              <a:t>application/</a:t>
+            </a:r>
+            <a:r>
+              <a:rPr lang="en-US" altLang="zh-TW" dirty="0" err="1" smtClean="0"/>
+              <a:t>json</a:t>
+            </a:r>
+            <a:r>
+              <a:rPr lang="zh-TW" altLang="en-US" dirty="0" smtClean="0">
+                <a:latin typeface="微軟正黑體" panose="020B0604030504040204" pitchFamily="34" charset="-120"/>
+                <a:ea typeface="微軟正黑體" panose="020B0604030504040204" pitchFamily="34" charset="-120"/>
+              </a:rPr>
+              <a:t>：用</a:t>
+            </a:r>
+            <a:r>
+              <a:rPr lang="en-US" altLang="zh-TW" dirty="0" smtClean="0">
+                <a:latin typeface="微軟正黑體" panose="020B0604030504040204" pitchFamily="34" charset="-120"/>
+                <a:ea typeface="微軟正黑體" panose="020B0604030504040204" pitchFamily="34" charset="-120"/>
+              </a:rPr>
+              <a:t>JSON</a:t>
+            </a:r>
+            <a:r>
+              <a:rPr lang="zh-TW" altLang="en-US" dirty="0" smtClean="0">
+                <a:latin typeface="微軟正黑體" panose="020B0604030504040204" pitchFamily="34" charset="-120"/>
+                <a:ea typeface="微軟正黑體" panose="020B0604030504040204" pitchFamily="34" charset="-120"/>
+              </a:rPr>
+              <a:t>物件傳遞參數</a:t>
+            </a:r>
+            <a:endParaRPr lang="en-US" altLang="zh-TW" dirty="0"/>
           </a:p>
         </p:txBody>
       </p:sp>
@@ -16191,7 +16761,522 @@
 </p:sld>
 </file>
 
-<file path=ppt/slides/slide33.xml><?xml version="1.0" encoding="utf-8"?>
+<file path=ppt/slides/slide34.xml><?xml version="1.0" encoding="utf-8"?>
+<p:sld xmlns:a="http://schemas.openxmlformats.org/drawingml/2006/main" xmlns:r="http://schemas.openxmlformats.org/officeDocument/2006/relationships" xmlns:p="http://schemas.openxmlformats.org/presentationml/2006/main">
+  <p:cSld>
+    <p:spTree>
+      <p:nvGrpSpPr>
+        <p:cNvPr id="1" name=""/>
+        <p:cNvGrpSpPr/>
+        <p:nvPr/>
+      </p:nvGrpSpPr>
+      <p:grpSpPr>
+        <a:xfrm>
+          <a:off x="0" y="0"/>
+          <a:ext cx="0" cy="0"/>
+          <a:chOff x="0" y="0"/>
+          <a:chExt cx="0" cy="0"/>
+        </a:xfrm>
+      </p:grpSpPr>
+      <p:sp>
+        <p:nvSpPr>
+          <p:cNvPr id="2" name="標題 1"/>
+          <p:cNvSpPr>
+            <a:spLocks noGrp="1"/>
+          </p:cNvSpPr>
+          <p:nvPr>
+            <p:ph type="title"/>
+          </p:nvPr>
+        </p:nvSpPr>
+        <p:spPr/>
+        <p:txBody>
+          <a:bodyPr>
+            <a:normAutofit/>
+          </a:bodyPr>
+          <a:lstStyle/>
+          <a:p>
+            <a:pPr lvl="0">
+              <a:lnSpc>
+                <a:spcPct val="100000"/>
+              </a:lnSpc>
+              <a:spcBef>
+                <a:spcPts val="0"/>
+              </a:spcBef>
+              <a:defRPr/>
+            </a:pPr>
+            <a:r>
+              <a:rPr lang="zh-TW" altLang="en-US" b="1" dirty="0"/>
+              <a:t>什麼是</a:t>
+            </a:r>
+            <a:r>
+              <a:rPr lang="en-US" altLang="zh-TW" b="1" dirty="0" smtClean="0"/>
+              <a:t>JSON</a:t>
+            </a:r>
+            <a:endParaRPr lang="zh-TW" altLang="en-US" dirty="0"/>
+          </a:p>
+        </p:txBody>
+      </p:sp>
+      <p:sp>
+        <p:nvSpPr>
+          <p:cNvPr id="3" name="內容版面配置區 2"/>
+          <p:cNvSpPr>
+            <a:spLocks noGrp="1"/>
+          </p:cNvSpPr>
+          <p:nvPr>
+            <p:ph idx="1"/>
+          </p:nvPr>
+        </p:nvSpPr>
+        <p:spPr/>
+        <p:txBody>
+          <a:bodyPr/>
+          <a:lstStyle/>
+          <a:p>
+            <a:r>
+              <a:rPr lang="en-US" altLang="zh-TW" dirty="0"/>
+              <a:t>JavaScript Object Notation (JSON) </a:t>
+            </a:r>
+            <a:r>
+              <a:rPr lang="zh-TW" altLang="en-US" dirty="0"/>
+              <a:t>是一種資料交換格式</a:t>
+            </a:r>
+            <a:endParaRPr lang="zh-TW" altLang="en-US" dirty="0" smtClean="0"/>
+          </a:p>
+          <a:p>
+            <a:r>
+              <a:rPr lang="zh-TW" altLang="en-US" dirty="0" smtClean="0"/>
+              <a:t>依照 </a:t>
+            </a:r>
+            <a:r>
+              <a:rPr lang="en-US" altLang="zh-TW" dirty="0"/>
+              <a:t>JavaScript </a:t>
+            </a:r>
+            <a:r>
+              <a:rPr lang="zh-TW" altLang="en-US" dirty="0"/>
+              <a:t>物件</a:t>
+            </a:r>
+            <a:r>
+              <a:rPr lang="zh-TW" altLang="en-US" dirty="0" smtClean="0"/>
+              <a:t>語法</a:t>
+            </a:r>
+            <a:r>
+              <a:rPr lang="zh-TW" altLang="en-US" dirty="0"/>
+              <a:t>格式</a:t>
+            </a:r>
+            <a:endParaRPr lang="en-US" altLang="zh-TW" dirty="0"/>
+          </a:p>
+          <a:p>
+            <a:r>
+              <a:rPr lang="en-US" altLang="zh-TW" dirty="0" smtClean="0"/>
+              <a:t>JSON </a:t>
+            </a:r>
+            <a:r>
+              <a:rPr lang="zh-TW" altLang="en-US" dirty="0"/>
+              <a:t>可能是物件或字串。當你想從 </a:t>
+            </a:r>
+            <a:r>
+              <a:rPr lang="en-US" altLang="zh-TW" dirty="0"/>
+              <a:t>JSON</a:t>
+            </a:r>
+            <a:r>
+              <a:rPr lang="zh-TW" altLang="en-US" dirty="0"/>
+              <a:t>中讀取資料時，</a:t>
+            </a:r>
+            <a:r>
+              <a:rPr lang="en-US" altLang="zh-TW" dirty="0"/>
+              <a:t>JSON</a:t>
+            </a:r>
+            <a:r>
+              <a:rPr lang="zh-TW" altLang="en-US" dirty="0"/>
+              <a:t>可作為物件；當要跨網路傳送 </a:t>
+            </a:r>
+            <a:r>
+              <a:rPr lang="en-US" altLang="zh-TW" dirty="0"/>
+              <a:t>JSON </a:t>
+            </a:r>
+            <a:r>
+              <a:rPr lang="zh-TW" altLang="en-US" dirty="0"/>
+              <a:t>時，就會是字串</a:t>
+            </a:r>
+            <a:r>
+              <a:rPr lang="zh-TW" altLang="en-US" dirty="0" smtClean="0"/>
+              <a:t>。</a:t>
+            </a:r>
+          </a:p>
+          <a:p>
+            <a:endParaRPr lang="zh-TW" altLang="en-US" dirty="0"/>
+          </a:p>
+        </p:txBody>
+      </p:sp>
+      <p:pic>
+        <p:nvPicPr>
+          <p:cNvPr id="4" name="圖片 3"/>
+          <p:cNvPicPr>
+            <a:picLocks noChangeAspect="1"/>
+          </p:cNvPicPr>
+          <p:nvPr/>
+        </p:nvPicPr>
+        <p:blipFill>
+          <a:blip r:embed="rId3"/>
+          <a:stretch>
+            <a:fillRect/>
+          </a:stretch>
+        </p:blipFill>
+        <p:spPr>
+          <a:xfrm>
+            <a:off x="838200" y="3986535"/>
+            <a:ext cx="9475983" cy="2190428"/>
+          </a:xfrm>
+          <a:prstGeom prst="rect">
+            <a:avLst/>
+          </a:prstGeom>
+        </p:spPr>
+      </p:pic>
+    </p:spTree>
+    <p:extLst>
+      <p:ext uri="{BB962C8B-B14F-4D97-AF65-F5344CB8AC3E}">
+        <p14:creationId xmlns:p14="http://schemas.microsoft.com/office/powerpoint/2010/main" val="313271914"/>
+      </p:ext>
+    </p:extLst>
+  </p:cSld>
+  <p:clrMapOvr>
+    <a:masterClrMapping/>
+  </p:clrMapOvr>
+  <p:timing>
+    <p:tnLst>
+      <p:par>
+        <p:cTn id="1" dur="indefinite" restart="never" nodeType="tmRoot"/>
+      </p:par>
+    </p:tnLst>
+  </p:timing>
+</p:sld>
+</file>
+
+<file path=ppt/slides/slide35.xml><?xml version="1.0" encoding="utf-8"?>
+<p:sld xmlns:a="http://schemas.openxmlformats.org/drawingml/2006/main" xmlns:r="http://schemas.openxmlformats.org/officeDocument/2006/relationships" xmlns:p="http://schemas.openxmlformats.org/presentationml/2006/main">
+  <p:cSld>
+    <p:spTree>
+      <p:nvGrpSpPr>
+        <p:cNvPr id="1" name=""/>
+        <p:cNvGrpSpPr/>
+        <p:nvPr/>
+      </p:nvGrpSpPr>
+      <p:grpSpPr>
+        <a:xfrm>
+          <a:off x="0" y="0"/>
+          <a:ext cx="0" cy="0"/>
+          <a:chOff x="0" y="0"/>
+          <a:chExt cx="0" cy="0"/>
+        </a:xfrm>
+      </p:grpSpPr>
+      <p:sp>
+        <p:nvSpPr>
+          <p:cNvPr id="2" name="標題 1"/>
+          <p:cNvSpPr>
+            <a:spLocks noGrp="1"/>
+          </p:cNvSpPr>
+          <p:nvPr>
+            <p:ph type="title"/>
+          </p:nvPr>
+        </p:nvSpPr>
+        <p:spPr/>
+        <p:txBody>
+          <a:bodyPr/>
+          <a:lstStyle/>
+          <a:p>
+            <a:r>
+              <a:rPr lang="en-US" altLang="zh-TW" b="1" dirty="0" smtClean="0"/>
+              <a:t>JSON</a:t>
+            </a:r>
+            <a:r>
+              <a:rPr lang="zh-TW" altLang="en-US" b="1" dirty="0" smtClean="0"/>
+              <a:t>序列化</a:t>
+            </a:r>
+            <a:r>
+              <a:rPr lang="en-US" altLang="zh-TW" b="1" dirty="0" smtClean="0"/>
+              <a:t>&amp;</a:t>
+            </a:r>
+            <a:r>
+              <a:rPr lang="zh-TW" altLang="en-US" b="1" dirty="0" smtClean="0"/>
+              <a:t>反序列化</a:t>
+            </a:r>
+            <a:endParaRPr lang="zh-TW" altLang="en-US" dirty="0"/>
+          </a:p>
+        </p:txBody>
+      </p:sp>
+      <p:sp>
+        <p:nvSpPr>
+          <p:cNvPr id="3" name="內容版面配置區 2"/>
+          <p:cNvSpPr>
+            <a:spLocks noGrp="1"/>
+          </p:cNvSpPr>
+          <p:nvPr>
+            <p:ph idx="1"/>
+          </p:nvPr>
+        </p:nvSpPr>
+        <p:spPr/>
+        <p:txBody>
+          <a:bodyPr>
+            <a:normAutofit fontScale="77500" lnSpcReduction="20000"/>
+          </a:bodyPr>
+          <a:lstStyle/>
+          <a:p>
+            <a:r>
+              <a:rPr lang="zh-TW" altLang="en-US" dirty="0" smtClean="0"/>
+              <a:t>序列化：將物件轉成字串</a:t>
+            </a:r>
+            <a:endParaRPr lang="en-US" altLang="zh-TW" dirty="0" smtClean="0"/>
+          </a:p>
+          <a:p>
+            <a:r>
+              <a:rPr lang="zh-TW" altLang="en-US" dirty="0"/>
+              <a:t>反序列</a:t>
+            </a:r>
+            <a:r>
+              <a:rPr lang="zh-TW" altLang="en-US" dirty="0" smtClean="0"/>
+              <a:t>化：將字串轉成物件</a:t>
+            </a:r>
+            <a:endParaRPr lang="en-US" altLang="zh-TW" dirty="0" smtClean="0"/>
+          </a:p>
+          <a:p>
+            <a:r>
+              <a:rPr lang="en-US" altLang="zh-TW" dirty="0" smtClean="0"/>
+              <a:t>// JS</a:t>
+            </a:r>
+            <a:r>
+              <a:rPr lang="zh-TW" altLang="en-US" dirty="0" smtClean="0"/>
+              <a:t>的</a:t>
+            </a:r>
+            <a:r>
+              <a:rPr lang="en-US" altLang="zh-TW" dirty="0" smtClean="0"/>
+              <a:t>JSON</a:t>
+            </a:r>
+            <a:r>
+              <a:rPr lang="zh-TW" altLang="en-US" dirty="0" smtClean="0"/>
+              <a:t>序列化</a:t>
+            </a:r>
+          </a:p>
+          <a:p>
+            <a:r>
+              <a:rPr lang="en-US" altLang="zh-TW" dirty="0" err="1" smtClean="0"/>
+              <a:t>JSON.stringify</a:t>
+            </a:r>
+            <a:r>
+              <a:rPr lang="en-US" altLang="zh-TW" dirty="0" smtClean="0"/>
+              <a:t>(JSON</a:t>
+            </a:r>
+            <a:r>
+              <a:rPr lang="zh-TW" altLang="en-US" dirty="0" smtClean="0"/>
+              <a:t>物件</a:t>
+            </a:r>
+            <a:r>
+              <a:rPr lang="en-US" altLang="zh-TW" dirty="0" smtClean="0"/>
+              <a:t>);</a:t>
+            </a:r>
+          </a:p>
+          <a:p>
+            <a:r>
+              <a:rPr lang="en-US" altLang="zh-TW" dirty="0" smtClean="0"/>
+              <a:t>// JS</a:t>
+            </a:r>
+            <a:r>
+              <a:rPr lang="zh-TW" altLang="en-US" dirty="0" smtClean="0"/>
+              <a:t>的反序列化</a:t>
+            </a:r>
+          </a:p>
+          <a:p>
+            <a:r>
+              <a:rPr lang="en-US" altLang="zh-TW" dirty="0" err="1" smtClean="0"/>
+              <a:t>JSON.parse</a:t>
+            </a:r>
+            <a:r>
+              <a:rPr lang="en-US" altLang="zh-TW" dirty="0" smtClean="0"/>
+              <a:t>(JSON</a:t>
+            </a:r>
+            <a:r>
+              <a:rPr lang="zh-TW" altLang="en-US" dirty="0" smtClean="0"/>
+              <a:t>格式字串</a:t>
+            </a:r>
+            <a:r>
+              <a:rPr lang="en-US" altLang="zh-TW" dirty="0" smtClean="0"/>
+              <a:t>);</a:t>
+            </a:r>
+          </a:p>
+          <a:p>
+            <a:r>
+              <a:rPr lang="en-US" altLang="zh-TW" dirty="0"/>
+              <a:t>// Json.NET</a:t>
+            </a:r>
+            <a:r>
+              <a:rPr lang="zh-TW" altLang="en-US" dirty="0"/>
+              <a:t>序列</a:t>
+            </a:r>
+            <a:r>
+              <a:rPr lang="zh-TW" altLang="en-US" dirty="0" smtClean="0"/>
+              <a:t>化</a:t>
+            </a:r>
+            <a:endParaRPr lang="en-US" altLang="zh-TW" dirty="0" smtClean="0"/>
+          </a:p>
+          <a:p>
+            <a:r>
+              <a:rPr lang="en-US" altLang="zh-TW" dirty="0" smtClean="0"/>
+              <a:t>string </a:t>
+            </a:r>
+            <a:r>
+              <a:rPr lang="en-US" altLang="zh-TW" dirty="0" err="1"/>
+              <a:t>jsonData</a:t>
+            </a:r>
+            <a:r>
+              <a:rPr lang="en-US" altLang="zh-TW" dirty="0"/>
+              <a:t> = </a:t>
+            </a:r>
+            <a:r>
+              <a:rPr lang="en-US" altLang="zh-TW" dirty="0" err="1"/>
+              <a:t>JsonConvert.SerializeObject</a:t>
+            </a:r>
+            <a:r>
+              <a:rPr lang="en-US" altLang="zh-TW" dirty="0"/>
+              <a:t>(</a:t>
+            </a:r>
+            <a:r>
+              <a:rPr lang="en-US" altLang="zh-TW" dirty="0" err="1"/>
+              <a:t>lstStuModel</a:t>
+            </a:r>
+            <a:r>
+              <a:rPr lang="en-US" altLang="zh-TW" dirty="0"/>
+              <a:t>); </a:t>
+            </a:r>
+            <a:r>
+              <a:rPr lang="en-US" altLang="zh-TW" dirty="0" err="1"/>
+              <a:t>Console.WriteLine</a:t>
+            </a:r>
+            <a:r>
+              <a:rPr lang="en-US" altLang="zh-TW" dirty="0"/>
+              <a:t>(</a:t>
+            </a:r>
+            <a:r>
+              <a:rPr lang="en-US" altLang="zh-TW" dirty="0" err="1"/>
+              <a:t>jsonData</a:t>
+            </a:r>
+            <a:r>
+              <a:rPr lang="en-US" altLang="zh-TW" dirty="0"/>
+              <a:t>); </a:t>
+            </a:r>
+            <a:r>
+              <a:rPr lang="en-US" altLang="zh-TW" dirty="0" err="1"/>
+              <a:t>Console.ReadKey</a:t>
+            </a:r>
+            <a:r>
+              <a:rPr lang="en-US" altLang="zh-TW" dirty="0" smtClean="0"/>
+              <a:t>();</a:t>
+            </a:r>
+          </a:p>
+          <a:p>
+            <a:r>
+              <a:rPr lang="en-US" altLang="zh-TW" dirty="0" smtClean="0"/>
+              <a:t>// </a:t>
+            </a:r>
+            <a:r>
+              <a:rPr lang="en-US" altLang="zh-TW" dirty="0"/>
+              <a:t>Json.NET</a:t>
+            </a:r>
+            <a:r>
+              <a:rPr lang="zh-TW" altLang="en-US" dirty="0"/>
+              <a:t>反序列</a:t>
+            </a:r>
+            <a:r>
+              <a:rPr lang="zh-TW" altLang="en-US" dirty="0" smtClean="0"/>
+              <a:t>化</a:t>
+            </a:r>
+            <a:endParaRPr lang="en-US" altLang="zh-TW" dirty="0" smtClean="0"/>
+          </a:p>
+          <a:p>
+            <a:r>
+              <a:rPr lang="en-US" altLang="zh-TW" dirty="0" smtClean="0"/>
+              <a:t>string </a:t>
+            </a:r>
+            <a:r>
+              <a:rPr lang="en-US" altLang="zh-TW" dirty="0" err="1" smtClean="0"/>
+              <a:t>json</a:t>
+            </a:r>
+            <a:r>
+              <a:rPr lang="en-US" altLang="zh-TW" dirty="0" smtClean="0"/>
+              <a:t> = @" { 'Name':'C#','Age':'3000','ID':'1','Sex':'</a:t>
+            </a:r>
+            <a:r>
+              <a:rPr lang="zh-TW" altLang="en-US" dirty="0" smtClean="0"/>
+              <a:t>女</a:t>
+            </a:r>
+            <a:r>
+              <a:rPr lang="en-US" altLang="zh-TW" dirty="0" smtClean="0"/>
+              <a:t>'} " ; </a:t>
+            </a:r>
+          </a:p>
+          <a:p>
+            <a:r>
+              <a:rPr lang="en-US" altLang="zh-TW" dirty="0" smtClean="0"/>
+              <a:t>Student </a:t>
+            </a:r>
+            <a:r>
+              <a:rPr lang="en-US" altLang="zh-TW" dirty="0" err="1" smtClean="0"/>
+              <a:t>descJsonStu</a:t>
+            </a:r>
+            <a:r>
+              <a:rPr lang="en-US" altLang="zh-TW" dirty="0" smtClean="0"/>
+              <a:t> = </a:t>
+            </a:r>
+            <a:r>
+              <a:rPr lang="en-US" altLang="zh-TW" dirty="0" err="1" smtClean="0"/>
+              <a:t>JsonConvert.DeserializeObject</a:t>
+            </a:r>
+            <a:r>
+              <a:rPr lang="en-US" altLang="zh-TW" dirty="0" smtClean="0"/>
+              <a:t>&lt;Student&gt;(</a:t>
+            </a:r>
+            <a:r>
+              <a:rPr lang="en-US" altLang="zh-TW" dirty="0" err="1" smtClean="0"/>
+              <a:t>json</a:t>
+            </a:r>
+            <a:r>
+              <a:rPr lang="en-US" altLang="zh-TW" dirty="0" smtClean="0"/>
+              <a:t>); //</a:t>
+            </a:r>
+            <a:r>
+              <a:rPr lang="zh-TW" altLang="en-US" dirty="0" smtClean="0"/>
+              <a:t>反序列化</a:t>
+            </a:r>
+          </a:p>
+          <a:p>
+            <a:endParaRPr lang="en-US" altLang="zh-TW" dirty="0" smtClean="0"/>
+          </a:p>
+          <a:p>
+            <a:endParaRPr lang="zh-TW" altLang="en-US" dirty="0" smtClean="0"/>
+          </a:p>
+          <a:p>
+            <a:endParaRPr lang="zh-TW" altLang="en-US" dirty="0"/>
+          </a:p>
+        </p:txBody>
+      </p:sp>
+    </p:spTree>
+    <p:extLst>
+      <p:ext uri="{BB962C8B-B14F-4D97-AF65-F5344CB8AC3E}">
+        <p14:creationId xmlns:p14="http://schemas.microsoft.com/office/powerpoint/2010/main" val="727094818"/>
+      </p:ext>
+    </p:extLst>
+  </p:cSld>
+  <p:clrMapOvr>
+    <a:masterClrMapping/>
+  </p:clrMapOvr>
+  <p:timing>
+    <p:tnLst>
+      <p:par>
+        <p:cTn id="1" dur="indefinite" restart="never" nodeType="tmRoot"/>
+      </p:par>
+    </p:tnLst>
+  </p:timing>
+</p:sld>
+</file>
+
+<file path=ppt/slides/slide36.xml><?xml version="1.0" encoding="utf-8"?>
 <p:sld xmlns:a="http://schemas.openxmlformats.org/drawingml/2006/main" xmlns:r="http://schemas.openxmlformats.org/officeDocument/2006/relationships" xmlns:p="http://schemas.openxmlformats.org/presentationml/2006/main">
   <p:cSld>
     <p:spTree>
@@ -16503,7 +17588,7 @@
 </p:sld>
 </file>
 
-<file path=ppt/slides/slide34.xml><?xml version="1.0" encoding="utf-8"?>
+<file path=ppt/slides/slide37.xml><?xml version="1.0" encoding="utf-8"?>
 <p:sld xmlns:a="http://schemas.openxmlformats.org/drawingml/2006/main" xmlns:r="http://schemas.openxmlformats.org/officeDocument/2006/relationships" xmlns:p="http://schemas.openxmlformats.org/presentationml/2006/main">
   <p:cSld>
     <p:spTree>
@@ -16762,7 +17847,7 @@
 </p:sld>
 </file>
 
-<file path=ppt/slides/slide35.xml><?xml version="1.0" encoding="utf-8"?>
+<file path=ppt/slides/slide38.xml><?xml version="1.0" encoding="utf-8"?>
 <p:sld xmlns:a="http://schemas.openxmlformats.org/drawingml/2006/main" xmlns:r="http://schemas.openxmlformats.org/officeDocument/2006/relationships" xmlns:p="http://schemas.openxmlformats.org/presentationml/2006/main">
   <p:cSld>
     <p:spTree>
@@ -17005,7 +18090,7 @@
 </p:sld>
 </file>
 
-<file path=ppt/slides/slide36.xml><?xml version="1.0" encoding="utf-8"?>
+<file path=ppt/slides/slide39.xml><?xml version="1.0" encoding="utf-8"?>
 <p:sld xmlns:a="http://schemas.openxmlformats.org/drawingml/2006/main" xmlns:r="http://schemas.openxmlformats.org/officeDocument/2006/relationships" xmlns:p="http://schemas.openxmlformats.org/presentationml/2006/main">
   <p:cSld>
     <p:spTree>
@@ -17224,7 +18309,287 @@
 </p:sld>
 </file>
 
-<file path=ppt/slides/slide37.xml><?xml version="1.0" encoding="utf-8"?>
+<file path=ppt/slides/slide4.xml><?xml version="1.0" encoding="utf-8"?>
+<p:sld xmlns:a="http://schemas.openxmlformats.org/drawingml/2006/main" xmlns:r="http://schemas.openxmlformats.org/officeDocument/2006/relationships" xmlns:p="http://schemas.openxmlformats.org/presentationml/2006/main">
+  <p:cSld>
+    <p:spTree>
+      <p:nvGrpSpPr>
+        <p:cNvPr id="1" name=""/>
+        <p:cNvGrpSpPr/>
+        <p:nvPr/>
+      </p:nvGrpSpPr>
+      <p:grpSpPr>
+        <a:xfrm>
+          <a:off x="0" y="0"/>
+          <a:ext cx="0" cy="0"/>
+          <a:chOff x="0" y="0"/>
+          <a:chExt cx="0" cy="0"/>
+        </a:xfrm>
+      </p:grpSpPr>
+      <p:sp>
+        <p:nvSpPr>
+          <p:cNvPr id="2" name="標題 1"/>
+          <p:cNvSpPr>
+            <a:spLocks noGrp="1"/>
+          </p:cNvSpPr>
+          <p:nvPr>
+            <p:ph type="title"/>
+          </p:nvPr>
+        </p:nvSpPr>
+        <p:spPr/>
+        <p:txBody>
+          <a:bodyPr>
+            <a:normAutofit/>
+          </a:bodyPr>
+          <a:lstStyle/>
+          <a:p>
+            <a:r>
+              <a:rPr lang="zh-TW" altLang="en-US" dirty="0" smtClean="0">
+                <a:latin typeface="微軟正黑體" panose="020B0604030504040204" pitchFamily="34" charset="-120"/>
+                <a:ea typeface="微軟正黑體" panose="020B0604030504040204" pitchFamily="34" charset="-120"/>
+              </a:rPr>
+              <a:t>大綱</a:t>
+            </a:r>
+            <a:endParaRPr lang="zh-TW" altLang="en-US" dirty="0">
+              <a:latin typeface="微軟正黑體" panose="020B0604030504040204" pitchFamily="34" charset="-120"/>
+              <a:ea typeface="微軟正黑體" panose="020B0604030504040204" pitchFamily="34" charset="-120"/>
+            </a:endParaRPr>
+          </a:p>
+        </p:txBody>
+      </p:sp>
+      <p:sp>
+        <p:nvSpPr>
+          <p:cNvPr id="3" name="內容版面配置區 2"/>
+          <p:cNvSpPr>
+            <a:spLocks noGrp="1"/>
+          </p:cNvSpPr>
+          <p:nvPr>
+            <p:ph idx="1"/>
+          </p:nvPr>
+        </p:nvSpPr>
+        <p:spPr/>
+        <p:txBody>
+          <a:bodyPr>
+            <a:normAutofit/>
+          </a:bodyPr>
+          <a:lstStyle/>
+          <a:p>
+            <a:r>
+              <a:rPr lang="zh-TW" altLang="en-US" sz="3200" dirty="0">
+                <a:latin typeface="微軟正黑體" panose="020B0604030504040204" pitchFamily="34" charset="-120"/>
+                <a:ea typeface="微軟正黑體" panose="020B0604030504040204" pitchFamily="34" charset="-120"/>
+              </a:rPr>
+              <a:t>事前環境</a:t>
+            </a:r>
+            <a:r>
+              <a:rPr lang="zh-TW" altLang="en-US" sz="3200" dirty="0" smtClean="0">
+                <a:latin typeface="微軟正黑體" panose="020B0604030504040204" pitchFamily="34" charset="-120"/>
+                <a:ea typeface="微軟正黑體" panose="020B0604030504040204" pitchFamily="34" charset="-120"/>
+              </a:rPr>
+              <a:t>準備</a:t>
+            </a:r>
+            <a:endParaRPr lang="en-US" altLang="zh-TW" sz="3200" dirty="0" smtClean="0">
+              <a:latin typeface="微軟正黑體" panose="020B0604030504040204" pitchFamily="34" charset="-120"/>
+              <a:ea typeface="微軟正黑體" panose="020B0604030504040204" pitchFamily="34" charset="-120"/>
+            </a:endParaRPr>
+          </a:p>
+          <a:p>
+            <a:r>
+              <a:rPr lang="zh-TW" altLang="en-US" sz="3200" dirty="0" smtClean="0">
+                <a:latin typeface="微軟正黑體" panose="020B0604030504040204" pitchFamily="34" charset="-120"/>
+                <a:ea typeface="微軟正黑體" panose="020B0604030504040204" pitchFamily="34" charset="-120"/>
+              </a:rPr>
+              <a:t>什麼是</a:t>
+            </a:r>
+            <a:r>
+              <a:rPr lang="en-US" altLang="zh-TW" sz="3200" dirty="0" smtClean="0">
+                <a:latin typeface="微軟正黑體" panose="020B0604030504040204" pitchFamily="34" charset="-120"/>
+                <a:ea typeface="微軟正黑體" panose="020B0604030504040204" pitchFamily="34" charset="-120"/>
+              </a:rPr>
+              <a:t>API</a:t>
+            </a:r>
+            <a:r>
+              <a:rPr lang="zh-TW" altLang="en-US" sz="3200" dirty="0" smtClean="0">
+                <a:latin typeface="微軟正黑體" panose="020B0604030504040204" pitchFamily="34" charset="-120"/>
+                <a:ea typeface="微軟正黑體" panose="020B0604030504040204" pitchFamily="34" charset="-120"/>
+              </a:rPr>
+              <a:t>？</a:t>
+            </a:r>
+            <a:endParaRPr lang="en-US" altLang="zh-TW" sz="3200" dirty="0" smtClean="0">
+              <a:latin typeface="微軟正黑體" panose="020B0604030504040204" pitchFamily="34" charset="-120"/>
+              <a:ea typeface="微軟正黑體" panose="020B0604030504040204" pitchFamily="34" charset="-120"/>
+            </a:endParaRPr>
+          </a:p>
+          <a:p>
+            <a:r>
+              <a:rPr lang="en-US" altLang="zh-TW" sz="3200" dirty="0" smtClean="0">
+                <a:latin typeface="微軟正黑體" panose="020B0604030504040204" pitchFamily="34" charset="-120"/>
+                <a:ea typeface="微軟正黑體" panose="020B0604030504040204" pitchFamily="34" charset="-120"/>
+              </a:rPr>
+              <a:t>.NET Web </a:t>
+            </a:r>
+            <a:r>
+              <a:rPr lang="en-US" altLang="zh-TW" sz="3200" dirty="0">
+                <a:latin typeface="微軟正黑體" panose="020B0604030504040204" pitchFamily="34" charset="-120"/>
+                <a:ea typeface="微軟正黑體" panose="020B0604030504040204" pitchFamily="34" charset="-120"/>
+              </a:rPr>
+              <a:t>API</a:t>
+            </a:r>
+            <a:r>
+              <a:rPr lang="zh-TW" altLang="en-US" sz="3200" dirty="0">
+                <a:latin typeface="微軟正黑體" panose="020B0604030504040204" pitchFamily="34" charset="-120"/>
+                <a:ea typeface="微軟正黑體" panose="020B0604030504040204" pitchFamily="34" charset="-120"/>
+              </a:rPr>
+              <a:t>建立與</a:t>
+            </a:r>
+            <a:r>
+              <a:rPr lang="zh-TW" altLang="en-US" sz="3200" dirty="0" smtClean="0">
+                <a:latin typeface="微軟正黑體" panose="020B0604030504040204" pitchFamily="34" charset="-120"/>
+                <a:ea typeface="微軟正黑體" panose="020B0604030504040204" pitchFamily="34" charset="-120"/>
+              </a:rPr>
+              <a:t>應用</a:t>
+            </a:r>
+            <a:endParaRPr lang="zh-TW" altLang="en-US" sz="3200" b="0" dirty="0" smtClean="0">
+              <a:effectLst/>
+              <a:latin typeface="微軟正黑體" panose="020B0604030504040204" pitchFamily="34" charset="-120"/>
+              <a:ea typeface="微軟正黑體" panose="020B0604030504040204" pitchFamily="34" charset="-120"/>
+            </a:endParaRPr>
+          </a:p>
+          <a:p>
+            <a:r>
+              <a:rPr lang="en-US" altLang="zh-TW" sz="3200" dirty="0" smtClean="0">
+                <a:latin typeface="微軟正黑體" panose="020B0604030504040204" pitchFamily="34" charset="-120"/>
+                <a:ea typeface="微軟正黑體" panose="020B0604030504040204" pitchFamily="34" charset="-120"/>
+              </a:rPr>
+              <a:t>Postman</a:t>
+            </a:r>
+            <a:r>
+              <a:rPr lang="zh-TW" altLang="en-US" sz="3200" dirty="0" smtClean="0">
+                <a:latin typeface="微軟正黑體" panose="020B0604030504040204" pitchFamily="34" charset="-120"/>
+                <a:ea typeface="微軟正黑體" panose="020B0604030504040204" pitchFamily="34" charset="-120"/>
+              </a:rPr>
+              <a:t>工具介紹與簡易操作</a:t>
+            </a:r>
+            <a:endParaRPr lang="zh-TW" altLang="en-US" sz="3200" b="0" dirty="0" smtClean="0">
+              <a:effectLst/>
+              <a:latin typeface="微軟正黑體" panose="020B0604030504040204" pitchFamily="34" charset="-120"/>
+              <a:ea typeface="微軟正黑體" panose="020B0604030504040204" pitchFamily="34" charset="-120"/>
+            </a:endParaRPr>
+          </a:p>
+          <a:p>
+            <a:r>
+              <a:rPr lang="zh-TW" altLang="en-US" sz="3200" dirty="0" smtClean="0">
+                <a:latin typeface="微軟正黑體" panose="020B0604030504040204" pitchFamily="34" charset="-120"/>
+                <a:ea typeface="微軟正黑體" panose="020B0604030504040204" pitchFamily="34" charset="-120"/>
+              </a:rPr>
+              <a:t>跨網域存取</a:t>
+            </a:r>
+            <a:r>
+              <a:rPr lang="en-US" altLang="zh-TW" sz="3200" dirty="0" smtClean="0">
+                <a:latin typeface="微軟正黑體" panose="020B0604030504040204" pitchFamily="34" charset="-120"/>
+                <a:ea typeface="微軟正黑體" panose="020B0604030504040204" pitchFamily="34" charset="-120"/>
+              </a:rPr>
+              <a:t>CORS</a:t>
+            </a:r>
+            <a:r>
+              <a:rPr lang="zh-TW" altLang="en-US" sz="3200" dirty="0" smtClean="0">
+                <a:latin typeface="微軟正黑體" panose="020B0604030504040204" pitchFamily="34" charset="-120"/>
+                <a:ea typeface="微軟正黑體" panose="020B0604030504040204" pitchFamily="34" charset="-120"/>
+              </a:rPr>
+              <a:t>問題與設定</a:t>
+            </a:r>
+            <a:endParaRPr lang="zh-TW" altLang="en-US" sz="3200" b="0" dirty="0" smtClean="0">
+              <a:effectLst/>
+              <a:latin typeface="微軟正黑體" panose="020B0604030504040204" pitchFamily="34" charset="-120"/>
+              <a:ea typeface="微軟正黑體" panose="020B0604030504040204" pitchFamily="34" charset="-120"/>
+            </a:endParaRPr>
+          </a:p>
+          <a:p>
+            <a:r>
+              <a:rPr lang="en-US" altLang="zh-TW" sz="3200" dirty="0" smtClean="0">
+                <a:latin typeface="微軟正黑體" panose="020B0604030504040204" pitchFamily="34" charset="-120"/>
+                <a:ea typeface="微軟正黑體" panose="020B0604030504040204" pitchFamily="34" charset="-120"/>
+              </a:rPr>
+              <a:t>Web </a:t>
+            </a:r>
+            <a:r>
+              <a:rPr lang="en-US" altLang="zh-TW" sz="3200" dirty="0">
+                <a:latin typeface="微軟正黑體" panose="020B0604030504040204" pitchFamily="34" charset="-120"/>
+                <a:ea typeface="微軟正黑體" panose="020B0604030504040204" pitchFamily="34" charset="-120"/>
+              </a:rPr>
+              <a:t>API </a:t>
+            </a:r>
+            <a:r>
+              <a:rPr lang="zh-TW" altLang="en-US" sz="3200" dirty="0">
+                <a:latin typeface="微軟正黑體" panose="020B0604030504040204" pitchFamily="34" charset="-120"/>
+                <a:ea typeface="微軟正黑體" panose="020B0604030504040204" pitchFamily="34" charset="-120"/>
+              </a:rPr>
+              <a:t>文件產生器 </a:t>
+            </a:r>
+            <a:r>
+              <a:rPr lang="en-US" altLang="zh-TW" sz="3200" dirty="0">
+                <a:latin typeface="微軟正黑體" panose="020B0604030504040204" pitchFamily="34" charset="-120"/>
+                <a:ea typeface="微軟正黑體" panose="020B0604030504040204" pitchFamily="34" charset="-120"/>
+              </a:rPr>
+              <a:t>- Swagger</a:t>
+            </a:r>
+            <a:r>
+              <a:rPr lang="zh-TW" altLang="en-US" sz="3200" dirty="0">
+                <a:latin typeface="微軟正黑體" panose="020B0604030504040204" pitchFamily="34" charset="-120"/>
+                <a:ea typeface="微軟正黑體" panose="020B0604030504040204" pitchFamily="34" charset="-120"/>
+              </a:rPr>
+              <a:t>套件</a:t>
+            </a:r>
+            <a:r>
+              <a:rPr lang="zh-TW" altLang="en-US" sz="3200" dirty="0" smtClean="0">
+                <a:latin typeface="微軟正黑體" panose="020B0604030504040204" pitchFamily="34" charset="-120"/>
+                <a:ea typeface="微軟正黑體" panose="020B0604030504040204" pitchFamily="34" charset="-120"/>
+              </a:rPr>
+              <a:t>介紹</a:t>
+            </a:r>
+            <a:r>
+              <a:rPr lang="zh-TW" altLang="en-US" sz="3200" b="0" dirty="0" smtClean="0">
+                <a:effectLst/>
+                <a:latin typeface="微軟正黑體" panose="020B0604030504040204" pitchFamily="34" charset="-120"/>
+                <a:ea typeface="微軟正黑體" panose="020B0604030504040204" pitchFamily="34" charset="-120"/>
+              </a:rPr>
+              <a:t/>
+            </a:r>
+            <a:br>
+              <a:rPr lang="zh-TW" altLang="en-US" sz="3200" b="0" dirty="0" smtClean="0">
+                <a:effectLst/>
+                <a:latin typeface="微軟正黑體" panose="020B0604030504040204" pitchFamily="34" charset="-120"/>
+                <a:ea typeface="微軟正黑體" panose="020B0604030504040204" pitchFamily="34" charset="-120"/>
+              </a:rPr>
+            </a:br>
+            <a:endParaRPr lang="zh-TW" altLang="en-US" sz="3200" dirty="0">
+              <a:latin typeface="微軟正黑體" panose="020B0604030504040204" pitchFamily="34" charset="-120"/>
+              <a:ea typeface="微軟正黑體" panose="020B0604030504040204" pitchFamily="34" charset="-120"/>
+            </a:endParaRPr>
+          </a:p>
+        </p:txBody>
+      </p:sp>
+    </p:spTree>
+    <p:extLst>
+      <p:ext uri="{BB962C8B-B14F-4D97-AF65-F5344CB8AC3E}">
+        <p14:creationId xmlns:p14="http://schemas.microsoft.com/office/powerpoint/2010/main" val="3623756694"/>
+      </p:ext>
+    </p:extLst>
+  </p:cSld>
+  <p:clrMapOvr>
+    <a:masterClrMapping/>
+  </p:clrMapOvr>
+  <p:timing>
+    <p:tnLst>
+      <p:par>
+        <p:cTn id="1" dur="indefinite" restart="never" nodeType="tmRoot"/>
+      </p:par>
+    </p:tnLst>
+  </p:timing>
+</p:sld>
+</file>
+
+<file path=ppt/slides/slide40.xml><?xml version="1.0" encoding="utf-8"?>
 <p:sld xmlns:a="http://schemas.openxmlformats.org/drawingml/2006/main" xmlns:r="http://schemas.openxmlformats.org/officeDocument/2006/relationships" xmlns:p="http://schemas.openxmlformats.org/presentationml/2006/main">
   <p:cSld>
     <p:spTree>
@@ -17460,7 +18825,7 @@
 </p:sld>
 </file>
 
-<file path=ppt/slides/slide38.xml><?xml version="1.0" encoding="utf-8"?>
+<file path=ppt/slides/slide41.xml><?xml version="1.0" encoding="utf-8"?>
 <p:sld xmlns:a="http://schemas.openxmlformats.org/drawingml/2006/main" xmlns:r="http://schemas.openxmlformats.org/officeDocument/2006/relationships" xmlns:p="http://schemas.openxmlformats.org/presentationml/2006/main">
   <p:cSld>
     <p:spTree>
@@ -17576,7 +18941,7 @@
 </p:sld>
 </file>
 
-<file path=ppt/slides/slide39.xml><?xml version="1.0" encoding="utf-8"?>
+<file path=ppt/slides/slide42.xml><?xml version="1.0" encoding="utf-8"?>
 <p:sld xmlns:a="http://schemas.openxmlformats.org/drawingml/2006/main" xmlns:r="http://schemas.openxmlformats.org/officeDocument/2006/relationships" xmlns:p="http://schemas.openxmlformats.org/presentationml/2006/main">
   <p:cSld>
     <p:spTree>
@@ -17813,95 +19178,7 @@
 </p:sld>
 </file>
 
-<file path=ppt/slides/slide4.xml><?xml version="1.0" encoding="utf-8"?>
-<p:sld xmlns:a="http://schemas.openxmlformats.org/drawingml/2006/main" xmlns:r="http://schemas.openxmlformats.org/officeDocument/2006/relationships" xmlns:p="http://schemas.openxmlformats.org/presentationml/2006/main">
-  <p:cSld>
-    <p:spTree>
-      <p:nvGrpSpPr>
-        <p:cNvPr id="1" name=""/>
-        <p:cNvGrpSpPr/>
-        <p:nvPr/>
-      </p:nvGrpSpPr>
-      <p:grpSpPr>
-        <a:xfrm>
-          <a:off x="0" y="0"/>
-          <a:ext cx="0" cy="0"/>
-          <a:chOff x="0" y="0"/>
-          <a:chExt cx="0" cy="0"/>
-        </a:xfrm>
-      </p:grpSpPr>
-      <p:sp>
-        <p:nvSpPr>
-          <p:cNvPr id="4" name="標題 3"/>
-          <p:cNvSpPr>
-            <a:spLocks noGrp="1"/>
-          </p:cNvSpPr>
-          <p:nvPr>
-            <p:ph type="title"/>
-          </p:nvPr>
-        </p:nvSpPr>
-        <p:spPr/>
-        <p:txBody>
-          <a:bodyPr/>
-          <a:lstStyle/>
-          <a:p>
-            <a:r>
-              <a:rPr lang="zh-TW" altLang="en-US" dirty="0" smtClean="0">
-                <a:latin typeface="微軟正黑體" panose="020B0604030504040204" pitchFamily="34" charset="-120"/>
-                <a:ea typeface="微軟正黑體" panose="020B0604030504040204" pitchFamily="34" charset="-120"/>
-              </a:rPr>
-              <a:t>事前</a:t>
-            </a:r>
-            <a:r>
-              <a:rPr lang="zh-TW" altLang="en-US" dirty="0">
-                <a:latin typeface="微軟正黑體" panose="020B0604030504040204" pitchFamily="34" charset="-120"/>
-                <a:ea typeface="微軟正黑體" panose="020B0604030504040204" pitchFamily="34" charset="-120"/>
-              </a:rPr>
-              <a:t>環境準備</a:t>
-            </a:r>
-          </a:p>
-        </p:txBody>
-      </p:sp>
-      <p:sp>
-        <p:nvSpPr>
-          <p:cNvPr id="5" name="文字版面配置區 4"/>
-          <p:cNvSpPr>
-            <a:spLocks noGrp="1"/>
-          </p:cNvSpPr>
-          <p:nvPr>
-            <p:ph type="body" idx="1"/>
-          </p:nvPr>
-        </p:nvSpPr>
-        <p:spPr/>
-        <p:txBody>
-          <a:bodyPr/>
-          <a:lstStyle/>
-          <a:p>
-            <a:endParaRPr lang="zh-TW" altLang="en-US"/>
-          </a:p>
-        </p:txBody>
-      </p:sp>
-    </p:spTree>
-    <p:extLst>
-      <p:ext uri="{BB962C8B-B14F-4D97-AF65-F5344CB8AC3E}">
-        <p14:creationId xmlns:p14="http://schemas.microsoft.com/office/powerpoint/2010/main" val="1484545464"/>
-      </p:ext>
-    </p:extLst>
-  </p:cSld>
-  <p:clrMapOvr>
-    <a:masterClrMapping/>
-  </p:clrMapOvr>
-  <p:timing>
-    <p:tnLst>
-      <p:par>
-        <p:cTn id="1" dur="indefinite" restart="never" nodeType="tmRoot"/>
-      </p:par>
-    </p:tnLst>
-  </p:timing>
-</p:sld>
-</file>
-
-<file path=ppt/slides/slide40.xml><?xml version="1.0" encoding="utf-8"?>
+<file path=ppt/slides/slide43.xml><?xml version="1.0" encoding="utf-8"?>
 <p:sld xmlns:a="http://schemas.openxmlformats.org/drawingml/2006/main" xmlns:r="http://schemas.openxmlformats.org/officeDocument/2006/relationships" xmlns:p="http://schemas.openxmlformats.org/presentationml/2006/main">
   <p:cSld>
     <p:spTree>
@@ -18217,7 +19494,7 @@
 </p:sld>
 </file>
 
-<file path=ppt/slides/slide41.xml><?xml version="1.0" encoding="utf-8"?>
+<file path=ppt/slides/slide44.xml><?xml version="1.0" encoding="utf-8"?>
 <p:sld xmlns:a="http://schemas.openxmlformats.org/drawingml/2006/main" xmlns:r="http://schemas.openxmlformats.org/officeDocument/2006/relationships" xmlns:p="http://schemas.openxmlformats.org/presentationml/2006/main">
   <p:cSld>
     <p:spTree>
@@ -18602,7 +19879,7 @@
 </p:sld>
 </file>
 
-<file path=ppt/slides/slide42.xml><?xml version="1.0" encoding="utf-8"?>
+<file path=ppt/slides/slide45.xml><?xml version="1.0" encoding="utf-8"?>
 <p:sld xmlns:a="http://schemas.openxmlformats.org/drawingml/2006/main" xmlns:r="http://schemas.openxmlformats.org/officeDocument/2006/relationships" xmlns:p="http://schemas.openxmlformats.org/presentationml/2006/main">
   <p:cSld>
     <p:spTree>
@@ -19510,7 +20787,7 @@
 </p:sld>
 </file>
 
-<file path=ppt/slides/slide43.xml><?xml version="1.0" encoding="utf-8"?>
+<file path=ppt/slides/slide46.xml><?xml version="1.0" encoding="utf-8"?>
 <p:sld xmlns:a="http://schemas.openxmlformats.org/drawingml/2006/main" xmlns:r="http://schemas.openxmlformats.org/officeDocument/2006/relationships" xmlns:p="http://schemas.openxmlformats.org/presentationml/2006/main">
   <p:cSld>
     <p:spTree>
@@ -19994,7 +21271,7 @@
 </p:sld>
 </file>
 
-<file path=ppt/slides/slide44.xml><?xml version="1.0" encoding="utf-8"?>
+<file path=ppt/slides/slide47.xml><?xml version="1.0" encoding="utf-8"?>
 <p:sld xmlns:a="http://schemas.openxmlformats.org/drawingml/2006/main" xmlns:r="http://schemas.openxmlformats.org/officeDocument/2006/relationships" xmlns:p="http://schemas.openxmlformats.org/presentationml/2006/main">
   <p:cSld>
     <p:spTree>
@@ -20697,7 +21974,7 @@
 </p:sld>
 </file>
 
-<file path=ppt/slides/slide45.xml><?xml version="1.0" encoding="utf-8"?>
+<file path=ppt/slides/slide48.xml><?xml version="1.0" encoding="utf-8"?>
 <p:sld xmlns:a="http://schemas.openxmlformats.org/drawingml/2006/main" xmlns:r="http://schemas.openxmlformats.org/officeDocument/2006/relationships" xmlns:p="http://schemas.openxmlformats.org/presentationml/2006/main">
   <p:cSld>
     <p:spTree>
@@ -21204,7 +22481,7 @@
 </p:sld>
 </file>
 
-<file path=ppt/slides/slide46.xml><?xml version="1.0" encoding="utf-8"?>
+<file path=ppt/slides/slide49.xml><?xml version="1.0" encoding="utf-8"?>
 <p:sld xmlns:a="http://schemas.openxmlformats.org/drawingml/2006/main" xmlns:r="http://schemas.openxmlformats.org/officeDocument/2006/relationships" xmlns:p="http://schemas.openxmlformats.org/presentationml/2006/main">
   <p:cSld>
     <p:spTree>
@@ -21606,7 +22883,95 @@
 </p:sld>
 </file>
 
-<file path=ppt/slides/slide47.xml><?xml version="1.0" encoding="utf-8"?>
+<file path=ppt/slides/slide5.xml><?xml version="1.0" encoding="utf-8"?>
+<p:sld xmlns:a="http://schemas.openxmlformats.org/drawingml/2006/main" xmlns:r="http://schemas.openxmlformats.org/officeDocument/2006/relationships" xmlns:p="http://schemas.openxmlformats.org/presentationml/2006/main">
+  <p:cSld>
+    <p:spTree>
+      <p:nvGrpSpPr>
+        <p:cNvPr id="1" name=""/>
+        <p:cNvGrpSpPr/>
+        <p:nvPr/>
+      </p:nvGrpSpPr>
+      <p:grpSpPr>
+        <a:xfrm>
+          <a:off x="0" y="0"/>
+          <a:ext cx="0" cy="0"/>
+          <a:chOff x="0" y="0"/>
+          <a:chExt cx="0" cy="0"/>
+        </a:xfrm>
+      </p:grpSpPr>
+      <p:sp>
+        <p:nvSpPr>
+          <p:cNvPr id="4" name="標題 3"/>
+          <p:cNvSpPr>
+            <a:spLocks noGrp="1"/>
+          </p:cNvSpPr>
+          <p:nvPr>
+            <p:ph type="title"/>
+          </p:nvPr>
+        </p:nvSpPr>
+        <p:spPr/>
+        <p:txBody>
+          <a:bodyPr/>
+          <a:lstStyle/>
+          <a:p>
+            <a:r>
+              <a:rPr lang="zh-TW" altLang="en-US" dirty="0" smtClean="0">
+                <a:latin typeface="微軟正黑體" panose="020B0604030504040204" pitchFamily="34" charset="-120"/>
+                <a:ea typeface="微軟正黑體" panose="020B0604030504040204" pitchFamily="34" charset="-120"/>
+              </a:rPr>
+              <a:t>事前</a:t>
+            </a:r>
+            <a:r>
+              <a:rPr lang="zh-TW" altLang="en-US" dirty="0">
+                <a:latin typeface="微軟正黑體" panose="020B0604030504040204" pitchFamily="34" charset="-120"/>
+                <a:ea typeface="微軟正黑體" panose="020B0604030504040204" pitchFamily="34" charset="-120"/>
+              </a:rPr>
+              <a:t>環境準備</a:t>
+            </a:r>
+          </a:p>
+        </p:txBody>
+      </p:sp>
+      <p:sp>
+        <p:nvSpPr>
+          <p:cNvPr id="5" name="文字版面配置區 4"/>
+          <p:cNvSpPr>
+            <a:spLocks noGrp="1"/>
+          </p:cNvSpPr>
+          <p:nvPr>
+            <p:ph type="body" idx="1"/>
+          </p:nvPr>
+        </p:nvSpPr>
+        <p:spPr/>
+        <p:txBody>
+          <a:bodyPr/>
+          <a:lstStyle/>
+          <a:p>
+            <a:endParaRPr lang="zh-TW" altLang="en-US"/>
+          </a:p>
+        </p:txBody>
+      </p:sp>
+    </p:spTree>
+    <p:extLst>
+      <p:ext uri="{BB962C8B-B14F-4D97-AF65-F5344CB8AC3E}">
+        <p14:creationId xmlns:p14="http://schemas.microsoft.com/office/powerpoint/2010/main" val="1484545464"/>
+      </p:ext>
+    </p:extLst>
+  </p:cSld>
+  <p:clrMapOvr>
+    <a:masterClrMapping/>
+  </p:clrMapOvr>
+  <p:timing>
+    <p:tnLst>
+      <p:par>
+        <p:cTn id="1" dur="indefinite" restart="never" nodeType="tmRoot"/>
+      </p:par>
+    </p:tnLst>
+  </p:timing>
+</p:sld>
+</file>
+
+<file path=ppt/slides/slide50.xml><?xml version="1.0" encoding="utf-8"?>
 <p:sld xmlns:a="http://schemas.openxmlformats.org/drawingml/2006/main" xmlns:r="http://schemas.openxmlformats.org/officeDocument/2006/relationships" xmlns:p="http://schemas.openxmlformats.org/presentationml/2006/main">
   <p:cSld>
     <p:spTree>
@@ -21718,7 +23083,7 @@
 </p:sld>
 </file>
 
-<file path=ppt/slides/slide48.xml><?xml version="1.0" encoding="utf-8"?>
+<file path=ppt/slides/slide51.xml><?xml version="1.0" encoding="utf-8"?>
 <p:sld xmlns:a="http://schemas.openxmlformats.org/drawingml/2006/main" xmlns:r="http://schemas.openxmlformats.org/officeDocument/2006/relationships" xmlns:p="http://schemas.openxmlformats.org/presentationml/2006/main">
   <p:cSld>
     <p:spTree>
@@ -21890,7 +23255,7 @@
 </p:sld>
 </file>
 
-<file path=ppt/slides/slide49.xml><?xml version="1.0" encoding="utf-8"?>
+<file path=ppt/slides/slide52.xml><?xml version="1.0" encoding="utf-8"?>
 <p:sld xmlns:a="http://schemas.openxmlformats.org/drawingml/2006/main" xmlns:r="http://schemas.openxmlformats.org/officeDocument/2006/relationships" xmlns:p="http://schemas.openxmlformats.org/presentationml/2006/main">
   <p:cSld>
     <p:spTree>
@@ -21999,340 +23364,7 @@
 </p:sld>
 </file>
 
-<file path=ppt/slides/slide5.xml><?xml version="1.0" encoding="utf-8"?>
-<p:sld xmlns:a="http://schemas.openxmlformats.org/drawingml/2006/main" xmlns:r="http://schemas.openxmlformats.org/officeDocument/2006/relationships" xmlns:p="http://schemas.openxmlformats.org/presentationml/2006/main">
-  <p:cSld>
-    <p:spTree>
-      <p:nvGrpSpPr>
-        <p:cNvPr id="1" name=""/>
-        <p:cNvGrpSpPr/>
-        <p:nvPr/>
-      </p:nvGrpSpPr>
-      <p:grpSpPr>
-        <a:xfrm>
-          <a:off x="0" y="0"/>
-          <a:ext cx="0" cy="0"/>
-          <a:chOff x="0" y="0"/>
-          <a:chExt cx="0" cy="0"/>
-        </a:xfrm>
-      </p:grpSpPr>
-      <p:sp>
-        <p:nvSpPr>
-          <p:cNvPr id="3" name="內容版面配置區 2"/>
-          <p:cNvSpPr>
-            <a:spLocks noGrp="1"/>
-          </p:cNvSpPr>
-          <p:nvPr>
-            <p:ph idx="1"/>
-          </p:nvPr>
-        </p:nvSpPr>
-        <p:spPr>
-          <a:xfrm>
-            <a:off x="810491" y="689553"/>
-            <a:ext cx="10494818" cy="5822084"/>
-          </a:xfrm>
-        </p:spPr>
-        <p:txBody>
-          <a:bodyPr>
-            <a:noAutofit/>
-          </a:bodyPr>
-          <a:lstStyle/>
-          <a:p>
-            <a:r>
-              <a:rPr lang="en-US" altLang="zh-TW" sz="3200" dirty="0" smtClean="0">
-                <a:latin typeface="微軟正黑體" panose="020B0604030504040204" pitchFamily="34" charset="-120"/>
-                <a:ea typeface="微軟正黑體" panose="020B0604030504040204" pitchFamily="34" charset="-120"/>
-              </a:rPr>
-              <a:t>Visual Studio 2017/2019/2022</a:t>
-            </a:r>
-          </a:p>
-          <a:p>
-            <a:r>
-              <a:rPr lang="en-US" altLang="zh-TW" sz="3200" dirty="0" smtClean="0">
-                <a:latin typeface="微軟正黑體" panose="020B0604030504040204" pitchFamily="34" charset="-120"/>
-                <a:ea typeface="微軟正黑體" panose="020B0604030504040204" pitchFamily="34" charset="-120"/>
-              </a:rPr>
-              <a:t>SQL</a:t>
-            </a:r>
-            <a:r>
-              <a:rPr lang="zh-TW" altLang="en-US" sz="3200" dirty="0" smtClean="0">
-                <a:latin typeface="微軟正黑體" panose="020B0604030504040204" pitchFamily="34" charset="-120"/>
-                <a:ea typeface="微軟正黑體" panose="020B0604030504040204" pitchFamily="34" charset="-120"/>
-              </a:rPr>
-              <a:t> </a:t>
-            </a:r>
-            <a:r>
-              <a:rPr lang="en-US" altLang="zh-TW" sz="3200" dirty="0" smtClean="0">
-                <a:latin typeface="微軟正黑體" panose="020B0604030504040204" pitchFamily="34" charset="-120"/>
-                <a:ea typeface="微軟正黑體" panose="020B0604030504040204" pitchFamily="34" charset="-120"/>
-              </a:rPr>
-              <a:t>Server</a:t>
-            </a:r>
-          </a:p>
-          <a:p>
-            <a:r>
-              <a:rPr lang="en-US" altLang="zh-TW" sz="3200" dirty="0" smtClean="0">
-                <a:latin typeface="微軟正黑體" panose="020B0604030504040204" pitchFamily="34" charset="-120"/>
-                <a:ea typeface="微軟正黑體" panose="020B0604030504040204" pitchFamily="34" charset="-120"/>
-              </a:rPr>
-              <a:t>SDK</a:t>
-            </a:r>
-          </a:p>
-          <a:p>
-            <a:pPr lvl="1"/>
-            <a:r>
-              <a:rPr lang="zh-TW" altLang="en-US" sz="3200" dirty="0" smtClean="0">
-                <a:latin typeface="微軟正黑體" panose="020B0604030504040204" pitchFamily="34" charset="-120"/>
-                <a:ea typeface="微軟正黑體" panose="020B0604030504040204" pitchFamily="34" charset="-120"/>
-                <a:hlinkClick r:id="rId3"/>
-              </a:rPr>
-              <a:t>下載列表</a:t>
-            </a:r>
-            <a:endParaRPr lang="en-US" altLang="zh-TW" sz="3200" dirty="0" smtClean="0">
-              <a:latin typeface="微軟正黑體" panose="020B0604030504040204" pitchFamily="34" charset="-120"/>
-              <a:ea typeface="微軟正黑體" panose="020B0604030504040204" pitchFamily="34" charset="-120"/>
-            </a:endParaRPr>
-          </a:p>
-          <a:p>
-            <a:pPr lvl="1"/>
-            <a:r>
-              <a:rPr lang="en-US" altLang="zh-TW" sz="3200" dirty="0" smtClean="0">
-                <a:latin typeface="微軟正黑體" panose="020B0604030504040204" pitchFamily="34" charset="-120"/>
-                <a:ea typeface="微軟正黑體" panose="020B0604030504040204" pitchFamily="34" charset="-120"/>
-              </a:rPr>
-              <a:t>.NET</a:t>
-            </a:r>
-            <a:r>
-              <a:rPr lang="zh-TW" altLang="en-US" sz="3200" dirty="0" smtClean="0">
-                <a:latin typeface="微軟正黑體" panose="020B0604030504040204" pitchFamily="34" charset="-120"/>
-                <a:ea typeface="微軟正黑體" panose="020B0604030504040204" pitchFamily="34" charset="-120"/>
-              </a:rPr>
-              <a:t> </a:t>
-            </a:r>
-            <a:r>
-              <a:rPr lang="en-US" altLang="zh-TW" sz="3200" dirty="0">
-                <a:latin typeface="微軟正黑體" panose="020B0604030504040204" pitchFamily="34" charset="-120"/>
-                <a:ea typeface="微軟正黑體" panose="020B0604030504040204" pitchFamily="34" charset="-120"/>
-              </a:rPr>
-              <a:t>framework</a:t>
-            </a:r>
-            <a:r>
-              <a:rPr lang="zh-TW" altLang="en-US" sz="3200" dirty="0" smtClean="0">
-                <a:latin typeface="微軟正黑體" panose="020B0604030504040204" pitchFamily="34" charset="-120"/>
-                <a:ea typeface="微軟正黑體" panose="020B0604030504040204" pitchFamily="34" charset="-120"/>
-              </a:rPr>
-              <a:t>的話需安裝</a:t>
-            </a:r>
-            <a:r>
-              <a:rPr lang="en-US" altLang="zh-TW" sz="3200" dirty="0">
-                <a:latin typeface="微軟正黑體" panose="020B0604030504040204" pitchFamily="34" charset="-120"/>
-                <a:ea typeface="微軟正黑體" panose="020B0604030504040204" pitchFamily="34" charset="-120"/>
-              </a:rPr>
-              <a:t> </a:t>
-            </a:r>
-            <a:r>
-              <a:rPr lang="en-US" altLang="zh-TW" sz="3200" dirty="0" smtClean="0">
-                <a:latin typeface="微軟正黑體" panose="020B0604030504040204" pitchFamily="34" charset="-120"/>
-                <a:ea typeface="微軟正黑體" panose="020B0604030504040204" pitchFamily="34" charset="-120"/>
-              </a:rPr>
-              <a:t>.NET 4.5 framework</a:t>
-            </a:r>
-            <a:endParaRPr lang="en-US" altLang="zh-TW" sz="3200" dirty="0">
-              <a:latin typeface="微軟正黑體" panose="020B0604030504040204" pitchFamily="34" charset="-120"/>
-              <a:ea typeface="微軟正黑體" panose="020B0604030504040204" pitchFamily="34" charset="-120"/>
-            </a:endParaRPr>
-          </a:p>
-          <a:p>
-            <a:pPr lvl="1"/>
-            <a:r>
-              <a:rPr lang="en-US" altLang="zh-TW" sz="3200" dirty="0">
-                <a:latin typeface="微軟正黑體" panose="020B0604030504040204" pitchFamily="34" charset="-120"/>
-                <a:ea typeface="微軟正黑體" panose="020B0604030504040204" pitchFamily="34" charset="-120"/>
-              </a:rPr>
-              <a:t>.NET </a:t>
-            </a:r>
-            <a:r>
-              <a:rPr lang="en-US" altLang="zh-TW" sz="3200" dirty="0" smtClean="0">
-                <a:latin typeface="微軟正黑體" panose="020B0604030504040204" pitchFamily="34" charset="-120"/>
-                <a:ea typeface="微軟正黑體" panose="020B0604030504040204" pitchFamily="34" charset="-120"/>
-              </a:rPr>
-              <a:t>Core</a:t>
-            </a:r>
-            <a:r>
-              <a:rPr lang="zh-TW" altLang="en-US" sz="3200" dirty="0" smtClean="0">
-                <a:latin typeface="微軟正黑體" panose="020B0604030504040204" pitchFamily="34" charset="-120"/>
-                <a:ea typeface="微軟正黑體" panose="020B0604030504040204" pitchFamily="34" charset="-120"/>
-              </a:rPr>
-              <a:t>的話</a:t>
-            </a:r>
-            <a:r>
-              <a:rPr lang="zh-TW" altLang="en-US" sz="3200" dirty="0">
-                <a:latin typeface="微軟正黑體" panose="020B0604030504040204" pitchFamily="34" charset="-120"/>
-                <a:ea typeface="微軟正黑體" panose="020B0604030504040204" pitchFamily="34" charset="-120"/>
-              </a:rPr>
-              <a:t>需安裝</a:t>
-            </a:r>
-            <a:r>
-              <a:rPr lang="en-US" altLang="zh-TW" sz="3200" dirty="0">
-                <a:latin typeface="微軟正黑體" panose="020B0604030504040204" pitchFamily="34" charset="-120"/>
-                <a:ea typeface="微軟正黑體" panose="020B0604030504040204" pitchFamily="34" charset="-120"/>
-              </a:rPr>
-              <a:t> .NET </a:t>
-            </a:r>
-            <a:r>
-              <a:rPr lang="en-US" altLang="zh-TW" sz="3200" dirty="0" smtClean="0">
-                <a:latin typeface="微軟正黑體" panose="020B0604030504040204" pitchFamily="34" charset="-120"/>
-                <a:ea typeface="微軟正黑體" panose="020B0604030504040204" pitchFamily="34" charset="-120"/>
-              </a:rPr>
-              <a:t>5 framework</a:t>
-            </a:r>
-            <a:endParaRPr lang="en-US" altLang="zh-TW" sz="3200" dirty="0">
-              <a:latin typeface="微軟正黑體" panose="020B0604030504040204" pitchFamily="34" charset="-120"/>
-              <a:ea typeface="微軟正黑體" panose="020B0604030504040204" pitchFamily="34" charset="-120"/>
-            </a:endParaRPr>
-          </a:p>
-          <a:p>
-            <a:pPr lvl="1"/>
-            <a:endParaRPr lang="zh-TW" altLang="en-US" sz="3200" dirty="0" smtClean="0">
-              <a:latin typeface="微軟正黑體" panose="020B0604030504040204" pitchFamily="34" charset="-120"/>
-              <a:ea typeface="微軟正黑體" panose="020B0604030504040204" pitchFamily="34" charset="-120"/>
-              <a:hlinkClick r:id="rId4"/>
-            </a:endParaRPr>
-          </a:p>
-          <a:p>
-            <a:r>
-              <a:rPr lang="zh-TW" altLang="en-US" sz="3200" dirty="0" smtClean="0">
-                <a:latin typeface="微軟正黑體" panose="020B0604030504040204" pitchFamily="34" charset="-120"/>
-                <a:ea typeface="微軟正黑體" panose="020B0604030504040204" pitchFamily="34" charset="-120"/>
-              </a:rPr>
-              <a:t>工具安裝：</a:t>
-            </a:r>
-            <a:r>
-              <a:rPr lang="en-US" altLang="zh-TW" sz="3200" dirty="0" smtClean="0">
-                <a:latin typeface="微軟正黑體" panose="020B0604030504040204" pitchFamily="34" charset="-120"/>
-                <a:ea typeface="微軟正黑體" panose="020B0604030504040204" pitchFamily="34" charset="-120"/>
-              </a:rPr>
-              <a:t>postman</a:t>
-            </a:r>
-          </a:p>
-          <a:p>
-            <a:pPr lvl="1"/>
-            <a:r>
-              <a:rPr lang="zh-TW" altLang="en-US" sz="3200" dirty="0" smtClean="0">
-                <a:latin typeface="微軟正黑體" panose="020B0604030504040204" pitchFamily="34" charset="-120"/>
-                <a:ea typeface="微軟正黑體" panose="020B0604030504040204" pitchFamily="34" charset="-120"/>
-              </a:rPr>
-              <a:t>網頁版</a:t>
-            </a:r>
-            <a:r>
-              <a:rPr lang="en-US" altLang="zh-TW" sz="3200" dirty="0" smtClean="0">
-                <a:latin typeface="微軟正黑體" panose="020B0604030504040204" pitchFamily="34" charset="-120"/>
-                <a:ea typeface="微軟正黑體" panose="020B0604030504040204" pitchFamily="34" charset="-120"/>
-              </a:rPr>
-              <a:t>(Chrome App)</a:t>
-            </a:r>
-          </a:p>
-          <a:p>
-            <a:pPr lvl="1"/>
-            <a:r>
-              <a:rPr lang="zh-TW" altLang="en-US" sz="3200" dirty="0" smtClean="0">
-                <a:latin typeface="微軟正黑體" panose="020B0604030504040204" pitchFamily="34" charset="-120"/>
-                <a:ea typeface="微軟正黑體" panose="020B0604030504040204" pitchFamily="34" charset="-120"/>
-                <a:hlinkClick r:id="rId5"/>
-              </a:rPr>
-              <a:t>桌面版</a:t>
-            </a:r>
-            <a:r>
-              <a:rPr lang="en-US" altLang="zh-TW" sz="3200" dirty="0" smtClean="0">
-                <a:latin typeface="微軟正黑體" panose="020B0604030504040204" pitchFamily="34" charset="-120"/>
-                <a:ea typeface="微軟正黑體" panose="020B0604030504040204" pitchFamily="34" charset="-120"/>
-              </a:rPr>
-              <a:t>(</a:t>
-            </a:r>
-            <a:r>
-              <a:rPr lang="zh-TW" altLang="en-US" sz="3200" dirty="0" smtClean="0">
-                <a:latin typeface="微軟正黑體" panose="020B0604030504040204" pitchFamily="34" charset="-120"/>
-                <a:ea typeface="微軟正黑體" panose="020B0604030504040204" pitchFamily="34" charset="-120"/>
-              </a:rPr>
-              <a:t>支援</a:t>
-            </a:r>
-            <a:r>
-              <a:rPr lang="en-US" altLang="zh-TW" sz="3200" dirty="0" smtClean="0">
-                <a:latin typeface="微軟正黑體" panose="020B0604030504040204" pitchFamily="34" charset="-120"/>
-                <a:ea typeface="微軟正黑體" panose="020B0604030504040204" pitchFamily="34" charset="-120"/>
-              </a:rPr>
-              <a:t>Windows</a:t>
-            </a:r>
-            <a:r>
-              <a:rPr lang="zh-TW" altLang="en-US" sz="3200" dirty="0" smtClean="0">
-                <a:latin typeface="微軟正黑體" panose="020B0604030504040204" pitchFamily="34" charset="-120"/>
-                <a:ea typeface="微軟正黑體" panose="020B0604030504040204" pitchFamily="34" charset="-120"/>
-              </a:rPr>
-              <a:t>、</a:t>
-            </a:r>
-            <a:r>
-              <a:rPr lang="en-US" altLang="zh-TW" sz="3200" dirty="0" smtClean="0">
-                <a:latin typeface="微軟正黑體" panose="020B0604030504040204" pitchFamily="34" charset="-120"/>
-                <a:ea typeface="微軟正黑體" panose="020B0604030504040204" pitchFamily="34" charset="-120"/>
-              </a:rPr>
-              <a:t>Mac</a:t>
-            </a:r>
-            <a:r>
-              <a:rPr lang="zh-TW" altLang="en-US" sz="3200" dirty="0" smtClean="0">
-                <a:latin typeface="微軟正黑體" panose="020B0604030504040204" pitchFamily="34" charset="-120"/>
-                <a:ea typeface="微軟正黑體" panose="020B0604030504040204" pitchFamily="34" charset="-120"/>
-              </a:rPr>
-              <a:t>、</a:t>
-            </a:r>
-            <a:r>
-              <a:rPr lang="en-US" altLang="zh-TW" sz="3200" dirty="0" smtClean="0">
-                <a:latin typeface="微軟正黑體" panose="020B0604030504040204" pitchFamily="34" charset="-120"/>
-                <a:ea typeface="微軟正黑體" panose="020B0604030504040204" pitchFamily="34" charset="-120"/>
-              </a:rPr>
-              <a:t>Linux</a:t>
-            </a:r>
-            <a:r>
-              <a:rPr lang="zh-TW" altLang="en-US" sz="3200" dirty="0" smtClean="0">
-                <a:latin typeface="微軟正黑體" panose="020B0604030504040204" pitchFamily="34" charset="-120"/>
-                <a:ea typeface="微軟正黑體" panose="020B0604030504040204" pitchFamily="34" charset="-120"/>
-              </a:rPr>
-              <a:t>平台安裝</a:t>
-            </a:r>
-            <a:r>
-              <a:rPr lang="en-US" altLang="zh-TW" sz="3200" dirty="0" smtClean="0">
-                <a:latin typeface="微軟正黑體" panose="020B0604030504040204" pitchFamily="34" charset="-120"/>
-                <a:ea typeface="微軟正黑體" panose="020B0604030504040204" pitchFamily="34" charset="-120"/>
-              </a:rPr>
-              <a:t>)</a:t>
-            </a:r>
-            <a:endParaRPr lang="zh-TW" altLang="en-US" sz="3200" dirty="0">
-              <a:latin typeface="微軟正黑體" panose="020B0604030504040204" pitchFamily="34" charset="-120"/>
-              <a:ea typeface="微軟正黑體" panose="020B0604030504040204" pitchFamily="34" charset="-120"/>
-            </a:endParaRPr>
-          </a:p>
-        </p:txBody>
-      </p:sp>
-    </p:spTree>
-    <p:extLst>
-      <p:ext uri="{BB962C8B-B14F-4D97-AF65-F5344CB8AC3E}">
-        <p14:creationId xmlns:p14="http://schemas.microsoft.com/office/powerpoint/2010/main" val="325355253"/>
-      </p:ext>
-    </p:extLst>
-  </p:cSld>
-  <p:clrMapOvr>
-    <a:masterClrMapping/>
-  </p:clrMapOvr>
-  <p:timing>
-    <p:tnLst>
-      <p:par>
-        <p:cTn id="1" dur="indefinite" restart="never" nodeType="tmRoot"/>
-      </p:par>
-    </p:tnLst>
-  </p:timing>
-</p:sld>
-</file>
-
-<file path=ppt/slides/slide50.xml><?xml version="1.0" encoding="utf-8"?>
+<file path=ppt/slides/slide53.xml><?xml version="1.0" encoding="utf-8"?>
 <p:sld xmlns:a="http://schemas.openxmlformats.org/drawingml/2006/main" xmlns:r="http://schemas.openxmlformats.org/officeDocument/2006/relationships" xmlns:p="http://schemas.openxmlformats.org/presentationml/2006/main">
   <p:cSld>
     <p:spTree>
@@ -22439,7 +23471,7 @@
 </p:sld>
 </file>
 
-<file path=ppt/slides/slide51.xml><?xml version="1.0" encoding="utf-8"?>
+<file path=ppt/slides/slide54.xml><?xml version="1.0" encoding="utf-8"?>
 <p:sld xmlns:a="http://schemas.openxmlformats.org/drawingml/2006/main" xmlns:r="http://schemas.openxmlformats.org/officeDocument/2006/relationships" xmlns:p="http://schemas.openxmlformats.org/presentationml/2006/main">
   <p:cSld>
     <p:spTree>
@@ -22546,7 +23578,7 @@
 </p:sld>
 </file>
 
-<file path=ppt/slides/slide52.xml><?xml version="1.0" encoding="utf-8"?>
+<file path=ppt/slides/slide55.xml><?xml version="1.0" encoding="utf-8"?>
 <p:sld xmlns:a="http://schemas.openxmlformats.org/drawingml/2006/main" xmlns:r="http://schemas.openxmlformats.org/officeDocument/2006/relationships" xmlns:p="http://schemas.openxmlformats.org/presentationml/2006/main">
   <p:cSld>
     <p:spTree>
@@ -22653,7 +23685,7 @@
 </p:sld>
 </file>
 
-<file path=ppt/slides/slide53.xml><?xml version="1.0" encoding="utf-8"?>
+<file path=ppt/slides/slide56.xml><?xml version="1.0" encoding="utf-8"?>
 <p:sld xmlns:a="http://schemas.openxmlformats.org/drawingml/2006/main" xmlns:r="http://schemas.openxmlformats.org/officeDocument/2006/relationships" xmlns:p="http://schemas.openxmlformats.org/presentationml/2006/main">
   <p:cSld>
     <p:spTree>
@@ -22760,7 +23792,7 @@
 </p:sld>
 </file>
 
-<file path=ppt/slides/slide54.xml><?xml version="1.0" encoding="utf-8"?>
+<file path=ppt/slides/slide57.xml><?xml version="1.0" encoding="utf-8"?>
 <p:sld xmlns:a="http://schemas.openxmlformats.org/drawingml/2006/main" xmlns:r="http://schemas.openxmlformats.org/officeDocument/2006/relationships" xmlns:p="http://schemas.openxmlformats.org/presentationml/2006/main">
   <p:cSld>
     <p:spTree>
@@ -22867,7 +23899,7 @@
 </p:sld>
 </file>
 
-<file path=ppt/slides/slide55.xml><?xml version="1.0" encoding="utf-8"?>
+<file path=ppt/slides/slide58.xml><?xml version="1.0" encoding="utf-8"?>
 <p:sld xmlns:a="http://schemas.openxmlformats.org/drawingml/2006/main" xmlns:r="http://schemas.openxmlformats.org/officeDocument/2006/relationships" xmlns:p="http://schemas.openxmlformats.org/presentationml/2006/main">
   <p:cSld>
     <p:spTree>
@@ -22987,7 +24019,11 @@
             <a:graphicFrameLocks/>
           </p:cNvGraphicFramePr>
           <p:nvPr>
-            <p:extLst/>
+            <p:extLst>
+              <p:ext uri="{D42A27DB-BD31-4B8C-83A1-F6EECF244321}">
+                <p14:modId xmlns:p14="http://schemas.microsoft.com/office/powerpoint/2010/main" val="3366104223"/>
+              </p:ext>
+            </p:extLst>
           </p:nvPr>
         </p:nvGraphicFramePr>
         <p:xfrm>
@@ -23086,7 +24122,7 @@
                         <a:t>" </a:t>
                       </a:r>
                       <a:r>
-                        <a:rPr lang="en-US" altLang="zh-TW" sz="2400" kern="1200" dirty="0" err="1" smtClean="0">
+                        <a:rPr lang="en-US" altLang="zh-TW" sz="2400" b="1" kern="1200" dirty="0" err="1" smtClean="0">
                           <a:solidFill>
                             <a:schemeClr val="tx1"/>
                           </a:solidFill>
@@ -23119,7 +24155,31 @@
                           <a:ea typeface="+mn-ea"/>
                           <a:cs typeface="+mn-cs"/>
                         </a:rPr>
-                        <a:t>quot;data</a:t>
+                        <a:t>quot;</a:t>
+                      </a:r>
+                      <a:r>
+                        <a:rPr lang="en-US" altLang="zh-TW" sz="2400" b="1" kern="1200" dirty="0" err="1" smtClean="0">
+                          <a:solidFill>
+                            <a:schemeClr val="tx1"/>
+                          </a:solidFill>
+                          <a:effectLst/>
+                          <a:latin typeface="+mn-lt"/>
+                          <a:ea typeface="+mn-ea"/>
+                          <a:cs typeface="+mn-cs"/>
+                        </a:rPr>
+                        <a:t>data</a:t>
+                      </a:r>
+                      <a:r>
+                        <a:rPr lang="en-US" altLang="zh-TW" sz="2400" b="1" kern="1200" dirty="0" smtClean="0">
+                          <a:solidFill>
+                            <a:schemeClr val="tx1"/>
+                          </a:solidFill>
+                          <a:effectLst/>
+                          <a:latin typeface="+mn-lt"/>
+                          <a:ea typeface="+mn-ea"/>
+                          <a:cs typeface="+mn-cs"/>
+                        </a:rPr>
+                        <a:t> source</a:t>
                       </a:r>
                       <a:r>
                         <a:rPr lang="en-US" altLang="zh-TW" sz="2400" kern="1200" dirty="0" smtClean="0">
@@ -23131,7 +24191,7 @@
                           <a:ea typeface="+mn-ea"/>
                           <a:cs typeface="+mn-cs"/>
                         </a:rPr>
-                        <a:t> source=AMY\</a:t>
+                        <a:t>=AMY\</a:t>
                       </a:r>
                       <a:r>
                         <a:rPr lang="en-US" altLang="zh-TW" sz="2400" kern="1200" dirty="0" err="1" smtClean="0">
@@ -23155,7 +24215,31 @@
                           <a:ea typeface="+mn-ea"/>
                           <a:cs typeface="+mn-cs"/>
                         </a:rPr>
-                        <a:t> catalog=</a:t>
+                        <a:t> </a:t>
+                      </a:r>
+                      <a:r>
+                        <a:rPr lang="en-US" altLang="zh-TW" sz="2400" b="1" kern="1200" dirty="0" smtClean="0">
+                          <a:solidFill>
+                            <a:schemeClr val="tx1"/>
+                          </a:solidFill>
+                          <a:effectLst/>
+                          <a:latin typeface="+mn-lt"/>
+                          <a:ea typeface="+mn-ea"/>
+                          <a:cs typeface="+mn-cs"/>
+                        </a:rPr>
+                        <a:t>catalog</a:t>
+                      </a:r>
+                      <a:r>
+                        <a:rPr lang="en-US" altLang="zh-TW" sz="2400" kern="1200" dirty="0" smtClean="0">
+                          <a:solidFill>
+                            <a:schemeClr val="tx1"/>
+                          </a:solidFill>
+                          <a:effectLst/>
+                          <a:latin typeface="+mn-lt"/>
+                          <a:ea typeface="+mn-ea"/>
+                          <a:cs typeface="+mn-cs"/>
+                        </a:rPr>
+                        <a:t>=</a:t>
                       </a:r>
                       <a:r>
                         <a:rPr lang="en-US" altLang="zh-TW" sz="2400" kern="1200" dirty="0" err="1" smtClean="0">
@@ -23167,7 +24251,31 @@
                           <a:ea typeface="+mn-ea"/>
                           <a:cs typeface="+mn-cs"/>
                         </a:rPr>
-                        <a:t>Northwind;user</a:t>
+                        <a:t>Northwind;</a:t>
+                      </a:r>
+                      <a:r>
+                        <a:rPr lang="en-US" altLang="zh-TW" sz="2400" b="1" kern="1200" dirty="0" err="1" smtClean="0">
+                          <a:solidFill>
+                            <a:schemeClr val="tx1"/>
+                          </a:solidFill>
+                          <a:effectLst/>
+                          <a:latin typeface="+mn-lt"/>
+                          <a:ea typeface="+mn-ea"/>
+                          <a:cs typeface="+mn-cs"/>
+                        </a:rPr>
+                        <a:t>user</a:t>
+                      </a:r>
+                      <a:r>
+                        <a:rPr lang="en-US" altLang="zh-TW" sz="2400" b="1" kern="1200" dirty="0" smtClean="0">
+                          <a:solidFill>
+                            <a:schemeClr val="tx1"/>
+                          </a:solidFill>
+                          <a:effectLst/>
+                          <a:latin typeface="+mn-lt"/>
+                          <a:ea typeface="+mn-ea"/>
+                          <a:cs typeface="+mn-cs"/>
+                        </a:rPr>
+                        <a:t> id</a:t>
                       </a:r>
                       <a:r>
                         <a:rPr lang="en-US" altLang="zh-TW" sz="2400" kern="1200" dirty="0" smtClean="0">
@@ -23179,10 +24287,10 @@
                           <a:ea typeface="+mn-ea"/>
                           <a:cs typeface="+mn-cs"/>
                         </a:rPr>
-                        <a:t> id=</a:t>
-                      </a:r>
-                      <a:r>
-                        <a:rPr lang="en-US" altLang="zh-TW" sz="2400" kern="1200" dirty="0" err="1" smtClean="0">
+                        <a:t>=amy;</a:t>
+                      </a:r>
+                      <a:r>
+                        <a:rPr lang="en-US" altLang="zh-TW" sz="2400" b="1" kern="1200" dirty="0" smtClean="0">
                           <a:solidFill>
                             <a:schemeClr val="tx1"/>
                           </a:solidFill>
@@ -23191,7 +24299,7 @@
                           <a:ea typeface="+mn-ea"/>
                           <a:cs typeface="+mn-cs"/>
                         </a:rPr>
-                        <a:t>amy;password</a:t>
+                        <a:t>password</a:t>
                       </a:r>
                       <a:r>
                         <a:rPr lang="en-US" altLang="zh-TW" sz="2400" kern="1200" dirty="0" smtClean="0">
@@ -23411,7 +24519,7 @@
 </p:sld>
 </file>
 
-<file path=ppt/slides/slide56.xml><?xml version="1.0" encoding="utf-8"?>
+<file path=ppt/slides/slide59.xml><?xml version="1.0" encoding="utf-8"?>
 <p:sld xmlns:a="http://schemas.openxmlformats.org/drawingml/2006/main" xmlns:r="http://schemas.openxmlformats.org/officeDocument/2006/relationships" xmlns:p="http://schemas.openxmlformats.org/presentationml/2006/main">
   <p:cSld>
     <p:spTree>
@@ -23553,7 +24661,340 @@
 </p:sld>
 </file>
 
-<file path=ppt/slides/slide57.xml><?xml version="1.0" encoding="utf-8"?>
+<file path=ppt/slides/slide6.xml><?xml version="1.0" encoding="utf-8"?>
+<p:sld xmlns:a="http://schemas.openxmlformats.org/drawingml/2006/main" xmlns:r="http://schemas.openxmlformats.org/officeDocument/2006/relationships" xmlns:p="http://schemas.openxmlformats.org/presentationml/2006/main">
+  <p:cSld>
+    <p:spTree>
+      <p:nvGrpSpPr>
+        <p:cNvPr id="1" name=""/>
+        <p:cNvGrpSpPr/>
+        <p:nvPr/>
+      </p:nvGrpSpPr>
+      <p:grpSpPr>
+        <a:xfrm>
+          <a:off x="0" y="0"/>
+          <a:ext cx="0" cy="0"/>
+          <a:chOff x="0" y="0"/>
+          <a:chExt cx="0" cy="0"/>
+        </a:xfrm>
+      </p:grpSpPr>
+      <p:sp>
+        <p:nvSpPr>
+          <p:cNvPr id="3" name="內容版面配置區 2"/>
+          <p:cNvSpPr>
+            <a:spLocks noGrp="1"/>
+          </p:cNvSpPr>
+          <p:nvPr>
+            <p:ph idx="1"/>
+          </p:nvPr>
+        </p:nvSpPr>
+        <p:spPr>
+          <a:xfrm>
+            <a:off x="810491" y="689553"/>
+            <a:ext cx="10494818" cy="5822084"/>
+          </a:xfrm>
+        </p:spPr>
+        <p:txBody>
+          <a:bodyPr>
+            <a:noAutofit/>
+          </a:bodyPr>
+          <a:lstStyle/>
+          <a:p>
+            <a:r>
+              <a:rPr lang="en-US" altLang="zh-TW" sz="3200" dirty="0" smtClean="0">
+                <a:latin typeface="微軟正黑體" panose="020B0604030504040204" pitchFamily="34" charset="-120"/>
+                <a:ea typeface="微軟正黑體" panose="020B0604030504040204" pitchFamily="34" charset="-120"/>
+              </a:rPr>
+              <a:t>Visual Studio 2017/2019/2022</a:t>
+            </a:r>
+          </a:p>
+          <a:p>
+            <a:r>
+              <a:rPr lang="en-US" altLang="zh-TW" sz="3200" dirty="0" smtClean="0">
+                <a:latin typeface="微軟正黑體" panose="020B0604030504040204" pitchFamily="34" charset="-120"/>
+                <a:ea typeface="微軟正黑體" panose="020B0604030504040204" pitchFamily="34" charset="-120"/>
+              </a:rPr>
+              <a:t>SQL</a:t>
+            </a:r>
+            <a:r>
+              <a:rPr lang="zh-TW" altLang="en-US" sz="3200" dirty="0" smtClean="0">
+                <a:latin typeface="微軟正黑體" panose="020B0604030504040204" pitchFamily="34" charset="-120"/>
+                <a:ea typeface="微軟正黑體" panose="020B0604030504040204" pitchFamily="34" charset="-120"/>
+              </a:rPr>
+              <a:t> </a:t>
+            </a:r>
+            <a:r>
+              <a:rPr lang="en-US" altLang="zh-TW" sz="3200" dirty="0" smtClean="0">
+                <a:latin typeface="微軟正黑體" panose="020B0604030504040204" pitchFamily="34" charset="-120"/>
+                <a:ea typeface="微軟正黑體" panose="020B0604030504040204" pitchFamily="34" charset="-120"/>
+              </a:rPr>
+              <a:t>Server</a:t>
+            </a:r>
+          </a:p>
+          <a:p>
+            <a:r>
+              <a:rPr lang="en-US" altLang="zh-TW" sz="3200" dirty="0" smtClean="0">
+                <a:latin typeface="微軟正黑體" panose="020B0604030504040204" pitchFamily="34" charset="-120"/>
+                <a:ea typeface="微軟正黑體" panose="020B0604030504040204" pitchFamily="34" charset="-120"/>
+              </a:rPr>
+              <a:t>SDK</a:t>
+            </a:r>
+          </a:p>
+          <a:p>
+            <a:pPr lvl="1"/>
+            <a:r>
+              <a:rPr lang="zh-TW" altLang="en-US" sz="3200" dirty="0" smtClean="0">
+                <a:latin typeface="微軟正黑體" panose="020B0604030504040204" pitchFamily="34" charset="-120"/>
+                <a:ea typeface="微軟正黑體" panose="020B0604030504040204" pitchFamily="34" charset="-120"/>
+                <a:hlinkClick r:id="rId3"/>
+              </a:rPr>
+              <a:t>下載列表</a:t>
+            </a:r>
+            <a:endParaRPr lang="en-US" altLang="zh-TW" sz="3200" dirty="0" smtClean="0">
+              <a:latin typeface="微軟正黑體" panose="020B0604030504040204" pitchFamily="34" charset="-120"/>
+              <a:ea typeface="微軟正黑體" panose="020B0604030504040204" pitchFamily="34" charset="-120"/>
+            </a:endParaRPr>
+          </a:p>
+          <a:p>
+            <a:pPr lvl="1"/>
+            <a:r>
+              <a:rPr lang="en-US" altLang="zh-TW" sz="3200" dirty="0" smtClean="0">
+                <a:latin typeface="微軟正黑體" panose="020B0604030504040204" pitchFamily="34" charset="-120"/>
+                <a:ea typeface="微軟正黑體" panose="020B0604030504040204" pitchFamily="34" charset="-120"/>
+              </a:rPr>
+              <a:t>.NET</a:t>
+            </a:r>
+            <a:r>
+              <a:rPr lang="zh-TW" altLang="en-US" sz="3200" dirty="0" smtClean="0">
+                <a:latin typeface="微軟正黑體" panose="020B0604030504040204" pitchFamily="34" charset="-120"/>
+                <a:ea typeface="微軟正黑體" panose="020B0604030504040204" pitchFamily="34" charset="-120"/>
+              </a:rPr>
+              <a:t> </a:t>
+            </a:r>
+            <a:r>
+              <a:rPr lang="en-US" altLang="zh-TW" sz="3200" dirty="0">
+                <a:latin typeface="微軟正黑體" panose="020B0604030504040204" pitchFamily="34" charset="-120"/>
+                <a:ea typeface="微軟正黑體" panose="020B0604030504040204" pitchFamily="34" charset="-120"/>
+              </a:rPr>
+              <a:t>framework</a:t>
+            </a:r>
+            <a:r>
+              <a:rPr lang="zh-TW" altLang="en-US" sz="3200" dirty="0" smtClean="0">
+                <a:latin typeface="微軟正黑體" panose="020B0604030504040204" pitchFamily="34" charset="-120"/>
+                <a:ea typeface="微軟正黑體" panose="020B0604030504040204" pitchFamily="34" charset="-120"/>
+              </a:rPr>
+              <a:t>的話需安裝</a:t>
+            </a:r>
+            <a:r>
+              <a:rPr lang="en-US" altLang="zh-TW" sz="3200" dirty="0">
+                <a:latin typeface="微軟正黑體" panose="020B0604030504040204" pitchFamily="34" charset="-120"/>
+                <a:ea typeface="微軟正黑體" panose="020B0604030504040204" pitchFamily="34" charset="-120"/>
+              </a:rPr>
+              <a:t> </a:t>
+            </a:r>
+            <a:r>
+              <a:rPr lang="en-US" altLang="zh-TW" sz="3200" dirty="0" smtClean="0">
+                <a:latin typeface="微軟正黑體" panose="020B0604030504040204" pitchFamily="34" charset="-120"/>
+                <a:ea typeface="微軟正黑體" panose="020B0604030504040204" pitchFamily="34" charset="-120"/>
+              </a:rPr>
+              <a:t>.NET 4.5 framework</a:t>
+            </a:r>
+            <a:endParaRPr lang="en-US" altLang="zh-TW" sz="3200" dirty="0">
+              <a:latin typeface="微軟正黑體" panose="020B0604030504040204" pitchFamily="34" charset="-120"/>
+              <a:ea typeface="微軟正黑體" panose="020B0604030504040204" pitchFamily="34" charset="-120"/>
+            </a:endParaRPr>
+          </a:p>
+          <a:p>
+            <a:pPr lvl="1"/>
+            <a:r>
+              <a:rPr lang="en-US" altLang="zh-TW" sz="3200" dirty="0">
+                <a:latin typeface="微軟正黑體" panose="020B0604030504040204" pitchFamily="34" charset="-120"/>
+                <a:ea typeface="微軟正黑體" panose="020B0604030504040204" pitchFamily="34" charset="-120"/>
+              </a:rPr>
+              <a:t>.NET </a:t>
+            </a:r>
+            <a:r>
+              <a:rPr lang="en-US" altLang="zh-TW" sz="3200" dirty="0" smtClean="0">
+                <a:latin typeface="微軟正黑體" panose="020B0604030504040204" pitchFamily="34" charset="-120"/>
+                <a:ea typeface="微軟正黑體" panose="020B0604030504040204" pitchFamily="34" charset="-120"/>
+              </a:rPr>
+              <a:t>Core</a:t>
+            </a:r>
+            <a:r>
+              <a:rPr lang="zh-TW" altLang="en-US" sz="3200" dirty="0" smtClean="0">
+                <a:latin typeface="微軟正黑體" panose="020B0604030504040204" pitchFamily="34" charset="-120"/>
+                <a:ea typeface="微軟正黑體" panose="020B0604030504040204" pitchFamily="34" charset="-120"/>
+              </a:rPr>
+              <a:t>的話</a:t>
+            </a:r>
+            <a:r>
+              <a:rPr lang="zh-TW" altLang="en-US" sz="3200" dirty="0">
+                <a:latin typeface="微軟正黑體" panose="020B0604030504040204" pitchFamily="34" charset="-120"/>
+                <a:ea typeface="微軟正黑體" panose="020B0604030504040204" pitchFamily="34" charset="-120"/>
+              </a:rPr>
+              <a:t>需安裝</a:t>
+            </a:r>
+            <a:r>
+              <a:rPr lang="en-US" altLang="zh-TW" sz="3200" dirty="0">
+                <a:latin typeface="微軟正黑體" panose="020B0604030504040204" pitchFamily="34" charset="-120"/>
+                <a:ea typeface="微軟正黑體" panose="020B0604030504040204" pitchFamily="34" charset="-120"/>
+              </a:rPr>
+              <a:t> .NET </a:t>
+            </a:r>
+            <a:r>
+              <a:rPr lang="en-US" altLang="zh-TW" sz="3200" dirty="0" smtClean="0">
+                <a:latin typeface="微軟正黑體" panose="020B0604030504040204" pitchFamily="34" charset="-120"/>
+                <a:ea typeface="微軟正黑體" panose="020B0604030504040204" pitchFamily="34" charset="-120"/>
+              </a:rPr>
+              <a:t>5 framework</a:t>
+            </a:r>
+            <a:endParaRPr lang="en-US" altLang="zh-TW" sz="3200" dirty="0">
+              <a:latin typeface="微軟正黑體" panose="020B0604030504040204" pitchFamily="34" charset="-120"/>
+              <a:ea typeface="微軟正黑體" panose="020B0604030504040204" pitchFamily="34" charset="-120"/>
+            </a:endParaRPr>
+          </a:p>
+          <a:p>
+            <a:pPr lvl="1"/>
+            <a:endParaRPr lang="zh-TW" altLang="en-US" sz="3200" dirty="0" smtClean="0">
+              <a:latin typeface="微軟正黑體" panose="020B0604030504040204" pitchFamily="34" charset="-120"/>
+              <a:ea typeface="微軟正黑體" panose="020B0604030504040204" pitchFamily="34" charset="-120"/>
+              <a:hlinkClick r:id="rId4"/>
+            </a:endParaRPr>
+          </a:p>
+          <a:p>
+            <a:r>
+              <a:rPr lang="zh-TW" altLang="en-US" sz="3200" dirty="0" smtClean="0">
+                <a:latin typeface="微軟正黑體" panose="020B0604030504040204" pitchFamily="34" charset="-120"/>
+                <a:ea typeface="微軟正黑體" panose="020B0604030504040204" pitchFamily="34" charset="-120"/>
+              </a:rPr>
+              <a:t>工具安裝：</a:t>
+            </a:r>
+            <a:r>
+              <a:rPr lang="en-US" altLang="zh-TW" sz="3200" dirty="0" smtClean="0">
+                <a:latin typeface="微軟正黑體" panose="020B0604030504040204" pitchFamily="34" charset="-120"/>
+                <a:ea typeface="微軟正黑體" panose="020B0604030504040204" pitchFamily="34" charset="-120"/>
+              </a:rPr>
+              <a:t>postman</a:t>
+            </a:r>
+          </a:p>
+          <a:p>
+            <a:pPr lvl="1"/>
+            <a:r>
+              <a:rPr lang="zh-TW" altLang="en-US" sz="3200" dirty="0" smtClean="0">
+                <a:latin typeface="微軟正黑體" panose="020B0604030504040204" pitchFamily="34" charset="-120"/>
+                <a:ea typeface="微軟正黑體" panose="020B0604030504040204" pitchFamily="34" charset="-120"/>
+              </a:rPr>
+              <a:t>網頁版</a:t>
+            </a:r>
+            <a:r>
+              <a:rPr lang="en-US" altLang="zh-TW" sz="3200" dirty="0" smtClean="0">
+                <a:latin typeface="微軟正黑體" panose="020B0604030504040204" pitchFamily="34" charset="-120"/>
+                <a:ea typeface="微軟正黑體" panose="020B0604030504040204" pitchFamily="34" charset="-120"/>
+              </a:rPr>
+              <a:t>(Chrome App)</a:t>
+            </a:r>
+          </a:p>
+          <a:p>
+            <a:pPr lvl="1"/>
+            <a:r>
+              <a:rPr lang="zh-TW" altLang="en-US" sz="3200" dirty="0" smtClean="0">
+                <a:latin typeface="微軟正黑體" panose="020B0604030504040204" pitchFamily="34" charset="-120"/>
+                <a:ea typeface="微軟正黑體" panose="020B0604030504040204" pitchFamily="34" charset="-120"/>
+                <a:hlinkClick r:id="rId5"/>
+              </a:rPr>
+              <a:t>桌面版</a:t>
+            </a:r>
+            <a:r>
+              <a:rPr lang="en-US" altLang="zh-TW" sz="3200" dirty="0" smtClean="0">
+                <a:latin typeface="微軟正黑體" panose="020B0604030504040204" pitchFamily="34" charset="-120"/>
+                <a:ea typeface="微軟正黑體" panose="020B0604030504040204" pitchFamily="34" charset="-120"/>
+              </a:rPr>
+              <a:t>(</a:t>
+            </a:r>
+            <a:r>
+              <a:rPr lang="zh-TW" altLang="en-US" sz="3200" dirty="0" smtClean="0">
+                <a:latin typeface="微軟正黑體" panose="020B0604030504040204" pitchFamily="34" charset="-120"/>
+                <a:ea typeface="微軟正黑體" panose="020B0604030504040204" pitchFamily="34" charset="-120"/>
+              </a:rPr>
+              <a:t>支援</a:t>
+            </a:r>
+            <a:r>
+              <a:rPr lang="en-US" altLang="zh-TW" sz="3200" dirty="0" smtClean="0">
+                <a:latin typeface="微軟正黑體" panose="020B0604030504040204" pitchFamily="34" charset="-120"/>
+                <a:ea typeface="微軟正黑體" panose="020B0604030504040204" pitchFamily="34" charset="-120"/>
+              </a:rPr>
+              <a:t>Windows</a:t>
+            </a:r>
+            <a:r>
+              <a:rPr lang="zh-TW" altLang="en-US" sz="3200" dirty="0" smtClean="0">
+                <a:latin typeface="微軟正黑體" panose="020B0604030504040204" pitchFamily="34" charset="-120"/>
+                <a:ea typeface="微軟正黑體" panose="020B0604030504040204" pitchFamily="34" charset="-120"/>
+              </a:rPr>
+              <a:t>、</a:t>
+            </a:r>
+            <a:r>
+              <a:rPr lang="en-US" altLang="zh-TW" sz="3200" dirty="0" smtClean="0">
+                <a:latin typeface="微軟正黑體" panose="020B0604030504040204" pitchFamily="34" charset="-120"/>
+                <a:ea typeface="微軟正黑體" panose="020B0604030504040204" pitchFamily="34" charset="-120"/>
+              </a:rPr>
+              <a:t>Mac</a:t>
+            </a:r>
+            <a:r>
+              <a:rPr lang="zh-TW" altLang="en-US" sz="3200" dirty="0" smtClean="0">
+                <a:latin typeface="微軟正黑體" panose="020B0604030504040204" pitchFamily="34" charset="-120"/>
+                <a:ea typeface="微軟正黑體" panose="020B0604030504040204" pitchFamily="34" charset="-120"/>
+              </a:rPr>
+              <a:t>、</a:t>
+            </a:r>
+            <a:r>
+              <a:rPr lang="en-US" altLang="zh-TW" sz="3200" dirty="0" smtClean="0">
+                <a:latin typeface="微軟正黑體" panose="020B0604030504040204" pitchFamily="34" charset="-120"/>
+                <a:ea typeface="微軟正黑體" panose="020B0604030504040204" pitchFamily="34" charset="-120"/>
+              </a:rPr>
+              <a:t>Linux</a:t>
+            </a:r>
+            <a:r>
+              <a:rPr lang="zh-TW" altLang="en-US" sz="3200" dirty="0" smtClean="0">
+                <a:latin typeface="微軟正黑體" panose="020B0604030504040204" pitchFamily="34" charset="-120"/>
+                <a:ea typeface="微軟正黑體" panose="020B0604030504040204" pitchFamily="34" charset="-120"/>
+              </a:rPr>
+              <a:t>平台安裝</a:t>
+            </a:r>
+            <a:r>
+              <a:rPr lang="en-US" altLang="zh-TW" sz="3200" dirty="0" smtClean="0">
+                <a:latin typeface="微軟正黑體" panose="020B0604030504040204" pitchFamily="34" charset="-120"/>
+                <a:ea typeface="微軟正黑體" panose="020B0604030504040204" pitchFamily="34" charset="-120"/>
+              </a:rPr>
+              <a:t>)</a:t>
+            </a:r>
+            <a:endParaRPr lang="zh-TW" altLang="en-US" sz="3200" dirty="0">
+              <a:latin typeface="微軟正黑體" panose="020B0604030504040204" pitchFamily="34" charset="-120"/>
+              <a:ea typeface="微軟正黑體" panose="020B0604030504040204" pitchFamily="34" charset="-120"/>
+            </a:endParaRPr>
+          </a:p>
+        </p:txBody>
+      </p:sp>
+    </p:spTree>
+    <p:extLst>
+      <p:ext uri="{BB962C8B-B14F-4D97-AF65-F5344CB8AC3E}">
+        <p14:creationId xmlns:p14="http://schemas.microsoft.com/office/powerpoint/2010/main" val="325355253"/>
+      </p:ext>
+    </p:extLst>
+  </p:cSld>
+  <p:clrMapOvr>
+    <a:masterClrMapping/>
+  </p:clrMapOvr>
+  <p:timing>
+    <p:tnLst>
+      <p:par>
+        <p:cTn id="1" dur="indefinite" restart="never" nodeType="tmRoot"/>
+      </p:par>
+    </p:tnLst>
+  </p:timing>
+</p:sld>
+</file>
+
+<file path=ppt/slides/slide60.xml><?xml version="1.0" encoding="utf-8"?>
 <p:sld xmlns:a="http://schemas.openxmlformats.org/drawingml/2006/main" xmlns:r="http://schemas.openxmlformats.org/officeDocument/2006/relationships" xmlns:p="http://schemas.openxmlformats.org/presentationml/2006/main">
   <p:cSld>
     <p:spTree>
@@ -23730,7 +25171,7 @@
 </p:sld>
 </file>
 
-<file path=ppt/slides/slide58.xml><?xml version="1.0" encoding="utf-8"?>
+<file path=ppt/slides/slide61.xml><?xml version="1.0" encoding="utf-8"?>
 <p:sld xmlns:a="http://schemas.openxmlformats.org/drawingml/2006/main" xmlns:r="http://schemas.openxmlformats.org/officeDocument/2006/relationships" xmlns:p="http://schemas.openxmlformats.org/presentationml/2006/main">
   <p:cSld>
     <p:spTree>
@@ -23829,7 +25270,7 @@
 </p:sld>
 </file>
 
-<file path=ppt/slides/slide59.xml><?xml version="1.0" encoding="utf-8"?>
+<file path=ppt/slides/slide62.xml><?xml version="1.0" encoding="utf-8"?>
 <p:sld xmlns:a="http://schemas.openxmlformats.org/drawingml/2006/main" xmlns:r="http://schemas.openxmlformats.org/officeDocument/2006/relationships" xmlns:p="http://schemas.openxmlformats.org/presentationml/2006/main">
   <p:cSld>
     <p:spTree>
@@ -24085,112 +25526,7 @@
 </p:sld>
 </file>
 
-<file path=ppt/slides/slide6.xml><?xml version="1.0" encoding="utf-8"?>
-<p:sld xmlns:a="http://schemas.openxmlformats.org/drawingml/2006/main" xmlns:r="http://schemas.openxmlformats.org/officeDocument/2006/relationships" xmlns:p="http://schemas.openxmlformats.org/presentationml/2006/main">
-  <p:cSld>
-    <p:spTree>
-      <p:nvGrpSpPr>
-        <p:cNvPr id="1" name=""/>
-        <p:cNvGrpSpPr/>
-        <p:nvPr/>
-      </p:nvGrpSpPr>
-      <p:grpSpPr>
-        <a:xfrm>
-          <a:off x="0" y="0"/>
-          <a:ext cx="0" cy="0"/>
-          <a:chOff x="0" y="0"/>
-          <a:chExt cx="0" cy="0"/>
-        </a:xfrm>
-      </p:grpSpPr>
-      <p:sp>
-        <p:nvSpPr>
-          <p:cNvPr id="2" name="標題 1"/>
-          <p:cNvSpPr>
-            <a:spLocks noGrp="1"/>
-          </p:cNvSpPr>
-          <p:nvPr>
-            <p:ph type="title"/>
-          </p:nvPr>
-        </p:nvSpPr>
-        <p:spPr>
-          <a:xfrm>
-            <a:off x="0" y="0"/>
-            <a:ext cx="12191999" cy="1325563"/>
-          </a:xfrm>
-        </p:spPr>
-        <p:txBody>
-          <a:bodyPr>
-            <a:normAutofit/>
-          </a:bodyPr>
-          <a:lstStyle/>
-          <a:p>
-            <a:pPr algn="ctr"/>
-            <a:r>
-              <a:rPr lang="en-US" altLang="zh-TW" sz="3200" dirty="0" smtClean="0">
-                <a:latin typeface="微軟正黑體" panose="020B0604030504040204" pitchFamily="34" charset="-120"/>
-                <a:ea typeface="微軟正黑體" panose="020B0604030504040204" pitchFamily="34" charset="-120"/>
-              </a:rPr>
-              <a:t>SDK</a:t>
-            </a:r>
-            <a:r>
-              <a:rPr lang="zh-TW" altLang="en-US" sz="3200" dirty="0" smtClean="0">
-                <a:latin typeface="微軟正黑體" panose="020B0604030504040204" pitchFamily="34" charset="-120"/>
-                <a:ea typeface="微軟正黑體" panose="020B0604030504040204" pitchFamily="34" charset="-120"/>
-              </a:rPr>
-              <a:t>安裝方式二</a:t>
-            </a:r>
-            <a:endParaRPr lang="zh-TW" altLang="en-US" sz="3200" dirty="0">
-              <a:latin typeface="微軟正黑體" panose="020B0604030504040204" pitchFamily="34" charset="-120"/>
-              <a:ea typeface="微軟正黑體" panose="020B0604030504040204" pitchFamily="34" charset="-120"/>
-            </a:endParaRPr>
-          </a:p>
-        </p:txBody>
-      </p:sp>
-      <p:pic>
-        <p:nvPicPr>
-          <p:cNvPr id="11" name="圖片 10"/>
-          <p:cNvPicPr>
-            <a:picLocks noChangeAspect="1"/>
-          </p:cNvPicPr>
-          <p:nvPr/>
-        </p:nvPicPr>
-        <p:blipFill>
-          <a:blip r:embed="rId3"/>
-          <a:stretch>
-            <a:fillRect/>
-          </a:stretch>
-        </p:blipFill>
-        <p:spPr>
-          <a:xfrm>
-            <a:off x="2019770" y="1205345"/>
-            <a:ext cx="8152458" cy="5652655"/>
-          </a:xfrm>
-          <a:prstGeom prst="rect">
-            <a:avLst/>
-          </a:prstGeom>
-        </p:spPr>
-      </p:pic>
-    </p:spTree>
-    <p:extLst>
-      <p:ext uri="{BB962C8B-B14F-4D97-AF65-F5344CB8AC3E}">
-        <p14:creationId xmlns:p14="http://schemas.microsoft.com/office/powerpoint/2010/main" val="4078539026"/>
-      </p:ext>
-    </p:extLst>
-  </p:cSld>
-  <p:clrMapOvr>
-    <a:masterClrMapping/>
-  </p:clrMapOvr>
-  <p:timing>
-    <p:tnLst>
-      <p:par>
-        <p:cTn id="1" dur="indefinite" restart="never" nodeType="tmRoot"/>
-      </p:par>
-    </p:tnLst>
-  </p:timing>
-</p:sld>
-</file>
-
-<file path=ppt/slides/slide60.xml><?xml version="1.0" encoding="utf-8"?>
+<file path=ppt/slides/slide63.xml><?xml version="1.0" encoding="utf-8"?>
 <p:sld xmlns:a="http://schemas.openxmlformats.org/drawingml/2006/main" xmlns:r="http://schemas.openxmlformats.org/officeDocument/2006/relationships" xmlns:p="http://schemas.openxmlformats.org/presentationml/2006/main">
   <p:cSld>
     <p:spTree>
@@ -24294,7 +25630,7 @@
 </p:sld>
 </file>
 
-<file path=ppt/slides/slide61.xml><?xml version="1.0" encoding="utf-8"?>
+<file path=ppt/slides/slide64.xml><?xml version="1.0" encoding="utf-8"?>
 <p:sld xmlns:a="http://schemas.openxmlformats.org/drawingml/2006/main" xmlns:r="http://schemas.openxmlformats.org/officeDocument/2006/relationships" xmlns:p="http://schemas.openxmlformats.org/presentationml/2006/main">
   <p:cSld>
     <p:spTree>
@@ -24390,6 +25726,11 @@
           </a:bodyPr>
           <a:lstStyle/>
           <a:p>
+            <a:pPr>
+              <a:lnSpc>
+                <a:spcPct val="100000"/>
+              </a:lnSpc>
+            </a:pPr>
             <a:r>
               <a:rPr lang="en-US" altLang="zh-TW" dirty="0"/>
               <a:t>CORS (Cross-Origin Resource Sharing</a:t>
@@ -24404,33 +25745,189 @@
             </a:r>
           </a:p>
           <a:p>
-            <a:r>
-              <a:rPr lang="zh-TW" altLang="en-US" dirty="0">
+            <a:pPr>
+              <a:lnSpc>
+                <a:spcPct val="100000"/>
+              </a:lnSpc>
+            </a:pPr>
+            <a:r>
+              <a:rPr lang="zh-TW" altLang="en-US" dirty="0" smtClean="0">
                 <a:latin typeface="微軟正黑體" panose="020B0604030504040204" pitchFamily="34" charset="-120"/>
                 <a:ea typeface="微軟正黑體" panose="020B0604030504040204" pitchFamily="34" charset="-120"/>
               </a:rPr>
               <a:t>認識</a:t>
             </a:r>
             <a:r>
-              <a:rPr lang="en-US" altLang="zh-TW" dirty="0">
+              <a:rPr lang="en-US" altLang="zh-TW" dirty="0" smtClean="0">
                 <a:latin typeface="微軟正黑體" panose="020B0604030504040204" pitchFamily="34" charset="-120"/>
                 <a:ea typeface="微軟正黑體" panose="020B0604030504040204" pitchFamily="34" charset="-120"/>
               </a:rPr>
               <a:t>CORS</a:t>
             </a:r>
             <a:r>
-              <a:rPr lang="zh-TW" altLang="en-US" dirty="0">
-                <a:latin typeface="微軟正黑體" panose="020B0604030504040204" pitchFamily="34" charset="-120"/>
-                <a:ea typeface="微軟正黑體" panose="020B0604030504040204" pitchFamily="34" charset="-120"/>
-              </a:rPr>
-              <a:t>前</a:t>
-            </a:r>
-            <a:r>
               <a:rPr lang="zh-TW" altLang="en-US" dirty="0" smtClean="0">
                 <a:latin typeface="微軟正黑體" panose="020B0604030504040204" pitchFamily="34" charset="-120"/>
                 <a:ea typeface="微軟正黑體" panose="020B0604030504040204" pitchFamily="34" charset="-120"/>
               </a:rPr>
-              <a:t>先了解：</a:t>
+              <a:t>前先了解：</a:t>
+            </a:r>
+            <a:endParaRPr lang="en-US" altLang="zh-TW" sz="2800" b="1" dirty="0">
+              <a:latin typeface="微軟正黑體" panose="020B0604030504040204" pitchFamily="34" charset="-120"/>
+              <a:ea typeface="微軟正黑體" panose="020B0604030504040204" pitchFamily="34" charset="-120"/>
+            </a:endParaRPr>
+          </a:p>
+          <a:p>
+            <a:pPr lvl="1">
+              <a:lnSpc>
+                <a:spcPct val="100000"/>
+              </a:lnSpc>
+            </a:pPr>
+            <a:r>
+              <a:rPr lang="en-US" altLang="zh-TW" sz="2800" b="1" dirty="0">
+                <a:latin typeface="微軟正黑體" panose="020B0604030504040204" pitchFamily="34" charset="-120"/>
+                <a:ea typeface="微軟正黑體" panose="020B0604030504040204" pitchFamily="34" charset="-120"/>
+              </a:rPr>
+              <a:t>SOP(Same-origin policy</a:t>
+            </a:r>
+            <a:r>
+              <a:rPr lang="zh-TW" altLang="en-US" sz="2800" b="1" dirty="0">
+                <a:latin typeface="微軟正黑體" panose="020B0604030504040204" pitchFamily="34" charset="-120"/>
+                <a:ea typeface="微軟正黑體" panose="020B0604030504040204" pitchFamily="34" charset="-120"/>
+              </a:rPr>
+              <a:t>，同源政策</a:t>
+            </a:r>
+            <a:r>
+              <a:rPr lang="en-US" altLang="zh-TW" sz="2800" b="1" dirty="0">
+                <a:latin typeface="微軟正黑體" panose="020B0604030504040204" pitchFamily="34" charset="-120"/>
+                <a:ea typeface="微軟正黑體" panose="020B0604030504040204" pitchFamily="34" charset="-120"/>
+              </a:rPr>
+              <a:t>)</a:t>
+            </a:r>
+            <a:r>
+              <a:rPr lang="zh-TW" altLang="en-US" sz="2800" dirty="0">
+                <a:latin typeface="微軟正黑體" panose="020B0604030504040204" pitchFamily="34" charset="-120"/>
+                <a:ea typeface="微軟正黑體" panose="020B0604030504040204" pitchFamily="34" charset="-120"/>
+              </a:rPr>
+              <a:t>：意即兩份網⾴具備相同協定、埠號 </a:t>
+            </a:r>
+            <a:r>
+              <a:rPr lang="en-US" altLang="zh-TW" sz="2800" dirty="0">
+                <a:latin typeface="微軟正黑體" panose="020B0604030504040204" pitchFamily="34" charset="-120"/>
+                <a:ea typeface="微軟正黑體" panose="020B0604030504040204" pitchFamily="34" charset="-120"/>
+              </a:rPr>
+              <a:t>(</a:t>
+            </a:r>
+            <a:r>
+              <a:rPr lang="zh-TW" altLang="en-US" sz="2800" dirty="0">
+                <a:latin typeface="微軟正黑體" panose="020B0604030504040204" pitchFamily="34" charset="-120"/>
+                <a:ea typeface="微軟正黑體" panose="020B0604030504040204" pitchFamily="34" charset="-120"/>
+              </a:rPr>
+              <a:t>如果有指定</a:t>
+            </a:r>
+            <a:r>
+              <a:rPr lang="en-US" altLang="zh-TW" sz="2800" dirty="0">
+                <a:latin typeface="微軟正黑體" panose="020B0604030504040204" pitchFamily="34" charset="-120"/>
+                <a:ea typeface="微軟正黑體" panose="020B0604030504040204" pitchFamily="34" charset="-120"/>
+              </a:rPr>
+              <a:t>) </a:t>
+            </a:r>
+            <a:r>
+              <a:rPr lang="zh-TW" altLang="en-US" sz="2800" dirty="0">
+                <a:latin typeface="微軟正黑體" panose="020B0604030504040204" pitchFamily="34" charset="-120"/>
+                <a:ea typeface="微軟正黑體" panose="020B0604030504040204" pitchFamily="34" charset="-120"/>
+              </a:rPr>
+              <a:t>以及主機 位置</a:t>
+            </a:r>
+            <a:r>
+              <a:rPr lang="en-US" altLang="zh-TW" sz="2800" dirty="0">
+                <a:latin typeface="微軟正黑體" panose="020B0604030504040204" pitchFamily="34" charset="-120"/>
+                <a:ea typeface="微軟正黑體" panose="020B0604030504040204" pitchFamily="34" charset="-120"/>
+              </a:rPr>
+              <a:t>(Domain)</a:t>
+            </a:r>
+            <a:r>
+              <a:rPr lang="zh-TW" altLang="en-US" sz="2800" dirty="0">
+                <a:latin typeface="微軟正黑體" panose="020B0604030504040204" pitchFamily="34" charset="-120"/>
+                <a:ea typeface="微軟正黑體" panose="020B0604030504040204" pitchFamily="34" charset="-120"/>
+              </a:rPr>
+              <a:t>，所以只要是 </a:t>
+            </a:r>
+            <a:r>
+              <a:rPr lang="en-US" altLang="zh-TW" sz="2800" dirty="0">
+                <a:latin typeface="微軟正黑體" panose="020B0604030504040204" pitchFamily="34" charset="-120"/>
+                <a:ea typeface="微軟正黑體" panose="020B0604030504040204" pitchFamily="34" charset="-120"/>
+              </a:rPr>
+              <a:t>Domain </a:t>
+            </a:r>
+            <a:r>
+              <a:rPr lang="zh-TW" altLang="en-US" sz="2800" dirty="0">
+                <a:latin typeface="微軟正黑體" panose="020B0604030504040204" pitchFamily="34" charset="-120"/>
+                <a:ea typeface="微軟正黑體" panose="020B0604030504040204" pitchFamily="34" charset="-120"/>
+              </a:rPr>
+              <a:t>不⼀樣，或者是⼀個⽤ </a:t>
+            </a:r>
+            <a:r>
+              <a:rPr lang="en-US" altLang="zh-TW" sz="2800" dirty="0">
+                <a:latin typeface="微軟正黑體" panose="020B0604030504040204" pitchFamily="34" charset="-120"/>
+                <a:ea typeface="微軟正黑體" panose="020B0604030504040204" pitchFamily="34" charset="-120"/>
+              </a:rPr>
+              <a:t>http </a:t>
+            </a:r>
+            <a:r>
+              <a:rPr lang="zh-TW" altLang="en-US" sz="2800" dirty="0">
+                <a:latin typeface="微軟正黑體" panose="020B0604030504040204" pitchFamily="34" charset="-120"/>
+                <a:ea typeface="微軟正黑體" panose="020B0604030504040204" pitchFamily="34" charset="-120"/>
+              </a:rPr>
+              <a:t>⼀個⽤ </a:t>
+            </a:r>
+            <a:r>
+              <a:rPr lang="en-US" altLang="zh-TW" sz="2800" dirty="0">
+                <a:latin typeface="微軟正黑體" panose="020B0604030504040204" pitchFamily="34" charset="-120"/>
+                <a:ea typeface="微軟正黑體" panose="020B0604030504040204" pitchFamily="34" charset="-120"/>
+              </a:rPr>
+              <a:t>https </a:t>
+            </a:r>
+            <a:r>
+              <a:rPr lang="zh-TW" altLang="en-US" sz="2800" dirty="0">
+                <a:latin typeface="微軟正黑體" panose="020B0604030504040204" pitchFamily="34" charset="-120"/>
+                <a:ea typeface="微軟正黑體" panose="020B0604030504040204" pitchFamily="34" charset="-120"/>
+              </a:rPr>
+              <a:t>，或者埠號</a:t>
+            </a:r>
+            <a:r>
+              <a:rPr lang="en-US" altLang="zh-TW" sz="2800" dirty="0">
+                <a:latin typeface="微軟正黑體" panose="020B0604030504040204" pitchFamily="34" charset="-120"/>
+                <a:ea typeface="微軟正黑體" panose="020B0604030504040204" pitchFamily="34" charset="-120"/>
+              </a:rPr>
+              <a:t>(port) </a:t>
+            </a:r>
+            <a:r>
+              <a:rPr lang="zh-TW" altLang="en-US" sz="2800" dirty="0">
+                <a:latin typeface="微軟正黑體" panose="020B0604030504040204" pitchFamily="34" charset="-120"/>
+                <a:ea typeface="微軟正黑體" panose="020B0604030504040204" pitchFamily="34" charset="-120"/>
+              </a:rPr>
+              <a:t>不⼀樣就是不同源</a:t>
+            </a:r>
+            <a:r>
+              <a:rPr lang="en-US" altLang="zh-TW" sz="2800" dirty="0">
+                <a:latin typeface="微軟正黑體" panose="020B0604030504040204" pitchFamily="34" charset="-120"/>
+                <a:ea typeface="微軟正黑體" panose="020B0604030504040204" pitchFamily="34" charset="-120"/>
+              </a:rPr>
+              <a:t>(</a:t>
+            </a:r>
+            <a:r>
+              <a:rPr lang="zh-TW" altLang="en-US" sz="2800" dirty="0">
+                <a:latin typeface="微軟正黑體" panose="020B0604030504040204" pitchFamily="34" charset="-120"/>
+                <a:ea typeface="微軟正黑體" panose="020B0604030504040204" pitchFamily="34" charset="-120"/>
+              </a:rPr>
+              <a:t>跨網域</a:t>
+            </a:r>
+            <a:r>
+              <a:rPr lang="en-US" altLang="zh-TW" sz="2800" dirty="0">
+                <a:latin typeface="微軟正黑體" panose="020B0604030504040204" pitchFamily="34" charset="-120"/>
+                <a:ea typeface="微軟正黑體" panose="020B0604030504040204" pitchFamily="34" charset="-120"/>
+              </a:rPr>
+              <a:t>)</a:t>
             </a:r>
             <a:endParaRPr lang="en-US" altLang="zh-TW" dirty="0" smtClean="0">
               <a:latin typeface="微軟正黑體" panose="020B0604030504040204" pitchFamily="34" charset="-120"/>
@@ -24438,13 +25935,24 @@
             </a:endParaRPr>
           </a:p>
           <a:p>
-            <a:pPr lvl="1"/>
+            <a:pPr lvl="1">
+              <a:lnSpc>
+                <a:spcPct val="100000"/>
+              </a:lnSpc>
+            </a:pPr>
+            <a:r>
+              <a:rPr lang="zh-TW" altLang="en-US" sz="2800" dirty="0" smtClean="0">
+                <a:latin typeface="微軟正黑體" panose="020B0604030504040204" pitchFamily="34" charset="-120"/>
+                <a:ea typeface="微軟正黑體" panose="020B0604030504040204" pitchFamily="34" charset="-120"/>
+              </a:rPr>
+              <a:t>瀏覽器</a:t>
+            </a:r>
             <a:r>
               <a:rPr lang="zh-TW" altLang="en-US" sz="2800" dirty="0">
                 <a:latin typeface="微軟正黑體" panose="020B0604030504040204" pitchFamily="34" charset="-120"/>
                 <a:ea typeface="微軟正黑體" panose="020B0604030504040204" pitchFamily="34" charset="-120"/>
               </a:rPr>
-              <a:t>瀏覽器因為安全性的考量，有⼀個東⻄叫做</a:t>
+              <a:t>因為安全性的考量，有⼀個東⻄叫做</a:t>
             </a:r>
             <a:r>
               <a:rPr lang="zh-TW" altLang="en-US" sz="2800" b="1" dirty="0">
@@ -24579,167 +26087,6 @@
                 <a:ea typeface="微軟正黑體" panose="020B0604030504040204" pitchFamily="34" charset="-120"/>
               </a:rPr>
               <a:t>。</a:t>
-            </a:r>
-            <a:endParaRPr lang="en-US" altLang="zh-TW" sz="2800" b="1" dirty="0" smtClean="0">
-              <a:latin typeface="微軟正黑體" panose="020B0604030504040204" pitchFamily="34" charset="-120"/>
-              <a:ea typeface="微軟正黑體" panose="020B0604030504040204" pitchFamily="34" charset="-120"/>
-            </a:endParaRPr>
-          </a:p>
-          <a:p>
-            <a:pPr lvl="1"/>
-            <a:r>
-              <a:rPr lang="en-US" altLang="zh-TW" sz="2800" b="1" dirty="0">
-                <a:latin typeface="微軟正黑體" panose="020B0604030504040204" pitchFamily="34" charset="-120"/>
-                <a:ea typeface="微軟正黑體" panose="020B0604030504040204" pitchFamily="34" charset="-120"/>
-              </a:rPr>
-              <a:t>SOP(Same-origin policy</a:t>
-            </a:r>
-            <a:r>
-              <a:rPr lang="zh-TW" altLang="en-US" sz="2800" b="1" dirty="0">
-                <a:latin typeface="微軟正黑體" panose="020B0604030504040204" pitchFamily="34" charset="-120"/>
-                <a:ea typeface="微軟正黑體" panose="020B0604030504040204" pitchFamily="34" charset="-120"/>
-              </a:rPr>
-              <a:t>，同源政策</a:t>
-            </a:r>
-            <a:r>
-              <a:rPr lang="en-US" altLang="zh-TW" sz="2800" b="1" dirty="0">
-                <a:latin typeface="微軟正黑體" panose="020B0604030504040204" pitchFamily="34" charset="-120"/>
-                <a:ea typeface="微軟正黑體" panose="020B0604030504040204" pitchFamily="34" charset="-120"/>
-              </a:rPr>
-              <a:t>)</a:t>
-            </a:r>
-            <a:r>
-              <a:rPr lang="zh-TW" altLang="en-US" sz="2800" dirty="0">
-                <a:latin typeface="微軟正黑體" panose="020B0604030504040204" pitchFamily="34" charset="-120"/>
-                <a:ea typeface="微軟正黑體" panose="020B0604030504040204" pitchFamily="34" charset="-120"/>
-              </a:rPr>
-              <a:t>：意即兩份網⾴具備相同協定、埠號 </a:t>
-            </a:r>
-            <a:r>
-              <a:rPr lang="en-US" altLang="zh-TW" sz="2800" dirty="0">
-                <a:latin typeface="微軟正黑體" panose="020B0604030504040204" pitchFamily="34" charset="-120"/>
-                <a:ea typeface="微軟正黑體" panose="020B0604030504040204" pitchFamily="34" charset="-120"/>
-              </a:rPr>
-              <a:t>(</a:t>
-            </a:r>
-            <a:r>
-              <a:rPr lang="zh-TW" altLang="en-US" sz="2800" dirty="0">
-                <a:latin typeface="微軟正黑體" panose="020B0604030504040204" pitchFamily="34" charset="-120"/>
-                <a:ea typeface="微軟正黑體" panose="020B0604030504040204" pitchFamily="34" charset="-120"/>
-              </a:rPr>
-              <a:t>如果有指定</a:t>
-            </a:r>
-            <a:r>
-              <a:rPr lang="en-US" altLang="zh-TW" sz="2800" dirty="0">
-                <a:latin typeface="微軟正黑體" panose="020B0604030504040204" pitchFamily="34" charset="-120"/>
-                <a:ea typeface="微軟正黑體" panose="020B0604030504040204" pitchFamily="34" charset="-120"/>
-              </a:rPr>
-              <a:t>) </a:t>
-            </a:r>
-            <a:r>
-              <a:rPr lang="zh-TW" altLang="en-US" sz="2800" dirty="0">
-                <a:latin typeface="微軟正黑體" panose="020B0604030504040204" pitchFamily="34" charset="-120"/>
-                <a:ea typeface="微軟正黑體" panose="020B0604030504040204" pitchFamily="34" charset="-120"/>
-              </a:rPr>
-              <a:t>以及主機 位置</a:t>
-            </a:r>
-            <a:r>
-              <a:rPr lang="en-US" altLang="zh-TW" sz="2800" dirty="0">
-                <a:latin typeface="微軟正黑體" panose="020B0604030504040204" pitchFamily="34" charset="-120"/>
-                <a:ea typeface="微軟正黑體" panose="020B0604030504040204" pitchFamily="34" charset="-120"/>
-              </a:rPr>
-              <a:t>(Domain)</a:t>
-            </a:r>
-            <a:r>
-              <a:rPr lang="zh-TW" altLang="en-US" sz="2800" dirty="0">
-                <a:latin typeface="微軟正黑體" panose="020B0604030504040204" pitchFamily="34" charset="-120"/>
-                <a:ea typeface="微軟正黑體" panose="020B0604030504040204" pitchFamily="34" charset="-120"/>
-              </a:rPr>
-              <a:t>，所以只要是 </a:t>
-            </a:r>
-            <a:r>
-              <a:rPr lang="en-US" altLang="zh-TW" sz="2800" dirty="0">
-                <a:latin typeface="微軟正黑體" panose="020B0604030504040204" pitchFamily="34" charset="-120"/>
-                <a:ea typeface="微軟正黑體" panose="020B0604030504040204" pitchFamily="34" charset="-120"/>
-              </a:rPr>
-              <a:t>Domain </a:t>
-            </a:r>
-            <a:r>
-              <a:rPr lang="zh-TW" altLang="en-US" sz="2800" dirty="0">
-                <a:latin typeface="微軟正黑體" panose="020B0604030504040204" pitchFamily="34" charset="-120"/>
-                <a:ea typeface="微軟正黑體" panose="020B0604030504040204" pitchFamily="34" charset="-120"/>
-              </a:rPr>
-              <a:t>不⼀樣，或者是⼀個⽤ </a:t>
-            </a:r>
-            <a:r>
-              <a:rPr lang="en-US" altLang="zh-TW" sz="2800" dirty="0">
-                <a:latin typeface="微軟正黑體" panose="020B0604030504040204" pitchFamily="34" charset="-120"/>
-                <a:ea typeface="微軟正黑體" panose="020B0604030504040204" pitchFamily="34" charset="-120"/>
-              </a:rPr>
-              <a:t>http </a:t>
-            </a:r>
-            <a:r>
-              <a:rPr lang="zh-TW" altLang="en-US" sz="2800" dirty="0">
-                <a:latin typeface="微軟正黑體" panose="020B0604030504040204" pitchFamily="34" charset="-120"/>
-                <a:ea typeface="微軟正黑體" panose="020B0604030504040204" pitchFamily="34" charset="-120"/>
-              </a:rPr>
-              <a:t>⼀個⽤ </a:t>
-            </a:r>
-            <a:r>
-              <a:rPr lang="en-US" altLang="zh-TW" sz="2800" dirty="0">
-                <a:latin typeface="微軟正黑體" panose="020B0604030504040204" pitchFamily="34" charset="-120"/>
-                <a:ea typeface="微軟正黑體" panose="020B0604030504040204" pitchFamily="34" charset="-120"/>
-              </a:rPr>
-              <a:t>https </a:t>
-            </a:r>
-            <a:r>
-              <a:rPr lang="zh-TW" altLang="en-US" sz="2800" dirty="0">
-                <a:latin typeface="微軟正黑體" panose="020B0604030504040204" pitchFamily="34" charset="-120"/>
-                <a:ea typeface="微軟正黑體" panose="020B0604030504040204" pitchFamily="34" charset="-120"/>
-              </a:rPr>
-              <a:t>，或者埠號</a:t>
-            </a:r>
-            <a:r>
-              <a:rPr lang="en-US" altLang="zh-TW" sz="2800" dirty="0">
-                <a:latin typeface="微軟正黑體" panose="020B0604030504040204" pitchFamily="34" charset="-120"/>
-                <a:ea typeface="微軟正黑體" panose="020B0604030504040204" pitchFamily="34" charset="-120"/>
-              </a:rPr>
-              <a:t>(port) </a:t>
-            </a:r>
-            <a:r>
-              <a:rPr lang="zh-TW" altLang="en-US" sz="2800" dirty="0">
-                <a:latin typeface="微軟正黑體" panose="020B0604030504040204" pitchFamily="34" charset="-120"/>
-                <a:ea typeface="微軟正黑體" panose="020B0604030504040204" pitchFamily="34" charset="-120"/>
-              </a:rPr>
-              <a:t>不⼀樣就是不同源</a:t>
-            </a:r>
-            <a:r>
-              <a:rPr lang="en-US" altLang="zh-TW" sz="2800" dirty="0">
-                <a:latin typeface="微軟正黑體" panose="020B0604030504040204" pitchFamily="34" charset="-120"/>
-                <a:ea typeface="微軟正黑體" panose="020B0604030504040204" pitchFamily="34" charset="-120"/>
-              </a:rPr>
-              <a:t>(</a:t>
-            </a:r>
-            <a:r>
-              <a:rPr lang="zh-TW" altLang="en-US" sz="2800" dirty="0">
-                <a:latin typeface="微軟正黑體" panose="020B0604030504040204" pitchFamily="34" charset="-120"/>
-                <a:ea typeface="微軟正黑體" panose="020B0604030504040204" pitchFamily="34" charset="-120"/>
-              </a:rPr>
-              <a:t>跨網域</a:t>
-            </a:r>
-            <a:r>
-              <a:rPr lang="en-US" altLang="zh-TW" sz="2800" dirty="0">
-                <a:latin typeface="微軟正黑體" panose="020B0604030504040204" pitchFamily="34" charset="-120"/>
-                <a:ea typeface="微軟正黑體" panose="020B0604030504040204" pitchFamily="34" charset="-120"/>
-              </a:rPr>
-              <a:t>)</a:t>
-            </a:r>
-            <a:r>
-              <a:rPr lang="zh-TW" altLang="en-US" sz="2800" dirty="0">
-                <a:latin typeface="微軟正黑體" panose="020B0604030504040204" pitchFamily="34" charset="-120"/>
-                <a:ea typeface="微軟正黑體" panose="020B0604030504040204" pitchFamily="34" charset="-120"/>
-              </a:rPr>
-              <a:t>。 </a:t>
             </a:r>
             <a:endParaRPr lang="en-US" altLang="zh-TW" sz="2800" dirty="0">
               <a:latin typeface="微軟正黑體" panose="020B0604030504040204" pitchFamily="34" charset="-120"/>
@@ -24768,7 +26115,7 @@
 </p:sld>
 </file>
 
-<file path=ppt/slides/slide62.xml><?xml version="1.0" encoding="utf-8"?>
+<file path=ppt/slides/slide65.xml><?xml version="1.0" encoding="utf-8"?>
 <p:sld xmlns:a="http://schemas.openxmlformats.org/drawingml/2006/main" xmlns:r="http://schemas.openxmlformats.org/officeDocument/2006/relationships" xmlns:p="http://schemas.openxmlformats.org/presentationml/2006/main">
   <p:cSld>
     <p:spTree>
@@ -25055,7 +26402,7 @@
 </p:sld>
 </file>
 
-<file path=ppt/slides/slide63.xml><?xml version="1.0" encoding="utf-8"?>
+<file path=ppt/slides/slide66.xml><?xml version="1.0" encoding="utf-8"?>
 <p:sld xmlns:a="http://schemas.openxmlformats.org/drawingml/2006/main" xmlns:r="http://schemas.openxmlformats.org/officeDocument/2006/relationships" xmlns:p="http://schemas.openxmlformats.org/presentationml/2006/main">
   <p:cSld>
     <p:spTree>
@@ -25423,7 +26770,7 @@
 </p:sld>
 </file>
 
-<file path=ppt/slides/slide64.xml><?xml version="1.0" encoding="utf-8"?>
+<file path=ppt/slides/slide67.xml><?xml version="1.0" encoding="utf-8"?>
 <p:sld xmlns:a="http://schemas.openxmlformats.org/drawingml/2006/main" xmlns:r="http://schemas.openxmlformats.org/officeDocument/2006/relationships" xmlns:p="http://schemas.openxmlformats.org/presentationml/2006/main">
   <p:cSld>
     <p:spTree>
@@ -25750,7 +27097,7 @@
 </p:sld>
 </file>
 
-<file path=ppt/slides/slide65.xml><?xml version="1.0" encoding="utf-8"?>
+<file path=ppt/slides/slide68.xml><?xml version="1.0" encoding="utf-8"?>
 <p:sld xmlns:a="http://schemas.openxmlformats.org/drawingml/2006/main" xmlns:r="http://schemas.openxmlformats.org/officeDocument/2006/relationships" xmlns:p="http://schemas.openxmlformats.org/presentationml/2006/main">
   <p:cSld>
     <p:spTree>
@@ -26068,7 +27415,7 @@
 </p:sld>
 </file>
 
-<file path=ppt/slides/slide66.xml><?xml version="1.0" encoding="utf-8"?>
+<file path=ppt/slides/slide69.xml><?xml version="1.0" encoding="utf-8"?>
 <p:sld xmlns:a="http://schemas.openxmlformats.org/drawingml/2006/main" xmlns:r="http://schemas.openxmlformats.org/officeDocument/2006/relationships" xmlns:p="http://schemas.openxmlformats.org/presentationml/2006/main">
   <p:cSld>
     <p:spTree>
@@ -26184,7 +27531,112 @@
 </p:sld>
 </file>
 
-<file path=ppt/slides/slide67.xml><?xml version="1.0" encoding="utf-8"?>
+<file path=ppt/slides/slide7.xml><?xml version="1.0" encoding="utf-8"?>
+<p:sld xmlns:a="http://schemas.openxmlformats.org/drawingml/2006/main" xmlns:r="http://schemas.openxmlformats.org/officeDocument/2006/relationships" xmlns:p="http://schemas.openxmlformats.org/presentationml/2006/main">
+  <p:cSld>
+    <p:spTree>
+      <p:nvGrpSpPr>
+        <p:cNvPr id="1" name=""/>
+        <p:cNvGrpSpPr/>
+        <p:nvPr/>
+      </p:nvGrpSpPr>
+      <p:grpSpPr>
+        <a:xfrm>
+          <a:off x="0" y="0"/>
+          <a:ext cx="0" cy="0"/>
+          <a:chOff x="0" y="0"/>
+          <a:chExt cx="0" cy="0"/>
+        </a:xfrm>
+      </p:grpSpPr>
+      <p:sp>
+        <p:nvSpPr>
+          <p:cNvPr id="2" name="標題 1"/>
+          <p:cNvSpPr>
+            <a:spLocks noGrp="1"/>
+          </p:cNvSpPr>
+          <p:nvPr>
+            <p:ph type="title"/>
+          </p:nvPr>
+        </p:nvSpPr>
+        <p:spPr>
+          <a:xfrm>
+            <a:off x="0" y="0"/>
+            <a:ext cx="12191999" cy="1325563"/>
+          </a:xfrm>
+        </p:spPr>
+        <p:txBody>
+          <a:bodyPr>
+            <a:normAutofit/>
+          </a:bodyPr>
+          <a:lstStyle/>
+          <a:p>
+            <a:pPr algn="ctr"/>
+            <a:r>
+              <a:rPr lang="en-US" altLang="zh-TW" sz="3200" dirty="0" smtClean="0">
+                <a:latin typeface="微軟正黑體" panose="020B0604030504040204" pitchFamily="34" charset="-120"/>
+                <a:ea typeface="微軟正黑體" panose="020B0604030504040204" pitchFamily="34" charset="-120"/>
+              </a:rPr>
+              <a:t>SDK</a:t>
+            </a:r>
+            <a:r>
+              <a:rPr lang="zh-TW" altLang="en-US" sz="3200" dirty="0" smtClean="0">
+                <a:latin typeface="微軟正黑體" panose="020B0604030504040204" pitchFamily="34" charset="-120"/>
+                <a:ea typeface="微軟正黑體" panose="020B0604030504040204" pitchFamily="34" charset="-120"/>
+              </a:rPr>
+              <a:t>安裝方式二</a:t>
+            </a:r>
+            <a:endParaRPr lang="zh-TW" altLang="en-US" sz="3200" dirty="0">
+              <a:latin typeface="微軟正黑體" panose="020B0604030504040204" pitchFamily="34" charset="-120"/>
+              <a:ea typeface="微軟正黑體" panose="020B0604030504040204" pitchFamily="34" charset="-120"/>
+            </a:endParaRPr>
+          </a:p>
+        </p:txBody>
+      </p:sp>
+      <p:pic>
+        <p:nvPicPr>
+          <p:cNvPr id="11" name="圖片 10"/>
+          <p:cNvPicPr>
+            <a:picLocks noChangeAspect="1"/>
+          </p:cNvPicPr>
+          <p:nvPr/>
+        </p:nvPicPr>
+        <p:blipFill>
+          <a:blip r:embed="rId3"/>
+          <a:stretch>
+            <a:fillRect/>
+          </a:stretch>
+        </p:blipFill>
+        <p:spPr>
+          <a:xfrm>
+            <a:off x="2019770" y="1205345"/>
+            <a:ext cx="8152458" cy="5652655"/>
+          </a:xfrm>
+          <a:prstGeom prst="rect">
+            <a:avLst/>
+          </a:prstGeom>
+        </p:spPr>
+      </p:pic>
+    </p:spTree>
+    <p:extLst>
+      <p:ext uri="{BB962C8B-B14F-4D97-AF65-F5344CB8AC3E}">
+        <p14:creationId xmlns:p14="http://schemas.microsoft.com/office/powerpoint/2010/main" val="4078539026"/>
+      </p:ext>
+    </p:extLst>
+  </p:cSld>
+  <p:clrMapOvr>
+    <a:masterClrMapping/>
+  </p:clrMapOvr>
+  <p:timing>
+    <p:tnLst>
+      <p:par>
+        <p:cTn id="1" dur="indefinite" restart="never" nodeType="tmRoot"/>
+      </p:par>
+    </p:tnLst>
+  </p:timing>
+</p:sld>
+</file>
+
+<file path=ppt/slides/slide70.xml><?xml version="1.0" encoding="utf-8"?>
 <p:sld xmlns:a="http://schemas.openxmlformats.org/drawingml/2006/main" xmlns:r="http://schemas.openxmlformats.org/officeDocument/2006/relationships" xmlns:p="http://schemas.openxmlformats.org/presentationml/2006/main">
   <p:cSld>
     <p:spTree>
@@ -26539,7 +27991,7 @@
 </p:sld>
 </file>
 
-<file path=ppt/slides/slide68.xml><?xml version="1.0" encoding="utf-8"?>
+<file path=ppt/slides/slide71.xml><?xml version="1.0" encoding="utf-8"?>
 <p:sld xmlns:a="http://schemas.openxmlformats.org/drawingml/2006/main" xmlns:r="http://schemas.openxmlformats.org/officeDocument/2006/relationships" xmlns:p="http://schemas.openxmlformats.org/presentationml/2006/main">
   <p:cSld>
     <p:spTree>
@@ -26827,7 +28279,7 @@
 </p:sld>
 </file>
 
-<file path=ppt/slides/slide69.xml><?xml version="1.0" encoding="utf-8"?>
+<file path=ppt/slides/slide72.xml><?xml version="1.0" encoding="utf-8"?>
 <p:sld xmlns:a="http://schemas.openxmlformats.org/drawingml/2006/main" xmlns:r="http://schemas.openxmlformats.org/officeDocument/2006/relationships" xmlns:p="http://schemas.openxmlformats.org/presentationml/2006/main">
   <p:cSld>
     <p:spTree>
@@ -26994,7 +28446,7 @@
 </p:sld>
 </file>
 
-<file path=ppt/slides/slide7.xml><?xml version="1.0" encoding="utf-8"?>
+<file path=ppt/slides/slide73.xml><?xml version="1.0" encoding="utf-8"?>
 <p:sld xmlns:a="http://schemas.openxmlformats.org/drawingml/2006/main" xmlns:r="http://schemas.openxmlformats.org/officeDocument/2006/relationships" xmlns:p="http://schemas.openxmlformats.org/presentationml/2006/main">
   <p:cSld>
     <p:spTree>
@@ -27013,105 +28465,6 @@
       </p:grpSpPr>
       <p:sp>
         <p:nvSpPr>
-          <p:cNvPr id="8" name="標題 7"/>
-          <p:cNvSpPr>
-            <a:spLocks noGrp="1"/>
-          </p:cNvSpPr>
-          <p:nvPr>
-            <p:ph type="title"/>
-          </p:nvPr>
-        </p:nvSpPr>
-        <p:spPr/>
-        <p:txBody>
-          <a:bodyPr/>
-          <a:lstStyle/>
-          <a:p>
-            <a:r>
-              <a:rPr lang="zh-TW" altLang="en-US" dirty="0">
-                <a:latin typeface="微軟正黑體" panose="020B0604030504040204" pitchFamily="34" charset="-120"/>
-                <a:ea typeface="微軟正黑體" panose="020B0604030504040204" pitchFamily="34" charset="-120"/>
-              </a:rPr>
-              <a:t>什麼是</a:t>
-            </a:r>
-            <a:r>
-              <a:rPr lang="en-US" altLang="zh-TW" dirty="0">
-                <a:latin typeface="微軟正黑體" panose="020B0604030504040204" pitchFamily="34" charset="-120"/>
-                <a:ea typeface="微軟正黑體" panose="020B0604030504040204" pitchFamily="34" charset="-120"/>
-              </a:rPr>
-              <a:t>API</a:t>
-            </a:r>
-            <a:r>
-              <a:rPr lang="zh-TW" altLang="en-US" dirty="0" smtClean="0">
-                <a:latin typeface="微軟正黑體" panose="020B0604030504040204" pitchFamily="34" charset="-120"/>
-                <a:ea typeface="微軟正黑體" panose="020B0604030504040204" pitchFamily="34" charset="-120"/>
-              </a:rPr>
-              <a:t>？</a:t>
-            </a:r>
-            <a:endParaRPr lang="zh-TW" altLang="en-US" dirty="0">
-              <a:latin typeface="微軟正黑體" panose="020B0604030504040204" pitchFamily="34" charset="-120"/>
-              <a:ea typeface="微軟正黑體" panose="020B0604030504040204" pitchFamily="34" charset="-120"/>
-            </a:endParaRPr>
-          </a:p>
-        </p:txBody>
-      </p:sp>
-      <p:sp>
-        <p:nvSpPr>
-          <p:cNvPr id="9" name="文字版面配置區 8"/>
-          <p:cNvSpPr>
-            <a:spLocks noGrp="1"/>
-          </p:cNvSpPr>
-          <p:nvPr>
-            <p:ph type="body" idx="1"/>
-          </p:nvPr>
-        </p:nvSpPr>
-        <p:spPr/>
-        <p:txBody>
-          <a:bodyPr/>
-          <a:lstStyle/>
-          <a:p>
-            <a:endParaRPr lang="zh-TW" altLang="en-US"/>
-          </a:p>
-        </p:txBody>
-      </p:sp>
-    </p:spTree>
-    <p:extLst>
-      <p:ext uri="{BB962C8B-B14F-4D97-AF65-F5344CB8AC3E}">
-        <p14:creationId xmlns:p14="http://schemas.microsoft.com/office/powerpoint/2010/main" val="4064265558"/>
-      </p:ext>
-    </p:extLst>
-  </p:cSld>
-  <p:clrMapOvr>
-    <a:masterClrMapping/>
-  </p:clrMapOvr>
-  <p:timing>
-    <p:tnLst>
-      <p:par>
-        <p:cTn id="1" dur="indefinite" restart="never" nodeType="tmRoot"/>
-      </p:par>
-    </p:tnLst>
-  </p:timing>
-</p:sld>
-</file>
-
-<file path=ppt/slides/slide70.xml><?xml version="1.0" encoding="utf-8"?>
-<p:sld xmlns:a="http://schemas.openxmlformats.org/drawingml/2006/main" xmlns:r="http://schemas.openxmlformats.org/officeDocument/2006/relationships" xmlns:p="http://schemas.openxmlformats.org/presentationml/2006/main">
-  <p:cSld>
-    <p:spTree>
-      <p:nvGrpSpPr>
-        <p:cNvPr id="1" name=""/>
-        <p:cNvGrpSpPr/>
-        <p:nvPr/>
-      </p:nvGrpSpPr>
-      <p:grpSpPr>
-        <a:xfrm>
-          <a:off x="0" y="0"/>
-          <a:ext cx="0" cy="0"/>
-          <a:chOff x="0" y="0"/>
-          <a:chExt cx="0" cy="0"/>
-        </a:xfrm>
-      </p:grpSpPr>
-      <p:sp>
-        <p:nvSpPr>
           <p:cNvPr id="2" name="標題 1"/>
           <p:cNvSpPr>
             <a:spLocks noGrp="1"/>
@@ -27280,11 +28633,18 @@
               <a:t>支援了現在許多的 </a:t>
             </a:r>
             <a:r>
+              <a:rPr lang="en-US" altLang="zh-TW" dirty="0" smtClean="0">
+                <a:latin typeface="微軟正黑體" panose="020B0604030504040204" pitchFamily="34" charset="-120"/>
+                <a:ea typeface="微軟正黑體" panose="020B0604030504040204" pitchFamily="34" charset="-120"/>
+              </a:rPr>
+              <a:t>Restful </a:t>
+            </a:r>
+            <a:r>
               <a:rPr lang="en-US" altLang="zh-TW" dirty="0">
                 <a:latin typeface="微軟正黑體" panose="020B0604030504040204" pitchFamily="34" charset="-120"/>
                 <a:ea typeface="微軟正黑體" panose="020B0604030504040204" pitchFamily="34" charset="-120"/>
               </a:rPr>
-              <a:t>REST API</a:t>
+              <a:t>API</a:t>
             </a:r>
           </a:p>
           <a:p>
@@ -27352,7 +28712,7 @@
 </p:sld>
 </file>
 
-<file path=ppt/slides/slide71.xml><?xml version="1.0" encoding="utf-8"?>
+<file path=ppt/slides/slide74.xml><?xml version="1.0" encoding="utf-8"?>
 <p:sld xmlns:a="http://schemas.openxmlformats.org/drawingml/2006/main" xmlns:r="http://schemas.openxmlformats.org/officeDocument/2006/relationships" xmlns:p="http://schemas.openxmlformats.org/presentationml/2006/main">
   <p:cSld>
     <p:spTree>
@@ -27686,7 +29046,7 @@
 </p:sld>
 </file>
 
-<file path=ppt/slides/slide72.xml><?xml version="1.0" encoding="utf-8"?>
+<file path=ppt/slides/slide75.xml><?xml version="1.0" encoding="utf-8"?>
 <p:sld xmlns:a="http://schemas.openxmlformats.org/drawingml/2006/main" xmlns:r="http://schemas.openxmlformats.org/officeDocument/2006/relationships" xmlns:p="http://schemas.openxmlformats.org/presentationml/2006/main">
   <p:cSld>
     <p:spTree>
@@ -27891,7 +29251,7 @@
 </p:sld>
 </file>
 
-<file path=ppt/slides/slide73.xml><?xml version="1.0" encoding="utf-8"?>
+<file path=ppt/slides/slide76.xml><?xml version="1.0" encoding="utf-8"?>
 <p:sld xmlns:a="http://schemas.openxmlformats.org/drawingml/2006/main" xmlns:r="http://schemas.openxmlformats.org/officeDocument/2006/relationships" xmlns:p="http://schemas.openxmlformats.org/presentationml/2006/main">
   <p:cSld>
     <p:spTree>
@@ -28096,7 +29456,7 @@
 </p:sld>
 </file>
 
-<file path=ppt/slides/slide74.xml><?xml version="1.0" encoding="utf-8"?>
+<file path=ppt/slides/slide77.xml><?xml version="1.0" encoding="utf-8"?>
 <p:sld xmlns:a="http://schemas.openxmlformats.org/drawingml/2006/main" xmlns:r="http://schemas.openxmlformats.org/officeDocument/2006/relationships" xmlns:p="http://schemas.openxmlformats.org/presentationml/2006/main">
   <p:cSld>
     <p:spTree>
@@ -28519,7 +29879,7 @@
 </p:sld>
 </file>
 
-<file path=ppt/slides/slide75.xml><?xml version="1.0" encoding="utf-8"?>
+<file path=ppt/slides/slide78.xml><?xml version="1.0" encoding="utf-8"?>
 <p:sld xmlns:a="http://schemas.openxmlformats.org/drawingml/2006/main" xmlns:r="http://schemas.openxmlformats.org/officeDocument/2006/relationships" xmlns:p="http://schemas.openxmlformats.org/presentationml/2006/main">
   <p:cSld>
     <p:spTree>
@@ -28697,7 +30057,7 @@
 </p:sld>
 </file>
 
-<file path=ppt/slides/slide76.xml><?xml version="1.0" encoding="utf-8"?>
+<file path=ppt/slides/slide79.xml><?xml version="1.0" encoding="utf-8"?>
 <p:sld xmlns:a="http://schemas.openxmlformats.org/drawingml/2006/main" xmlns:r="http://schemas.openxmlformats.org/officeDocument/2006/relationships" xmlns:p="http://schemas.openxmlformats.org/presentationml/2006/main">
   <p:cSld>
     <p:spTree>
@@ -28850,7 +30210,106 @@
 </p:sld>
 </file>
 
-<file path=ppt/slides/slide77.xml><?xml version="1.0" encoding="utf-8"?>
+<file path=ppt/slides/slide8.xml><?xml version="1.0" encoding="utf-8"?>
+<p:sld xmlns:a="http://schemas.openxmlformats.org/drawingml/2006/main" xmlns:r="http://schemas.openxmlformats.org/officeDocument/2006/relationships" xmlns:p="http://schemas.openxmlformats.org/presentationml/2006/main">
+  <p:cSld>
+    <p:spTree>
+      <p:nvGrpSpPr>
+        <p:cNvPr id="1" name=""/>
+        <p:cNvGrpSpPr/>
+        <p:nvPr/>
+      </p:nvGrpSpPr>
+      <p:grpSpPr>
+        <a:xfrm>
+          <a:off x="0" y="0"/>
+          <a:ext cx="0" cy="0"/>
+          <a:chOff x="0" y="0"/>
+          <a:chExt cx="0" cy="0"/>
+        </a:xfrm>
+      </p:grpSpPr>
+      <p:sp>
+        <p:nvSpPr>
+          <p:cNvPr id="8" name="標題 7"/>
+          <p:cNvSpPr>
+            <a:spLocks noGrp="1"/>
+          </p:cNvSpPr>
+          <p:nvPr>
+            <p:ph type="title"/>
+          </p:nvPr>
+        </p:nvSpPr>
+        <p:spPr/>
+        <p:txBody>
+          <a:bodyPr/>
+          <a:lstStyle/>
+          <a:p>
+            <a:r>
+              <a:rPr lang="zh-TW" altLang="en-US" dirty="0">
+                <a:latin typeface="微軟正黑體" panose="020B0604030504040204" pitchFamily="34" charset="-120"/>
+                <a:ea typeface="微軟正黑體" panose="020B0604030504040204" pitchFamily="34" charset="-120"/>
+              </a:rPr>
+              <a:t>什麼是</a:t>
+            </a:r>
+            <a:r>
+              <a:rPr lang="en-US" altLang="zh-TW" dirty="0">
+                <a:latin typeface="微軟正黑體" panose="020B0604030504040204" pitchFamily="34" charset="-120"/>
+                <a:ea typeface="微軟正黑體" panose="020B0604030504040204" pitchFamily="34" charset="-120"/>
+              </a:rPr>
+              <a:t>API</a:t>
+            </a:r>
+            <a:r>
+              <a:rPr lang="zh-TW" altLang="en-US" dirty="0" smtClean="0">
+                <a:latin typeface="微軟正黑體" panose="020B0604030504040204" pitchFamily="34" charset="-120"/>
+                <a:ea typeface="微軟正黑體" panose="020B0604030504040204" pitchFamily="34" charset="-120"/>
+              </a:rPr>
+              <a:t>？</a:t>
+            </a:r>
+            <a:endParaRPr lang="zh-TW" altLang="en-US" dirty="0">
+              <a:latin typeface="微軟正黑體" panose="020B0604030504040204" pitchFamily="34" charset="-120"/>
+              <a:ea typeface="微軟正黑體" panose="020B0604030504040204" pitchFamily="34" charset="-120"/>
+            </a:endParaRPr>
+          </a:p>
+        </p:txBody>
+      </p:sp>
+      <p:sp>
+        <p:nvSpPr>
+          <p:cNvPr id="9" name="文字版面配置區 8"/>
+          <p:cNvSpPr>
+            <a:spLocks noGrp="1"/>
+          </p:cNvSpPr>
+          <p:nvPr>
+            <p:ph type="body" idx="1"/>
+          </p:nvPr>
+        </p:nvSpPr>
+        <p:spPr/>
+        <p:txBody>
+          <a:bodyPr/>
+          <a:lstStyle/>
+          <a:p>
+            <a:endParaRPr lang="zh-TW" altLang="en-US"/>
+          </a:p>
+        </p:txBody>
+      </p:sp>
+    </p:spTree>
+    <p:extLst>
+      <p:ext uri="{BB962C8B-B14F-4D97-AF65-F5344CB8AC3E}">
+        <p14:creationId xmlns:p14="http://schemas.microsoft.com/office/powerpoint/2010/main" val="4064265558"/>
+      </p:ext>
+    </p:extLst>
+  </p:cSld>
+  <p:clrMapOvr>
+    <a:masterClrMapping/>
+  </p:clrMapOvr>
+  <p:timing>
+    <p:tnLst>
+      <p:par>
+        <p:cTn id="1" dur="indefinite" restart="never" nodeType="tmRoot"/>
+      </p:par>
+    </p:tnLst>
+  </p:timing>
+</p:sld>
+</file>
+
+<file path=ppt/slides/slide80.xml><?xml version="1.0" encoding="utf-8"?>
 <p:sld xmlns:a="http://schemas.openxmlformats.org/drawingml/2006/main" xmlns:r="http://schemas.openxmlformats.org/officeDocument/2006/relationships" xmlns:p="http://schemas.openxmlformats.org/presentationml/2006/main">
   <p:cSld>
     <p:spTree>
@@ -29006,7 +30465,7 @@
 </p:sld>
 </file>
 
-<file path=ppt/slides/slide78.xml><?xml version="1.0" encoding="utf-8"?>
+<file path=ppt/slides/slide81.xml><?xml version="1.0" encoding="utf-8"?>
 <p:sld xmlns:a="http://schemas.openxmlformats.org/drawingml/2006/main" xmlns:r="http://schemas.openxmlformats.org/officeDocument/2006/relationships" xmlns:p="http://schemas.openxmlformats.org/presentationml/2006/main">
   <p:cSld>
     <p:spTree>
@@ -29185,7 +30644,7 @@
 </p:sld>
 </file>
 
-<file path=ppt/slides/slide79.xml><?xml version="1.0" encoding="utf-8"?>
+<file path=ppt/slides/slide82.xml><?xml version="1.0" encoding="utf-8"?>
 <p:sld xmlns:a="http://schemas.openxmlformats.org/drawingml/2006/main" xmlns:r="http://schemas.openxmlformats.org/officeDocument/2006/relationships" xmlns:p="http://schemas.openxmlformats.org/presentationml/2006/main">
   <p:cSld>
     <p:spTree>
@@ -29282,7 +30741,444 @@
 </p:sld>
 </file>
 
-<file path=ppt/slides/slide8.xml><?xml version="1.0" encoding="utf-8"?>
+<file path=ppt/slides/slide83.xml><?xml version="1.0" encoding="utf-8"?>
+<p:sld xmlns:a="http://schemas.openxmlformats.org/drawingml/2006/main" xmlns:r="http://schemas.openxmlformats.org/officeDocument/2006/relationships" xmlns:p="http://schemas.openxmlformats.org/presentationml/2006/main">
+  <p:cSld>
+    <p:spTree>
+      <p:nvGrpSpPr>
+        <p:cNvPr id="1" name=""/>
+        <p:cNvGrpSpPr/>
+        <p:nvPr/>
+      </p:nvGrpSpPr>
+      <p:grpSpPr>
+        <a:xfrm>
+          <a:off x="0" y="0"/>
+          <a:ext cx="0" cy="0"/>
+          <a:chOff x="0" y="0"/>
+          <a:chExt cx="0" cy="0"/>
+        </a:xfrm>
+      </p:grpSpPr>
+      <p:sp>
+        <p:nvSpPr>
+          <p:cNvPr id="2" name="標題 1"/>
+          <p:cNvSpPr>
+            <a:spLocks noGrp="1"/>
+          </p:cNvSpPr>
+          <p:nvPr>
+            <p:ph type="title"/>
+          </p:nvPr>
+        </p:nvSpPr>
+        <p:spPr/>
+        <p:txBody>
+          <a:bodyPr/>
+          <a:lstStyle/>
+          <a:p>
+            <a:r>
+              <a:rPr lang="en-US" altLang="zh-TW" dirty="0" smtClean="0"/>
+              <a:t>SQL</a:t>
+            </a:r>
+            <a:r>
+              <a:rPr lang="zh-TW" altLang="en-US" dirty="0" smtClean="0"/>
+              <a:t>資料</a:t>
+            </a:r>
+            <a:r>
+              <a:rPr lang="en-US" altLang="zh-TW" dirty="0" smtClean="0"/>
+              <a:t>JSON</a:t>
+            </a:r>
+            <a:r>
+              <a:rPr lang="zh-TW" altLang="en-US" dirty="0" smtClean="0"/>
+              <a:t>序列化</a:t>
+            </a:r>
+            <a:endParaRPr lang="zh-TW" altLang="en-US" dirty="0"/>
+          </a:p>
+        </p:txBody>
+      </p:sp>
+      <p:sp>
+        <p:nvSpPr>
+          <p:cNvPr id="3" name="內容版面配置區 2"/>
+          <p:cNvSpPr>
+            <a:spLocks noGrp="1"/>
+          </p:cNvSpPr>
+          <p:nvPr>
+            <p:ph idx="1"/>
+          </p:nvPr>
+        </p:nvSpPr>
+        <p:spPr/>
+        <p:txBody>
+          <a:bodyPr/>
+          <a:lstStyle/>
+          <a:p>
+            <a:r>
+              <a:rPr lang="zh-TW" altLang="en-US" dirty="0" smtClean="0"/>
+              <a:t>語法：</a:t>
+            </a:r>
+            <a:r>
+              <a:rPr lang="en-US" altLang="zh-TW" dirty="0" smtClean="0"/>
+              <a:t>FOR </a:t>
+            </a:r>
+            <a:r>
+              <a:rPr lang="en-US" altLang="zh-TW" dirty="0"/>
+              <a:t>JSON </a:t>
+            </a:r>
+            <a:r>
+              <a:rPr lang="en-US" altLang="zh-TW" dirty="0" smtClean="0"/>
+              <a:t>AUTO</a:t>
+            </a:r>
+          </a:p>
+          <a:p>
+            <a:endParaRPr lang="zh-TW" altLang="en-US" dirty="0"/>
+          </a:p>
+        </p:txBody>
+      </p:sp>
+      <p:pic>
+        <p:nvPicPr>
+          <p:cNvPr id="6" name="圖片 5"/>
+          <p:cNvPicPr>
+            <a:picLocks noChangeAspect="1"/>
+          </p:cNvPicPr>
+          <p:nvPr/>
+        </p:nvPicPr>
+        <p:blipFill>
+          <a:blip r:embed="rId3"/>
+          <a:stretch>
+            <a:fillRect/>
+          </a:stretch>
+        </p:blipFill>
+        <p:spPr>
+          <a:xfrm>
+            <a:off x="2237014" y="2508354"/>
+            <a:ext cx="7717971" cy="3945219"/>
+          </a:xfrm>
+          <a:prstGeom prst="rect">
+            <a:avLst/>
+          </a:prstGeom>
+        </p:spPr>
+      </p:pic>
+    </p:spTree>
+    <p:extLst>
+      <p:ext uri="{BB962C8B-B14F-4D97-AF65-F5344CB8AC3E}">
+        <p14:creationId xmlns:p14="http://schemas.microsoft.com/office/powerpoint/2010/main" val="4134411206"/>
+      </p:ext>
+    </p:extLst>
+  </p:cSld>
+  <p:clrMapOvr>
+    <a:masterClrMapping/>
+  </p:clrMapOvr>
+  <p:timing>
+    <p:tnLst>
+      <p:par>
+        <p:cTn id="1" dur="indefinite" restart="never" nodeType="tmRoot"/>
+      </p:par>
+    </p:tnLst>
+  </p:timing>
+</p:sld>
+</file>
+
+<file path=ppt/slides/slide84.xml><?xml version="1.0" encoding="utf-8"?>
+<p:sld xmlns:a="http://schemas.openxmlformats.org/drawingml/2006/main" xmlns:r="http://schemas.openxmlformats.org/officeDocument/2006/relationships" xmlns:p="http://schemas.openxmlformats.org/presentationml/2006/main">
+  <p:cSld>
+    <p:spTree>
+      <p:nvGrpSpPr>
+        <p:cNvPr id="1" name=""/>
+        <p:cNvGrpSpPr/>
+        <p:nvPr/>
+      </p:nvGrpSpPr>
+      <p:grpSpPr>
+        <a:xfrm>
+          <a:off x="0" y="0"/>
+          <a:ext cx="0" cy="0"/>
+          <a:chOff x="0" y="0"/>
+          <a:chExt cx="0" cy="0"/>
+        </a:xfrm>
+      </p:grpSpPr>
+      <p:sp>
+        <p:nvSpPr>
+          <p:cNvPr id="2" name="標題 1"/>
+          <p:cNvSpPr>
+            <a:spLocks noGrp="1"/>
+          </p:cNvSpPr>
+          <p:nvPr>
+            <p:ph type="title"/>
+          </p:nvPr>
+        </p:nvSpPr>
+        <p:spPr/>
+        <p:txBody>
+          <a:bodyPr/>
+          <a:lstStyle/>
+          <a:p>
+            <a:r>
+              <a:rPr lang="en-US" altLang="zh-TW" dirty="0" smtClean="0"/>
+              <a:t>JSON</a:t>
+            </a:r>
+            <a:r>
+              <a:rPr lang="zh-TW" altLang="en-US" dirty="0" smtClean="0"/>
+              <a:t>轉類別</a:t>
+            </a:r>
+            <a:endParaRPr lang="zh-TW" altLang="en-US" dirty="0"/>
+          </a:p>
+        </p:txBody>
+      </p:sp>
+      <p:pic>
+        <p:nvPicPr>
+          <p:cNvPr id="4" name="內容版面配置區 3"/>
+          <p:cNvPicPr>
+            <a:picLocks noGrp="1" noChangeAspect="1"/>
+          </p:cNvPicPr>
+          <p:nvPr>
+            <p:ph idx="1"/>
+          </p:nvPr>
+        </p:nvPicPr>
+        <p:blipFill>
+          <a:blip r:embed="rId3"/>
+          <a:stretch>
+            <a:fillRect/>
+          </a:stretch>
+        </p:blipFill>
+        <p:spPr>
+          <a:xfrm>
+            <a:off x="3271443" y="2215107"/>
+            <a:ext cx="5649113" cy="3572374"/>
+          </a:xfrm>
+          <a:prstGeom prst="rect">
+            <a:avLst/>
+          </a:prstGeom>
+        </p:spPr>
+      </p:pic>
+    </p:spTree>
+    <p:extLst>
+      <p:ext uri="{BB962C8B-B14F-4D97-AF65-F5344CB8AC3E}">
+        <p14:creationId xmlns:p14="http://schemas.microsoft.com/office/powerpoint/2010/main" val="2730803358"/>
+      </p:ext>
+    </p:extLst>
+  </p:cSld>
+  <p:clrMapOvr>
+    <a:masterClrMapping/>
+  </p:clrMapOvr>
+  <p:timing>
+    <p:tnLst>
+      <p:par>
+        <p:cTn id="1" dur="indefinite" restart="never" nodeType="tmRoot"/>
+      </p:par>
+    </p:tnLst>
+  </p:timing>
+</p:sld>
+</file>
+
+<file path=ppt/slides/slide85.xml><?xml version="1.0" encoding="utf-8"?>
+<p:sld xmlns:a="http://schemas.openxmlformats.org/drawingml/2006/main" xmlns:r="http://schemas.openxmlformats.org/officeDocument/2006/relationships" xmlns:p="http://schemas.openxmlformats.org/presentationml/2006/main">
+  <p:cSld>
+    <p:spTree>
+      <p:nvGrpSpPr>
+        <p:cNvPr id="1" name=""/>
+        <p:cNvGrpSpPr/>
+        <p:nvPr/>
+      </p:nvGrpSpPr>
+      <p:grpSpPr>
+        <a:xfrm>
+          <a:off x="0" y="0"/>
+          <a:ext cx="0" cy="0"/>
+          <a:chOff x="0" y="0"/>
+          <a:chExt cx="0" cy="0"/>
+        </a:xfrm>
+      </p:grpSpPr>
+      <p:sp>
+        <p:nvSpPr>
+          <p:cNvPr id="2" name="標題 1"/>
+          <p:cNvSpPr>
+            <a:spLocks noGrp="1"/>
+          </p:cNvSpPr>
+          <p:nvPr>
+            <p:ph type="title"/>
+          </p:nvPr>
+        </p:nvSpPr>
+        <p:spPr>
+          <a:xfrm>
+            <a:off x="341086" y="0"/>
+            <a:ext cx="11366500" cy="1325563"/>
+          </a:xfrm>
+        </p:spPr>
+        <p:txBody>
+          <a:bodyPr>
+            <a:normAutofit/>
+          </a:bodyPr>
+          <a:lstStyle/>
+          <a:p>
+            <a:r>
+              <a:rPr lang="en-US" altLang="zh-TW" sz="3200" dirty="0">
+                <a:latin typeface="微軟正黑體" panose="020B0604030504040204" pitchFamily="34" charset="-120"/>
+                <a:ea typeface="微軟正黑體" panose="020B0604030504040204" pitchFamily="34" charset="-120"/>
+              </a:rPr>
+              <a:t>API</a:t>
+            </a:r>
+            <a:r>
+              <a:rPr lang="zh-TW" altLang="en-US" sz="3200" dirty="0">
+                <a:latin typeface="微軟正黑體" panose="020B0604030504040204" pitchFamily="34" charset="-120"/>
+                <a:ea typeface="微軟正黑體" panose="020B0604030504040204" pitchFamily="34" charset="-120"/>
+              </a:rPr>
+              <a:t>模擬網</a:t>
+            </a:r>
+          </a:p>
+        </p:txBody>
+      </p:sp>
+      <p:sp>
+        <p:nvSpPr>
+          <p:cNvPr id="8" name="矩形 7"/>
+          <p:cNvSpPr/>
+          <p:nvPr/>
+        </p:nvSpPr>
+        <p:spPr>
+          <a:xfrm>
+            <a:off x="3048000" y="1028343"/>
+            <a:ext cx="6096000" cy="369332"/>
+          </a:xfrm>
+          <a:prstGeom prst="rect">
+            <a:avLst/>
+          </a:prstGeom>
+        </p:spPr>
+        <p:txBody>
+          <a:bodyPr>
+            <a:spAutoFit/>
+          </a:bodyPr>
+          <a:lstStyle/>
+          <a:p>
+            <a:endParaRPr lang="zh-TW" altLang="en-US" dirty="0"/>
+          </a:p>
+        </p:txBody>
+      </p:sp>
+      <p:sp>
+        <p:nvSpPr>
+          <p:cNvPr id="3" name="內容版面配置區 2"/>
+          <p:cNvSpPr>
+            <a:spLocks noGrp="1"/>
+          </p:cNvSpPr>
+          <p:nvPr>
+            <p:ph idx="1"/>
+          </p:nvPr>
+        </p:nvSpPr>
+        <p:spPr>
+          <a:xfrm>
+            <a:off x="341086" y="1325563"/>
+            <a:ext cx="11366500" cy="5532436"/>
+          </a:xfrm>
+        </p:spPr>
+        <p:txBody>
+          <a:bodyPr>
+            <a:noAutofit/>
+          </a:bodyPr>
+          <a:lstStyle/>
+          <a:p>
+            <a:pPr marL="0" lvl="0" indent="0" eaLnBrk="0" fontAlgn="base" hangingPunct="0">
+              <a:lnSpc>
+                <a:spcPct val="100000"/>
+              </a:lnSpc>
+              <a:spcBef>
+                <a:spcPct val="0"/>
+              </a:spcBef>
+              <a:spcAft>
+                <a:spcPct val="0"/>
+              </a:spcAft>
+              <a:buFontTx/>
+              <a:buChar char="•"/>
+            </a:pPr>
+            <a:r>
+              <a:rPr lang="zh-TW" altLang="zh-TW" dirty="0">
+                <a:solidFill>
+                  <a:srgbClr val="4183C4"/>
+                </a:solidFill>
+                <a:latin typeface="微軟正黑體" panose="020B0604030504040204" pitchFamily="34" charset="-120"/>
+                <a:ea typeface="微軟正黑體" panose="020B0604030504040204" pitchFamily="34" charset="-120"/>
+                <a:hlinkClick r:id="rId3"/>
+              </a:rPr>
+              <a:t>https://www.mocky.io/</a:t>
+            </a:r>
+            <a:r>
+              <a:rPr lang="zh-TW" altLang="zh-TW" dirty="0">
+                <a:solidFill>
+                  <a:srgbClr val="333333"/>
+                </a:solidFill>
+                <a:latin typeface="微軟正黑體" panose="020B0604030504040204" pitchFamily="34" charset="-120"/>
+                <a:ea typeface="微軟正黑體" panose="020B0604030504040204" pitchFamily="34" charset="-120"/>
+              </a:rPr>
+              <a:t>：免費的API模擬，可以設定API傳入傳出參數及型別，並產API網址提供測試</a:t>
+            </a:r>
+          </a:p>
+          <a:p>
+            <a:pPr marL="0" lvl="0" indent="0" eaLnBrk="0" fontAlgn="base" hangingPunct="0">
+              <a:lnSpc>
+                <a:spcPct val="100000"/>
+              </a:lnSpc>
+              <a:spcBef>
+                <a:spcPct val="0"/>
+              </a:spcBef>
+              <a:spcAft>
+                <a:spcPct val="0"/>
+              </a:spcAft>
+              <a:buFontTx/>
+              <a:buChar char="•"/>
+            </a:pPr>
+            <a:r>
+              <a:rPr lang="zh-TW" altLang="zh-TW" dirty="0">
+                <a:solidFill>
+                  <a:srgbClr val="4183C4"/>
+                </a:solidFill>
+                <a:latin typeface="微軟正黑體" panose="020B0604030504040204" pitchFamily="34" charset="-120"/>
+                <a:ea typeface="微軟正黑體" panose="020B0604030504040204" pitchFamily="34" charset="-120"/>
+                <a:hlinkClick r:id="rId4"/>
+              </a:rPr>
+              <a:t>https://mockaroo.com/</a:t>
+            </a:r>
+            <a:r>
+              <a:rPr lang="zh-TW" altLang="zh-TW" dirty="0">
+                <a:solidFill>
+                  <a:srgbClr val="333333"/>
+                </a:solidFill>
+                <a:latin typeface="微軟正黑體" panose="020B0604030504040204" pitchFamily="34" charset="-120"/>
+                <a:ea typeface="微軟正黑體" panose="020B0604030504040204" pitchFamily="34" charset="-120"/>
+              </a:rPr>
+              <a:t>：產生json、excel等假資料的線上免費產生器，也有API模擬器(但需登入且限制使用次數)</a:t>
+            </a:r>
+          </a:p>
+          <a:p>
+            <a:pPr marL="0" lvl="0" indent="0" eaLnBrk="0" fontAlgn="base" hangingPunct="0">
+              <a:lnSpc>
+                <a:spcPct val="100000"/>
+              </a:lnSpc>
+              <a:spcBef>
+                <a:spcPct val="0"/>
+              </a:spcBef>
+              <a:spcAft>
+                <a:spcPct val="0"/>
+              </a:spcAft>
+              <a:buNone/>
+            </a:pPr>
+            <a:endParaRPr lang="zh-TW" altLang="zh-TW" dirty="0">
+              <a:latin typeface="微軟正黑體" panose="020B0604030504040204" pitchFamily="34" charset="-120"/>
+              <a:ea typeface="微軟正黑體" panose="020B0604030504040204" pitchFamily="34" charset="-120"/>
+            </a:endParaRPr>
+          </a:p>
+        </p:txBody>
+      </p:sp>
+    </p:spTree>
+    <p:extLst>
+      <p:ext uri="{BB962C8B-B14F-4D97-AF65-F5344CB8AC3E}">
+        <p14:creationId xmlns:p14="http://schemas.microsoft.com/office/powerpoint/2010/main" val="3362069742"/>
+      </p:ext>
+    </p:extLst>
+  </p:cSld>
+  <p:clrMapOvr>
+    <a:masterClrMapping/>
+  </p:clrMapOvr>
+  <p:timing>
+    <p:tnLst>
+      <p:par>
+        <p:cTn id="1" dur="indefinite" restart="never" nodeType="tmRoot"/>
+      </p:par>
+    </p:tnLst>
+  </p:timing>
+</p:sld>
+</file>
+
+<file path=ppt/slides/slide9.xml><?xml version="1.0" encoding="utf-8"?>
 <p:sld xmlns:a="http://schemas.openxmlformats.org/drawingml/2006/main" xmlns:r="http://schemas.openxmlformats.org/officeDocument/2006/relationships" xmlns:p="http://schemas.openxmlformats.org/presentationml/2006/main">
   <p:cSld>
     <p:spTree>
@@ -30566,1438 +32462,6 @@
 </p:sld>
 </file>
 
-<file path=ppt/slides/slide80.xml><?xml version="1.0" encoding="utf-8"?>
-<p:sld xmlns:a="http://schemas.openxmlformats.org/drawingml/2006/main" xmlns:r="http://schemas.openxmlformats.org/officeDocument/2006/relationships" xmlns:p="http://schemas.openxmlformats.org/presentationml/2006/main">
-  <p:cSld>
-    <p:spTree>
-      <p:nvGrpSpPr>
-        <p:cNvPr id="1" name=""/>
-        <p:cNvGrpSpPr/>
-        <p:nvPr/>
-      </p:nvGrpSpPr>
-      <p:grpSpPr>
-        <a:xfrm>
-          <a:off x="0" y="0"/>
-          <a:ext cx="0" cy="0"/>
-          <a:chOff x="0" y="0"/>
-          <a:chExt cx="0" cy="0"/>
-        </a:xfrm>
-      </p:grpSpPr>
-      <p:sp>
-        <p:nvSpPr>
-          <p:cNvPr id="2" name="標題 1"/>
-          <p:cNvSpPr>
-            <a:spLocks noGrp="1"/>
-          </p:cNvSpPr>
-          <p:nvPr>
-            <p:ph type="title"/>
-          </p:nvPr>
-        </p:nvSpPr>
-        <p:spPr/>
-        <p:txBody>
-          <a:bodyPr>
-            <a:normAutofit/>
-          </a:bodyPr>
-          <a:lstStyle/>
-          <a:p>
-            <a:pPr lvl="0">
-              <a:lnSpc>
-                <a:spcPct val="100000"/>
-              </a:lnSpc>
-              <a:spcBef>
-                <a:spcPts val="0"/>
-              </a:spcBef>
-              <a:defRPr/>
-            </a:pPr>
-            <a:r>
-              <a:rPr lang="zh-TW" altLang="en-US" b="1" dirty="0"/>
-              <a:t>什麼是</a:t>
-            </a:r>
-            <a:r>
-              <a:rPr lang="en-US" altLang="zh-TW" b="1" dirty="0" smtClean="0"/>
-              <a:t>JSON</a:t>
-            </a:r>
-            <a:endParaRPr lang="zh-TW" altLang="en-US" dirty="0"/>
-          </a:p>
-        </p:txBody>
-      </p:sp>
-      <p:sp>
-        <p:nvSpPr>
-          <p:cNvPr id="3" name="內容版面配置區 2"/>
-          <p:cNvSpPr>
-            <a:spLocks noGrp="1"/>
-          </p:cNvSpPr>
-          <p:nvPr>
-            <p:ph idx="1"/>
-          </p:nvPr>
-        </p:nvSpPr>
-        <p:spPr/>
-        <p:txBody>
-          <a:bodyPr/>
-          <a:lstStyle/>
-          <a:p>
-            <a:r>
-              <a:rPr lang="en-US" altLang="zh-TW" dirty="0"/>
-              <a:t>JavaScript Object Notation (JSON) </a:t>
-            </a:r>
-            <a:r>
-              <a:rPr lang="zh-TW" altLang="en-US" dirty="0"/>
-              <a:t>是一種資料交換格式</a:t>
-            </a:r>
-            <a:endParaRPr lang="zh-TW" altLang="en-US" dirty="0" smtClean="0"/>
-          </a:p>
-          <a:p>
-            <a:r>
-              <a:rPr lang="zh-TW" altLang="en-US" dirty="0" smtClean="0"/>
-              <a:t>依照 </a:t>
-            </a:r>
-            <a:r>
-              <a:rPr lang="en-US" altLang="zh-TW" dirty="0"/>
-              <a:t>JavaScript </a:t>
-            </a:r>
-            <a:r>
-              <a:rPr lang="zh-TW" altLang="en-US" dirty="0"/>
-              <a:t>物件</a:t>
-            </a:r>
-            <a:r>
-              <a:rPr lang="zh-TW" altLang="en-US" dirty="0" smtClean="0"/>
-              <a:t>語法</a:t>
-            </a:r>
-            <a:r>
-              <a:rPr lang="zh-TW" altLang="en-US" dirty="0"/>
-              <a:t>格式</a:t>
-            </a:r>
-            <a:endParaRPr lang="en-US" altLang="zh-TW" dirty="0"/>
-          </a:p>
-          <a:p>
-            <a:r>
-              <a:rPr lang="en-US" altLang="zh-TW" dirty="0" smtClean="0"/>
-              <a:t>JSON </a:t>
-            </a:r>
-            <a:r>
-              <a:rPr lang="zh-TW" altLang="en-US" dirty="0"/>
-              <a:t>可能是物件或字串。當你想從 </a:t>
-            </a:r>
-            <a:r>
-              <a:rPr lang="en-US" altLang="zh-TW" dirty="0"/>
-              <a:t>JSON</a:t>
-            </a:r>
-            <a:r>
-              <a:rPr lang="zh-TW" altLang="en-US" dirty="0"/>
-              <a:t>中讀取資料時，</a:t>
-            </a:r>
-            <a:r>
-              <a:rPr lang="en-US" altLang="zh-TW" dirty="0"/>
-              <a:t>JSON</a:t>
-            </a:r>
-            <a:r>
-              <a:rPr lang="zh-TW" altLang="en-US" dirty="0"/>
-              <a:t>可作為物件；當要跨網路傳送 </a:t>
-            </a:r>
-            <a:r>
-              <a:rPr lang="en-US" altLang="zh-TW" dirty="0"/>
-              <a:t>JSON </a:t>
-            </a:r>
-            <a:r>
-              <a:rPr lang="zh-TW" altLang="en-US" dirty="0"/>
-              <a:t>時，就會是字串</a:t>
-            </a:r>
-            <a:r>
-              <a:rPr lang="zh-TW" altLang="en-US" dirty="0" smtClean="0"/>
-              <a:t>。</a:t>
-            </a:r>
-          </a:p>
-          <a:p>
-            <a:endParaRPr lang="zh-TW" altLang="en-US" dirty="0"/>
-          </a:p>
-        </p:txBody>
-      </p:sp>
-      <p:pic>
-        <p:nvPicPr>
-          <p:cNvPr id="4" name="圖片 3"/>
-          <p:cNvPicPr>
-            <a:picLocks noChangeAspect="1"/>
-          </p:cNvPicPr>
-          <p:nvPr/>
-        </p:nvPicPr>
-        <p:blipFill>
-          <a:blip r:embed="rId3"/>
-          <a:stretch>
-            <a:fillRect/>
-          </a:stretch>
-        </p:blipFill>
-        <p:spPr>
-          <a:xfrm>
-            <a:off x="838200" y="3986535"/>
-            <a:ext cx="9475983" cy="2190428"/>
-          </a:xfrm>
-          <a:prstGeom prst="rect">
-            <a:avLst/>
-          </a:prstGeom>
-        </p:spPr>
-      </p:pic>
-    </p:spTree>
-    <p:extLst>
-      <p:ext uri="{BB962C8B-B14F-4D97-AF65-F5344CB8AC3E}">
-        <p14:creationId xmlns:p14="http://schemas.microsoft.com/office/powerpoint/2010/main" val="3437021182"/>
-      </p:ext>
-    </p:extLst>
-  </p:cSld>
-  <p:clrMapOvr>
-    <a:masterClrMapping/>
-  </p:clrMapOvr>
-  <p:timing>
-    <p:tnLst>
-      <p:par>
-        <p:cTn id="1" dur="indefinite" restart="never" nodeType="tmRoot"/>
-      </p:par>
-    </p:tnLst>
-  </p:timing>
-</p:sld>
-</file>
-
-<file path=ppt/slides/slide81.xml><?xml version="1.0" encoding="utf-8"?>
-<p:sld xmlns:a="http://schemas.openxmlformats.org/drawingml/2006/main" xmlns:r="http://schemas.openxmlformats.org/officeDocument/2006/relationships" xmlns:p="http://schemas.openxmlformats.org/presentationml/2006/main">
-  <p:cSld>
-    <p:spTree>
-      <p:nvGrpSpPr>
-        <p:cNvPr id="1" name=""/>
-        <p:cNvGrpSpPr/>
-        <p:nvPr/>
-      </p:nvGrpSpPr>
-      <p:grpSpPr>
-        <a:xfrm>
-          <a:off x="0" y="0"/>
-          <a:ext cx="0" cy="0"/>
-          <a:chOff x="0" y="0"/>
-          <a:chExt cx="0" cy="0"/>
-        </a:xfrm>
-      </p:grpSpPr>
-      <p:sp>
-        <p:nvSpPr>
-          <p:cNvPr id="2" name="標題 1"/>
-          <p:cNvSpPr>
-            <a:spLocks noGrp="1"/>
-          </p:cNvSpPr>
-          <p:nvPr>
-            <p:ph type="title"/>
-          </p:nvPr>
-        </p:nvSpPr>
-        <p:spPr/>
-        <p:txBody>
-          <a:bodyPr/>
-          <a:lstStyle/>
-          <a:p>
-            <a:r>
-              <a:rPr lang="en-US" altLang="zh-TW" b="1" dirty="0" smtClean="0"/>
-              <a:t>JSON</a:t>
-            </a:r>
-            <a:r>
-              <a:rPr lang="zh-TW" altLang="en-US" b="1" dirty="0" smtClean="0"/>
-              <a:t>序列化</a:t>
-            </a:r>
-            <a:r>
-              <a:rPr lang="en-US" altLang="zh-TW" b="1" dirty="0" smtClean="0"/>
-              <a:t>&amp;</a:t>
-            </a:r>
-            <a:r>
-              <a:rPr lang="zh-TW" altLang="en-US" b="1" dirty="0" smtClean="0"/>
-              <a:t>反序列化</a:t>
-            </a:r>
-            <a:endParaRPr lang="zh-TW" altLang="en-US" dirty="0"/>
-          </a:p>
-        </p:txBody>
-      </p:sp>
-      <p:sp>
-        <p:nvSpPr>
-          <p:cNvPr id="3" name="內容版面配置區 2"/>
-          <p:cNvSpPr>
-            <a:spLocks noGrp="1"/>
-          </p:cNvSpPr>
-          <p:nvPr>
-            <p:ph idx="1"/>
-          </p:nvPr>
-        </p:nvSpPr>
-        <p:spPr/>
-        <p:txBody>
-          <a:bodyPr>
-            <a:normAutofit fontScale="77500" lnSpcReduction="20000"/>
-          </a:bodyPr>
-          <a:lstStyle/>
-          <a:p>
-            <a:r>
-              <a:rPr lang="zh-TW" altLang="en-US" dirty="0" smtClean="0"/>
-              <a:t>序列化：將物件轉成字串</a:t>
-            </a:r>
-            <a:endParaRPr lang="en-US" altLang="zh-TW" dirty="0" smtClean="0"/>
-          </a:p>
-          <a:p>
-            <a:r>
-              <a:rPr lang="zh-TW" altLang="en-US" dirty="0"/>
-              <a:t>反序列</a:t>
-            </a:r>
-            <a:r>
-              <a:rPr lang="zh-TW" altLang="en-US" dirty="0" smtClean="0"/>
-              <a:t>化：將字串轉成物件</a:t>
-            </a:r>
-            <a:endParaRPr lang="en-US" altLang="zh-TW" dirty="0" smtClean="0"/>
-          </a:p>
-          <a:p>
-            <a:r>
-              <a:rPr lang="en-US" altLang="zh-TW" dirty="0" smtClean="0"/>
-              <a:t>// JS</a:t>
-            </a:r>
-            <a:r>
-              <a:rPr lang="zh-TW" altLang="en-US" dirty="0" smtClean="0"/>
-              <a:t>的</a:t>
-            </a:r>
-            <a:r>
-              <a:rPr lang="en-US" altLang="zh-TW" dirty="0" smtClean="0"/>
-              <a:t>JSON</a:t>
-            </a:r>
-            <a:r>
-              <a:rPr lang="zh-TW" altLang="en-US" dirty="0" smtClean="0"/>
-              <a:t>序列化</a:t>
-            </a:r>
-          </a:p>
-          <a:p>
-            <a:r>
-              <a:rPr lang="en-US" altLang="zh-TW" dirty="0" err="1" smtClean="0"/>
-              <a:t>JSON.stringify</a:t>
-            </a:r>
-            <a:r>
-              <a:rPr lang="en-US" altLang="zh-TW" dirty="0" smtClean="0"/>
-              <a:t>(JSON</a:t>
-            </a:r>
-            <a:r>
-              <a:rPr lang="zh-TW" altLang="en-US" dirty="0" smtClean="0"/>
-              <a:t>物件</a:t>
-            </a:r>
-            <a:r>
-              <a:rPr lang="en-US" altLang="zh-TW" dirty="0" smtClean="0"/>
-              <a:t>);</a:t>
-            </a:r>
-          </a:p>
-          <a:p>
-            <a:r>
-              <a:rPr lang="en-US" altLang="zh-TW" dirty="0" smtClean="0"/>
-              <a:t>// JS</a:t>
-            </a:r>
-            <a:r>
-              <a:rPr lang="zh-TW" altLang="en-US" dirty="0" smtClean="0"/>
-              <a:t>的反序列化</a:t>
-            </a:r>
-          </a:p>
-          <a:p>
-            <a:r>
-              <a:rPr lang="en-US" altLang="zh-TW" dirty="0" err="1" smtClean="0"/>
-              <a:t>JSON.parse</a:t>
-            </a:r>
-            <a:r>
-              <a:rPr lang="en-US" altLang="zh-TW" dirty="0" smtClean="0"/>
-              <a:t>(JSON</a:t>
-            </a:r>
-            <a:r>
-              <a:rPr lang="zh-TW" altLang="en-US" dirty="0" smtClean="0"/>
-              <a:t>格式字串</a:t>
-            </a:r>
-            <a:r>
-              <a:rPr lang="en-US" altLang="zh-TW" dirty="0" smtClean="0"/>
-              <a:t>);</a:t>
-            </a:r>
-          </a:p>
-          <a:p>
-            <a:r>
-              <a:rPr lang="en-US" altLang="zh-TW" dirty="0"/>
-              <a:t>// Json.NET</a:t>
-            </a:r>
-            <a:r>
-              <a:rPr lang="zh-TW" altLang="en-US" dirty="0"/>
-              <a:t>序列</a:t>
-            </a:r>
-            <a:r>
-              <a:rPr lang="zh-TW" altLang="en-US" dirty="0" smtClean="0"/>
-              <a:t>化</a:t>
-            </a:r>
-            <a:endParaRPr lang="en-US" altLang="zh-TW" dirty="0" smtClean="0"/>
-          </a:p>
-          <a:p>
-            <a:r>
-              <a:rPr lang="en-US" altLang="zh-TW" dirty="0" smtClean="0"/>
-              <a:t>string </a:t>
-            </a:r>
-            <a:r>
-              <a:rPr lang="en-US" altLang="zh-TW" dirty="0" err="1"/>
-              <a:t>jsonData</a:t>
-            </a:r>
-            <a:r>
-              <a:rPr lang="en-US" altLang="zh-TW" dirty="0"/>
-              <a:t> = </a:t>
-            </a:r>
-            <a:r>
-              <a:rPr lang="en-US" altLang="zh-TW" dirty="0" err="1"/>
-              <a:t>JsonConvert.SerializeObject</a:t>
-            </a:r>
-            <a:r>
-              <a:rPr lang="en-US" altLang="zh-TW" dirty="0"/>
-              <a:t>(</a:t>
-            </a:r>
-            <a:r>
-              <a:rPr lang="en-US" altLang="zh-TW" dirty="0" err="1"/>
-              <a:t>lstStuModel</a:t>
-            </a:r>
-            <a:r>
-              <a:rPr lang="en-US" altLang="zh-TW" dirty="0"/>
-              <a:t>); </a:t>
-            </a:r>
-            <a:r>
-              <a:rPr lang="en-US" altLang="zh-TW" dirty="0" err="1"/>
-              <a:t>Console.WriteLine</a:t>
-            </a:r>
-            <a:r>
-              <a:rPr lang="en-US" altLang="zh-TW" dirty="0"/>
-              <a:t>(</a:t>
-            </a:r>
-            <a:r>
-              <a:rPr lang="en-US" altLang="zh-TW" dirty="0" err="1"/>
-              <a:t>jsonData</a:t>
-            </a:r>
-            <a:r>
-              <a:rPr lang="en-US" altLang="zh-TW" dirty="0"/>
-              <a:t>); </a:t>
-            </a:r>
-            <a:r>
-              <a:rPr lang="en-US" altLang="zh-TW" dirty="0" err="1"/>
-              <a:t>Console.ReadKey</a:t>
-            </a:r>
-            <a:r>
-              <a:rPr lang="en-US" altLang="zh-TW" dirty="0" smtClean="0"/>
-              <a:t>();</a:t>
-            </a:r>
-          </a:p>
-          <a:p>
-            <a:r>
-              <a:rPr lang="en-US" altLang="zh-TW" dirty="0" smtClean="0"/>
-              <a:t>// </a:t>
-            </a:r>
-            <a:r>
-              <a:rPr lang="en-US" altLang="zh-TW" dirty="0"/>
-              <a:t>Json.NET</a:t>
-            </a:r>
-            <a:r>
-              <a:rPr lang="zh-TW" altLang="en-US" dirty="0"/>
-              <a:t>反序列</a:t>
-            </a:r>
-            <a:r>
-              <a:rPr lang="zh-TW" altLang="en-US" dirty="0" smtClean="0"/>
-              <a:t>化</a:t>
-            </a:r>
-            <a:endParaRPr lang="en-US" altLang="zh-TW" dirty="0" smtClean="0"/>
-          </a:p>
-          <a:p>
-            <a:r>
-              <a:rPr lang="en-US" altLang="zh-TW" dirty="0" smtClean="0"/>
-              <a:t>string </a:t>
-            </a:r>
-            <a:r>
-              <a:rPr lang="en-US" altLang="zh-TW" dirty="0" err="1" smtClean="0"/>
-              <a:t>json</a:t>
-            </a:r>
-            <a:r>
-              <a:rPr lang="en-US" altLang="zh-TW" dirty="0" smtClean="0"/>
-              <a:t> = @" { 'Name':'C#','Age':'3000','ID':'1','Sex':'</a:t>
-            </a:r>
-            <a:r>
-              <a:rPr lang="zh-TW" altLang="en-US" dirty="0" smtClean="0"/>
-              <a:t>女</a:t>
-            </a:r>
-            <a:r>
-              <a:rPr lang="en-US" altLang="zh-TW" dirty="0" smtClean="0"/>
-              <a:t>'} " ; </a:t>
-            </a:r>
-          </a:p>
-          <a:p>
-            <a:r>
-              <a:rPr lang="en-US" altLang="zh-TW" dirty="0" smtClean="0"/>
-              <a:t>Student </a:t>
-            </a:r>
-            <a:r>
-              <a:rPr lang="en-US" altLang="zh-TW" dirty="0" err="1" smtClean="0"/>
-              <a:t>descJsonStu</a:t>
-            </a:r>
-            <a:r>
-              <a:rPr lang="en-US" altLang="zh-TW" dirty="0" smtClean="0"/>
-              <a:t> = </a:t>
-            </a:r>
-            <a:r>
-              <a:rPr lang="en-US" altLang="zh-TW" dirty="0" err="1" smtClean="0"/>
-              <a:t>JsonConvert.DeserializeObject</a:t>
-            </a:r>
-            <a:r>
-              <a:rPr lang="en-US" altLang="zh-TW" dirty="0" smtClean="0"/>
-              <a:t>&lt;Student&gt;(</a:t>
-            </a:r>
-            <a:r>
-              <a:rPr lang="en-US" altLang="zh-TW" dirty="0" err="1" smtClean="0"/>
-              <a:t>json</a:t>
-            </a:r>
-            <a:r>
-              <a:rPr lang="en-US" altLang="zh-TW" dirty="0" smtClean="0"/>
-              <a:t>); //</a:t>
-            </a:r>
-            <a:r>
-              <a:rPr lang="zh-TW" altLang="en-US" dirty="0" smtClean="0"/>
-              <a:t>反序列化</a:t>
-            </a:r>
-          </a:p>
-          <a:p>
-            <a:endParaRPr lang="en-US" altLang="zh-TW" dirty="0" smtClean="0"/>
-          </a:p>
-          <a:p>
-            <a:endParaRPr lang="zh-TW" altLang="en-US" dirty="0" smtClean="0"/>
-          </a:p>
-          <a:p>
-            <a:endParaRPr lang="zh-TW" altLang="en-US" dirty="0"/>
-          </a:p>
-        </p:txBody>
-      </p:sp>
-    </p:spTree>
-    <p:extLst>
-      <p:ext uri="{BB962C8B-B14F-4D97-AF65-F5344CB8AC3E}">
-        <p14:creationId xmlns:p14="http://schemas.microsoft.com/office/powerpoint/2010/main" val="868235287"/>
-      </p:ext>
-    </p:extLst>
-  </p:cSld>
-  <p:clrMapOvr>
-    <a:masterClrMapping/>
-  </p:clrMapOvr>
-  <p:timing>
-    <p:tnLst>
-      <p:par>
-        <p:cTn id="1" dur="indefinite" restart="never" nodeType="tmRoot"/>
-      </p:par>
-    </p:tnLst>
-  </p:timing>
-</p:sld>
-</file>
-
-<file path=ppt/slides/slide82.xml><?xml version="1.0" encoding="utf-8"?>
-<p:sld xmlns:a="http://schemas.openxmlformats.org/drawingml/2006/main" xmlns:r="http://schemas.openxmlformats.org/officeDocument/2006/relationships" xmlns:p="http://schemas.openxmlformats.org/presentationml/2006/main">
-  <p:cSld>
-    <p:spTree>
-      <p:nvGrpSpPr>
-        <p:cNvPr id="1" name=""/>
-        <p:cNvGrpSpPr/>
-        <p:nvPr/>
-      </p:nvGrpSpPr>
-      <p:grpSpPr>
-        <a:xfrm>
-          <a:off x="0" y="0"/>
-          <a:ext cx="0" cy="0"/>
-          <a:chOff x="0" y="0"/>
-          <a:chExt cx="0" cy="0"/>
-        </a:xfrm>
-      </p:grpSpPr>
-      <p:sp>
-        <p:nvSpPr>
-          <p:cNvPr id="2" name="標題 1"/>
-          <p:cNvSpPr>
-            <a:spLocks noGrp="1"/>
-          </p:cNvSpPr>
-          <p:nvPr>
-            <p:ph type="title"/>
-          </p:nvPr>
-        </p:nvSpPr>
-        <p:spPr/>
-        <p:txBody>
-          <a:bodyPr/>
-          <a:lstStyle/>
-          <a:p>
-            <a:r>
-              <a:rPr lang="en-US" altLang="zh-TW" dirty="0" smtClean="0"/>
-              <a:t>SQL</a:t>
-            </a:r>
-            <a:r>
-              <a:rPr lang="zh-TW" altLang="en-US" dirty="0" smtClean="0"/>
-              <a:t>資料</a:t>
-            </a:r>
-            <a:r>
-              <a:rPr lang="en-US" altLang="zh-TW" dirty="0" smtClean="0"/>
-              <a:t>JSON</a:t>
-            </a:r>
-            <a:r>
-              <a:rPr lang="zh-TW" altLang="en-US" dirty="0" smtClean="0"/>
-              <a:t>序列化</a:t>
-            </a:r>
-            <a:endParaRPr lang="zh-TW" altLang="en-US" dirty="0"/>
-          </a:p>
-        </p:txBody>
-      </p:sp>
-      <p:sp>
-        <p:nvSpPr>
-          <p:cNvPr id="3" name="內容版面配置區 2"/>
-          <p:cNvSpPr>
-            <a:spLocks noGrp="1"/>
-          </p:cNvSpPr>
-          <p:nvPr>
-            <p:ph idx="1"/>
-          </p:nvPr>
-        </p:nvSpPr>
-        <p:spPr/>
-        <p:txBody>
-          <a:bodyPr/>
-          <a:lstStyle/>
-          <a:p>
-            <a:r>
-              <a:rPr lang="zh-TW" altLang="en-US" dirty="0" smtClean="0"/>
-              <a:t>語法：</a:t>
-            </a:r>
-            <a:r>
-              <a:rPr lang="en-US" altLang="zh-TW" dirty="0" smtClean="0"/>
-              <a:t>FOR </a:t>
-            </a:r>
-            <a:r>
-              <a:rPr lang="en-US" altLang="zh-TW" dirty="0"/>
-              <a:t>JSON </a:t>
-            </a:r>
-            <a:r>
-              <a:rPr lang="en-US" altLang="zh-TW" dirty="0" smtClean="0"/>
-              <a:t>AUTO</a:t>
-            </a:r>
-          </a:p>
-          <a:p>
-            <a:endParaRPr lang="zh-TW" altLang="en-US" dirty="0"/>
-          </a:p>
-        </p:txBody>
-      </p:sp>
-      <p:pic>
-        <p:nvPicPr>
-          <p:cNvPr id="6" name="圖片 5"/>
-          <p:cNvPicPr>
-            <a:picLocks noChangeAspect="1"/>
-          </p:cNvPicPr>
-          <p:nvPr/>
-        </p:nvPicPr>
-        <p:blipFill>
-          <a:blip r:embed="rId3"/>
-          <a:stretch>
-            <a:fillRect/>
-          </a:stretch>
-        </p:blipFill>
-        <p:spPr>
-          <a:xfrm>
-            <a:off x="2237014" y="2508354"/>
-            <a:ext cx="7717971" cy="3945219"/>
-          </a:xfrm>
-          <a:prstGeom prst="rect">
-            <a:avLst/>
-          </a:prstGeom>
-        </p:spPr>
-      </p:pic>
-    </p:spTree>
-    <p:extLst>
-      <p:ext uri="{BB962C8B-B14F-4D97-AF65-F5344CB8AC3E}">
-        <p14:creationId xmlns:p14="http://schemas.microsoft.com/office/powerpoint/2010/main" val="4134411206"/>
-      </p:ext>
-    </p:extLst>
-  </p:cSld>
-  <p:clrMapOvr>
-    <a:masterClrMapping/>
-  </p:clrMapOvr>
-  <p:timing>
-    <p:tnLst>
-      <p:par>
-        <p:cTn id="1" dur="indefinite" restart="never" nodeType="tmRoot"/>
-      </p:par>
-    </p:tnLst>
-  </p:timing>
-</p:sld>
-</file>
-
-<file path=ppt/slides/slide83.xml><?xml version="1.0" encoding="utf-8"?>
-<p:sld xmlns:a="http://schemas.openxmlformats.org/drawingml/2006/main" xmlns:r="http://schemas.openxmlformats.org/officeDocument/2006/relationships" xmlns:p="http://schemas.openxmlformats.org/presentationml/2006/main">
-  <p:cSld>
-    <p:spTree>
-      <p:nvGrpSpPr>
-        <p:cNvPr id="1" name=""/>
-        <p:cNvGrpSpPr/>
-        <p:nvPr/>
-      </p:nvGrpSpPr>
-      <p:grpSpPr>
-        <a:xfrm>
-          <a:off x="0" y="0"/>
-          <a:ext cx="0" cy="0"/>
-          <a:chOff x="0" y="0"/>
-          <a:chExt cx="0" cy="0"/>
-        </a:xfrm>
-      </p:grpSpPr>
-      <p:sp>
-        <p:nvSpPr>
-          <p:cNvPr id="2" name="標題 1"/>
-          <p:cNvSpPr>
-            <a:spLocks noGrp="1"/>
-          </p:cNvSpPr>
-          <p:nvPr>
-            <p:ph type="title"/>
-          </p:nvPr>
-        </p:nvSpPr>
-        <p:spPr/>
-        <p:txBody>
-          <a:bodyPr/>
-          <a:lstStyle/>
-          <a:p>
-            <a:r>
-              <a:rPr lang="en-US" altLang="zh-TW" dirty="0" smtClean="0"/>
-              <a:t>JSON</a:t>
-            </a:r>
-            <a:r>
-              <a:rPr lang="zh-TW" altLang="en-US" dirty="0" smtClean="0"/>
-              <a:t>轉類別</a:t>
-            </a:r>
-            <a:endParaRPr lang="zh-TW" altLang="en-US" dirty="0"/>
-          </a:p>
-        </p:txBody>
-      </p:sp>
-      <p:pic>
-        <p:nvPicPr>
-          <p:cNvPr id="4" name="內容版面配置區 3"/>
-          <p:cNvPicPr>
-            <a:picLocks noGrp="1" noChangeAspect="1"/>
-          </p:cNvPicPr>
-          <p:nvPr>
-            <p:ph idx="1"/>
-          </p:nvPr>
-        </p:nvPicPr>
-        <p:blipFill>
-          <a:blip r:embed="rId3"/>
-          <a:stretch>
-            <a:fillRect/>
-          </a:stretch>
-        </p:blipFill>
-        <p:spPr>
-          <a:xfrm>
-            <a:off x="3271443" y="2215107"/>
-            <a:ext cx="5649113" cy="3572374"/>
-          </a:xfrm>
-          <a:prstGeom prst="rect">
-            <a:avLst/>
-          </a:prstGeom>
-        </p:spPr>
-      </p:pic>
-    </p:spTree>
-    <p:extLst>
-      <p:ext uri="{BB962C8B-B14F-4D97-AF65-F5344CB8AC3E}">
-        <p14:creationId xmlns:p14="http://schemas.microsoft.com/office/powerpoint/2010/main" val="2730803358"/>
-      </p:ext>
-    </p:extLst>
-  </p:cSld>
-  <p:clrMapOvr>
-    <a:masterClrMapping/>
-  </p:clrMapOvr>
-  <p:timing>
-    <p:tnLst>
-      <p:par>
-        <p:cTn id="1" dur="indefinite" restart="never" nodeType="tmRoot"/>
-      </p:par>
-    </p:tnLst>
-  </p:timing>
-</p:sld>
-</file>
-
-<file path=ppt/slides/slide84.xml><?xml version="1.0" encoding="utf-8"?>
-<p:sld xmlns:a="http://schemas.openxmlformats.org/drawingml/2006/main" xmlns:r="http://schemas.openxmlformats.org/officeDocument/2006/relationships" xmlns:p="http://schemas.openxmlformats.org/presentationml/2006/main">
-  <p:cSld>
-    <p:spTree>
-      <p:nvGrpSpPr>
-        <p:cNvPr id="1" name=""/>
-        <p:cNvGrpSpPr/>
-        <p:nvPr/>
-      </p:nvGrpSpPr>
-      <p:grpSpPr>
-        <a:xfrm>
-          <a:off x="0" y="0"/>
-          <a:ext cx="0" cy="0"/>
-          <a:chOff x="0" y="0"/>
-          <a:chExt cx="0" cy="0"/>
-        </a:xfrm>
-      </p:grpSpPr>
-      <p:sp>
-        <p:nvSpPr>
-          <p:cNvPr id="2" name="標題 1"/>
-          <p:cNvSpPr>
-            <a:spLocks noGrp="1"/>
-          </p:cNvSpPr>
-          <p:nvPr>
-            <p:ph type="title"/>
-          </p:nvPr>
-        </p:nvSpPr>
-        <p:spPr>
-          <a:xfrm>
-            <a:off x="341086" y="0"/>
-            <a:ext cx="11366500" cy="1325563"/>
-          </a:xfrm>
-        </p:spPr>
-        <p:txBody>
-          <a:bodyPr>
-            <a:normAutofit/>
-          </a:bodyPr>
-          <a:lstStyle/>
-          <a:p>
-            <a:r>
-              <a:rPr lang="en-US" altLang="zh-TW" sz="3200" dirty="0">
-                <a:latin typeface="微軟正黑體" panose="020B0604030504040204" pitchFamily="34" charset="-120"/>
-                <a:ea typeface="微軟正黑體" panose="020B0604030504040204" pitchFamily="34" charset="-120"/>
-              </a:rPr>
-              <a:t>API</a:t>
-            </a:r>
-            <a:r>
-              <a:rPr lang="zh-TW" altLang="en-US" sz="3200" dirty="0">
-                <a:latin typeface="微軟正黑體" panose="020B0604030504040204" pitchFamily="34" charset="-120"/>
-                <a:ea typeface="微軟正黑體" panose="020B0604030504040204" pitchFamily="34" charset="-120"/>
-              </a:rPr>
-              <a:t>模擬網</a:t>
-            </a:r>
-          </a:p>
-        </p:txBody>
-      </p:sp>
-      <p:sp>
-        <p:nvSpPr>
-          <p:cNvPr id="8" name="矩形 7"/>
-          <p:cNvSpPr/>
-          <p:nvPr/>
-        </p:nvSpPr>
-        <p:spPr>
-          <a:xfrm>
-            <a:off x="3048000" y="1028343"/>
-            <a:ext cx="6096000" cy="369332"/>
-          </a:xfrm>
-          <a:prstGeom prst="rect">
-            <a:avLst/>
-          </a:prstGeom>
-        </p:spPr>
-        <p:txBody>
-          <a:bodyPr>
-            <a:spAutoFit/>
-          </a:bodyPr>
-          <a:lstStyle/>
-          <a:p>
-            <a:endParaRPr lang="zh-TW" altLang="en-US" dirty="0"/>
-          </a:p>
-        </p:txBody>
-      </p:sp>
-      <p:sp>
-        <p:nvSpPr>
-          <p:cNvPr id="3" name="內容版面配置區 2"/>
-          <p:cNvSpPr>
-            <a:spLocks noGrp="1"/>
-          </p:cNvSpPr>
-          <p:nvPr>
-            <p:ph idx="1"/>
-          </p:nvPr>
-        </p:nvSpPr>
-        <p:spPr>
-          <a:xfrm>
-            <a:off x="341086" y="1325563"/>
-            <a:ext cx="11366500" cy="5532436"/>
-          </a:xfrm>
-        </p:spPr>
-        <p:txBody>
-          <a:bodyPr>
-            <a:noAutofit/>
-          </a:bodyPr>
-          <a:lstStyle/>
-          <a:p>
-            <a:pPr marL="0" lvl="0" indent="0" eaLnBrk="0" fontAlgn="base" hangingPunct="0">
-              <a:lnSpc>
-                <a:spcPct val="100000"/>
-              </a:lnSpc>
-              <a:spcBef>
-                <a:spcPct val="0"/>
-              </a:spcBef>
-              <a:spcAft>
-                <a:spcPct val="0"/>
-              </a:spcAft>
-              <a:buFontTx/>
-              <a:buChar char="•"/>
-            </a:pPr>
-            <a:r>
-              <a:rPr lang="zh-TW" altLang="zh-TW" dirty="0">
-                <a:solidFill>
-                  <a:srgbClr val="4183C4"/>
-                </a:solidFill>
-                <a:latin typeface="微軟正黑體" panose="020B0604030504040204" pitchFamily="34" charset="-120"/>
-                <a:ea typeface="微軟正黑體" panose="020B0604030504040204" pitchFamily="34" charset="-120"/>
-                <a:hlinkClick r:id="rId3"/>
-              </a:rPr>
-              <a:t>https://www.mocky.io/</a:t>
-            </a:r>
-            <a:r>
-              <a:rPr lang="zh-TW" altLang="zh-TW" dirty="0">
-                <a:solidFill>
-                  <a:srgbClr val="333333"/>
-                </a:solidFill>
-                <a:latin typeface="微軟正黑體" panose="020B0604030504040204" pitchFamily="34" charset="-120"/>
-                <a:ea typeface="微軟正黑體" panose="020B0604030504040204" pitchFamily="34" charset="-120"/>
-              </a:rPr>
-              <a:t>：免費的API模擬，可以設定API傳入傳出參數及型別，並產API網址提供測試</a:t>
-            </a:r>
-          </a:p>
-          <a:p>
-            <a:pPr marL="0" lvl="0" indent="0" eaLnBrk="0" fontAlgn="base" hangingPunct="0">
-              <a:lnSpc>
-                <a:spcPct val="100000"/>
-              </a:lnSpc>
-              <a:spcBef>
-                <a:spcPct val="0"/>
-              </a:spcBef>
-              <a:spcAft>
-                <a:spcPct val="0"/>
-              </a:spcAft>
-              <a:buFontTx/>
-              <a:buChar char="•"/>
-            </a:pPr>
-            <a:r>
-              <a:rPr lang="zh-TW" altLang="zh-TW" dirty="0">
-                <a:solidFill>
-                  <a:srgbClr val="4183C4"/>
-                </a:solidFill>
-                <a:latin typeface="微軟正黑體" panose="020B0604030504040204" pitchFamily="34" charset="-120"/>
-                <a:ea typeface="微軟正黑體" panose="020B0604030504040204" pitchFamily="34" charset="-120"/>
-                <a:hlinkClick r:id="rId4"/>
-              </a:rPr>
-              <a:t>https://mockaroo.com/</a:t>
-            </a:r>
-            <a:r>
-              <a:rPr lang="zh-TW" altLang="zh-TW" dirty="0">
-                <a:solidFill>
-                  <a:srgbClr val="333333"/>
-                </a:solidFill>
-                <a:latin typeface="微軟正黑體" panose="020B0604030504040204" pitchFamily="34" charset="-120"/>
-                <a:ea typeface="微軟正黑體" panose="020B0604030504040204" pitchFamily="34" charset="-120"/>
-              </a:rPr>
-              <a:t>：產生json、excel等假資料的線上免費產生器，也有API模擬器(但需登入且限制使用次數)</a:t>
-            </a:r>
-          </a:p>
-          <a:p>
-            <a:pPr marL="0" lvl="0" indent="0" eaLnBrk="0" fontAlgn="base" hangingPunct="0">
-              <a:lnSpc>
-                <a:spcPct val="100000"/>
-              </a:lnSpc>
-              <a:spcBef>
-                <a:spcPct val="0"/>
-              </a:spcBef>
-              <a:spcAft>
-                <a:spcPct val="0"/>
-              </a:spcAft>
-              <a:buNone/>
-            </a:pPr>
-            <a:endParaRPr lang="zh-TW" altLang="zh-TW" dirty="0">
-              <a:latin typeface="微軟正黑體" panose="020B0604030504040204" pitchFamily="34" charset="-120"/>
-              <a:ea typeface="微軟正黑體" panose="020B0604030504040204" pitchFamily="34" charset="-120"/>
-            </a:endParaRPr>
-          </a:p>
-        </p:txBody>
-      </p:sp>
-    </p:spTree>
-    <p:extLst>
-      <p:ext uri="{BB962C8B-B14F-4D97-AF65-F5344CB8AC3E}">
-        <p14:creationId xmlns:p14="http://schemas.microsoft.com/office/powerpoint/2010/main" val="3362069742"/>
-      </p:ext>
-    </p:extLst>
-  </p:cSld>
-  <p:clrMapOvr>
-    <a:masterClrMapping/>
-  </p:clrMapOvr>
-  <p:timing>
-    <p:tnLst>
-      <p:par>
-        <p:cTn id="1" dur="indefinite" restart="never" nodeType="tmRoot"/>
-      </p:par>
-    </p:tnLst>
-  </p:timing>
-</p:sld>
-</file>
-
-<file path=ppt/slides/slide9.xml><?xml version="1.0" encoding="utf-8"?>
-<p:sld xmlns:a="http://schemas.openxmlformats.org/drawingml/2006/main" xmlns:r="http://schemas.openxmlformats.org/officeDocument/2006/relationships" xmlns:p="http://schemas.openxmlformats.org/presentationml/2006/main">
-  <p:cSld>
-    <p:spTree>
-      <p:nvGrpSpPr>
-        <p:cNvPr id="1" name=""/>
-        <p:cNvGrpSpPr/>
-        <p:nvPr/>
-      </p:nvGrpSpPr>
-      <p:grpSpPr>
-        <a:xfrm>
-          <a:off x="0" y="0"/>
-          <a:ext cx="0" cy="0"/>
-          <a:chOff x="0" y="0"/>
-          <a:chExt cx="0" cy="0"/>
-        </a:xfrm>
-      </p:grpSpPr>
-      <p:sp>
-        <p:nvSpPr>
-          <p:cNvPr id="3" name="內容版面配置區 2"/>
-          <p:cNvSpPr>
-            <a:spLocks noGrp="1"/>
-          </p:cNvSpPr>
-          <p:nvPr>
-            <p:ph idx="1"/>
-          </p:nvPr>
-        </p:nvSpPr>
-        <p:spPr>
-          <a:xfrm>
-            <a:off x="429491" y="1257300"/>
-            <a:ext cx="11152909" cy="5508624"/>
-          </a:xfrm>
-        </p:spPr>
-        <p:txBody>
-          <a:bodyPr>
-            <a:noAutofit/>
-          </a:bodyPr>
-          <a:lstStyle/>
-          <a:p>
-            <a:r>
-              <a:rPr lang="en-US" altLang="zh-TW" dirty="0" smtClean="0">
-                <a:latin typeface="微軟正黑體" panose="020B0604030504040204" pitchFamily="34" charset="-120"/>
-                <a:ea typeface="微軟正黑體" panose="020B0604030504040204" pitchFamily="34" charset="-120"/>
-              </a:rPr>
-              <a:t>Request</a:t>
-            </a:r>
-            <a:r>
-              <a:rPr lang="zh-TW" altLang="en-US" dirty="0" smtClean="0">
-                <a:latin typeface="微軟正黑體" panose="020B0604030504040204" pitchFamily="34" charset="-120"/>
-                <a:ea typeface="微軟正黑體" panose="020B0604030504040204" pitchFamily="34" charset="-120"/>
-              </a:rPr>
-              <a:t>或</a:t>
-            </a:r>
-            <a:r>
-              <a:rPr lang="en-US" altLang="zh-TW" dirty="0" smtClean="0">
-                <a:latin typeface="微軟正黑體" panose="020B0604030504040204" pitchFamily="34" charset="-120"/>
-                <a:ea typeface="微軟正黑體" panose="020B0604030504040204" pitchFamily="34" charset="-120"/>
-              </a:rPr>
-              <a:t>Response</a:t>
-            </a:r>
-            <a:r>
-              <a:rPr lang="zh-TW" altLang="en-US" dirty="0" smtClean="0">
-                <a:latin typeface="微軟正黑體" panose="020B0604030504040204" pitchFamily="34" charset="-120"/>
-                <a:ea typeface="微軟正黑體" panose="020B0604030504040204" pitchFamily="34" charset="-120"/>
-              </a:rPr>
-              <a:t>都會帶有一個資訊，這個</a:t>
-            </a:r>
-            <a:r>
-              <a:rPr lang="zh-TW" altLang="en-US" dirty="0">
-                <a:latin typeface="微軟正黑體" panose="020B0604030504040204" pitchFamily="34" charset="-120"/>
-                <a:ea typeface="微軟正黑體" panose="020B0604030504040204" pitchFamily="34" charset="-120"/>
-              </a:rPr>
-              <a:t>資訊有規範一定</a:t>
-            </a:r>
-            <a:r>
-              <a:rPr lang="zh-TW" altLang="en-US" dirty="0" smtClean="0">
-                <a:latin typeface="微軟正黑體" panose="020B0604030504040204" pitchFamily="34" charset="-120"/>
-                <a:ea typeface="微軟正黑體" panose="020B0604030504040204" pitchFamily="34" charset="-120"/>
-              </a:rPr>
-              <a:t>的資料格式跟傳遞方法等</a:t>
-            </a:r>
-            <a:endParaRPr lang="en-US" altLang="zh-TW" dirty="0" smtClean="0">
-              <a:latin typeface="微軟正黑體" panose="020B0604030504040204" pitchFamily="34" charset="-120"/>
-              <a:ea typeface="微軟正黑體" panose="020B0604030504040204" pitchFamily="34" charset="-120"/>
-            </a:endParaRPr>
-          </a:p>
-          <a:p>
-            <a:r>
-              <a:rPr lang="zh-TW" altLang="en-US" b="1" dirty="0">
-                <a:latin typeface="微軟正黑體" panose="020B0604030504040204" pitchFamily="34" charset="-120"/>
-                <a:ea typeface="微軟正黑體" panose="020B0604030504040204" pitchFamily="34" charset="-120"/>
-              </a:rPr>
-              <a:t>傳遞方法</a:t>
-            </a:r>
-            <a:r>
-              <a:rPr lang="en-US" altLang="zh-TW" b="1" dirty="0" smtClean="0">
-                <a:latin typeface="微軟正黑體" panose="020B0604030504040204" pitchFamily="34" charset="-120"/>
-                <a:ea typeface="微軟正黑體" panose="020B0604030504040204" pitchFamily="34" charset="-120"/>
-              </a:rPr>
-              <a:t>(method)</a:t>
-            </a:r>
-            <a:r>
-              <a:rPr lang="zh-TW" altLang="en-US" b="1" dirty="0" smtClean="0">
-                <a:latin typeface="微軟正黑體" panose="020B0604030504040204" pitchFamily="34" charset="-120"/>
-                <a:ea typeface="微軟正黑體" panose="020B0604030504040204" pitchFamily="34" charset="-120"/>
-              </a:rPr>
-              <a:t>：</a:t>
-            </a:r>
-            <a:r>
-              <a:rPr lang="zh-TW" altLang="en-US" dirty="0" smtClean="0">
-                <a:latin typeface="微軟正黑體" panose="020B0604030504040204" pitchFamily="34" charset="-120"/>
-                <a:ea typeface="微軟正黑體" panose="020B0604030504040204" pitchFamily="34" charset="-120"/>
-              </a:rPr>
-              <a:t>有</a:t>
-            </a:r>
-            <a:r>
-              <a:rPr lang="zh-TW" altLang="en-US" dirty="0">
-                <a:latin typeface="微軟正黑體" panose="020B0604030504040204" pitchFamily="34" charset="-120"/>
-                <a:ea typeface="微軟正黑體" panose="020B0604030504040204" pitchFamily="34" charset="-120"/>
-              </a:rPr>
-              <a:t>很多</a:t>
-            </a:r>
-            <a:r>
-              <a:rPr lang="zh-TW" altLang="en-US" dirty="0" smtClean="0">
-                <a:latin typeface="微軟正黑體" panose="020B0604030504040204" pitchFamily="34" charset="-120"/>
-                <a:ea typeface="微軟正黑體" panose="020B0604030504040204" pitchFamily="34" charset="-120"/>
-              </a:rPr>
-              <a:t>種，</a:t>
-            </a:r>
-            <a:r>
-              <a:rPr lang="zh-TW" altLang="en-US" dirty="0">
-                <a:latin typeface="微軟正黑體" panose="020B0604030504040204" pitchFamily="34" charset="-120"/>
-                <a:ea typeface="微軟正黑體" panose="020B0604030504040204" pitchFamily="34" charset="-120"/>
-              </a:rPr>
-              <a:t>常用的</a:t>
-            </a:r>
-            <a:r>
-              <a:rPr lang="zh-TW" altLang="en-US" dirty="0" smtClean="0">
-                <a:latin typeface="微軟正黑體" panose="020B0604030504040204" pitchFamily="34" charset="-120"/>
-                <a:ea typeface="微軟正黑體" panose="020B0604030504040204" pitchFamily="34" charset="-120"/>
-              </a:rPr>
-              <a:t>幾個分別</a:t>
-            </a:r>
-            <a:r>
-              <a:rPr lang="zh-TW" altLang="en-US" dirty="0">
-                <a:latin typeface="微軟正黑體" panose="020B0604030504040204" pitchFamily="34" charset="-120"/>
-                <a:ea typeface="微軟正黑體" panose="020B0604030504040204" pitchFamily="34" charset="-120"/>
-              </a:rPr>
-              <a:t>為</a:t>
-            </a:r>
-            <a:r>
-              <a:rPr lang="zh-TW" altLang="en-US" dirty="0" smtClean="0">
-                <a:latin typeface="微軟正黑體" panose="020B0604030504040204" pitchFamily="34" charset="-120"/>
-                <a:ea typeface="微軟正黑體" panose="020B0604030504040204" pitchFamily="34" charset="-120"/>
-              </a:rPr>
-              <a:t>：</a:t>
-            </a:r>
-            <a:r>
-              <a:rPr lang="en-US" altLang="zh-TW" b="1" dirty="0">
-                <a:latin typeface="微軟正黑體" panose="020B0604030504040204" pitchFamily="34" charset="-120"/>
-                <a:ea typeface="微軟正黑體" panose="020B0604030504040204" pitchFamily="34" charset="-120"/>
-              </a:rPr>
-              <a:t>POST / GET / PUT / DELETE</a:t>
-            </a:r>
-            <a:r>
-              <a:rPr lang="zh-TW" altLang="en-US" dirty="0">
-                <a:latin typeface="微軟正黑體" panose="020B0604030504040204" pitchFamily="34" charset="-120"/>
-                <a:ea typeface="微軟正黑體" panose="020B0604030504040204" pitchFamily="34" charset="-120"/>
-              </a:rPr>
-              <a:t>，正好會對應</a:t>
-            </a:r>
-            <a:r>
-              <a:rPr lang="zh-TW" altLang="en-US" dirty="0" smtClean="0">
-                <a:latin typeface="微軟正黑體" panose="020B0604030504040204" pitchFamily="34" charset="-120"/>
-                <a:ea typeface="微軟正黑體" panose="020B0604030504040204" pitchFamily="34" charset="-120"/>
-              </a:rPr>
-              <a:t>到</a:t>
-            </a:r>
-            <a:r>
-              <a:rPr lang="en-US" altLang="zh-TW" dirty="0" smtClean="0">
-                <a:latin typeface="微軟正黑體" panose="020B0604030504040204" pitchFamily="34" charset="-120"/>
-                <a:ea typeface="微軟正黑體" panose="020B0604030504040204" pitchFamily="34" charset="-120"/>
-              </a:rPr>
-              <a:t>CRUD </a:t>
-            </a:r>
-            <a:r>
-              <a:rPr lang="zh-TW" altLang="en-US" dirty="0" smtClean="0">
-                <a:latin typeface="微軟正黑體" panose="020B0604030504040204" pitchFamily="34" charset="-120"/>
-                <a:ea typeface="微軟正黑體" panose="020B0604030504040204" pitchFamily="34" charset="-120"/>
-              </a:rPr>
-              <a:t>。</a:t>
-            </a:r>
-            <a:endParaRPr lang="en-US" altLang="zh-TW" dirty="0">
-              <a:latin typeface="微軟正黑體" panose="020B0604030504040204" pitchFamily="34" charset="-120"/>
-              <a:ea typeface="微軟正黑體" panose="020B0604030504040204" pitchFamily="34" charset="-120"/>
-            </a:endParaRPr>
-          </a:p>
-          <a:p>
-            <a:pPr marL="171450" indent="-171450"/>
-            <a:r>
-              <a:rPr lang="en-US" altLang="zh-TW" dirty="0">
-                <a:latin typeface="微軟正黑體" panose="020B0604030504040204" pitchFamily="34" charset="-120"/>
-                <a:ea typeface="微軟正黑體" panose="020B0604030504040204" pitchFamily="34" charset="-120"/>
-              </a:rPr>
-              <a:t>Get</a:t>
-            </a:r>
-            <a:r>
-              <a:rPr lang="zh-TW" altLang="en-US" dirty="0">
-                <a:latin typeface="微軟正黑體" panose="020B0604030504040204" pitchFamily="34" charset="-120"/>
-                <a:ea typeface="微軟正黑體" panose="020B0604030504040204" pitchFamily="34" charset="-120"/>
-              </a:rPr>
-              <a:t>：傳送</a:t>
-            </a:r>
-            <a:r>
-              <a:rPr lang="zh-TW" altLang="en-US" dirty="0" smtClean="0">
-                <a:latin typeface="微軟正黑體" panose="020B0604030504040204" pitchFamily="34" charset="-120"/>
-                <a:ea typeface="微軟正黑體" panose="020B0604030504040204" pitchFamily="34" charset="-120"/>
-              </a:rPr>
-              <a:t>的參數會</a:t>
-            </a:r>
-            <a:r>
-              <a:rPr lang="zh-TW" altLang="en-US" dirty="0">
-                <a:latin typeface="微軟正黑體" panose="020B0604030504040204" pitchFamily="34" charset="-120"/>
-                <a:ea typeface="微軟正黑體" panose="020B0604030504040204" pitchFamily="34" charset="-120"/>
-              </a:rPr>
-              <a:t>透過網址的方式傳送，大家都看得到，比較不安全，適用於</a:t>
-            </a:r>
-            <a:r>
-              <a:rPr lang="zh-TW" altLang="en-US" dirty="0" smtClean="0">
-                <a:latin typeface="微軟正黑體" panose="020B0604030504040204" pitchFamily="34" charset="-120"/>
-                <a:ea typeface="微軟正黑體" panose="020B0604030504040204" pitchFamily="34" charset="-120"/>
-              </a:rPr>
-              <a:t>搜尋</a:t>
-            </a:r>
-            <a:endParaRPr lang="en-US" altLang="zh-TW" dirty="0">
-              <a:latin typeface="微軟正黑體" panose="020B0604030504040204" pitchFamily="34" charset="-120"/>
-              <a:ea typeface="微軟正黑體" panose="020B0604030504040204" pitchFamily="34" charset="-120"/>
-            </a:endParaRPr>
-          </a:p>
-          <a:p>
-            <a:pPr marL="171450" indent="-171450"/>
-            <a:r>
-              <a:rPr lang="en-US" altLang="zh-TW" dirty="0">
-                <a:latin typeface="微軟正黑體" panose="020B0604030504040204" pitchFamily="34" charset="-120"/>
-                <a:ea typeface="微軟正黑體" panose="020B0604030504040204" pitchFamily="34" charset="-120"/>
-              </a:rPr>
-              <a:t>Post</a:t>
-            </a:r>
-            <a:r>
-              <a:rPr lang="zh-TW" altLang="en-US" dirty="0">
-                <a:latin typeface="微軟正黑體" panose="020B0604030504040204" pitchFamily="34" charset="-120"/>
-                <a:ea typeface="微軟正黑體" panose="020B0604030504040204" pitchFamily="34" charset="-120"/>
-              </a:rPr>
-              <a:t>：傳送的資料會包</a:t>
-            </a:r>
-            <a:r>
-              <a:rPr lang="zh-TW" altLang="en-US" dirty="0" smtClean="0">
-                <a:latin typeface="微軟正黑體" panose="020B0604030504040204" pitchFamily="34" charset="-120"/>
-                <a:ea typeface="微軟正黑體" panose="020B0604030504040204" pitchFamily="34" charset="-120"/>
-              </a:rPr>
-              <a:t>在</a:t>
-            </a:r>
-            <a:r>
-              <a:rPr lang="en-US" altLang="zh-TW" dirty="0" smtClean="0">
-                <a:latin typeface="微軟正黑體" panose="020B0604030504040204" pitchFamily="34" charset="-120"/>
-                <a:ea typeface="微軟正黑體" panose="020B0604030504040204" pitchFamily="34" charset="-120"/>
-              </a:rPr>
-              <a:t>Request Body</a:t>
-            </a:r>
-            <a:r>
-              <a:rPr lang="zh-TW" altLang="en-US" dirty="0" smtClean="0">
-                <a:latin typeface="微軟正黑體" panose="020B0604030504040204" pitchFamily="34" charset="-120"/>
-                <a:ea typeface="微軟正黑體" panose="020B0604030504040204" pitchFamily="34" charset="-120"/>
-              </a:rPr>
-              <a:t>，像傳送</a:t>
-            </a:r>
-            <a:r>
-              <a:rPr lang="zh-TW" altLang="en-US" dirty="0">
-                <a:latin typeface="微軟正黑體" panose="020B0604030504040204" pitchFamily="34" charset="-120"/>
-                <a:ea typeface="微軟正黑體" panose="020B0604030504040204" pitchFamily="34" charset="-120"/>
-              </a:rPr>
-              <a:t>檔案、帳密或是其他機密資訊時</a:t>
-            </a:r>
-            <a:r>
-              <a:rPr lang="zh-TW" altLang="en-US" dirty="0" smtClean="0">
-                <a:latin typeface="微軟正黑體" panose="020B0604030504040204" pitchFamily="34" charset="-120"/>
-                <a:ea typeface="微軟正黑體" panose="020B0604030504040204" pitchFamily="34" charset="-120"/>
-              </a:rPr>
-              <a:t>適合用</a:t>
-            </a:r>
-            <a:r>
-              <a:rPr lang="en-US" altLang="zh-TW" dirty="0" smtClean="0">
-                <a:latin typeface="微軟正黑體" panose="020B0604030504040204" pitchFamily="34" charset="-120"/>
-                <a:ea typeface="微軟正黑體" panose="020B0604030504040204" pitchFamily="34" charset="-120"/>
-              </a:rPr>
-              <a:t>Post</a:t>
-            </a:r>
-            <a:endParaRPr lang="en-US" altLang="zh-TW" sz="2800" dirty="0">
-              <a:latin typeface="微軟正黑體" panose="020B0604030504040204" pitchFamily="34" charset="-120"/>
-              <a:ea typeface="微軟正黑體" panose="020B0604030504040204" pitchFamily="34" charset="-120"/>
-            </a:endParaRPr>
-          </a:p>
-          <a:p>
-            <a:pPr marL="628650" lvl="1" indent="-171450"/>
-            <a:r>
-              <a:rPr lang="en-US" altLang="zh-TW" sz="2800" dirty="0">
-                <a:latin typeface="微軟正黑體" panose="020B0604030504040204" pitchFamily="34" charset="-120"/>
-                <a:ea typeface="微軟正黑體" panose="020B0604030504040204" pitchFamily="34" charset="-120"/>
-              </a:rPr>
-              <a:t>Request </a:t>
-            </a:r>
-            <a:r>
-              <a:rPr lang="en-US" altLang="zh-TW" sz="2800" dirty="0" smtClean="0">
-                <a:latin typeface="微軟正黑體" panose="020B0604030504040204" pitchFamily="34" charset="-120"/>
-                <a:ea typeface="微軟正黑體" panose="020B0604030504040204" pitchFamily="34" charset="-120"/>
-              </a:rPr>
-              <a:t>Body</a:t>
-            </a:r>
-            <a:r>
-              <a:rPr lang="zh-TW" altLang="en-US" sz="2800" dirty="0" smtClean="0">
-                <a:latin typeface="微軟正黑體" panose="020B0604030504040204" pitchFamily="34" charset="-120"/>
-                <a:ea typeface="微軟正黑體" panose="020B0604030504040204" pitchFamily="34" charset="-120"/>
-              </a:rPr>
-              <a:t>：</a:t>
-            </a:r>
-            <a:r>
-              <a:rPr lang="zh-TW" altLang="en-US" sz="2800" dirty="0">
-                <a:latin typeface="微軟正黑體" panose="020B0604030504040204" pitchFamily="34" charset="-120"/>
-                <a:ea typeface="微軟正黑體" panose="020B0604030504040204" pitchFamily="34" charset="-120"/>
-              </a:rPr>
-              <a:t>可在</a:t>
-            </a:r>
-            <a:r>
-              <a:rPr lang="en-US" altLang="zh-TW" sz="2800" dirty="0">
-                <a:latin typeface="微軟正黑體" panose="020B0604030504040204" pitchFamily="34" charset="-120"/>
-                <a:ea typeface="微軟正黑體" panose="020B0604030504040204" pitchFamily="34" charset="-120"/>
-              </a:rPr>
-              <a:t>Chrome</a:t>
-            </a:r>
-            <a:r>
-              <a:rPr lang="zh-TW" altLang="en-US" sz="2800" dirty="0">
-                <a:latin typeface="微軟正黑體" panose="020B0604030504040204" pitchFamily="34" charset="-120"/>
-                <a:ea typeface="微軟正黑體" panose="020B0604030504040204" pitchFamily="34" charset="-120"/>
-              </a:rPr>
-              <a:t>按</a:t>
-            </a:r>
-            <a:r>
-              <a:rPr lang="en-US" altLang="zh-TW" sz="2800" dirty="0">
-                <a:latin typeface="微軟正黑體" panose="020B0604030504040204" pitchFamily="34" charset="-120"/>
-                <a:ea typeface="微軟正黑體" panose="020B0604030504040204" pitchFamily="34" charset="-120"/>
-              </a:rPr>
-              <a:t>F12</a:t>
-            </a:r>
-            <a:r>
-              <a:rPr lang="zh-TW" altLang="en-US" sz="2800" dirty="0">
-                <a:latin typeface="微軟正黑體" panose="020B0604030504040204" pitchFamily="34" charset="-120"/>
-                <a:ea typeface="微軟正黑體" panose="020B0604030504040204" pitchFamily="34" charset="-120"/>
-              </a:rPr>
-              <a:t>開啟開發人員工具，然後切到</a:t>
-            </a:r>
-            <a:r>
-              <a:rPr lang="en-US" altLang="zh-TW" sz="2800" dirty="0" err="1">
-                <a:latin typeface="微軟正黑體" panose="020B0604030504040204" pitchFamily="34" charset="-120"/>
-                <a:ea typeface="微軟正黑體" panose="020B0604030504040204" pitchFamily="34" charset="-120"/>
-              </a:rPr>
-              <a:t>NetWork</a:t>
-            </a:r>
-            <a:r>
-              <a:rPr lang="zh-TW" altLang="en-US" sz="2800" dirty="0">
-                <a:latin typeface="微軟正黑體" panose="020B0604030504040204" pitchFamily="34" charset="-120"/>
-                <a:ea typeface="微軟正黑體" panose="020B0604030504040204" pitchFamily="34" charset="-120"/>
-              </a:rPr>
-              <a:t>找到傳送的</a:t>
-            </a:r>
-            <a:r>
-              <a:rPr lang="en-US" altLang="zh-TW" sz="2800" dirty="0">
-                <a:latin typeface="微軟正黑體" panose="020B0604030504040204" pitchFamily="34" charset="-120"/>
-                <a:ea typeface="微軟正黑體" panose="020B0604030504040204" pitchFamily="34" charset="-120"/>
-              </a:rPr>
-              <a:t>API</a:t>
-            </a:r>
-            <a:r>
-              <a:rPr lang="zh-TW" altLang="en-US" sz="2800" dirty="0">
-                <a:latin typeface="微軟正黑體" panose="020B0604030504040204" pitchFamily="34" charset="-120"/>
-                <a:ea typeface="微軟正黑體" panose="020B0604030504040204" pitchFamily="34" charset="-120"/>
-              </a:rPr>
-              <a:t>資訊，點開最下方可</a:t>
-            </a:r>
-            <a:r>
-              <a:rPr lang="zh-TW" altLang="en-US" sz="2800" dirty="0" smtClean="0">
-                <a:latin typeface="微軟正黑體" panose="020B0604030504040204" pitchFamily="34" charset="-120"/>
-                <a:ea typeface="微軟正黑體" panose="020B0604030504040204" pitchFamily="34" charset="-120"/>
-              </a:rPr>
-              <a:t>看到</a:t>
-            </a:r>
-            <a:endParaRPr lang="zh-TW" altLang="en-US" sz="2800" dirty="0">
-              <a:latin typeface="微軟正黑體" panose="020B0604030504040204" pitchFamily="34" charset="-120"/>
-              <a:ea typeface="微軟正黑體" panose="020B0604030504040204" pitchFamily="34" charset="-120"/>
-            </a:endParaRPr>
-          </a:p>
-        </p:txBody>
-      </p:sp>
-      <p:sp>
-        <p:nvSpPr>
-          <p:cNvPr id="4" name="標題 1"/>
-          <p:cNvSpPr txBox="1">
-            <a:spLocks/>
-          </p:cNvSpPr>
-          <p:nvPr/>
-        </p:nvSpPr>
-        <p:spPr>
-          <a:xfrm>
-            <a:off x="429491" y="1"/>
-            <a:ext cx="11152909" cy="1481496"/>
-          </a:xfrm>
-          <a:prstGeom prst="rect">
-            <a:avLst/>
-          </a:prstGeom>
-        </p:spPr>
-        <p:txBody>
-          <a:bodyPr vert="horz" lIns="91440" tIns="45720" rIns="91440" bIns="45720" rtlCol="0" anchor="ctr">
-            <a:noAutofit/>
-          </a:bodyPr>
-          <a:lstStyle>
-            <a:lvl1pPr algn="l" defTabSz="914400" rtl="0" eaLnBrk="1" latinLnBrk="0" hangingPunct="1">
-              <a:lnSpc>
-                <a:spcPct val="90000"/>
-              </a:lnSpc>
-              <a:spcBef>
-                <a:spcPct val="0"/>
-              </a:spcBef>
-              <a:buNone/>
-              <a:defRPr sz="4400" kern="1200">
-                <a:solidFill>
-                  <a:schemeClr val="tx1"/>
-                </a:solidFill>
-                <a:latin typeface="+mj-lt"/>
-                <a:ea typeface="+mj-ea"/>
-                <a:cs typeface="+mj-cs"/>
-              </a:defRPr>
-            </a:lvl1pPr>
-          </a:lstStyle>
-          <a:p>
-            <a:r>
-              <a:rPr lang="en-US" altLang="zh-TW" sz="3200" dirty="0">
-                <a:latin typeface="微軟正黑體" panose="020B0604030504040204" pitchFamily="34" charset="-120"/>
-                <a:ea typeface="微軟正黑體" panose="020B0604030504040204" pitchFamily="34" charset="-120"/>
-              </a:rPr>
-              <a:t>HTTP</a:t>
-            </a:r>
-            <a:r>
-              <a:rPr lang="zh-TW" altLang="en-US" sz="3200" dirty="0">
-                <a:latin typeface="微軟正黑體" panose="020B0604030504040204" pitchFamily="34" charset="-120"/>
-                <a:ea typeface="微軟正黑體" panose="020B0604030504040204" pitchFamily="34" charset="-120"/>
-              </a:rPr>
-              <a:t>資訊介紹</a:t>
-            </a:r>
-          </a:p>
-        </p:txBody>
-      </p:sp>
-    </p:spTree>
-    <p:extLst>
-      <p:ext uri="{BB962C8B-B14F-4D97-AF65-F5344CB8AC3E}">
-        <p14:creationId xmlns:p14="http://schemas.microsoft.com/office/powerpoint/2010/main" val="2994102965"/>
-      </p:ext>
-    </p:extLst>
-  </p:cSld>
-  <p:clrMapOvr>
-    <a:masterClrMapping/>
-  </p:clrMapOvr>
-  <p:timing>
-    <p:tnLst>
-      <p:par>
-        <p:cTn id="1" dur="indefinite" restart="never" nodeType="tmRoot"/>
-      </p:par>
-    </p:tnLst>
-  </p:timing>
-</p:sld>
-</file>
-
 <file path=ppt/theme/theme1.xml><?xml version="1.0" encoding="utf-8"?>
 <a:theme xmlns:a="http://schemas.openxmlformats.org/drawingml/2006/main" name="Office 佈景主題">
   <a:themeElements>

--- a/Web API教學與實做.pptx
+++ b/Web API教學與實做.pptx
@@ -281,7 +281,7 @@
           <a:p>
             <a:fld id="{2F6E5846-5D0F-48C5-89A4-48096943028B}" type="datetimeFigureOut">
               <a:rPr lang="zh-TW" altLang="en-US" smtClean="0"/>
-              <a:t>2021/12/25</a:t>
+              <a:t>2021/12/27</a:t>
             </a:fld>
             <a:endParaRPr lang="zh-TW" altLang="en-US"/>
           </a:p>
@@ -593,6 +593,64 @@
           <a:bodyPr/>
           <a:lstStyle/>
           <a:p>
+            <a:r>
+              <a:rPr lang="zh-TW" altLang="en-US" dirty="0" smtClean="0"/>
+              <a:t>有</a:t>
+            </a:r>
+            <a:r>
+              <a:rPr lang="en-US" altLang="zh-TW" dirty="0" err="1" smtClean="0"/>
+              <a:t>.net</a:t>
+            </a:r>
+            <a:r>
+              <a:rPr lang="en-US" altLang="zh-TW" dirty="0" smtClean="0"/>
+              <a:t> </a:t>
+            </a:r>
+            <a:r>
+              <a:rPr lang="en-US" altLang="zh-TW" dirty="0" err="1" smtClean="0"/>
+              <a:t>mvc</a:t>
+            </a:r>
+            <a:r>
+              <a:rPr lang="zh-TW" altLang="en-US" dirty="0" smtClean="0"/>
+              <a:t>或</a:t>
+            </a:r>
+            <a:r>
+              <a:rPr lang="en-US" altLang="zh-TW" dirty="0" err="1" smtClean="0"/>
+              <a:t>.net</a:t>
+            </a:r>
+            <a:r>
+              <a:rPr lang="en-US" altLang="zh-TW" dirty="0" smtClean="0"/>
+              <a:t> core </a:t>
+            </a:r>
+            <a:r>
+              <a:rPr lang="en-US" altLang="zh-TW" dirty="0" err="1" smtClean="0"/>
+              <a:t>mvc</a:t>
+            </a:r>
+            <a:r>
+              <a:rPr lang="zh-TW" altLang="en-US" dirty="0" smtClean="0"/>
+              <a:t>的開發經驗</a:t>
+            </a:r>
+            <a:r>
+              <a:rPr lang="en-US" altLang="zh-TW" dirty="0" smtClean="0"/>
+              <a:t>?</a:t>
+            </a:r>
+          </a:p>
+          <a:p>
+            <a:r>
+              <a:rPr lang="zh-TW" altLang="en-US" dirty="0" smtClean="0"/>
+              <a:t>有</a:t>
+            </a:r>
+            <a:r>
+              <a:rPr lang="en-US" altLang="zh-TW" dirty="0" err="1" smtClean="0"/>
+              <a:t>webApi</a:t>
+            </a:r>
+            <a:r>
+              <a:rPr lang="zh-TW" altLang="en-US" dirty="0" smtClean="0"/>
+              <a:t>串接經驗的</a:t>
+            </a:r>
+            <a:r>
+              <a:rPr lang="en-US" altLang="zh-TW" dirty="0" smtClean="0"/>
+              <a:t>?</a:t>
+            </a:r>
             <a:endParaRPr lang="zh-TW" altLang="en-US" dirty="0"/>
           </a:p>
         </p:txBody>
@@ -6936,7 +6994,7 @@
           <a:p>
             <a:fld id="{AE18679F-F7AD-4C3C-A7D1-3B957986030F}" type="datetimeFigureOut">
               <a:rPr lang="zh-TW" altLang="en-US" smtClean="0"/>
-              <a:t>2021/12/25</a:t>
+              <a:t>2021/12/27</a:t>
             </a:fld>
             <a:endParaRPr lang="zh-TW" altLang="en-US"/>
           </a:p>
@@ -7106,7 +7164,7 @@
           <a:p>
             <a:fld id="{AE18679F-F7AD-4C3C-A7D1-3B957986030F}" type="datetimeFigureOut">
               <a:rPr lang="zh-TW" altLang="en-US" smtClean="0"/>
-              <a:t>2021/12/25</a:t>
+              <a:t>2021/12/27</a:t>
             </a:fld>
             <a:endParaRPr lang="zh-TW" altLang="en-US"/>
           </a:p>
@@ -7286,7 +7344,7 @@
           <a:p>
             <a:fld id="{AE18679F-F7AD-4C3C-A7D1-3B957986030F}" type="datetimeFigureOut">
               <a:rPr lang="zh-TW" altLang="en-US" smtClean="0"/>
-              <a:t>2021/12/25</a:t>
+              <a:t>2021/12/27</a:t>
             </a:fld>
             <a:endParaRPr lang="zh-TW" altLang="en-US"/>
           </a:p>
@@ -7456,7 +7514,7 @@
           <a:p>
             <a:fld id="{AE18679F-F7AD-4C3C-A7D1-3B957986030F}" type="datetimeFigureOut">
               <a:rPr lang="zh-TW" altLang="en-US" smtClean="0"/>
-              <a:t>2021/12/25</a:t>
+              <a:t>2021/12/27</a:t>
             </a:fld>
             <a:endParaRPr lang="zh-TW" altLang="en-US"/>
           </a:p>
@@ -7702,7 +7760,7 @@
           <a:p>
             <a:fld id="{AE18679F-F7AD-4C3C-A7D1-3B957986030F}" type="datetimeFigureOut">
               <a:rPr lang="zh-TW" altLang="en-US" smtClean="0"/>
-              <a:t>2021/12/25</a:t>
+              <a:t>2021/12/27</a:t>
             </a:fld>
             <a:endParaRPr lang="zh-TW" altLang="en-US"/>
           </a:p>
@@ -7934,7 +7992,7 @@
           <a:p>
             <a:fld id="{AE18679F-F7AD-4C3C-A7D1-3B957986030F}" type="datetimeFigureOut">
               <a:rPr lang="zh-TW" altLang="en-US" smtClean="0"/>
-              <a:t>2021/12/25</a:t>
+              <a:t>2021/12/27</a:t>
             </a:fld>
             <a:endParaRPr lang="zh-TW" altLang="en-US"/>
           </a:p>
@@ -8301,7 +8359,7 @@
           <a:p>
             <a:fld id="{AE18679F-F7AD-4C3C-A7D1-3B957986030F}" type="datetimeFigureOut">
               <a:rPr lang="zh-TW" altLang="en-US" smtClean="0"/>
-              <a:t>2021/12/25</a:t>
+              <a:t>2021/12/27</a:t>
             </a:fld>
             <a:endParaRPr lang="zh-TW" altLang="en-US"/>
           </a:p>
@@ -8419,7 +8477,7 @@
           <a:p>
             <a:fld id="{AE18679F-F7AD-4C3C-A7D1-3B957986030F}" type="datetimeFigureOut">
               <a:rPr lang="zh-TW" altLang="en-US" smtClean="0"/>
-              <a:t>2021/12/25</a:t>
+              <a:t>2021/12/27</a:t>
             </a:fld>
             <a:endParaRPr lang="zh-TW" altLang="en-US"/>
           </a:p>
@@ -8514,7 +8572,7 @@
           <a:p>
             <a:fld id="{AE18679F-F7AD-4C3C-A7D1-3B957986030F}" type="datetimeFigureOut">
               <a:rPr lang="zh-TW" altLang="en-US" smtClean="0"/>
-              <a:t>2021/12/25</a:t>
+              <a:t>2021/12/27</a:t>
             </a:fld>
             <a:endParaRPr lang="zh-TW" altLang="en-US"/>
           </a:p>
@@ -8791,7 +8849,7 @@
           <a:p>
             <a:fld id="{AE18679F-F7AD-4C3C-A7D1-3B957986030F}" type="datetimeFigureOut">
               <a:rPr lang="zh-TW" altLang="en-US" smtClean="0"/>
-              <a:t>2021/12/25</a:t>
+              <a:t>2021/12/27</a:t>
             </a:fld>
             <a:endParaRPr lang="zh-TW" altLang="en-US"/>
           </a:p>
@@ -9044,7 +9102,7 @@
           <a:p>
             <a:fld id="{AE18679F-F7AD-4C3C-A7D1-3B957986030F}" type="datetimeFigureOut">
               <a:rPr lang="zh-TW" altLang="en-US" smtClean="0"/>
-              <a:t>2021/12/25</a:t>
+              <a:t>2021/12/27</a:t>
             </a:fld>
             <a:endParaRPr lang="zh-TW" altLang="en-US"/>
           </a:p>
@@ -9257,7 +9315,7 @@
           <a:p>
             <a:fld id="{AE18679F-F7AD-4C3C-A7D1-3B957986030F}" type="datetimeFigureOut">
               <a:rPr lang="zh-TW" altLang="en-US" smtClean="0"/>
-              <a:t>2021/12/25</a:t>
+              <a:t>2021/12/27</a:t>
             </a:fld>
             <a:endParaRPr lang="zh-TW" altLang="en-US"/>
           </a:p>
@@ -20892,7 +20950,7 @@
             <p:ph idx="1"/>
             <p:extLst>
               <p:ext uri="{D42A27DB-BD31-4B8C-83A1-F6EECF244321}">
-                <p14:modId xmlns:p14="http://schemas.microsoft.com/office/powerpoint/2010/main" val="2990881946"/>
+                <p14:modId xmlns:p14="http://schemas.microsoft.com/office/powerpoint/2010/main" val="2681134214"/>
               </p:ext>
             </p:extLst>
           </p:nvPr>
@@ -20958,6 +21016,32 @@
                         <a:rPr lang="en-US" altLang="zh-TW" sz="2400" b="1" dirty="0" smtClean="0"/>
                         <a:t>    data: '"hello world"',</a:t>
                       </a:r>
+                    </a:p>
+                    <a:p>
+                      <a:pPr marL="0" indent="0">
+                        <a:buNone/>
+                      </a:pPr>
+                      <a:r>
+                        <a:rPr lang="zh-TW" altLang="en-US" sz="2400" b="1" dirty="0" smtClean="0"/>
+                        <a:t>    </a:t>
+                      </a:r>
+                      <a:r>
+                        <a:rPr lang="en-US" altLang="zh-TW" sz="2400" b="1" dirty="0" err="1" smtClean="0"/>
+                        <a:t>contentType</a:t>
+                      </a:r>
+                      <a:r>
+                        <a:rPr lang="en-US" altLang="zh-TW" sz="2400" b="1" dirty="0" smtClean="0"/>
+                        <a:t>: "application/</a:t>
+                      </a:r>
+                      <a:r>
+                        <a:rPr lang="en-US" altLang="zh-TW" sz="2400" b="1" dirty="0" err="1" smtClean="0"/>
+                        <a:t>json</a:t>
+                      </a:r>
+                      <a:r>
+                        <a:rPr lang="en-US" altLang="zh-TW" sz="2400" b="1" smtClean="0"/>
+                        <a:t>; charset=utf-8",</a:t>
+                      </a:r>
+                      <a:endParaRPr lang="en-US" altLang="zh-TW" sz="2400" b="1" dirty="0" smtClean="0"/>
                     </a:p>
                     <a:p>
                       <a:pPr marL="0" indent="0">
@@ -26750,6 +26834,30 @@
           </a:p>
         </p:txBody>
       </p:sp>
+      <p:pic>
+        <p:nvPicPr>
+          <p:cNvPr id="3" name="圖片 2"/>
+          <p:cNvPicPr>
+            <a:picLocks noChangeAspect="1"/>
+          </p:cNvPicPr>
+          <p:nvPr/>
+        </p:nvPicPr>
+        <p:blipFill>
+          <a:blip r:embed="rId3"/>
+          <a:stretch>
+            <a:fillRect/>
+          </a:stretch>
+        </p:blipFill>
+        <p:spPr>
+          <a:xfrm>
+            <a:off x="9144000" y="2462329"/>
+            <a:ext cx="3048000" cy="4421746"/>
+          </a:xfrm>
+          <a:prstGeom prst="rect">
+            <a:avLst/>
+          </a:prstGeom>
+        </p:spPr>
+      </p:pic>
     </p:spTree>
     <p:extLst>
       <p:ext uri="{BB962C8B-B14F-4D97-AF65-F5344CB8AC3E}">
@@ -26763,7 +26871,83 @@
   <p:timing>
     <p:tnLst>
       <p:par>
-        <p:cTn id="1" dur="indefinite" restart="never" nodeType="tmRoot"/>
+        <p:cTn id="1" dur="indefinite" restart="never" nodeType="tmRoot">
+          <p:childTnLst>
+            <p:seq concurrent="1" nextAc="seek">
+              <p:cTn id="2" dur="indefinite" nodeType="mainSeq">
+                <p:childTnLst>
+                  <p:par>
+                    <p:cTn id="3" fill="hold">
+                      <p:stCondLst>
+                        <p:cond delay="indefinite"/>
+                      </p:stCondLst>
+                      <p:childTnLst>
+                        <p:par>
+                          <p:cTn id="4" fill="hold">
+                            <p:stCondLst>
+                              <p:cond delay="0"/>
+                            </p:stCondLst>
+                            <p:childTnLst>
+                              <p:par>
+                                <p:cTn id="5" presetID="10" presetClass="entr" presetSubtype="0" fill="hold" nodeType="clickEffect">
+                                  <p:stCondLst>
+                                    <p:cond delay="0"/>
+                                  </p:stCondLst>
+                                  <p:childTnLst>
+                                    <p:set>
+                                      <p:cBhvr>
+                                        <p:cTn id="6" dur="1" fill="hold">
+                                          <p:stCondLst>
+                                            <p:cond delay="0"/>
+                                          </p:stCondLst>
+                                        </p:cTn>
+                                        <p:tgtEl>
+                                          <p:spTgt spid="3"/>
+                                        </p:tgtEl>
+                                        <p:attrNameLst>
+                                          <p:attrName>style.visibility</p:attrName>
+                                        </p:attrNameLst>
+                                      </p:cBhvr>
+                                      <p:to>
+                                        <p:strVal val="visible"/>
+                                      </p:to>
+                                    </p:set>
+                                    <p:animEffect transition="in" filter="fade">
+                                      <p:cBhvr>
+                                        <p:cTn id="7" dur="500"/>
+                                        <p:tgtEl>
+                                          <p:spTgt spid="3"/>
+                                        </p:tgtEl>
+                                      </p:cBhvr>
+                                    </p:animEffect>
+                                  </p:childTnLst>
+                                </p:cTn>
+                              </p:par>
+                            </p:childTnLst>
+                          </p:cTn>
+                        </p:par>
+                      </p:childTnLst>
+                    </p:cTn>
+                  </p:par>
+                </p:childTnLst>
+              </p:cTn>
+              <p:prevCondLst>
+                <p:cond evt="onPrev" delay="0">
+                  <p:tgtEl>
+                    <p:sldTgt/>
+                  </p:tgtEl>
+                </p:cond>
+              </p:prevCondLst>
+              <p:nextCondLst>
+                <p:cond evt="onNext" delay="0">
+                  <p:tgtEl>
+                    <p:sldTgt/>
+                  </p:tgtEl>
+                </p:cond>
+              </p:nextCondLst>
+            </p:seq>
+          </p:childTnLst>
+        </p:cTn>
       </p:par>
     </p:tnLst>
   </p:timing>
@@ -27132,7 +27316,7 @@
         </p:spPr>
         <p:txBody>
           <a:bodyPr>
-            <a:normAutofit/>
+            <a:normAutofit fontScale="90000"/>
           </a:bodyPr>
           <a:lstStyle/>
           <a:p>
@@ -27148,14 +27332,56 @@
                 <a:latin typeface="微軟正黑體" panose="020B0604030504040204" pitchFamily="34" charset="-120"/>
                 <a:ea typeface="微軟正黑體" panose="020B0604030504040204" pitchFamily="34" charset="-120"/>
               </a:rPr>
-              <a:t>設定三：</a:t>
+              <a:t>設定三</a:t>
+            </a:r>
+            <a:r>
+              <a:rPr lang="zh-TW" altLang="en-US" sz="2800" dirty="0" smtClean="0">
+                <a:latin typeface="微軟正黑體" panose="020B0604030504040204" pitchFamily="34" charset="-120"/>
+                <a:ea typeface="微軟正黑體" panose="020B0604030504040204" pitchFamily="34" charset="-120"/>
+              </a:rPr>
+              <a:t>：後端設定特定</a:t>
+            </a:r>
+            <a:r>
+              <a:rPr lang="en-US" altLang="zh-TW" sz="2800" dirty="0" smtClean="0">
+                <a:latin typeface="微軟正黑體" panose="020B0604030504040204" pitchFamily="34" charset="-120"/>
+                <a:ea typeface="微軟正黑體" panose="020B0604030504040204" pitchFamily="34" charset="-120"/>
+              </a:rPr>
+              <a:t>header</a:t>
+            </a:r>
+            <a:r>
+              <a:rPr lang="zh-TW" altLang="en-US" sz="2800" dirty="0" smtClean="0">
+                <a:latin typeface="微軟正黑體" panose="020B0604030504040204" pitchFamily="34" charset="-120"/>
+                <a:ea typeface="微軟正黑體" panose="020B0604030504040204" pitchFamily="34" charset="-120"/>
+              </a:rPr>
+              <a:t>的</a:t>
+            </a:r>
+            <a:r>
+              <a:rPr lang="en-US" altLang="zh-TW" sz="2800" dirty="0" smtClean="0">
+                <a:latin typeface="微軟正黑體" panose="020B0604030504040204" pitchFamily="34" charset="-120"/>
+                <a:ea typeface="微軟正黑體" panose="020B0604030504040204" pitchFamily="34" charset="-120"/>
+              </a:rPr>
+              <a:t>CORS</a:t>
+            </a:r>
+            <a:r>
+              <a:rPr lang="zh-TW" altLang="en-US" sz="2800" dirty="0" smtClean="0">
+                <a:latin typeface="微軟正黑體" panose="020B0604030504040204" pitchFamily="34" charset="-120"/>
+                <a:ea typeface="微軟正黑體" panose="020B0604030504040204" pitchFamily="34" charset="-120"/>
+              </a:rPr>
+              <a:t>，</a:t>
+            </a:r>
+            <a:r>
+              <a:rPr lang="zh-TW" altLang="en-US" sz="2800" b="1" dirty="0" smtClean="0">
+                <a:latin typeface="微軟正黑體" panose="020B0604030504040204" pitchFamily="34" charset="-120"/>
+                <a:ea typeface="微軟正黑體" panose="020B0604030504040204" pitchFamily="34" charset="-120"/>
+              </a:rPr>
+              <a:t>前</a:t>
             </a:r>
             <a:r>
               <a:rPr lang="zh-TW" altLang="en-US" sz="2800" b="1" dirty="0">
                 <a:latin typeface="微軟正黑體" panose="020B0604030504040204" pitchFamily="34" charset="-120"/>
                 <a:ea typeface="微軟正黑體" panose="020B0604030504040204" pitchFamily="34" charset="-120"/>
               </a:rPr>
-              <a:t>前端呼叫</a:t>
+              <a:t>端呼叫</a:t>
             </a:r>
             <a:r>
               <a:rPr lang="en-US" altLang="zh-TW" sz="2800" b="1" dirty="0">

--- a/Web API教學與實做.pptx
+++ b/Web API教學與實做.pptx
@@ -5,7 +5,7 @@
     <p:sldMasterId id="2147483648" r:id="rId1"/>
   </p:sldMasterIdLst>
   <p:notesMasterIdLst>
-    <p:notesMasterId r:id="rId87"/>
+    <p:notesMasterId r:id="rId88"/>
   </p:notesMasterIdLst>
   <p:sldIdLst>
     <p:sldId id="256" r:id="rId2"/>
@@ -54,45 +54,46 @@
     <p:sldId id="312" r:id="rId45"/>
     <p:sldId id="314" r:id="rId46"/>
     <p:sldId id="310" r:id="rId47"/>
-    <p:sldId id="321" r:id="rId48"/>
-    <p:sldId id="313" r:id="rId49"/>
-    <p:sldId id="315" r:id="rId50"/>
-    <p:sldId id="400" r:id="rId51"/>
-    <p:sldId id="402" r:id="rId52"/>
-    <p:sldId id="389" r:id="rId53"/>
-    <p:sldId id="390" r:id="rId54"/>
-    <p:sldId id="391" r:id="rId55"/>
-    <p:sldId id="392" r:id="rId56"/>
-    <p:sldId id="393" r:id="rId57"/>
-    <p:sldId id="394" r:id="rId58"/>
-    <p:sldId id="395" r:id="rId59"/>
-    <p:sldId id="396" r:id="rId60"/>
-    <p:sldId id="397" r:id="rId61"/>
-    <p:sldId id="398" r:id="rId62"/>
-    <p:sldId id="403" r:id="rId63"/>
-    <p:sldId id="369" r:id="rId64"/>
-    <p:sldId id="370" r:id="rId65"/>
-    <p:sldId id="371" r:id="rId66"/>
-    <p:sldId id="373" r:id="rId67"/>
-    <p:sldId id="375" r:id="rId68"/>
-    <p:sldId id="377" r:id="rId69"/>
-    <p:sldId id="382" r:id="rId70"/>
-    <p:sldId id="386" r:id="rId71"/>
-    <p:sldId id="387" r:id="rId72"/>
-    <p:sldId id="410" r:id="rId73"/>
-    <p:sldId id="411" r:id="rId74"/>
-    <p:sldId id="412" r:id="rId75"/>
-    <p:sldId id="413" r:id="rId76"/>
-    <p:sldId id="414" r:id="rId77"/>
-    <p:sldId id="415" r:id="rId78"/>
-    <p:sldId id="417" r:id="rId79"/>
-    <p:sldId id="418" r:id="rId80"/>
-    <p:sldId id="416" r:id="rId81"/>
-    <p:sldId id="421" r:id="rId82"/>
-    <p:sldId id="427" r:id="rId83"/>
-    <p:sldId id="428" r:id="rId84"/>
-    <p:sldId id="425" r:id="rId85"/>
-    <p:sldId id="426" r:id="rId86"/>
+    <p:sldId id="434" r:id="rId48"/>
+    <p:sldId id="321" r:id="rId49"/>
+    <p:sldId id="313" r:id="rId50"/>
+    <p:sldId id="315" r:id="rId51"/>
+    <p:sldId id="400" r:id="rId52"/>
+    <p:sldId id="402" r:id="rId53"/>
+    <p:sldId id="389" r:id="rId54"/>
+    <p:sldId id="390" r:id="rId55"/>
+    <p:sldId id="391" r:id="rId56"/>
+    <p:sldId id="392" r:id="rId57"/>
+    <p:sldId id="393" r:id="rId58"/>
+    <p:sldId id="394" r:id="rId59"/>
+    <p:sldId id="395" r:id="rId60"/>
+    <p:sldId id="396" r:id="rId61"/>
+    <p:sldId id="397" r:id="rId62"/>
+    <p:sldId id="398" r:id="rId63"/>
+    <p:sldId id="403" r:id="rId64"/>
+    <p:sldId id="369" r:id="rId65"/>
+    <p:sldId id="370" r:id="rId66"/>
+    <p:sldId id="371" r:id="rId67"/>
+    <p:sldId id="373" r:id="rId68"/>
+    <p:sldId id="375" r:id="rId69"/>
+    <p:sldId id="377" r:id="rId70"/>
+    <p:sldId id="382" r:id="rId71"/>
+    <p:sldId id="386" r:id="rId72"/>
+    <p:sldId id="387" r:id="rId73"/>
+    <p:sldId id="410" r:id="rId74"/>
+    <p:sldId id="411" r:id="rId75"/>
+    <p:sldId id="412" r:id="rId76"/>
+    <p:sldId id="413" r:id="rId77"/>
+    <p:sldId id="414" r:id="rId78"/>
+    <p:sldId id="415" r:id="rId79"/>
+    <p:sldId id="417" r:id="rId80"/>
+    <p:sldId id="418" r:id="rId81"/>
+    <p:sldId id="416" r:id="rId82"/>
+    <p:sldId id="421" r:id="rId83"/>
+    <p:sldId id="427" r:id="rId84"/>
+    <p:sldId id="428" r:id="rId85"/>
+    <p:sldId id="425" r:id="rId86"/>
+    <p:sldId id="426" r:id="rId87"/>
   </p:sldIdLst>
   <p:sldSz cx="12192000" cy="6858000"/>
   <p:notesSz cx="6858000" cy="9144000"/>
@@ -281,7 +282,7 @@
           <a:p>
             <a:fld id="{2F6E5846-5D0F-48C5-89A4-48096943028B}" type="datetimeFigureOut">
               <a:rPr lang="zh-TW" altLang="en-US" smtClean="0"/>
-              <a:t>2021/12/27</a:t>
+              <a:t>2022/11/14</a:t>
             </a:fld>
             <a:endParaRPr lang="zh-TW" altLang="en-US"/>
           </a:p>
@@ -2898,7 +2899,7 @@
     </p:spTree>
     <p:extLst>
       <p:ext uri="{BB962C8B-B14F-4D97-AF65-F5344CB8AC3E}">
-        <p14:creationId xmlns:p14="http://schemas.microsoft.com/office/powerpoint/2010/main" val="1944659428"/>
+        <p14:creationId xmlns:p14="http://schemas.microsoft.com/office/powerpoint/2010/main" val="3858045629"/>
       </p:ext>
     </p:extLst>
   </p:cSld>
@@ -2982,7 +2983,7 @@
     </p:spTree>
     <p:extLst>
       <p:ext uri="{BB962C8B-B14F-4D97-AF65-F5344CB8AC3E}">
-        <p14:creationId xmlns:p14="http://schemas.microsoft.com/office/powerpoint/2010/main" val="3845394718"/>
+        <p14:creationId xmlns:p14="http://schemas.microsoft.com/office/powerpoint/2010/main" val="1944659428"/>
       </p:ext>
     </p:extLst>
   </p:cSld>
@@ -3066,7 +3067,7 @@
     </p:spTree>
     <p:extLst>
       <p:ext uri="{BB962C8B-B14F-4D97-AF65-F5344CB8AC3E}">
-        <p14:creationId xmlns:p14="http://schemas.microsoft.com/office/powerpoint/2010/main" val="2214356638"/>
+        <p14:creationId xmlns:p14="http://schemas.microsoft.com/office/powerpoint/2010/main" val="3845394718"/>
       </p:ext>
     </p:extLst>
   </p:cSld>
@@ -3150,7 +3151,7 @@
     </p:spTree>
     <p:extLst>
       <p:ext uri="{BB962C8B-B14F-4D97-AF65-F5344CB8AC3E}">
-        <p14:creationId xmlns:p14="http://schemas.microsoft.com/office/powerpoint/2010/main" val="1637959252"/>
+        <p14:creationId xmlns:p14="http://schemas.microsoft.com/office/powerpoint/2010/main" val="2214356638"/>
       </p:ext>
     </p:extLst>
   </p:cSld>
@@ -3234,7 +3235,7 @@
     </p:spTree>
     <p:extLst>
       <p:ext uri="{BB962C8B-B14F-4D97-AF65-F5344CB8AC3E}">
-        <p14:creationId xmlns:p14="http://schemas.microsoft.com/office/powerpoint/2010/main" val="4206616355"/>
+        <p14:creationId xmlns:p14="http://schemas.microsoft.com/office/powerpoint/2010/main" val="1637959252"/>
       </p:ext>
     </p:extLst>
   </p:cSld>
@@ -3318,7 +3319,7 @@
     </p:spTree>
     <p:extLst>
       <p:ext uri="{BB962C8B-B14F-4D97-AF65-F5344CB8AC3E}">
-        <p14:creationId xmlns:p14="http://schemas.microsoft.com/office/powerpoint/2010/main" val="63467006"/>
+        <p14:creationId xmlns:p14="http://schemas.microsoft.com/office/powerpoint/2010/main" val="4206616355"/>
       </p:ext>
     </p:extLst>
   </p:cSld>
@@ -3402,7 +3403,7 @@
     </p:spTree>
     <p:extLst>
       <p:ext uri="{BB962C8B-B14F-4D97-AF65-F5344CB8AC3E}">
-        <p14:creationId xmlns:p14="http://schemas.microsoft.com/office/powerpoint/2010/main" val="3230389232"/>
+        <p14:creationId xmlns:p14="http://schemas.microsoft.com/office/powerpoint/2010/main" val="63467006"/>
       </p:ext>
     </p:extLst>
   </p:cSld>
@@ -3486,7 +3487,7 @@
     </p:spTree>
     <p:extLst>
       <p:ext uri="{BB962C8B-B14F-4D97-AF65-F5344CB8AC3E}">
-        <p14:creationId xmlns:p14="http://schemas.microsoft.com/office/powerpoint/2010/main" val="4084411148"/>
+        <p14:creationId xmlns:p14="http://schemas.microsoft.com/office/powerpoint/2010/main" val="3230389232"/>
       </p:ext>
     </p:extLst>
   </p:cSld>
@@ -3570,7 +3571,7 @@
     </p:spTree>
     <p:extLst>
       <p:ext uri="{BB962C8B-B14F-4D97-AF65-F5344CB8AC3E}">
-        <p14:creationId xmlns:p14="http://schemas.microsoft.com/office/powerpoint/2010/main" val="3436294762"/>
+        <p14:creationId xmlns:p14="http://schemas.microsoft.com/office/powerpoint/2010/main" val="4084411148"/>
       </p:ext>
     </p:extLst>
   </p:cSld>
@@ -3654,7 +3655,7 @@
     </p:spTree>
     <p:extLst>
       <p:ext uri="{BB962C8B-B14F-4D97-AF65-F5344CB8AC3E}">
-        <p14:creationId xmlns:p14="http://schemas.microsoft.com/office/powerpoint/2010/main" val="977325148"/>
+        <p14:creationId xmlns:p14="http://schemas.microsoft.com/office/powerpoint/2010/main" val="3436294762"/>
       </p:ext>
     </p:extLst>
   </p:cSld>
@@ -3893,7 +3894,7 @@
     </p:spTree>
     <p:extLst>
       <p:ext uri="{BB962C8B-B14F-4D97-AF65-F5344CB8AC3E}">
-        <p14:creationId xmlns:p14="http://schemas.microsoft.com/office/powerpoint/2010/main" val="1693092001"/>
+        <p14:creationId xmlns:p14="http://schemas.microsoft.com/office/powerpoint/2010/main" val="977325148"/>
       </p:ext>
     </p:extLst>
   </p:cSld>
@@ -3977,7 +3978,7 @@
     </p:spTree>
     <p:extLst>
       <p:ext uri="{BB962C8B-B14F-4D97-AF65-F5344CB8AC3E}">
-        <p14:creationId xmlns:p14="http://schemas.microsoft.com/office/powerpoint/2010/main" val="403064465"/>
+        <p14:creationId xmlns:p14="http://schemas.microsoft.com/office/powerpoint/2010/main" val="1693092001"/>
       </p:ext>
     </p:extLst>
   </p:cSld>
@@ -4061,7 +4062,7 @@
     </p:spTree>
     <p:extLst>
       <p:ext uri="{BB962C8B-B14F-4D97-AF65-F5344CB8AC3E}">
-        <p14:creationId xmlns:p14="http://schemas.microsoft.com/office/powerpoint/2010/main" val="2473548469"/>
+        <p14:creationId xmlns:p14="http://schemas.microsoft.com/office/powerpoint/2010/main" val="403064465"/>
       </p:ext>
     </p:extLst>
   </p:cSld>
@@ -4145,7 +4146,7 @@
     </p:spTree>
     <p:extLst>
       <p:ext uri="{BB962C8B-B14F-4D97-AF65-F5344CB8AC3E}">
-        <p14:creationId xmlns:p14="http://schemas.microsoft.com/office/powerpoint/2010/main" val="2394353080"/>
+        <p14:creationId xmlns:p14="http://schemas.microsoft.com/office/powerpoint/2010/main" val="2473548469"/>
       </p:ext>
     </p:extLst>
   </p:cSld>
@@ -4229,7 +4230,7 @@
     </p:spTree>
     <p:extLst>
       <p:ext uri="{BB962C8B-B14F-4D97-AF65-F5344CB8AC3E}">
-        <p14:creationId xmlns:p14="http://schemas.microsoft.com/office/powerpoint/2010/main" val="891471205"/>
+        <p14:creationId xmlns:p14="http://schemas.microsoft.com/office/powerpoint/2010/main" val="2394353080"/>
       </p:ext>
     </p:extLst>
   </p:cSld>
@@ -4313,7 +4314,7 @@
     </p:spTree>
     <p:extLst>
       <p:ext uri="{BB962C8B-B14F-4D97-AF65-F5344CB8AC3E}">
-        <p14:creationId xmlns:p14="http://schemas.microsoft.com/office/powerpoint/2010/main" val="3717023924"/>
+        <p14:creationId xmlns:p14="http://schemas.microsoft.com/office/powerpoint/2010/main" val="891471205"/>
       </p:ext>
     </p:extLst>
   </p:cSld>
@@ -4367,10 +4368,6 @@
           <a:bodyPr/>
           <a:lstStyle/>
           <a:p>
-            <a:r>
-              <a:rPr lang="zh-TW" altLang="en-US" dirty="0" smtClean="0"/>
-              <a:t>例如：一家公司，該公司員工和公司要資料，公司會給他；若為外來者要和該公司要資料，公司會因無法辨別外來者身分，而不給予資料，除非該公司有設定允許該外來者存取資料</a:t>
-            </a:r>
             <a:endParaRPr lang="zh-TW" altLang="en-US" dirty="0"/>
           </a:p>
         </p:txBody>
@@ -4392,7 +4389,7 @@
           <a:p>
             <a:fld id="{D1948313-5CBC-4C3A-A1C1-87A108B3BBD8}" type="slidenum">
               <a:rPr lang="zh-TW" altLang="en-US" smtClean="0"/>
-              <a:t>64</a:t>
+              <a:t>63</a:t>
             </a:fld>
             <a:endParaRPr lang="zh-TW" altLang="en-US"/>
           </a:p>
@@ -4401,7 +4398,7 @@
     </p:spTree>
     <p:extLst>
       <p:ext uri="{BB962C8B-B14F-4D97-AF65-F5344CB8AC3E}">
-        <p14:creationId xmlns:p14="http://schemas.microsoft.com/office/powerpoint/2010/main" val="3163614619"/>
+        <p14:creationId xmlns:p14="http://schemas.microsoft.com/office/powerpoint/2010/main" val="3717023924"/>
       </p:ext>
     </p:extLst>
   </p:cSld>
@@ -4455,6 +4452,10 @@
           <a:bodyPr/>
           <a:lstStyle/>
           <a:p>
+            <a:r>
+              <a:rPr lang="zh-TW" altLang="en-US" dirty="0" smtClean="0"/>
+              <a:t>例如：一家公司，該公司員工和公司要資料，公司會給他；若為外來者要和該公司要資料，公司會因無法辨別外來者身分，而不給予資料，除非該公司有設定允許該外來者存取資料</a:t>
+            </a:r>
             <a:endParaRPr lang="zh-TW" altLang="en-US" dirty="0"/>
           </a:p>
         </p:txBody>
@@ -4485,7 +4486,7 @@
     </p:spTree>
     <p:extLst>
       <p:ext uri="{BB962C8B-B14F-4D97-AF65-F5344CB8AC3E}">
-        <p14:creationId xmlns:p14="http://schemas.microsoft.com/office/powerpoint/2010/main" val="3260018743"/>
+        <p14:creationId xmlns:p14="http://schemas.microsoft.com/office/powerpoint/2010/main" val="3163614619"/>
       </p:ext>
     </p:extLst>
   </p:cSld>
@@ -4569,7 +4570,7 @@
     </p:spTree>
     <p:extLst>
       <p:ext uri="{BB962C8B-B14F-4D97-AF65-F5344CB8AC3E}">
-        <p14:creationId xmlns:p14="http://schemas.microsoft.com/office/powerpoint/2010/main" val="486173596"/>
+        <p14:creationId xmlns:p14="http://schemas.microsoft.com/office/powerpoint/2010/main" val="3260018743"/>
       </p:ext>
     </p:extLst>
   </p:cSld>
@@ -4653,7 +4654,7 @@
     </p:spTree>
     <p:extLst>
       <p:ext uri="{BB962C8B-B14F-4D97-AF65-F5344CB8AC3E}">
-        <p14:creationId xmlns:p14="http://schemas.microsoft.com/office/powerpoint/2010/main" val="928530861"/>
+        <p14:creationId xmlns:p14="http://schemas.microsoft.com/office/powerpoint/2010/main" val="486173596"/>
       </p:ext>
     </p:extLst>
   </p:cSld>
@@ -4949,215 +4950,6 @@
           <a:bodyPr/>
           <a:lstStyle/>
           <a:p>
-            <a:r>
-              <a:rPr lang="zh-TW" altLang="en-US" sz="1200" b="0" i="0" kern="1200" dirty="0" smtClean="0">
-                <a:solidFill>
-                  <a:schemeClr val="tx1"/>
-                </a:solidFill>
-                <a:effectLst/>
-                <a:latin typeface="+mn-lt"/>
-                <a:ea typeface="+mn-ea"/>
-                <a:cs typeface="+mn-cs"/>
-              </a:rPr>
-              <a:t>這邊用</a:t>
-            </a:r>
-            <a:r>
-              <a:rPr lang="en-US" altLang="zh-TW" sz="1200" b="0" i="0" kern="1200" dirty="0" err="1" smtClean="0">
-                <a:solidFill>
-                  <a:schemeClr val="tx1"/>
-                </a:solidFill>
-                <a:effectLst/>
-                <a:latin typeface="+mn-lt"/>
-                <a:ea typeface="+mn-ea"/>
-                <a:cs typeface="+mn-cs"/>
-              </a:rPr>
-              <a:t>axios</a:t>
-            </a:r>
-            <a:r>
-              <a:rPr lang="zh-TW" altLang="en-US" sz="1200" b="0" i="0" kern="1200" dirty="0" smtClean="0">
-                <a:solidFill>
-                  <a:schemeClr val="tx1"/>
-                </a:solidFill>
-                <a:effectLst/>
-                <a:latin typeface="+mn-lt"/>
-                <a:ea typeface="+mn-ea"/>
-                <a:cs typeface="+mn-cs"/>
-              </a:rPr>
-              <a:t>呼叫賣座電影的</a:t>
-            </a:r>
-            <a:r>
-              <a:rPr lang="en-US" altLang="zh-TW" sz="1200" b="0" i="0" kern="1200" dirty="0" smtClean="0">
-                <a:solidFill>
-                  <a:schemeClr val="tx1"/>
-                </a:solidFill>
-                <a:effectLst/>
-                <a:latin typeface="+mn-lt"/>
-                <a:ea typeface="+mn-ea"/>
-                <a:cs typeface="+mn-cs"/>
-              </a:rPr>
-              <a:t>API</a:t>
-            </a:r>
-            <a:r>
-              <a:rPr lang="zh-TW" altLang="en-US" sz="1200" b="0" i="0" kern="1200" dirty="0" smtClean="0">
-                <a:solidFill>
-                  <a:schemeClr val="tx1"/>
-                </a:solidFill>
-                <a:effectLst/>
-                <a:latin typeface="+mn-lt"/>
-                <a:ea typeface="+mn-ea"/>
-                <a:cs typeface="+mn-cs"/>
-              </a:rPr>
-              <a:t>舉例</a:t>
-            </a:r>
-            <a:endParaRPr lang="en-US" altLang="zh-TW" sz="1200" b="0" i="0" kern="1200" dirty="0" smtClean="0">
-              <a:solidFill>
-                <a:schemeClr val="tx1"/>
-              </a:solidFill>
-              <a:effectLst/>
-              <a:latin typeface="+mn-lt"/>
-              <a:ea typeface="+mn-ea"/>
-              <a:cs typeface="+mn-cs"/>
-            </a:endParaRPr>
-          </a:p>
-          <a:p>
-            <a:r>
-              <a:rPr lang="en-US" altLang="zh-TW" sz="1200" b="0" i="0" kern="1200" dirty="0" smtClean="0">
-                <a:solidFill>
-                  <a:schemeClr val="tx1"/>
-                </a:solidFill>
-                <a:effectLst/>
-                <a:latin typeface="+mn-lt"/>
-                <a:ea typeface="+mn-ea"/>
-                <a:cs typeface="+mn-cs"/>
-              </a:rPr>
-              <a:t>header</a:t>
-            </a:r>
-            <a:r>
-              <a:rPr lang="zh-TW" altLang="en-US" sz="1200" b="0" i="0" kern="1200" dirty="0" smtClean="0">
-                <a:solidFill>
-                  <a:schemeClr val="tx1"/>
-                </a:solidFill>
-                <a:effectLst/>
-                <a:latin typeface="+mn-lt"/>
-                <a:ea typeface="+mn-ea"/>
-                <a:cs typeface="+mn-cs"/>
-              </a:rPr>
-              <a:t>參數可以在開發人員工具的</a:t>
-            </a:r>
-            <a:r>
-              <a:rPr lang="en-US" altLang="zh-TW" sz="1200" b="0" i="0" kern="1200" dirty="0" smtClean="0">
-                <a:solidFill>
-                  <a:schemeClr val="tx1"/>
-                </a:solidFill>
-                <a:effectLst/>
-                <a:latin typeface="+mn-lt"/>
-                <a:ea typeface="+mn-ea"/>
-                <a:cs typeface="+mn-cs"/>
-              </a:rPr>
-              <a:t>network</a:t>
-            </a:r>
-            <a:r>
-              <a:rPr lang="zh-TW" altLang="en-US" sz="1200" b="0" i="0" kern="1200" dirty="0" smtClean="0">
-                <a:solidFill>
-                  <a:schemeClr val="tx1"/>
-                </a:solidFill>
-                <a:effectLst/>
-                <a:latin typeface="+mn-lt"/>
-                <a:ea typeface="+mn-ea"/>
-                <a:cs typeface="+mn-cs"/>
-              </a:rPr>
-              <a:t>那邊看該請求的</a:t>
-            </a:r>
-            <a:r>
-              <a:rPr lang="en-US" altLang="zh-TW" sz="1200" b="0" i="0" kern="1200" dirty="0" smtClean="0">
-                <a:solidFill>
-                  <a:schemeClr val="tx1"/>
-                </a:solidFill>
-                <a:effectLst/>
-                <a:latin typeface="+mn-lt"/>
-                <a:ea typeface="+mn-ea"/>
-                <a:cs typeface="+mn-cs"/>
-              </a:rPr>
-              <a:t>Request Headers</a:t>
-            </a:r>
-          </a:p>
-          <a:p>
-            <a:r>
-              <a:rPr lang="zh-TW" altLang="en-US" sz="1200" b="0" i="0" kern="1200" dirty="0" smtClean="0">
-                <a:solidFill>
-                  <a:schemeClr val="tx1"/>
-                </a:solidFill>
-                <a:effectLst/>
-                <a:latin typeface="+mn-lt"/>
-                <a:ea typeface="+mn-ea"/>
-                <a:cs typeface="+mn-cs"/>
-              </a:rPr>
-              <a:t>通常是</a:t>
-            </a:r>
-            <a:r>
-              <a:rPr lang="en-US" altLang="zh-TW" sz="1200" b="0" i="0" kern="1200" dirty="0" smtClean="0">
-                <a:solidFill>
-                  <a:schemeClr val="tx1"/>
-                </a:solidFill>
-                <a:effectLst/>
-                <a:latin typeface="+mn-lt"/>
-                <a:ea typeface="+mn-ea"/>
-                <a:cs typeface="+mn-cs"/>
-              </a:rPr>
-              <a:t>X-</a:t>
-            </a:r>
-            <a:r>
-              <a:rPr lang="zh-TW" altLang="en-US" sz="1200" b="0" i="0" kern="1200" dirty="0" smtClean="0">
-                <a:solidFill>
-                  <a:schemeClr val="tx1"/>
-                </a:solidFill>
-                <a:effectLst/>
-                <a:latin typeface="+mn-lt"/>
-                <a:ea typeface="+mn-ea"/>
-                <a:cs typeface="+mn-cs"/>
-              </a:rPr>
-              <a:t>開頭的參數，可自行測試需要帶哪個參數</a:t>
-            </a:r>
-          </a:p>
-          <a:p>
-            <a:r>
-              <a:rPr lang="zh-TW" altLang="en-US" sz="1200" b="0" i="0" kern="1200" dirty="0" smtClean="0">
-                <a:solidFill>
-                  <a:schemeClr val="tx1"/>
-                </a:solidFill>
-                <a:effectLst/>
-                <a:latin typeface="+mn-lt"/>
-                <a:ea typeface="+mn-ea"/>
-                <a:cs typeface="+mn-cs"/>
-              </a:rPr>
-              <a:t>傳送時</a:t>
-            </a:r>
-            <a:r>
-              <a:rPr lang="en-US" altLang="zh-TW" sz="1200" b="0" i="0" kern="1200" dirty="0" smtClean="0">
-                <a:solidFill>
-                  <a:schemeClr val="tx1"/>
-                </a:solidFill>
-                <a:effectLst/>
-                <a:latin typeface="+mn-lt"/>
-                <a:ea typeface="+mn-ea"/>
-                <a:cs typeface="+mn-cs"/>
-              </a:rPr>
-              <a:t>header</a:t>
-            </a:r>
-            <a:r>
-              <a:rPr lang="zh-TW" altLang="en-US" sz="1200" b="0" i="0" kern="1200" dirty="0" smtClean="0">
-                <a:solidFill>
-                  <a:schemeClr val="tx1"/>
-                </a:solidFill>
-                <a:effectLst/>
-                <a:latin typeface="+mn-lt"/>
-                <a:ea typeface="+mn-ea"/>
-                <a:cs typeface="+mn-cs"/>
-              </a:rPr>
-              <a:t>值要用字串型別傳送</a:t>
-            </a:r>
-          </a:p>
-          <a:p>
             <a:endParaRPr lang="zh-TW" altLang="en-US" dirty="0"/>
           </a:p>
         </p:txBody>
@@ -5188,7 +4980,7 @@
     </p:spTree>
     <p:extLst>
       <p:ext uri="{BB962C8B-B14F-4D97-AF65-F5344CB8AC3E}">
-        <p14:creationId xmlns:p14="http://schemas.microsoft.com/office/powerpoint/2010/main" val="3333158881"/>
+        <p14:creationId xmlns:p14="http://schemas.microsoft.com/office/powerpoint/2010/main" val="928530861"/>
       </p:ext>
     </p:extLst>
   </p:cSld>
@@ -5242,6 +5034,215 @@
           <a:bodyPr/>
           <a:lstStyle/>
           <a:p>
+            <a:r>
+              <a:rPr lang="zh-TW" altLang="en-US" sz="1200" b="0" i="0" kern="1200" dirty="0" smtClean="0">
+                <a:solidFill>
+                  <a:schemeClr val="tx1"/>
+                </a:solidFill>
+                <a:effectLst/>
+                <a:latin typeface="+mn-lt"/>
+                <a:ea typeface="+mn-ea"/>
+                <a:cs typeface="+mn-cs"/>
+              </a:rPr>
+              <a:t>這邊用</a:t>
+            </a:r>
+            <a:r>
+              <a:rPr lang="en-US" altLang="zh-TW" sz="1200" b="0" i="0" kern="1200" dirty="0" err="1" smtClean="0">
+                <a:solidFill>
+                  <a:schemeClr val="tx1"/>
+                </a:solidFill>
+                <a:effectLst/>
+                <a:latin typeface="+mn-lt"/>
+                <a:ea typeface="+mn-ea"/>
+                <a:cs typeface="+mn-cs"/>
+              </a:rPr>
+              <a:t>axios</a:t>
+            </a:r>
+            <a:r>
+              <a:rPr lang="zh-TW" altLang="en-US" sz="1200" b="0" i="0" kern="1200" dirty="0" smtClean="0">
+                <a:solidFill>
+                  <a:schemeClr val="tx1"/>
+                </a:solidFill>
+                <a:effectLst/>
+                <a:latin typeface="+mn-lt"/>
+                <a:ea typeface="+mn-ea"/>
+                <a:cs typeface="+mn-cs"/>
+              </a:rPr>
+              <a:t>呼叫賣座電影的</a:t>
+            </a:r>
+            <a:r>
+              <a:rPr lang="en-US" altLang="zh-TW" sz="1200" b="0" i="0" kern="1200" dirty="0" smtClean="0">
+                <a:solidFill>
+                  <a:schemeClr val="tx1"/>
+                </a:solidFill>
+                <a:effectLst/>
+                <a:latin typeface="+mn-lt"/>
+                <a:ea typeface="+mn-ea"/>
+                <a:cs typeface="+mn-cs"/>
+              </a:rPr>
+              <a:t>API</a:t>
+            </a:r>
+            <a:r>
+              <a:rPr lang="zh-TW" altLang="en-US" sz="1200" b="0" i="0" kern="1200" dirty="0" smtClean="0">
+                <a:solidFill>
+                  <a:schemeClr val="tx1"/>
+                </a:solidFill>
+                <a:effectLst/>
+                <a:latin typeface="+mn-lt"/>
+                <a:ea typeface="+mn-ea"/>
+                <a:cs typeface="+mn-cs"/>
+              </a:rPr>
+              <a:t>舉例</a:t>
+            </a:r>
+            <a:endParaRPr lang="en-US" altLang="zh-TW" sz="1200" b="0" i="0" kern="1200" dirty="0" smtClean="0">
+              <a:solidFill>
+                <a:schemeClr val="tx1"/>
+              </a:solidFill>
+              <a:effectLst/>
+              <a:latin typeface="+mn-lt"/>
+              <a:ea typeface="+mn-ea"/>
+              <a:cs typeface="+mn-cs"/>
+            </a:endParaRPr>
+          </a:p>
+          <a:p>
+            <a:r>
+              <a:rPr lang="en-US" altLang="zh-TW" sz="1200" b="0" i="0" kern="1200" dirty="0" smtClean="0">
+                <a:solidFill>
+                  <a:schemeClr val="tx1"/>
+                </a:solidFill>
+                <a:effectLst/>
+                <a:latin typeface="+mn-lt"/>
+                <a:ea typeface="+mn-ea"/>
+                <a:cs typeface="+mn-cs"/>
+              </a:rPr>
+              <a:t>header</a:t>
+            </a:r>
+            <a:r>
+              <a:rPr lang="zh-TW" altLang="en-US" sz="1200" b="0" i="0" kern="1200" dirty="0" smtClean="0">
+                <a:solidFill>
+                  <a:schemeClr val="tx1"/>
+                </a:solidFill>
+                <a:effectLst/>
+                <a:latin typeface="+mn-lt"/>
+                <a:ea typeface="+mn-ea"/>
+                <a:cs typeface="+mn-cs"/>
+              </a:rPr>
+              <a:t>參數可以在開發人員工具的</a:t>
+            </a:r>
+            <a:r>
+              <a:rPr lang="en-US" altLang="zh-TW" sz="1200" b="0" i="0" kern="1200" dirty="0" smtClean="0">
+                <a:solidFill>
+                  <a:schemeClr val="tx1"/>
+                </a:solidFill>
+                <a:effectLst/>
+                <a:latin typeface="+mn-lt"/>
+                <a:ea typeface="+mn-ea"/>
+                <a:cs typeface="+mn-cs"/>
+              </a:rPr>
+              <a:t>network</a:t>
+            </a:r>
+            <a:r>
+              <a:rPr lang="zh-TW" altLang="en-US" sz="1200" b="0" i="0" kern="1200" dirty="0" smtClean="0">
+                <a:solidFill>
+                  <a:schemeClr val="tx1"/>
+                </a:solidFill>
+                <a:effectLst/>
+                <a:latin typeface="+mn-lt"/>
+                <a:ea typeface="+mn-ea"/>
+                <a:cs typeface="+mn-cs"/>
+              </a:rPr>
+              <a:t>那邊看該請求的</a:t>
+            </a:r>
+            <a:r>
+              <a:rPr lang="en-US" altLang="zh-TW" sz="1200" b="0" i="0" kern="1200" dirty="0" smtClean="0">
+                <a:solidFill>
+                  <a:schemeClr val="tx1"/>
+                </a:solidFill>
+                <a:effectLst/>
+                <a:latin typeface="+mn-lt"/>
+                <a:ea typeface="+mn-ea"/>
+                <a:cs typeface="+mn-cs"/>
+              </a:rPr>
+              <a:t>Request Headers</a:t>
+            </a:r>
+          </a:p>
+          <a:p>
+            <a:r>
+              <a:rPr lang="zh-TW" altLang="en-US" sz="1200" b="0" i="0" kern="1200" dirty="0" smtClean="0">
+                <a:solidFill>
+                  <a:schemeClr val="tx1"/>
+                </a:solidFill>
+                <a:effectLst/>
+                <a:latin typeface="+mn-lt"/>
+                <a:ea typeface="+mn-ea"/>
+                <a:cs typeface="+mn-cs"/>
+              </a:rPr>
+              <a:t>通常是</a:t>
+            </a:r>
+            <a:r>
+              <a:rPr lang="en-US" altLang="zh-TW" sz="1200" b="0" i="0" kern="1200" dirty="0" smtClean="0">
+                <a:solidFill>
+                  <a:schemeClr val="tx1"/>
+                </a:solidFill>
+                <a:effectLst/>
+                <a:latin typeface="+mn-lt"/>
+                <a:ea typeface="+mn-ea"/>
+                <a:cs typeface="+mn-cs"/>
+              </a:rPr>
+              <a:t>X-</a:t>
+            </a:r>
+            <a:r>
+              <a:rPr lang="zh-TW" altLang="en-US" sz="1200" b="0" i="0" kern="1200" dirty="0" smtClean="0">
+                <a:solidFill>
+                  <a:schemeClr val="tx1"/>
+                </a:solidFill>
+                <a:effectLst/>
+                <a:latin typeface="+mn-lt"/>
+                <a:ea typeface="+mn-ea"/>
+                <a:cs typeface="+mn-cs"/>
+              </a:rPr>
+              <a:t>開頭的參數，可自行測試需要帶哪個參數</a:t>
+            </a:r>
+          </a:p>
+          <a:p>
+            <a:r>
+              <a:rPr lang="zh-TW" altLang="en-US" sz="1200" b="0" i="0" kern="1200" dirty="0" smtClean="0">
+                <a:solidFill>
+                  <a:schemeClr val="tx1"/>
+                </a:solidFill>
+                <a:effectLst/>
+                <a:latin typeface="+mn-lt"/>
+                <a:ea typeface="+mn-ea"/>
+                <a:cs typeface="+mn-cs"/>
+              </a:rPr>
+              <a:t>傳送時</a:t>
+            </a:r>
+            <a:r>
+              <a:rPr lang="en-US" altLang="zh-TW" sz="1200" b="0" i="0" kern="1200" dirty="0" smtClean="0">
+                <a:solidFill>
+                  <a:schemeClr val="tx1"/>
+                </a:solidFill>
+                <a:effectLst/>
+                <a:latin typeface="+mn-lt"/>
+                <a:ea typeface="+mn-ea"/>
+                <a:cs typeface="+mn-cs"/>
+              </a:rPr>
+              <a:t>header</a:t>
+            </a:r>
+            <a:r>
+              <a:rPr lang="zh-TW" altLang="en-US" sz="1200" b="0" i="0" kern="1200" dirty="0" smtClean="0">
+                <a:solidFill>
+                  <a:schemeClr val="tx1"/>
+                </a:solidFill>
+                <a:effectLst/>
+                <a:latin typeface="+mn-lt"/>
+                <a:ea typeface="+mn-ea"/>
+                <a:cs typeface="+mn-cs"/>
+              </a:rPr>
+              <a:t>值要用字串型別傳送</a:t>
+            </a:r>
+          </a:p>
+          <a:p>
             <a:endParaRPr lang="zh-TW" altLang="en-US" dirty="0"/>
           </a:p>
         </p:txBody>
@@ -5263,7 +5264,7 @@
           <a:p>
             <a:fld id="{D1948313-5CBC-4C3A-A1C1-87A108B3BBD8}" type="slidenum">
               <a:rPr lang="zh-TW" altLang="en-US" smtClean="0"/>
-              <a:t>70</a:t>
+              <a:t>69</a:t>
             </a:fld>
             <a:endParaRPr lang="zh-TW" altLang="en-US"/>
           </a:p>
@@ -5272,7 +5273,7 @@
     </p:spTree>
     <p:extLst>
       <p:ext uri="{BB962C8B-B14F-4D97-AF65-F5344CB8AC3E}">
-        <p14:creationId xmlns:p14="http://schemas.microsoft.com/office/powerpoint/2010/main" val="679122859"/>
+        <p14:creationId xmlns:p14="http://schemas.microsoft.com/office/powerpoint/2010/main" val="3333158881"/>
       </p:ext>
     </p:extLst>
   </p:cSld>
@@ -5356,7 +5357,7 @@
     </p:spTree>
     <p:extLst>
       <p:ext uri="{BB962C8B-B14F-4D97-AF65-F5344CB8AC3E}">
-        <p14:creationId xmlns:p14="http://schemas.microsoft.com/office/powerpoint/2010/main" val="3450323183"/>
+        <p14:creationId xmlns:p14="http://schemas.microsoft.com/office/powerpoint/2010/main" val="679122859"/>
       </p:ext>
     </p:extLst>
   </p:cSld>
@@ -5431,7 +5432,7 @@
           <a:p>
             <a:fld id="{D1948313-5CBC-4C3A-A1C1-87A108B3BBD8}" type="slidenum">
               <a:rPr lang="zh-TW" altLang="en-US" smtClean="0"/>
-              <a:t>73</a:t>
+              <a:t>72</a:t>
             </a:fld>
             <a:endParaRPr lang="zh-TW" altLang="en-US"/>
           </a:p>
@@ -5440,7 +5441,7 @@
     </p:spTree>
     <p:extLst>
       <p:ext uri="{BB962C8B-B14F-4D97-AF65-F5344CB8AC3E}">
-        <p14:creationId xmlns:p14="http://schemas.microsoft.com/office/powerpoint/2010/main" val="2503615827"/>
+        <p14:creationId xmlns:p14="http://schemas.microsoft.com/office/powerpoint/2010/main" val="3450323183"/>
       </p:ext>
     </p:extLst>
   </p:cSld>
@@ -5524,7 +5525,7 @@
     </p:spTree>
     <p:extLst>
       <p:ext uri="{BB962C8B-B14F-4D97-AF65-F5344CB8AC3E}">
-        <p14:creationId xmlns:p14="http://schemas.microsoft.com/office/powerpoint/2010/main" val="3223808738"/>
+        <p14:creationId xmlns:p14="http://schemas.microsoft.com/office/powerpoint/2010/main" val="2503615827"/>
       </p:ext>
     </p:extLst>
   </p:cSld>
@@ -5608,7 +5609,7 @@
     </p:spTree>
     <p:extLst>
       <p:ext uri="{BB962C8B-B14F-4D97-AF65-F5344CB8AC3E}">
-        <p14:creationId xmlns:p14="http://schemas.microsoft.com/office/powerpoint/2010/main" val="2549743796"/>
+        <p14:creationId xmlns:p14="http://schemas.microsoft.com/office/powerpoint/2010/main" val="3223808738"/>
       </p:ext>
     </p:extLst>
   </p:cSld>
@@ -5692,7 +5693,7 @@
     </p:spTree>
     <p:extLst>
       <p:ext uri="{BB962C8B-B14F-4D97-AF65-F5344CB8AC3E}">
-        <p14:creationId xmlns:p14="http://schemas.microsoft.com/office/powerpoint/2010/main" val="1210170732"/>
+        <p14:creationId xmlns:p14="http://schemas.microsoft.com/office/powerpoint/2010/main" val="2549743796"/>
       </p:ext>
     </p:extLst>
   </p:cSld>
@@ -5776,7 +5777,7 @@
     </p:spTree>
     <p:extLst>
       <p:ext uri="{BB962C8B-B14F-4D97-AF65-F5344CB8AC3E}">
-        <p14:creationId xmlns:p14="http://schemas.microsoft.com/office/powerpoint/2010/main" val="3644355196"/>
+        <p14:creationId xmlns:p14="http://schemas.microsoft.com/office/powerpoint/2010/main" val="1210170732"/>
       </p:ext>
     </p:extLst>
   </p:cSld>
@@ -5860,7 +5861,7 @@
     </p:spTree>
     <p:extLst>
       <p:ext uri="{BB962C8B-B14F-4D97-AF65-F5344CB8AC3E}">
-        <p14:creationId xmlns:p14="http://schemas.microsoft.com/office/powerpoint/2010/main" val="137004934"/>
+        <p14:creationId xmlns:p14="http://schemas.microsoft.com/office/powerpoint/2010/main" val="3644355196"/>
       </p:ext>
     </p:extLst>
   </p:cSld>
@@ -5944,7 +5945,7 @@
     </p:spTree>
     <p:extLst>
       <p:ext uri="{BB962C8B-B14F-4D97-AF65-F5344CB8AC3E}">
-        <p14:creationId xmlns:p14="http://schemas.microsoft.com/office/powerpoint/2010/main" val="3336022227"/>
+        <p14:creationId xmlns:p14="http://schemas.microsoft.com/office/powerpoint/2010/main" val="137004934"/>
       </p:ext>
     </p:extLst>
   </p:cSld>
@@ -6255,7 +6256,7 @@
     </p:spTree>
     <p:extLst>
       <p:ext uri="{BB962C8B-B14F-4D97-AF65-F5344CB8AC3E}">
-        <p14:creationId xmlns:p14="http://schemas.microsoft.com/office/powerpoint/2010/main" val="1469834737"/>
+        <p14:creationId xmlns:p14="http://schemas.microsoft.com/office/powerpoint/2010/main" val="3336022227"/>
       </p:ext>
     </p:extLst>
   </p:cSld>
@@ -6339,7 +6340,7 @@
     </p:spTree>
     <p:extLst>
       <p:ext uri="{BB962C8B-B14F-4D97-AF65-F5344CB8AC3E}">
-        <p14:creationId xmlns:p14="http://schemas.microsoft.com/office/powerpoint/2010/main" val="193789911"/>
+        <p14:creationId xmlns:p14="http://schemas.microsoft.com/office/powerpoint/2010/main" val="1469834737"/>
       </p:ext>
     </p:extLst>
   </p:cSld>
@@ -6414,7 +6415,7 @@
           <a:p>
             <a:fld id="{D1948313-5CBC-4C3A-A1C1-87A108B3BBD8}" type="slidenum">
               <a:rPr lang="zh-TW" altLang="en-US" smtClean="0"/>
-              <a:t>83</a:t>
+              <a:t>82</a:t>
             </a:fld>
             <a:endParaRPr lang="zh-TW" altLang="en-US"/>
           </a:p>
@@ -6423,7 +6424,7 @@
     </p:spTree>
     <p:extLst>
       <p:ext uri="{BB962C8B-B14F-4D97-AF65-F5344CB8AC3E}">
-        <p14:creationId xmlns:p14="http://schemas.microsoft.com/office/powerpoint/2010/main" val="2744307944"/>
+        <p14:creationId xmlns:p14="http://schemas.microsoft.com/office/powerpoint/2010/main" val="193789911"/>
       </p:ext>
     </p:extLst>
   </p:cSld>
@@ -6507,7 +6508,7 @@
     </p:spTree>
     <p:extLst>
       <p:ext uri="{BB962C8B-B14F-4D97-AF65-F5344CB8AC3E}">
-        <p14:creationId xmlns:p14="http://schemas.microsoft.com/office/powerpoint/2010/main" val="990525398"/>
+        <p14:creationId xmlns:p14="http://schemas.microsoft.com/office/powerpoint/2010/main" val="2744307944"/>
       </p:ext>
     </p:extLst>
   </p:cSld>
@@ -6561,16 +6562,6 @@
           <a:bodyPr/>
           <a:lstStyle/>
           <a:p>
-            <a:r>
-              <a:rPr lang="zh-TW" altLang="en-US" dirty="0" smtClean="0"/>
-              <a:t>參考：</a:t>
-            </a:r>
-            <a:r>
-              <a:rPr lang="en-US" altLang="zh-TW" smtClean="0"/>
-              <a:t>https://ericwu.asia/2019/05/01/%E7%94%A2%E7%94%9F%E4%BB%BB%E4%BD%95-mock-http-%E5%9B%9E%E6%87%89%E7%9A%84%E5%A5%BD%E5%B7%A5%E5%85%B7-mocky-io/</a:t>
-            </a:r>
-          </a:p>
-          <a:p>
             <a:endParaRPr lang="zh-TW" altLang="en-US" dirty="0"/>
           </a:p>
         </p:txBody>
@@ -6593,6 +6584,100 @@
             <a:fld id="{D1948313-5CBC-4C3A-A1C1-87A108B3BBD8}" type="slidenum">
               <a:rPr lang="zh-TW" altLang="en-US" smtClean="0"/>
               <a:t>85</a:t>
+            </a:fld>
+            <a:endParaRPr lang="zh-TW" altLang="en-US"/>
+          </a:p>
+        </p:txBody>
+      </p:sp>
+    </p:spTree>
+    <p:extLst>
+      <p:ext uri="{BB962C8B-B14F-4D97-AF65-F5344CB8AC3E}">
+        <p14:creationId xmlns:p14="http://schemas.microsoft.com/office/powerpoint/2010/main" val="990525398"/>
+      </p:ext>
+    </p:extLst>
+  </p:cSld>
+  <p:clrMapOvr>
+    <a:masterClrMapping/>
+  </p:clrMapOvr>
+</p:notes>
+</file>
+
+<file path=ppt/notesSlides/notesSlide65.xml><?xml version="1.0" encoding="utf-8"?>
+<p:notes xmlns:a="http://schemas.openxmlformats.org/drawingml/2006/main" xmlns:r="http://schemas.openxmlformats.org/officeDocument/2006/relationships" xmlns:p="http://schemas.openxmlformats.org/presentationml/2006/main">
+  <p:cSld>
+    <p:spTree>
+      <p:nvGrpSpPr>
+        <p:cNvPr id="1" name=""/>
+        <p:cNvGrpSpPr/>
+        <p:nvPr/>
+      </p:nvGrpSpPr>
+      <p:grpSpPr>
+        <a:xfrm>
+          <a:off x="0" y="0"/>
+          <a:ext cx="0" cy="0"/>
+          <a:chOff x="0" y="0"/>
+          <a:chExt cx="0" cy="0"/>
+        </a:xfrm>
+      </p:grpSpPr>
+      <p:sp>
+        <p:nvSpPr>
+          <p:cNvPr id="2" name="投影片圖像版面配置區 1"/>
+          <p:cNvSpPr>
+            <a:spLocks noGrp="1" noRot="1" noChangeAspect="1"/>
+          </p:cNvSpPr>
+          <p:nvPr>
+            <p:ph type="sldImg"/>
+          </p:nvPr>
+        </p:nvSpPr>
+        <p:spPr/>
+      </p:sp>
+      <p:sp>
+        <p:nvSpPr>
+          <p:cNvPr id="3" name="備忘稿版面配置區 2"/>
+          <p:cNvSpPr>
+            <a:spLocks noGrp="1"/>
+          </p:cNvSpPr>
+          <p:nvPr>
+            <p:ph type="body" idx="1"/>
+          </p:nvPr>
+        </p:nvSpPr>
+        <p:spPr/>
+        <p:txBody>
+          <a:bodyPr/>
+          <a:lstStyle/>
+          <a:p>
+            <a:r>
+              <a:rPr lang="zh-TW" altLang="en-US" dirty="0" smtClean="0"/>
+              <a:t>參考：</a:t>
+            </a:r>
+            <a:r>
+              <a:rPr lang="en-US" altLang="zh-TW" smtClean="0"/>
+              <a:t>https://ericwu.asia/2019/05/01/%E7%94%A2%E7%94%9F%E4%BB%BB%E4%BD%95-mock-http-%E5%9B%9E%E6%87%89%E7%9A%84%E5%A5%BD%E5%B7%A5%E5%85%B7-mocky-io/</a:t>
+            </a:r>
+          </a:p>
+          <a:p>
+            <a:endParaRPr lang="zh-TW" altLang="en-US" dirty="0"/>
+          </a:p>
+        </p:txBody>
+      </p:sp>
+      <p:sp>
+        <p:nvSpPr>
+          <p:cNvPr id="4" name="投影片編號版面配置區 3"/>
+          <p:cNvSpPr>
+            <a:spLocks noGrp="1"/>
+          </p:cNvSpPr>
+          <p:nvPr>
+            <p:ph type="sldNum" sz="quarter" idx="10"/>
+          </p:nvPr>
+        </p:nvSpPr>
+        <p:spPr/>
+        <p:txBody>
+          <a:bodyPr/>
+          <a:lstStyle/>
+          <a:p>
+            <a:fld id="{D1948313-5CBC-4C3A-A1C1-87A108B3BBD8}" type="slidenum">
+              <a:rPr lang="zh-TW" altLang="en-US" smtClean="0"/>
+              <a:t>86</a:t>
             </a:fld>
             <a:endParaRPr lang="zh-TW" altLang="en-US"/>
           </a:p>
@@ -6994,7 +7079,7 @@
           <a:p>
             <a:fld id="{AE18679F-F7AD-4C3C-A7D1-3B957986030F}" type="datetimeFigureOut">
               <a:rPr lang="zh-TW" altLang="en-US" smtClean="0"/>
-              <a:t>2021/12/27</a:t>
+              <a:t>2022/11/14</a:t>
             </a:fld>
             <a:endParaRPr lang="zh-TW" altLang="en-US"/>
           </a:p>
@@ -7164,7 +7249,7 @@
           <a:p>
             <a:fld id="{AE18679F-F7AD-4C3C-A7D1-3B957986030F}" type="datetimeFigureOut">
               <a:rPr lang="zh-TW" altLang="en-US" smtClean="0"/>
-              <a:t>2021/12/27</a:t>
+              <a:t>2022/11/14</a:t>
             </a:fld>
             <a:endParaRPr lang="zh-TW" altLang="en-US"/>
           </a:p>
@@ -7344,7 +7429,7 @@
           <a:p>
             <a:fld id="{AE18679F-F7AD-4C3C-A7D1-3B957986030F}" type="datetimeFigureOut">
               <a:rPr lang="zh-TW" altLang="en-US" smtClean="0"/>
-              <a:t>2021/12/27</a:t>
+              <a:t>2022/11/14</a:t>
             </a:fld>
             <a:endParaRPr lang="zh-TW" altLang="en-US"/>
           </a:p>
@@ -7514,7 +7599,7 @@
           <a:p>
             <a:fld id="{AE18679F-F7AD-4C3C-A7D1-3B957986030F}" type="datetimeFigureOut">
               <a:rPr lang="zh-TW" altLang="en-US" smtClean="0"/>
-              <a:t>2021/12/27</a:t>
+              <a:t>2022/11/14</a:t>
             </a:fld>
             <a:endParaRPr lang="zh-TW" altLang="en-US"/>
           </a:p>
@@ -7760,7 +7845,7 @@
           <a:p>
             <a:fld id="{AE18679F-F7AD-4C3C-A7D1-3B957986030F}" type="datetimeFigureOut">
               <a:rPr lang="zh-TW" altLang="en-US" smtClean="0"/>
-              <a:t>2021/12/27</a:t>
+              <a:t>2022/11/14</a:t>
             </a:fld>
             <a:endParaRPr lang="zh-TW" altLang="en-US"/>
           </a:p>
@@ -7992,7 +8077,7 @@
           <a:p>
             <a:fld id="{AE18679F-F7AD-4C3C-A7D1-3B957986030F}" type="datetimeFigureOut">
               <a:rPr lang="zh-TW" altLang="en-US" smtClean="0"/>
-              <a:t>2021/12/27</a:t>
+              <a:t>2022/11/14</a:t>
             </a:fld>
             <a:endParaRPr lang="zh-TW" altLang="en-US"/>
           </a:p>
@@ -8359,7 +8444,7 @@
           <a:p>
             <a:fld id="{AE18679F-F7AD-4C3C-A7D1-3B957986030F}" type="datetimeFigureOut">
               <a:rPr lang="zh-TW" altLang="en-US" smtClean="0"/>
-              <a:t>2021/12/27</a:t>
+              <a:t>2022/11/14</a:t>
             </a:fld>
             <a:endParaRPr lang="zh-TW" altLang="en-US"/>
           </a:p>
@@ -8477,7 +8562,7 @@
           <a:p>
             <a:fld id="{AE18679F-F7AD-4C3C-A7D1-3B957986030F}" type="datetimeFigureOut">
               <a:rPr lang="zh-TW" altLang="en-US" smtClean="0"/>
-              <a:t>2021/12/27</a:t>
+              <a:t>2022/11/14</a:t>
             </a:fld>
             <a:endParaRPr lang="zh-TW" altLang="en-US"/>
           </a:p>
@@ -8572,7 +8657,7 @@
           <a:p>
             <a:fld id="{AE18679F-F7AD-4C3C-A7D1-3B957986030F}" type="datetimeFigureOut">
               <a:rPr lang="zh-TW" altLang="en-US" smtClean="0"/>
-              <a:t>2021/12/27</a:t>
+              <a:t>2022/11/14</a:t>
             </a:fld>
             <a:endParaRPr lang="zh-TW" altLang="en-US"/>
           </a:p>
@@ -8849,7 +8934,7 @@
           <a:p>
             <a:fld id="{AE18679F-F7AD-4C3C-A7D1-3B957986030F}" type="datetimeFigureOut">
               <a:rPr lang="zh-TW" altLang="en-US" smtClean="0"/>
-              <a:t>2021/12/27</a:t>
+              <a:t>2022/11/14</a:t>
             </a:fld>
             <a:endParaRPr lang="zh-TW" altLang="en-US"/>
           </a:p>
@@ -9102,7 +9187,7 @@
           <a:p>
             <a:fld id="{AE18679F-F7AD-4C3C-A7D1-3B957986030F}" type="datetimeFigureOut">
               <a:rPr lang="zh-TW" altLang="en-US" smtClean="0"/>
-              <a:t>2021/12/27</a:t>
+              <a:t>2022/11/14</a:t>
             </a:fld>
             <a:endParaRPr lang="zh-TW" altLang="en-US"/>
           </a:p>
@@ -9315,7 +9400,7 @@
           <a:p>
             <a:fld id="{AE18679F-F7AD-4C3C-A7D1-3B957986030F}" type="datetimeFigureOut">
               <a:rPr lang="zh-TW" altLang="en-US" smtClean="0"/>
-              <a:t>2021/12/27</a:t>
+              <a:t>2022/11/14</a:t>
             </a:fld>
             <a:endParaRPr lang="zh-TW" altLang="en-US"/>
           </a:p>
@@ -20885,6 +20970,461 @@
           <a:lstStyle/>
           <a:p>
             <a:r>
+              <a:rPr lang="zh-TW" altLang="en-US" sz="3200" dirty="0">
+                <a:latin typeface="微軟正黑體" panose="020B0604030504040204" pitchFamily="34" charset="-120"/>
+                <a:ea typeface="微軟正黑體" panose="020B0604030504040204" pitchFamily="34" charset="-120"/>
+              </a:rPr>
+              <a:t>接收</a:t>
+            </a:r>
+            <a:r>
+              <a:rPr lang="zh-TW" altLang="en-US" sz="3200" dirty="0" smtClean="0">
+                <a:latin typeface="微軟正黑體" panose="020B0604030504040204" pitchFamily="34" charset="-120"/>
+                <a:ea typeface="微軟正黑體" panose="020B0604030504040204" pitchFamily="34" charset="-120"/>
+              </a:rPr>
+              <a:t>參數屬性設定</a:t>
+            </a:r>
+            <a:endParaRPr lang="zh-TW" altLang="en-US" sz="3200" dirty="0">
+              <a:latin typeface="微軟正黑體" panose="020B0604030504040204" pitchFamily="34" charset="-120"/>
+              <a:ea typeface="微軟正黑體" panose="020B0604030504040204" pitchFamily="34" charset="-120"/>
+            </a:endParaRPr>
+          </a:p>
+        </p:txBody>
+      </p:sp>
+      <p:sp>
+        <p:nvSpPr>
+          <p:cNvPr id="8" name="矩形 7"/>
+          <p:cNvSpPr/>
+          <p:nvPr/>
+        </p:nvSpPr>
+        <p:spPr>
+          <a:xfrm>
+            <a:off x="3048000" y="1028343"/>
+            <a:ext cx="6096000" cy="369332"/>
+          </a:xfrm>
+          <a:prstGeom prst="rect">
+            <a:avLst/>
+          </a:prstGeom>
+        </p:spPr>
+        <p:txBody>
+          <a:bodyPr>
+            <a:spAutoFit/>
+          </a:bodyPr>
+          <a:lstStyle/>
+          <a:p>
+            <a:endParaRPr lang="zh-TW" altLang="en-US" dirty="0"/>
+          </a:p>
+        </p:txBody>
+      </p:sp>
+      <p:pic>
+        <p:nvPicPr>
+          <p:cNvPr id="10" name="圖片 9"/>
+          <p:cNvPicPr>
+            <a:picLocks noChangeAspect="1"/>
+          </p:cNvPicPr>
+          <p:nvPr/>
+        </p:nvPicPr>
+        <p:blipFill>
+          <a:blip r:embed="rId3"/>
+          <a:stretch>
+            <a:fillRect/>
+          </a:stretch>
+        </p:blipFill>
+        <p:spPr>
+          <a:xfrm>
+            <a:off x="0" y="1884122"/>
+            <a:ext cx="6122238" cy="1497534"/>
+          </a:xfrm>
+          <a:prstGeom prst="rect">
+            <a:avLst/>
+          </a:prstGeom>
+        </p:spPr>
+      </p:pic>
+      <p:sp>
+        <p:nvSpPr>
+          <p:cNvPr id="11" name="文字方塊 10"/>
+          <p:cNvSpPr txBox="1"/>
+          <p:nvPr/>
+        </p:nvSpPr>
+        <p:spPr>
+          <a:xfrm>
+            <a:off x="-21772" y="1325563"/>
+            <a:ext cx="9863604" cy="584775"/>
+          </a:xfrm>
+          <a:prstGeom prst="rect">
+            <a:avLst/>
+          </a:prstGeom>
+          <a:noFill/>
+        </p:spPr>
+        <p:txBody>
+          <a:bodyPr wrap="square" rtlCol="0">
+            <a:spAutoFit/>
+          </a:bodyPr>
+          <a:lstStyle/>
+          <a:p>
+            <a:r>
+              <a:rPr lang="zh-TW" altLang="en-US" sz="3200" dirty="0"/>
+              <a:t>後</a:t>
+            </a:r>
+            <a:r>
+              <a:rPr lang="zh-TW" altLang="en-US" sz="3200" dirty="0" smtClean="0"/>
+              <a:t>端</a:t>
+            </a:r>
+            <a:r>
+              <a:rPr lang="en-US" altLang="zh-TW" sz="3200" dirty="0" smtClean="0"/>
+              <a:t>Action</a:t>
+            </a:r>
+            <a:r>
+              <a:rPr lang="zh-TW" altLang="en-US" sz="3200" dirty="0" smtClean="0"/>
+              <a:t>可以設定接收參數的屬性</a:t>
+            </a:r>
+            <a:endParaRPr lang="zh-TW" altLang="en-US" sz="3200" dirty="0"/>
+          </a:p>
+        </p:txBody>
+      </p:sp>
+      <p:sp>
+        <p:nvSpPr>
+          <p:cNvPr id="9" name="文字方塊 8"/>
+          <p:cNvSpPr txBox="1"/>
+          <p:nvPr/>
+        </p:nvSpPr>
+        <p:spPr>
+          <a:xfrm>
+            <a:off x="1" y="3698118"/>
+            <a:ext cx="12191999" cy="2616101"/>
+          </a:xfrm>
+          <a:prstGeom prst="rect">
+            <a:avLst/>
+          </a:prstGeom>
+          <a:noFill/>
+        </p:spPr>
+        <p:txBody>
+          <a:bodyPr wrap="square" rtlCol="0">
+            <a:spAutoFit/>
+          </a:bodyPr>
+          <a:lstStyle/>
+          <a:p>
+            <a:r>
+              <a:rPr lang="en-US" altLang="zh-TW" sz="2000" dirty="0" smtClean="0">
+                <a:latin typeface="微軟正黑體" panose="020B0604030504040204" pitchFamily="34" charset="-120"/>
+                <a:ea typeface="微軟正黑體" panose="020B0604030504040204" pitchFamily="34" charset="-120"/>
+              </a:rPr>
+              <a:t>*</a:t>
+            </a:r>
+            <a:r>
+              <a:rPr lang="zh-TW" altLang="en-US" sz="2000" dirty="0" smtClean="0">
+                <a:latin typeface="微軟正黑體" panose="020B0604030504040204" pitchFamily="34" charset="-120"/>
+                <a:ea typeface="微軟正黑體" panose="020B0604030504040204" pitchFamily="34" charset="-120"/>
+              </a:rPr>
+              <a:t>備註：這邊</a:t>
+            </a:r>
+            <a:r>
+              <a:rPr lang="zh-TW" altLang="en-US" sz="2000" dirty="0">
+                <a:latin typeface="微軟正黑體" panose="020B0604030504040204" pitchFamily="34" charset="-120"/>
+                <a:ea typeface="微軟正黑體" panose="020B0604030504040204" pitchFamily="34" charset="-120"/>
+              </a:rPr>
+              <a:t>範例是用</a:t>
+            </a:r>
+            <a:r>
+              <a:rPr lang="en-US" altLang="zh-TW" sz="2000" dirty="0" err="1" smtClean="0">
+                <a:latin typeface="微軟正黑體" panose="020B0604030504040204" pitchFamily="34" charset="-120"/>
+                <a:ea typeface="微軟正黑體" panose="020B0604030504040204" pitchFamily="34" charset="-120"/>
+              </a:rPr>
+              <a:t>ValuesController</a:t>
+            </a:r>
+            <a:endParaRPr lang="en-US" altLang="zh-TW" sz="2000" dirty="0" smtClean="0">
+              <a:latin typeface="微軟正黑體" panose="020B0604030504040204" pitchFamily="34" charset="-120"/>
+              <a:ea typeface="微軟正黑體" panose="020B0604030504040204" pitchFamily="34" charset="-120"/>
+            </a:endParaRPr>
+          </a:p>
+          <a:p>
+            <a:endParaRPr lang="en-US" altLang="zh-TW" sz="3600" b="1" dirty="0">
+              <a:latin typeface="微軟正黑體" panose="020B0604030504040204" pitchFamily="34" charset="-120"/>
+              <a:ea typeface="微軟正黑體" panose="020B0604030504040204" pitchFamily="34" charset="-120"/>
+            </a:endParaRPr>
+          </a:p>
+          <a:p>
+            <a:r>
+              <a:rPr lang="en-US" altLang="zh-TW" sz="3600" b="1" dirty="0">
+                <a:latin typeface="微軟正黑體" panose="020B0604030504040204" pitchFamily="34" charset="-120"/>
+                <a:ea typeface="微軟正黑體" panose="020B0604030504040204" pitchFamily="34" charset="-120"/>
+              </a:rPr>
+              <a:t>[</a:t>
+            </a:r>
+            <a:r>
+              <a:rPr lang="en-US" altLang="zh-TW" sz="3600" b="1" dirty="0" err="1" smtClean="0">
+                <a:latin typeface="微軟正黑體" panose="020B0604030504040204" pitchFamily="34" charset="-120"/>
+                <a:ea typeface="微軟正黑體" panose="020B0604030504040204" pitchFamily="34" charset="-120"/>
+              </a:rPr>
+              <a:t>FromUrl</a:t>
+            </a:r>
+            <a:r>
+              <a:rPr lang="en-US" altLang="zh-TW" sz="3600" b="1" dirty="0" smtClean="0">
+                <a:latin typeface="微軟正黑體" panose="020B0604030504040204" pitchFamily="34" charset="-120"/>
+                <a:ea typeface="微軟正黑體" panose="020B0604030504040204" pitchFamily="34" charset="-120"/>
+              </a:rPr>
+              <a:t>]</a:t>
+            </a:r>
+            <a:r>
+              <a:rPr lang="zh-TW" altLang="en-US" sz="3600" b="1" dirty="0">
+                <a:latin typeface="微軟正黑體" panose="020B0604030504040204" pitchFamily="34" charset="-120"/>
+                <a:ea typeface="微軟正黑體" panose="020B0604030504040204" pitchFamily="34" charset="-120"/>
+              </a:rPr>
+              <a:t>：</a:t>
+            </a:r>
+            <a:r>
+              <a:rPr lang="zh-TW" altLang="en-US" sz="3600" b="1" dirty="0" smtClean="0">
+                <a:latin typeface="微軟正黑體" panose="020B0604030504040204" pitchFamily="34" charset="-120"/>
+                <a:ea typeface="微軟正黑體" panose="020B0604030504040204" pitchFamily="34" charset="-120"/>
+              </a:rPr>
+              <a:t>接收</a:t>
+            </a:r>
+            <a:r>
+              <a:rPr lang="en-US" altLang="zh-TW" sz="3600" b="1" dirty="0" smtClean="0">
+                <a:latin typeface="微軟正黑體" panose="020B0604030504040204" pitchFamily="34" charset="-120"/>
+                <a:ea typeface="微軟正黑體" panose="020B0604030504040204" pitchFamily="34" charset="-120"/>
+              </a:rPr>
+              <a:t>Get</a:t>
+            </a:r>
+            <a:r>
+              <a:rPr lang="zh-TW" altLang="en-US" sz="3600" b="1" dirty="0" smtClean="0">
+                <a:latin typeface="微軟正黑體" panose="020B0604030504040204" pitchFamily="34" charset="-120"/>
+                <a:ea typeface="微軟正黑體" panose="020B0604030504040204" pitchFamily="34" charset="-120"/>
+              </a:rPr>
+              <a:t>的</a:t>
+            </a:r>
+            <a:r>
+              <a:rPr lang="en-US" altLang="zh-TW" sz="3600" b="1" dirty="0" err="1" smtClean="0">
+                <a:latin typeface="微軟正黑體" panose="020B0604030504040204" pitchFamily="34" charset="-120"/>
+                <a:ea typeface="微軟正黑體" panose="020B0604030504040204" pitchFamily="34" charset="-120"/>
+              </a:rPr>
+              <a:t>Url</a:t>
+            </a:r>
+            <a:r>
+              <a:rPr lang="zh-TW" altLang="en-US" sz="3600" b="1" dirty="0" smtClean="0">
+                <a:latin typeface="微軟正黑體" panose="020B0604030504040204" pitchFamily="34" charset="-120"/>
+                <a:ea typeface="微軟正黑體" panose="020B0604030504040204" pitchFamily="34" charset="-120"/>
+              </a:rPr>
+              <a:t>參數</a:t>
+            </a:r>
+            <a:endParaRPr lang="en-US" altLang="zh-TW" sz="3600" b="1" dirty="0" smtClean="0">
+              <a:latin typeface="微軟正黑體" panose="020B0604030504040204" pitchFamily="34" charset="-120"/>
+              <a:ea typeface="微軟正黑體" panose="020B0604030504040204" pitchFamily="34" charset="-120"/>
+            </a:endParaRPr>
+          </a:p>
+          <a:p>
+            <a:r>
+              <a:rPr lang="en-US" altLang="zh-TW" sz="3600" b="1" dirty="0" smtClean="0">
+                <a:latin typeface="微軟正黑體" panose="020B0604030504040204" pitchFamily="34" charset="-120"/>
+                <a:ea typeface="微軟正黑體" panose="020B0604030504040204" pitchFamily="34" charset="-120"/>
+              </a:rPr>
+              <a:t>[</a:t>
+            </a:r>
+            <a:r>
+              <a:rPr lang="en-US" altLang="zh-TW" sz="3600" b="1" dirty="0" err="1" smtClean="0">
+                <a:latin typeface="微軟正黑體" panose="020B0604030504040204" pitchFamily="34" charset="-120"/>
+                <a:ea typeface="微軟正黑體" panose="020B0604030504040204" pitchFamily="34" charset="-120"/>
+              </a:rPr>
+              <a:t>FromBody</a:t>
+            </a:r>
+            <a:r>
+              <a:rPr lang="en-US" altLang="zh-TW" sz="3600" b="1" dirty="0" smtClean="0">
+                <a:latin typeface="微軟正黑體" panose="020B0604030504040204" pitchFamily="34" charset="-120"/>
+                <a:ea typeface="微軟正黑體" panose="020B0604030504040204" pitchFamily="34" charset="-120"/>
+              </a:rPr>
+              <a:t>]</a:t>
+            </a:r>
+            <a:r>
+              <a:rPr lang="zh-TW" altLang="en-US" sz="3600" b="1" dirty="0" smtClean="0">
+                <a:latin typeface="微軟正黑體" panose="020B0604030504040204" pitchFamily="34" charset="-120"/>
+                <a:ea typeface="微軟正黑體" panose="020B0604030504040204" pitchFamily="34" charset="-120"/>
+              </a:rPr>
+              <a:t>：接收</a:t>
+            </a:r>
+            <a:r>
+              <a:rPr lang="en-US" altLang="zh-TW" sz="3600" b="1" dirty="0" smtClean="0">
+                <a:latin typeface="微軟正黑體" panose="020B0604030504040204" pitchFamily="34" charset="-120"/>
+                <a:ea typeface="微軟正黑體" panose="020B0604030504040204" pitchFamily="34" charset="-120"/>
+              </a:rPr>
+              <a:t>Post</a:t>
+            </a:r>
+            <a:r>
+              <a:rPr lang="zh-TW" altLang="en-US" sz="3600" b="1" dirty="0" smtClean="0">
+                <a:latin typeface="微軟正黑體" panose="020B0604030504040204" pitchFamily="34" charset="-120"/>
+                <a:ea typeface="微軟正黑體" panose="020B0604030504040204" pitchFamily="34" charset="-120"/>
+              </a:rPr>
+              <a:t>的</a:t>
+            </a:r>
+            <a:r>
+              <a:rPr lang="en-US" altLang="zh-TW" sz="3600" b="1" dirty="0" smtClean="0">
+                <a:latin typeface="微軟正黑體" panose="020B0604030504040204" pitchFamily="34" charset="-120"/>
+                <a:ea typeface="微軟正黑體" panose="020B0604030504040204" pitchFamily="34" charset="-120"/>
+              </a:rPr>
+              <a:t>Body</a:t>
+            </a:r>
+            <a:r>
+              <a:rPr lang="zh-TW" altLang="en-US" sz="3600" b="1" dirty="0" smtClean="0">
+                <a:latin typeface="微軟正黑體" panose="020B0604030504040204" pitchFamily="34" charset="-120"/>
+                <a:ea typeface="微軟正黑體" panose="020B0604030504040204" pitchFamily="34" charset="-120"/>
+              </a:rPr>
+              <a:t>參數</a:t>
+            </a:r>
+            <a:endParaRPr lang="en-US" altLang="zh-TW" sz="3600" b="1" dirty="0" smtClean="0">
+              <a:latin typeface="微軟正黑體" panose="020B0604030504040204" pitchFamily="34" charset="-120"/>
+              <a:ea typeface="微軟正黑體" panose="020B0604030504040204" pitchFamily="34" charset="-120"/>
+            </a:endParaRPr>
+          </a:p>
+          <a:p>
+            <a:r>
+              <a:rPr lang="en-US" altLang="zh-TW" sz="3600" b="1" dirty="0" smtClean="0">
+                <a:latin typeface="微軟正黑體" panose="020B0604030504040204" pitchFamily="34" charset="-120"/>
+                <a:ea typeface="微軟正黑體" panose="020B0604030504040204" pitchFamily="34" charset="-120"/>
+              </a:rPr>
+              <a:t>[</a:t>
+            </a:r>
+            <a:r>
+              <a:rPr lang="en-US" altLang="zh-TW" sz="3600" b="1" dirty="0" err="1" smtClean="0">
+                <a:latin typeface="微軟正黑體" panose="020B0604030504040204" pitchFamily="34" charset="-120"/>
+                <a:ea typeface="微軟正黑體" panose="020B0604030504040204" pitchFamily="34" charset="-120"/>
+              </a:rPr>
+              <a:t>FromForm</a:t>
+            </a:r>
+            <a:r>
+              <a:rPr lang="en-US" altLang="zh-TW" sz="3600" b="1" dirty="0" smtClean="0">
+                <a:latin typeface="微軟正黑體" panose="020B0604030504040204" pitchFamily="34" charset="-120"/>
+                <a:ea typeface="微軟正黑體" panose="020B0604030504040204" pitchFamily="34" charset="-120"/>
+              </a:rPr>
+              <a:t>]</a:t>
+            </a:r>
+            <a:r>
+              <a:rPr lang="zh-TW" altLang="en-US" sz="3600" b="1" dirty="0" smtClean="0">
+                <a:latin typeface="微軟正黑體" panose="020B0604030504040204" pitchFamily="34" charset="-120"/>
+                <a:ea typeface="微軟正黑體" panose="020B0604030504040204" pitchFamily="34" charset="-120"/>
+              </a:rPr>
+              <a:t>：</a:t>
+            </a:r>
+            <a:r>
+              <a:rPr lang="zh-TW" altLang="en-US" sz="3600" b="1" dirty="0" smtClean="0">
+                <a:latin typeface="微軟正黑體" panose="020B0604030504040204" pitchFamily="34" charset="-120"/>
+                <a:ea typeface="微軟正黑體" panose="020B0604030504040204" pitchFamily="34" charset="-120"/>
+              </a:rPr>
+              <a:t>接收</a:t>
+            </a:r>
+            <a:r>
+              <a:rPr lang="en-US" altLang="zh-TW" sz="3600" b="1" dirty="0" smtClean="0">
+                <a:latin typeface="微軟正黑體" panose="020B0604030504040204" pitchFamily="34" charset="-120"/>
+                <a:ea typeface="微軟正黑體" panose="020B0604030504040204" pitchFamily="34" charset="-120"/>
+              </a:rPr>
+              <a:t>Post</a:t>
+            </a:r>
+            <a:r>
+              <a:rPr lang="zh-TW" altLang="en-US" sz="3600" b="1" dirty="0" smtClean="0">
+                <a:latin typeface="微軟正黑體" panose="020B0604030504040204" pitchFamily="34" charset="-120"/>
+                <a:ea typeface="微軟正黑體" panose="020B0604030504040204" pitchFamily="34" charset="-120"/>
+              </a:rPr>
+              <a:t>的</a:t>
+            </a:r>
+            <a:r>
+              <a:rPr lang="en-US" altLang="zh-TW" sz="3600" b="1" dirty="0" err="1" smtClean="0">
+                <a:latin typeface="微軟正黑體" panose="020B0604030504040204" pitchFamily="34" charset="-120"/>
+                <a:ea typeface="微軟正黑體" panose="020B0604030504040204" pitchFamily="34" charset="-120"/>
+              </a:rPr>
+              <a:t>FormData</a:t>
+            </a:r>
+            <a:r>
+              <a:rPr lang="zh-TW" altLang="en-US" sz="3600" b="1" dirty="0" smtClean="0">
+                <a:latin typeface="微軟正黑體" panose="020B0604030504040204" pitchFamily="34" charset="-120"/>
+                <a:ea typeface="微軟正黑體" panose="020B0604030504040204" pitchFamily="34" charset="-120"/>
+              </a:rPr>
+              <a:t>參數</a:t>
+            </a:r>
+            <a:r>
+              <a:rPr lang="en-US" altLang="zh-TW" sz="3600" b="1" dirty="0" smtClean="0">
+                <a:latin typeface="微軟正黑體" panose="020B0604030504040204" pitchFamily="34" charset="-120"/>
+                <a:ea typeface="微軟正黑體" panose="020B0604030504040204" pitchFamily="34" charset="-120"/>
+              </a:rPr>
+              <a:t>(</a:t>
+            </a:r>
+            <a:r>
+              <a:rPr lang="zh-TW" altLang="en-US" sz="3600" b="1" dirty="0" smtClean="0">
+                <a:latin typeface="微軟正黑體" panose="020B0604030504040204" pitchFamily="34" charset="-120"/>
+                <a:ea typeface="微軟正黑體" panose="020B0604030504040204" pitchFamily="34" charset="-120"/>
+              </a:rPr>
+              <a:t>檔案上傳用這</a:t>
+            </a:r>
+            <a:r>
+              <a:rPr lang="en-US" altLang="zh-TW" sz="3600" b="1" dirty="0" smtClean="0">
+                <a:latin typeface="微軟正黑體" panose="020B0604030504040204" pitchFamily="34" charset="-120"/>
+                <a:ea typeface="微軟正黑體" panose="020B0604030504040204" pitchFamily="34" charset="-120"/>
+              </a:rPr>
+              <a:t>)</a:t>
+            </a:r>
+            <a:endParaRPr lang="zh-TW" altLang="en-US" sz="3600" b="1" dirty="0">
+              <a:latin typeface="微軟正黑體" panose="020B0604030504040204" pitchFamily="34" charset="-120"/>
+              <a:ea typeface="微軟正黑體" panose="020B0604030504040204" pitchFamily="34" charset="-120"/>
+            </a:endParaRPr>
+          </a:p>
+        </p:txBody>
+      </p:sp>
+    </p:spTree>
+    <p:extLst>
+      <p:ext uri="{BB962C8B-B14F-4D97-AF65-F5344CB8AC3E}">
+        <p14:creationId xmlns:p14="http://schemas.microsoft.com/office/powerpoint/2010/main" val="1308250419"/>
+      </p:ext>
+    </p:extLst>
+  </p:cSld>
+  <p:clrMapOvr>
+    <a:masterClrMapping/>
+  </p:clrMapOvr>
+  <p:timing>
+    <p:tnLst>
+      <p:par>
+        <p:cTn id="1" dur="indefinite" restart="never" nodeType="tmRoot"/>
+      </p:par>
+    </p:tnLst>
+  </p:timing>
+</p:sld>
+</file>
+
+<file path=ppt/slides/slide47.xml><?xml version="1.0" encoding="utf-8"?>
+<p:sld xmlns:a="http://schemas.openxmlformats.org/drawingml/2006/main" xmlns:r="http://schemas.openxmlformats.org/officeDocument/2006/relationships" xmlns:p="http://schemas.openxmlformats.org/presentationml/2006/main">
+  <p:cSld>
+    <p:spTree>
+      <p:nvGrpSpPr>
+        <p:cNvPr id="1" name=""/>
+        <p:cNvGrpSpPr/>
+        <p:nvPr/>
+      </p:nvGrpSpPr>
+      <p:grpSpPr>
+        <a:xfrm>
+          <a:off x="0" y="0"/>
+          <a:ext cx="0" cy="0"/>
+          <a:chOff x="0" y="0"/>
+          <a:chExt cx="0" cy="0"/>
+        </a:xfrm>
+      </p:grpSpPr>
+      <p:sp>
+        <p:nvSpPr>
+          <p:cNvPr id="2" name="標題 1"/>
+          <p:cNvSpPr>
+            <a:spLocks noGrp="1"/>
+          </p:cNvSpPr>
+          <p:nvPr>
+            <p:ph type="title"/>
+          </p:nvPr>
+        </p:nvSpPr>
+        <p:spPr>
+          <a:xfrm>
+            <a:off x="341086" y="0"/>
+            <a:ext cx="11366500" cy="1325563"/>
+          </a:xfrm>
+        </p:spPr>
+        <p:txBody>
+          <a:bodyPr>
+            <a:normAutofit/>
+          </a:bodyPr>
+          <a:lstStyle/>
+          <a:p>
+            <a:r>
               <a:rPr lang="zh-TW" altLang="en-US" sz="3200" dirty="0" smtClean="0">
                 <a:latin typeface="微軟正黑體" panose="020B0604030504040204" pitchFamily="34" charset="-120"/>
                 <a:ea typeface="微軟正黑體" panose="020B0604030504040204" pitchFamily="34" charset="-120"/>
@@ -21338,7 +21878,7 @@
     </p:spTree>
     <p:extLst>
       <p:ext uri="{BB962C8B-B14F-4D97-AF65-F5344CB8AC3E}">
-        <p14:creationId xmlns:p14="http://schemas.microsoft.com/office/powerpoint/2010/main" val="1308250419"/>
+        <p14:creationId xmlns:p14="http://schemas.microsoft.com/office/powerpoint/2010/main" val="855126223"/>
       </p:ext>
     </p:extLst>
   </p:cSld>
@@ -21355,7 +21895,7 @@
 </p:sld>
 </file>
 
-<file path=ppt/slides/slide47.xml><?xml version="1.0" encoding="utf-8"?>
+<file path=ppt/slides/slide48.xml><?xml version="1.0" encoding="utf-8"?>
 <p:sld xmlns:a="http://schemas.openxmlformats.org/drawingml/2006/main" xmlns:r="http://schemas.openxmlformats.org/officeDocument/2006/relationships" xmlns:p="http://schemas.openxmlformats.org/presentationml/2006/main">
   <p:cSld>
     <p:spTree>
@@ -22058,7 +22598,7 @@
 </p:sld>
 </file>
 
-<file path=ppt/slides/slide48.xml><?xml version="1.0" encoding="utf-8"?>
+<file path=ppt/slides/slide49.xml><?xml version="1.0" encoding="utf-8"?>
 <p:sld xmlns:a="http://schemas.openxmlformats.org/drawingml/2006/main" xmlns:r="http://schemas.openxmlformats.org/officeDocument/2006/relationships" xmlns:p="http://schemas.openxmlformats.org/presentationml/2006/main">
   <p:cSld>
     <p:spTree>
@@ -22565,7 +23105,95 @@
 </p:sld>
 </file>
 
-<file path=ppt/slides/slide49.xml><?xml version="1.0" encoding="utf-8"?>
+<file path=ppt/slides/slide5.xml><?xml version="1.0" encoding="utf-8"?>
+<p:sld xmlns:a="http://schemas.openxmlformats.org/drawingml/2006/main" xmlns:r="http://schemas.openxmlformats.org/officeDocument/2006/relationships" xmlns:p="http://schemas.openxmlformats.org/presentationml/2006/main">
+  <p:cSld>
+    <p:spTree>
+      <p:nvGrpSpPr>
+        <p:cNvPr id="1" name=""/>
+        <p:cNvGrpSpPr/>
+        <p:nvPr/>
+      </p:nvGrpSpPr>
+      <p:grpSpPr>
+        <a:xfrm>
+          <a:off x="0" y="0"/>
+          <a:ext cx="0" cy="0"/>
+          <a:chOff x="0" y="0"/>
+          <a:chExt cx="0" cy="0"/>
+        </a:xfrm>
+      </p:grpSpPr>
+      <p:sp>
+        <p:nvSpPr>
+          <p:cNvPr id="4" name="標題 3"/>
+          <p:cNvSpPr>
+            <a:spLocks noGrp="1"/>
+          </p:cNvSpPr>
+          <p:nvPr>
+            <p:ph type="title"/>
+          </p:nvPr>
+        </p:nvSpPr>
+        <p:spPr/>
+        <p:txBody>
+          <a:bodyPr/>
+          <a:lstStyle/>
+          <a:p>
+            <a:r>
+              <a:rPr lang="zh-TW" altLang="en-US" dirty="0" smtClean="0">
+                <a:latin typeface="微軟正黑體" panose="020B0604030504040204" pitchFamily="34" charset="-120"/>
+                <a:ea typeface="微軟正黑體" panose="020B0604030504040204" pitchFamily="34" charset="-120"/>
+              </a:rPr>
+              <a:t>事前</a:t>
+            </a:r>
+            <a:r>
+              <a:rPr lang="zh-TW" altLang="en-US" dirty="0">
+                <a:latin typeface="微軟正黑體" panose="020B0604030504040204" pitchFamily="34" charset="-120"/>
+                <a:ea typeface="微軟正黑體" panose="020B0604030504040204" pitchFamily="34" charset="-120"/>
+              </a:rPr>
+              <a:t>環境準備</a:t>
+            </a:r>
+          </a:p>
+        </p:txBody>
+      </p:sp>
+      <p:sp>
+        <p:nvSpPr>
+          <p:cNvPr id="5" name="文字版面配置區 4"/>
+          <p:cNvSpPr>
+            <a:spLocks noGrp="1"/>
+          </p:cNvSpPr>
+          <p:nvPr>
+            <p:ph type="body" idx="1"/>
+          </p:nvPr>
+        </p:nvSpPr>
+        <p:spPr/>
+        <p:txBody>
+          <a:bodyPr/>
+          <a:lstStyle/>
+          <a:p>
+            <a:endParaRPr lang="zh-TW" altLang="en-US"/>
+          </a:p>
+        </p:txBody>
+      </p:sp>
+    </p:spTree>
+    <p:extLst>
+      <p:ext uri="{BB962C8B-B14F-4D97-AF65-F5344CB8AC3E}">
+        <p14:creationId xmlns:p14="http://schemas.microsoft.com/office/powerpoint/2010/main" val="1484545464"/>
+      </p:ext>
+    </p:extLst>
+  </p:cSld>
+  <p:clrMapOvr>
+    <a:masterClrMapping/>
+  </p:clrMapOvr>
+  <p:timing>
+    <p:tnLst>
+      <p:par>
+        <p:cTn id="1" dur="indefinite" restart="never" nodeType="tmRoot"/>
+      </p:par>
+    </p:tnLst>
+  </p:timing>
+</p:sld>
+</file>
+
+<file path=ppt/slides/slide50.xml><?xml version="1.0" encoding="utf-8"?>
 <p:sld xmlns:a="http://schemas.openxmlformats.org/drawingml/2006/main" xmlns:r="http://schemas.openxmlformats.org/officeDocument/2006/relationships" xmlns:p="http://schemas.openxmlformats.org/presentationml/2006/main">
   <p:cSld>
     <p:spTree>
@@ -22967,95 +23595,7 @@
 </p:sld>
 </file>
 
-<file path=ppt/slides/slide5.xml><?xml version="1.0" encoding="utf-8"?>
-<p:sld xmlns:a="http://schemas.openxmlformats.org/drawingml/2006/main" xmlns:r="http://schemas.openxmlformats.org/officeDocument/2006/relationships" xmlns:p="http://schemas.openxmlformats.org/presentationml/2006/main">
-  <p:cSld>
-    <p:spTree>
-      <p:nvGrpSpPr>
-        <p:cNvPr id="1" name=""/>
-        <p:cNvGrpSpPr/>
-        <p:nvPr/>
-      </p:nvGrpSpPr>
-      <p:grpSpPr>
-        <a:xfrm>
-          <a:off x="0" y="0"/>
-          <a:ext cx="0" cy="0"/>
-          <a:chOff x="0" y="0"/>
-          <a:chExt cx="0" cy="0"/>
-        </a:xfrm>
-      </p:grpSpPr>
-      <p:sp>
-        <p:nvSpPr>
-          <p:cNvPr id="4" name="標題 3"/>
-          <p:cNvSpPr>
-            <a:spLocks noGrp="1"/>
-          </p:cNvSpPr>
-          <p:nvPr>
-            <p:ph type="title"/>
-          </p:nvPr>
-        </p:nvSpPr>
-        <p:spPr/>
-        <p:txBody>
-          <a:bodyPr/>
-          <a:lstStyle/>
-          <a:p>
-            <a:r>
-              <a:rPr lang="zh-TW" altLang="en-US" dirty="0" smtClean="0">
-                <a:latin typeface="微軟正黑體" panose="020B0604030504040204" pitchFamily="34" charset="-120"/>
-                <a:ea typeface="微軟正黑體" panose="020B0604030504040204" pitchFamily="34" charset="-120"/>
-              </a:rPr>
-              <a:t>事前</a:t>
-            </a:r>
-            <a:r>
-              <a:rPr lang="zh-TW" altLang="en-US" dirty="0">
-                <a:latin typeface="微軟正黑體" panose="020B0604030504040204" pitchFamily="34" charset="-120"/>
-                <a:ea typeface="微軟正黑體" panose="020B0604030504040204" pitchFamily="34" charset="-120"/>
-              </a:rPr>
-              <a:t>環境準備</a:t>
-            </a:r>
-          </a:p>
-        </p:txBody>
-      </p:sp>
-      <p:sp>
-        <p:nvSpPr>
-          <p:cNvPr id="5" name="文字版面配置區 4"/>
-          <p:cNvSpPr>
-            <a:spLocks noGrp="1"/>
-          </p:cNvSpPr>
-          <p:nvPr>
-            <p:ph type="body" idx="1"/>
-          </p:nvPr>
-        </p:nvSpPr>
-        <p:spPr/>
-        <p:txBody>
-          <a:bodyPr/>
-          <a:lstStyle/>
-          <a:p>
-            <a:endParaRPr lang="zh-TW" altLang="en-US"/>
-          </a:p>
-        </p:txBody>
-      </p:sp>
-    </p:spTree>
-    <p:extLst>
-      <p:ext uri="{BB962C8B-B14F-4D97-AF65-F5344CB8AC3E}">
-        <p14:creationId xmlns:p14="http://schemas.microsoft.com/office/powerpoint/2010/main" val="1484545464"/>
-      </p:ext>
-    </p:extLst>
-  </p:cSld>
-  <p:clrMapOvr>
-    <a:masterClrMapping/>
-  </p:clrMapOvr>
-  <p:timing>
-    <p:tnLst>
-      <p:par>
-        <p:cTn id="1" dur="indefinite" restart="never" nodeType="tmRoot"/>
-      </p:par>
-    </p:tnLst>
-  </p:timing>
-</p:sld>
-</file>
-
-<file path=ppt/slides/slide50.xml><?xml version="1.0" encoding="utf-8"?>
+<file path=ppt/slides/slide51.xml><?xml version="1.0" encoding="utf-8"?>
 <p:sld xmlns:a="http://schemas.openxmlformats.org/drawingml/2006/main" xmlns:r="http://schemas.openxmlformats.org/officeDocument/2006/relationships" xmlns:p="http://schemas.openxmlformats.org/presentationml/2006/main">
   <p:cSld>
     <p:spTree>
@@ -23167,7 +23707,7 @@
 </p:sld>
 </file>
 
-<file path=ppt/slides/slide51.xml><?xml version="1.0" encoding="utf-8"?>
+<file path=ppt/slides/slide52.xml><?xml version="1.0" encoding="utf-8"?>
 <p:sld xmlns:a="http://schemas.openxmlformats.org/drawingml/2006/main" xmlns:r="http://schemas.openxmlformats.org/officeDocument/2006/relationships" xmlns:p="http://schemas.openxmlformats.org/presentationml/2006/main">
   <p:cSld>
     <p:spTree>
@@ -23339,7 +23879,7 @@
 </p:sld>
 </file>
 
-<file path=ppt/slides/slide52.xml><?xml version="1.0" encoding="utf-8"?>
+<file path=ppt/slides/slide53.xml><?xml version="1.0" encoding="utf-8"?>
 <p:sld xmlns:a="http://schemas.openxmlformats.org/drawingml/2006/main" xmlns:r="http://schemas.openxmlformats.org/officeDocument/2006/relationships" xmlns:p="http://schemas.openxmlformats.org/presentationml/2006/main">
   <p:cSld>
     <p:spTree>
@@ -23448,7 +23988,7 @@
 </p:sld>
 </file>
 
-<file path=ppt/slides/slide53.xml><?xml version="1.0" encoding="utf-8"?>
+<file path=ppt/slides/slide54.xml><?xml version="1.0" encoding="utf-8"?>
 <p:sld xmlns:a="http://schemas.openxmlformats.org/drawingml/2006/main" xmlns:r="http://schemas.openxmlformats.org/officeDocument/2006/relationships" xmlns:p="http://schemas.openxmlformats.org/presentationml/2006/main">
   <p:cSld>
     <p:spTree>
@@ -23555,7 +24095,7 @@
 </p:sld>
 </file>
 
-<file path=ppt/slides/slide54.xml><?xml version="1.0" encoding="utf-8"?>
+<file path=ppt/slides/slide55.xml><?xml version="1.0" encoding="utf-8"?>
 <p:sld xmlns:a="http://schemas.openxmlformats.org/drawingml/2006/main" xmlns:r="http://schemas.openxmlformats.org/officeDocument/2006/relationships" xmlns:p="http://schemas.openxmlformats.org/presentationml/2006/main">
   <p:cSld>
     <p:spTree>
@@ -23662,7 +24202,7 @@
 </p:sld>
 </file>
 
-<file path=ppt/slides/slide55.xml><?xml version="1.0" encoding="utf-8"?>
+<file path=ppt/slides/slide56.xml><?xml version="1.0" encoding="utf-8"?>
 <p:sld xmlns:a="http://schemas.openxmlformats.org/drawingml/2006/main" xmlns:r="http://schemas.openxmlformats.org/officeDocument/2006/relationships" xmlns:p="http://schemas.openxmlformats.org/presentationml/2006/main">
   <p:cSld>
     <p:spTree>
@@ -23769,7 +24309,7 @@
 </p:sld>
 </file>
 
-<file path=ppt/slides/slide56.xml><?xml version="1.0" encoding="utf-8"?>
+<file path=ppt/slides/slide57.xml><?xml version="1.0" encoding="utf-8"?>
 <p:sld xmlns:a="http://schemas.openxmlformats.org/drawingml/2006/main" xmlns:r="http://schemas.openxmlformats.org/officeDocument/2006/relationships" xmlns:p="http://schemas.openxmlformats.org/presentationml/2006/main">
   <p:cSld>
     <p:spTree>
@@ -23876,7 +24416,7 @@
 </p:sld>
 </file>
 
-<file path=ppt/slides/slide57.xml><?xml version="1.0" encoding="utf-8"?>
+<file path=ppt/slides/slide58.xml><?xml version="1.0" encoding="utf-8"?>
 <p:sld xmlns:a="http://schemas.openxmlformats.org/drawingml/2006/main" xmlns:r="http://schemas.openxmlformats.org/officeDocument/2006/relationships" xmlns:p="http://schemas.openxmlformats.org/presentationml/2006/main">
   <p:cSld>
     <p:spTree>
@@ -23983,7 +24523,7 @@
 </p:sld>
 </file>
 
-<file path=ppt/slides/slide58.xml><?xml version="1.0" encoding="utf-8"?>
+<file path=ppt/slides/slide59.xml><?xml version="1.0" encoding="utf-8"?>
 <p:sld xmlns:a="http://schemas.openxmlformats.org/drawingml/2006/main" xmlns:r="http://schemas.openxmlformats.org/officeDocument/2006/relationships" xmlns:p="http://schemas.openxmlformats.org/presentationml/2006/main">
   <p:cSld>
     <p:spTree>
@@ -24603,7 +25143,340 @@
 </p:sld>
 </file>
 
-<file path=ppt/slides/slide59.xml><?xml version="1.0" encoding="utf-8"?>
+<file path=ppt/slides/slide6.xml><?xml version="1.0" encoding="utf-8"?>
+<p:sld xmlns:a="http://schemas.openxmlformats.org/drawingml/2006/main" xmlns:r="http://schemas.openxmlformats.org/officeDocument/2006/relationships" xmlns:p="http://schemas.openxmlformats.org/presentationml/2006/main">
+  <p:cSld>
+    <p:spTree>
+      <p:nvGrpSpPr>
+        <p:cNvPr id="1" name=""/>
+        <p:cNvGrpSpPr/>
+        <p:nvPr/>
+      </p:nvGrpSpPr>
+      <p:grpSpPr>
+        <a:xfrm>
+          <a:off x="0" y="0"/>
+          <a:ext cx="0" cy="0"/>
+          <a:chOff x="0" y="0"/>
+          <a:chExt cx="0" cy="0"/>
+        </a:xfrm>
+      </p:grpSpPr>
+      <p:sp>
+        <p:nvSpPr>
+          <p:cNvPr id="3" name="內容版面配置區 2"/>
+          <p:cNvSpPr>
+            <a:spLocks noGrp="1"/>
+          </p:cNvSpPr>
+          <p:nvPr>
+            <p:ph idx="1"/>
+          </p:nvPr>
+        </p:nvSpPr>
+        <p:spPr>
+          <a:xfrm>
+            <a:off x="810491" y="689553"/>
+            <a:ext cx="10494818" cy="5822084"/>
+          </a:xfrm>
+        </p:spPr>
+        <p:txBody>
+          <a:bodyPr>
+            <a:noAutofit/>
+          </a:bodyPr>
+          <a:lstStyle/>
+          <a:p>
+            <a:r>
+              <a:rPr lang="en-US" altLang="zh-TW" sz="3200" dirty="0" smtClean="0">
+                <a:latin typeface="微軟正黑體" panose="020B0604030504040204" pitchFamily="34" charset="-120"/>
+                <a:ea typeface="微軟正黑體" panose="020B0604030504040204" pitchFamily="34" charset="-120"/>
+              </a:rPr>
+              <a:t>Visual Studio 2017/2019/2022</a:t>
+            </a:r>
+          </a:p>
+          <a:p>
+            <a:r>
+              <a:rPr lang="en-US" altLang="zh-TW" sz="3200" dirty="0" smtClean="0">
+                <a:latin typeface="微軟正黑體" panose="020B0604030504040204" pitchFamily="34" charset="-120"/>
+                <a:ea typeface="微軟正黑體" panose="020B0604030504040204" pitchFamily="34" charset="-120"/>
+              </a:rPr>
+              <a:t>SQL</a:t>
+            </a:r>
+            <a:r>
+              <a:rPr lang="zh-TW" altLang="en-US" sz="3200" dirty="0" smtClean="0">
+                <a:latin typeface="微軟正黑體" panose="020B0604030504040204" pitchFamily="34" charset="-120"/>
+                <a:ea typeface="微軟正黑體" panose="020B0604030504040204" pitchFamily="34" charset="-120"/>
+              </a:rPr>
+              <a:t> </a:t>
+            </a:r>
+            <a:r>
+              <a:rPr lang="en-US" altLang="zh-TW" sz="3200" dirty="0" smtClean="0">
+                <a:latin typeface="微軟正黑體" panose="020B0604030504040204" pitchFamily="34" charset="-120"/>
+                <a:ea typeface="微軟正黑體" panose="020B0604030504040204" pitchFamily="34" charset="-120"/>
+              </a:rPr>
+              <a:t>Server</a:t>
+            </a:r>
+          </a:p>
+          <a:p>
+            <a:r>
+              <a:rPr lang="en-US" altLang="zh-TW" sz="3200" dirty="0" smtClean="0">
+                <a:latin typeface="微軟正黑體" panose="020B0604030504040204" pitchFamily="34" charset="-120"/>
+                <a:ea typeface="微軟正黑體" panose="020B0604030504040204" pitchFamily="34" charset="-120"/>
+              </a:rPr>
+              <a:t>SDK</a:t>
+            </a:r>
+          </a:p>
+          <a:p>
+            <a:pPr lvl="1"/>
+            <a:r>
+              <a:rPr lang="zh-TW" altLang="en-US" sz="3200" dirty="0" smtClean="0">
+                <a:latin typeface="微軟正黑體" panose="020B0604030504040204" pitchFamily="34" charset="-120"/>
+                <a:ea typeface="微軟正黑體" panose="020B0604030504040204" pitchFamily="34" charset="-120"/>
+                <a:hlinkClick r:id="rId3"/>
+              </a:rPr>
+              <a:t>下載列表</a:t>
+            </a:r>
+            <a:endParaRPr lang="en-US" altLang="zh-TW" sz="3200" dirty="0" smtClean="0">
+              <a:latin typeface="微軟正黑體" panose="020B0604030504040204" pitchFamily="34" charset="-120"/>
+              <a:ea typeface="微軟正黑體" panose="020B0604030504040204" pitchFamily="34" charset="-120"/>
+            </a:endParaRPr>
+          </a:p>
+          <a:p>
+            <a:pPr lvl="1"/>
+            <a:r>
+              <a:rPr lang="en-US" altLang="zh-TW" sz="3200" dirty="0" smtClean="0">
+                <a:latin typeface="微軟正黑體" panose="020B0604030504040204" pitchFamily="34" charset="-120"/>
+                <a:ea typeface="微軟正黑體" panose="020B0604030504040204" pitchFamily="34" charset="-120"/>
+              </a:rPr>
+              <a:t>.NET</a:t>
+            </a:r>
+            <a:r>
+              <a:rPr lang="zh-TW" altLang="en-US" sz="3200" dirty="0" smtClean="0">
+                <a:latin typeface="微軟正黑體" panose="020B0604030504040204" pitchFamily="34" charset="-120"/>
+                <a:ea typeface="微軟正黑體" panose="020B0604030504040204" pitchFamily="34" charset="-120"/>
+              </a:rPr>
+              <a:t> </a:t>
+            </a:r>
+            <a:r>
+              <a:rPr lang="en-US" altLang="zh-TW" sz="3200" dirty="0">
+                <a:latin typeface="微軟正黑體" panose="020B0604030504040204" pitchFamily="34" charset="-120"/>
+                <a:ea typeface="微軟正黑體" panose="020B0604030504040204" pitchFamily="34" charset="-120"/>
+              </a:rPr>
+              <a:t>framework</a:t>
+            </a:r>
+            <a:r>
+              <a:rPr lang="zh-TW" altLang="en-US" sz="3200" dirty="0" smtClean="0">
+                <a:latin typeface="微軟正黑體" panose="020B0604030504040204" pitchFamily="34" charset="-120"/>
+                <a:ea typeface="微軟正黑體" panose="020B0604030504040204" pitchFamily="34" charset="-120"/>
+              </a:rPr>
+              <a:t>的話需安裝</a:t>
+            </a:r>
+            <a:r>
+              <a:rPr lang="en-US" altLang="zh-TW" sz="3200" dirty="0">
+                <a:latin typeface="微軟正黑體" panose="020B0604030504040204" pitchFamily="34" charset="-120"/>
+                <a:ea typeface="微軟正黑體" panose="020B0604030504040204" pitchFamily="34" charset="-120"/>
+              </a:rPr>
+              <a:t> </a:t>
+            </a:r>
+            <a:r>
+              <a:rPr lang="en-US" altLang="zh-TW" sz="3200" dirty="0" smtClean="0">
+                <a:latin typeface="微軟正黑體" panose="020B0604030504040204" pitchFamily="34" charset="-120"/>
+                <a:ea typeface="微軟正黑體" panose="020B0604030504040204" pitchFamily="34" charset="-120"/>
+              </a:rPr>
+              <a:t>.NET 4.5 framework</a:t>
+            </a:r>
+            <a:endParaRPr lang="en-US" altLang="zh-TW" sz="3200" dirty="0">
+              <a:latin typeface="微軟正黑體" panose="020B0604030504040204" pitchFamily="34" charset="-120"/>
+              <a:ea typeface="微軟正黑體" panose="020B0604030504040204" pitchFamily="34" charset="-120"/>
+            </a:endParaRPr>
+          </a:p>
+          <a:p>
+            <a:pPr lvl="1"/>
+            <a:r>
+              <a:rPr lang="en-US" altLang="zh-TW" sz="3200" dirty="0">
+                <a:latin typeface="微軟正黑體" panose="020B0604030504040204" pitchFamily="34" charset="-120"/>
+                <a:ea typeface="微軟正黑體" panose="020B0604030504040204" pitchFamily="34" charset="-120"/>
+              </a:rPr>
+              <a:t>.NET </a:t>
+            </a:r>
+            <a:r>
+              <a:rPr lang="en-US" altLang="zh-TW" sz="3200" dirty="0" smtClean="0">
+                <a:latin typeface="微軟正黑體" panose="020B0604030504040204" pitchFamily="34" charset="-120"/>
+                <a:ea typeface="微軟正黑體" panose="020B0604030504040204" pitchFamily="34" charset="-120"/>
+              </a:rPr>
+              <a:t>Core</a:t>
+            </a:r>
+            <a:r>
+              <a:rPr lang="zh-TW" altLang="en-US" sz="3200" dirty="0" smtClean="0">
+                <a:latin typeface="微軟正黑體" panose="020B0604030504040204" pitchFamily="34" charset="-120"/>
+                <a:ea typeface="微軟正黑體" panose="020B0604030504040204" pitchFamily="34" charset="-120"/>
+              </a:rPr>
+              <a:t>的話</a:t>
+            </a:r>
+            <a:r>
+              <a:rPr lang="zh-TW" altLang="en-US" sz="3200" dirty="0">
+                <a:latin typeface="微軟正黑體" panose="020B0604030504040204" pitchFamily="34" charset="-120"/>
+                <a:ea typeface="微軟正黑體" panose="020B0604030504040204" pitchFamily="34" charset="-120"/>
+              </a:rPr>
+              <a:t>需安裝</a:t>
+            </a:r>
+            <a:r>
+              <a:rPr lang="en-US" altLang="zh-TW" sz="3200" dirty="0">
+                <a:latin typeface="微軟正黑體" panose="020B0604030504040204" pitchFamily="34" charset="-120"/>
+                <a:ea typeface="微軟正黑體" panose="020B0604030504040204" pitchFamily="34" charset="-120"/>
+              </a:rPr>
+              <a:t> .NET </a:t>
+            </a:r>
+            <a:r>
+              <a:rPr lang="en-US" altLang="zh-TW" sz="3200" dirty="0" smtClean="0">
+                <a:latin typeface="微軟正黑體" panose="020B0604030504040204" pitchFamily="34" charset="-120"/>
+                <a:ea typeface="微軟正黑體" panose="020B0604030504040204" pitchFamily="34" charset="-120"/>
+              </a:rPr>
+              <a:t>5 framework</a:t>
+            </a:r>
+            <a:endParaRPr lang="en-US" altLang="zh-TW" sz="3200" dirty="0">
+              <a:latin typeface="微軟正黑體" panose="020B0604030504040204" pitchFamily="34" charset="-120"/>
+              <a:ea typeface="微軟正黑體" panose="020B0604030504040204" pitchFamily="34" charset="-120"/>
+            </a:endParaRPr>
+          </a:p>
+          <a:p>
+            <a:pPr lvl="1"/>
+            <a:endParaRPr lang="zh-TW" altLang="en-US" sz="3200" dirty="0" smtClean="0">
+              <a:latin typeface="微軟正黑體" panose="020B0604030504040204" pitchFamily="34" charset="-120"/>
+              <a:ea typeface="微軟正黑體" panose="020B0604030504040204" pitchFamily="34" charset="-120"/>
+              <a:hlinkClick r:id="rId4"/>
+            </a:endParaRPr>
+          </a:p>
+          <a:p>
+            <a:r>
+              <a:rPr lang="zh-TW" altLang="en-US" sz="3200" dirty="0" smtClean="0">
+                <a:latin typeface="微軟正黑體" panose="020B0604030504040204" pitchFamily="34" charset="-120"/>
+                <a:ea typeface="微軟正黑體" panose="020B0604030504040204" pitchFamily="34" charset="-120"/>
+              </a:rPr>
+              <a:t>工具安裝：</a:t>
+            </a:r>
+            <a:r>
+              <a:rPr lang="en-US" altLang="zh-TW" sz="3200" dirty="0" smtClean="0">
+                <a:latin typeface="微軟正黑體" panose="020B0604030504040204" pitchFamily="34" charset="-120"/>
+                <a:ea typeface="微軟正黑體" panose="020B0604030504040204" pitchFamily="34" charset="-120"/>
+              </a:rPr>
+              <a:t>postman</a:t>
+            </a:r>
+          </a:p>
+          <a:p>
+            <a:pPr lvl="1"/>
+            <a:r>
+              <a:rPr lang="zh-TW" altLang="en-US" sz="3200" dirty="0" smtClean="0">
+                <a:latin typeface="微軟正黑體" panose="020B0604030504040204" pitchFamily="34" charset="-120"/>
+                <a:ea typeface="微軟正黑體" panose="020B0604030504040204" pitchFamily="34" charset="-120"/>
+              </a:rPr>
+              <a:t>網頁版</a:t>
+            </a:r>
+            <a:r>
+              <a:rPr lang="en-US" altLang="zh-TW" sz="3200" dirty="0" smtClean="0">
+                <a:latin typeface="微軟正黑體" panose="020B0604030504040204" pitchFamily="34" charset="-120"/>
+                <a:ea typeface="微軟正黑體" panose="020B0604030504040204" pitchFamily="34" charset="-120"/>
+              </a:rPr>
+              <a:t>(Chrome App)</a:t>
+            </a:r>
+          </a:p>
+          <a:p>
+            <a:pPr lvl="1"/>
+            <a:r>
+              <a:rPr lang="zh-TW" altLang="en-US" sz="3200" dirty="0" smtClean="0">
+                <a:latin typeface="微軟正黑體" panose="020B0604030504040204" pitchFamily="34" charset="-120"/>
+                <a:ea typeface="微軟正黑體" panose="020B0604030504040204" pitchFamily="34" charset="-120"/>
+                <a:hlinkClick r:id="rId5"/>
+              </a:rPr>
+              <a:t>桌面版</a:t>
+            </a:r>
+            <a:r>
+              <a:rPr lang="en-US" altLang="zh-TW" sz="3200" dirty="0" smtClean="0">
+                <a:latin typeface="微軟正黑體" panose="020B0604030504040204" pitchFamily="34" charset="-120"/>
+                <a:ea typeface="微軟正黑體" panose="020B0604030504040204" pitchFamily="34" charset="-120"/>
+              </a:rPr>
+              <a:t>(</a:t>
+            </a:r>
+            <a:r>
+              <a:rPr lang="zh-TW" altLang="en-US" sz="3200" dirty="0" smtClean="0">
+                <a:latin typeface="微軟正黑體" panose="020B0604030504040204" pitchFamily="34" charset="-120"/>
+                <a:ea typeface="微軟正黑體" panose="020B0604030504040204" pitchFamily="34" charset="-120"/>
+              </a:rPr>
+              <a:t>支援</a:t>
+            </a:r>
+            <a:r>
+              <a:rPr lang="en-US" altLang="zh-TW" sz="3200" dirty="0" smtClean="0">
+                <a:latin typeface="微軟正黑體" panose="020B0604030504040204" pitchFamily="34" charset="-120"/>
+                <a:ea typeface="微軟正黑體" panose="020B0604030504040204" pitchFamily="34" charset="-120"/>
+              </a:rPr>
+              <a:t>Windows</a:t>
+            </a:r>
+            <a:r>
+              <a:rPr lang="zh-TW" altLang="en-US" sz="3200" dirty="0" smtClean="0">
+                <a:latin typeface="微軟正黑體" panose="020B0604030504040204" pitchFamily="34" charset="-120"/>
+                <a:ea typeface="微軟正黑體" panose="020B0604030504040204" pitchFamily="34" charset="-120"/>
+              </a:rPr>
+              <a:t>、</a:t>
+            </a:r>
+            <a:r>
+              <a:rPr lang="en-US" altLang="zh-TW" sz="3200" dirty="0" smtClean="0">
+                <a:latin typeface="微軟正黑體" panose="020B0604030504040204" pitchFamily="34" charset="-120"/>
+                <a:ea typeface="微軟正黑體" panose="020B0604030504040204" pitchFamily="34" charset="-120"/>
+              </a:rPr>
+              <a:t>Mac</a:t>
+            </a:r>
+            <a:r>
+              <a:rPr lang="zh-TW" altLang="en-US" sz="3200" dirty="0" smtClean="0">
+                <a:latin typeface="微軟正黑體" panose="020B0604030504040204" pitchFamily="34" charset="-120"/>
+                <a:ea typeface="微軟正黑體" panose="020B0604030504040204" pitchFamily="34" charset="-120"/>
+              </a:rPr>
+              <a:t>、</a:t>
+            </a:r>
+            <a:r>
+              <a:rPr lang="en-US" altLang="zh-TW" sz="3200" dirty="0" smtClean="0">
+                <a:latin typeface="微軟正黑體" panose="020B0604030504040204" pitchFamily="34" charset="-120"/>
+                <a:ea typeface="微軟正黑體" panose="020B0604030504040204" pitchFamily="34" charset="-120"/>
+              </a:rPr>
+              <a:t>Linux</a:t>
+            </a:r>
+            <a:r>
+              <a:rPr lang="zh-TW" altLang="en-US" sz="3200" dirty="0" smtClean="0">
+                <a:latin typeface="微軟正黑體" panose="020B0604030504040204" pitchFamily="34" charset="-120"/>
+                <a:ea typeface="微軟正黑體" panose="020B0604030504040204" pitchFamily="34" charset="-120"/>
+              </a:rPr>
+              <a:t>平台安裝</a:t>
+            </a:r>
+            <a:r>
+              <a:rPr lang="en-US" altLang="zh-TW" sz="3200" dirty="0" smtClean="0">
+                <a:latin typeface="微軟正黑體" panose="020B0604030504040204" pitchFamily="34" charset="-120"/>
+                <a:ea typeface="微軟正黑體" panose="020B0604030504040204" pitchFamily="34" charset="-120"/>
+              </a:rPr>
+              <a:t>)</a:t>
+            </a:r>
+            <a:endParaRPr lang="zh-TW" altLang="en-US" sz="3200" dirty="0">
+              <a:latin typeface="微軟正黑體" panose="020B0604030504040204" pitchFamily="34" charset="-120"/>
+              <a:ea typeface="微軟正黑體" panose="020B0604030504040204" pitchFamily="34" charset="-120"/>
+            </a:endParaRPr>
+          </a:p>
+        </p:txBody>
+      </p:sp>
+    </p:spTree>
+    <p:extLst>
+      <p:ext uri="{BB962C8B-B14F-4D97-AF65-F5344CB8AC3E}">
+        <p14:creationId xmlns:p14="http://schemas.microsoft.com/office/powerpoint/2010/main" val="325355253"/>
+      </p:ext>
+    </p:extLst>
+  </p:cSld>
+  <p:clrMapOvr>
+    <a:masterClrMapping/>
+  </p:clrMapOvr>
+  <p:timing>
+    <p:tnLst>
+      <p:par>
+        <p:cTn id="1" dur="indefinite" restart="never" nodeType="tmRoot"/>
+      </p:par>
+    </p:tnLst>
+  </p:timing>
+</p:sld>
+</file>
+
+<file path=ppt/slides/slide60.xml><?xml version="1.0" encoding="utf-8"?>
 <p:sld xmlns:a="http://schemas.openxmlformats.org/drawingml/2006/main" xmlns:r="http://schemas.openxmlformats.org/officeDocument/2006/relationships" xmlns:p="http://schemas.openxmlformats.org/presentationml/2006/main">
   <p:cSld>
     <p:spTree>
@@ -24745,340 +25618,7 @@
 </p:sld>
 </file>
 
-<file path=ppt/slides/slide6.xml><?xml version="1.0" encoding="utf-8"?>
-<p:sld xmlns:a="http://schemas.openxmlformats.org/drawingml/2006/main" xmlns:r="http://schemas.openxmlformats.org/officeDocument/2006/relationships" xmlns:p="http://schemas.openxmlformats.org/presentationml/2006/main">
-  <p:cSld>
-    <p:spTree>
-      <p:nvGrpSpPr>
-        <p:cNvPr id="1" name=""/>
-        <p:cNvGrpSpPr/>
-        <p:nvPr/>
-      </p:nvGrpSpPr>
-      <p:grpSpPr>
-        <a:xfrm>
-          <a:off x="0" y="0"/>
-          <a:ext cx="0" cy="0"/>
-          <a:chOff x="0" y="0"/>
-          <a:chExt cx="0" cy="0"/>
-        </a:xfrm>
-      </p:grpSpPr>
-      <p:sp>
-        <p:nvSpPr>
-          <p:cNvPr id="3" name="內容版面配置區 2"/>
-          <p:cNvSpPr>
-            <a:spLocks noGrp="1"/>
-          </p:cNvSpPr>
-          <p:nvPr>
-            <p:ph idx="1"/>
-          </p:nvPr>
-        </p:nvSpPr>
-        <p:spPr>
-          <a:xfrm>
-            <a:off x="810491" y="689553"/>
-            <a:ext cx="10494818" cy="5822084"/>
-          </a:xfrm>
-        </p:spPr>
-        <p:txBody>
-          <a:bodyPr>
-            <a:noAutofit/>
-          </a:bodyPr>
-          <a:lstStyle/>
-          <a:p>
-            <a:r>
-              <a:rPr lang="en-US" altLang="zh-TW" sz="3200" dirty="0" smtClean="0">
-                <a:latin typeface="微軟正黑體" panose="020B0604030504040204" pitchFamily="34" charset="-120"/>
-                <a:ea typeface="微軟正黑體" panose="020B0604030504040204" pitchFamily="34" charset="-120"/>
-              </a:rPr>
-              <a:t>Visual Studio 2017/2019/2022</a:t>
-            </a:r>
-          </a:p>
-          <a:p>
-            <a:r>
-              <a:rPr lang="en-US" altLang="zh-TW" sz="3200" dirty="0" smtClean="0">
-                <a:latin typeface="微軟正黑體" panose="020B0604030504040204" pitchFamily="34" charset="-120"/>
-                <a:ea typeface="微軟正黑體" panose="020B0604030504040204" pitchFamily="34" charset="-120"/>
-              </a:rPr>
-              <a:t>SQL</a:t>
-            </a:r>
-            <a:r>
-              <a:rPr lang="zh-TW" altLang="en-US" sz="3200" dirty="0" smtClean="0">
-                <a:latin typeface="微軟正黑體" panose="020B0604030504040204" pitchFamily="34" charset="-120"/>
-                <a:ea typeface="微軟正黑體" panose="020B0604030504040204" pitchFamily="34" charset="-120"/>
-              </a:rPr>
-              <a:t> </a:t>
-            </a:r>
-            <a:r>
-              <a:rPr lang="en-US" altLang="zh-TW" sz="3200" dirty="0" smtClean="0">
-                <a:latin typeface="微軟正黑體" panose="020B0604030504040204" pitchFamily="34" charset="-120"/>
-                <a:ea typeface="微軟正黑體" panose="020B0604030504040204" pitchFamily="34" charset="-120"/>
-              </a:rPr>
-              <a:t>Server</a:t>
-            </a:r>
-          </a:p>
-          <a:p>
-            <a:r>
-              <a:rPr lang="en-US" altLang="zh-TW" sz="3200" dirty="0" smtClean="0">
-                <a:latin typeface="微軟正黑體" panose="020B0604030504040204" pitchFamily="34" charset="-120"/>
-                <a:ea typeface="微軟正黑體" panose="020B0604030504040204" pitchFamily="34" charset="-120"/>
-              </a:rPr>
-              <a:t>SDK</a:t>
-            </a:r>
-          </a:p>
-          <a:p>
-            <a:pPr lvl="1"/>
-            <a:r>
-              <a:rPr lang="zh-TW" altLang="en-US" sz="3200" dirty="0" smtClean="0">
-                <a:latin typeface="微軟正黑體" panose="020B0604030504040204" pitchFamily="34" charset="-120"/>
-                <a:ea typeface="微軟正黑體" panose="020B0604030504040204" pitchFamily="34" charset="-120"/>
-                <a:hlinkClick r:id="rId3"/>
-              </a:rPr>
-              <a:t>下載列表</a:t>
-            </a:r>
-            <a:endParaRPr lang="en-US" altLang="zh-TW" sz="3200" dirty="0" smtClean="0">
-              <a:latin typeface="微軟正黑體" panose="020B0604030504040204" pitchFamily="34" charset="-120"/>
-              <a:ea typeface="微軟正黑體" panose="020B0604030504040204" pitchFamily="34" charset="-120"/>
-            </a:endParaRPr>
-          </a:p>
-          <a:p>
-            <a:pPr lvl="1"/>
-            <a:r>
-              <a:rPr lang="en-US" altLang="zh-TW" sz="3200" dirty="0" smtClean="0">
-                <a:latin typeface="微軟正黑體" panose="020B0604030504040204" pitchFamily="34" charset="-120"/>
-                <a:ea typeface="微軟正黑體" panose="020B0604030504040204" pitchFamily="34" charset="-120"/>
-              </a:rPr>
-              <a:t>.NET</a:t>
-            </a:r>
-            <a:r>
-              <a:rPr lang="zh-TW" altLang="en-US" sz="3200" dirty="0" smtClean="0">
-                <a:latin typeface="微軟正黑體" panose="020B0604030504040204" pitchFamily="34" charset="-120"/>
-                <a:ea typeface="微軟正黑體" panose="020B0604030504040204" pitchFamily="34" charset="-120"/>
-              </a:rPr>
-              <a:t> </a:t>
-            </a:r>
-            <a:r>
-              <a:rPr lang="en-US" altLang="zh-TW" sz="3200" dirty="0">
-                <a:latin typeface="微軟正黑體" panose="020B0604030504040204" pitchFamily="34" charset="-120"/>
-                <a:ea typeface="微軟正黑體" panose="020B0604030504040204" pitchFamily="34" charset="-120"/>
-              </a:rPr>
-              <a:t>framework</a:t>
-            </a:r>
-            <a:r>
-              <a:rPr lang="zh-TW" altLang="en-US" sz="3200" dirty="0" smtClean="0">
-                <a:latin typeface="微軟正黑體" panose="020B0604030504040204" pitchFamily="34" charset="-120"/>
-                <a:ea typeface="微軟正黑體" panose="020B0604030504040204" pitchFamily="34" charset="-120"/>
-              </a:rPr>
-              <a:t>的話需安裝</a:t>
-            </a:r>
-            <a:r>
-              <a:rPr lang="en-US" altLang="zh-TW" sz="3200" dirty="0">
-                <a:latin typeface="微軟正黑體" panose="020B0604030504040204" pitchFamily="34" charset="-120"/>
-                <a:ea typeface="微軟正黑體" panose="020B0604030504040204" pitchFamily="34" charset="-120"/>
-              </a:rPr>
-              <a:t> </a:t>
-            </a:r>
-            <a:r>
-              <a:rPr lang="en-US" altLang="zh-TW" sz="3200" dirty="0" smtClean="0">
-                <a:latin typeface="微軟正黑體" panose="020B0604030504040204" pitchFamily="34" charset="-120"/>
-                <a:ea typeface="微軟正黑體" panose="020B0604030504040204" pitchFamily="34" charset="-120"/>
-              </a:rPr>
-              <a:t>.NET 4.5 framework</a:t>
-            </a:r>
-            <a:endParaRPr lang="en-US" altLang="zh-TW" sz="3200" dirty="0">
-              <a:latin typeface="微軟正黑體" panose="020B0604030504040204" pitchFamily="34" charset="-120"/>
-              <a:ea typeface="微軟正黑體" panose="020B0604030504040204" pitchFamily="34" charset="-120"/>
-            </a:endParaRPr>
-          </a:p>
-          <a:p>
-            <a:pPr lvl="1"/>
-            <a:r>
-              <a:rPr lang="en-US" altLang="zh-TW" sz="3200" dirty="0">
-                <a:latin typeface="微軟正黑體" panose="020B0604030504040204" pitchFamily="34" charset="-120"/>
-                <a:ea typeface="微軟正黑體" panose="020B0604030504040204" pitchFamily="34" charset="-120"/>
-              </a:rPr>
-              <a:t>.NET </a:t>
-            </a:r>
-            <a:r>
-              <a:rPr lang="en-US" altLang="zh-TW" sz="3200" dirty="0" smtClean="0">
-                <a:latin typeface="微軟正黑體" panose="020B0604030504040204" pitchFamily="34" charset="-120"/>
-                <a:ea typeface="微軟正黑體" panose="020B0604030504040204" pitchFamily="34" charset="-120"/>
-              </a:rPr>
-              <a:t>Core</a:t>
-            </a:r>
-            <a:r>
-              <a:rPr lang="zh-TW" altLang="en-US" sz="3200" dirty="0" smtClean="0">
-                <a:latin typeface="微軟正黑體" panose="020B0604030504040204" pitchFamily="34" charset="-120"/>
-                <a:ea typeface="微軟正黑體" panose="020B0604030504040204" pitchFamily="34" charset="-120"/>
-              </a:rPr>
-              <a:t>的話</a:t>
-            </a:r>
-            <a:r>
-              <a:rPr lang="zh-TW" altLang="en-US" sz="3200" dirty="0">
-                <a:latin typeface="微軟正黑體" panose="020B0604030504040204" pitchFamily="34" charset="-120"/>
-                <a:ea typeface="微軟正黑體" panose="020B0604030504040204" pitchFamily="34" charset="-120"/>
-              </a:rPr>
-              <a:t>需安裝</a:t>
-            </a:r>
-            <a:r>
-              <a:rPr lang="en-US" altLang="zh-TW" sz="3200" dirty="0">
-                <a:latin typeface="微軟正黑體" panose="020B0604030504040204" pitchFamily="34" charset="-120"/>
-                <a:ea typeface="微軟正黑體" panose="020B0604030504040204" pitchFamily="34" charset="-120"/>
-              </a:rPr>
-              <a:t> .NET </a:t>
-            </a:r>
-            <a:r>
-              <a:rPr lang="en-US" altLang="zh-TW" sz="3200" dirty="0" smtClean="0">
-                <a:latin typeface="微軟正黑體" panose="020B0604030504040204" pitchFamily="34" charset="-120"/>
-                <a:ea typeface="微軟正黑體" panose="020B0604030504040204" pitchFamily="34" charset="-120"/>
-              </a:rPr>
-              <a:t>5 framework</a:t>
-            </a:r>
-            <a:endParaRPr lang="en-US" altLang="zh-TW" sz="3200" dirty="0">
-              <a:latin typeface="微軟正黑體" panose="020B0604030504040204" pitchFamily="34" charset="-120"/>
-              <a:ea typeface="微軟正黑體" panose="020B0604030504040204" pitchFamily="34" charset="-120"/>
-            </a:endParaRPr>
-          </a:p>
-          <a:p>
-            <a:pPr lvl="1"/>
-            <a:endParaRPr lang="zh-TW" altLang="en-US" sz="3200" dirty="0" smtClean="0">
-              <a:latin typeface="微軟正黑體" panose="020B0604030504040204" pitchFamily="34" charset="-120"/>
-              <a:ea typeface="微軟正黑體" panose="020B0604030504040204" pitchFamily="34" charset="-120"/>
-              <a:hlinkClick r:id="rId4"/>
-            </a:endParaRPr>
-          </a:p>
-          <a:p>
-            <a:r>
-              <a:rPr lang="zh-TW" altLang="en-US" sz="3200" dirty="0" smtClean="0">
-                <a:latin typeface="微軟正黑體" panose="020B0604030504040204" pitchFamily="34" charset="-120"/>
-                <a:ea typeface="微軟正黑體" panose="020B0604030504040204" pitchFamily="34" charset="-120"/>
-              </a:rPr>
-              <a:t>工具安裝：</a:t>
-            </a:r>
-            <a:r>
-              <a:rPr lang="en-US" altLang="zh-TW" sz="3200" dirty="0" smtClean="0">
-                <a:latin typeface="微軟正黑體" panose="020B0604030504040204" pitchFamily="34" charset="-120"/>
-                <a:ea typeface="微軟正黑體" panose="020B0604030504040204" pitchFamily="34" charset="-120"/>
-              </a:rPr>
-              <a:t>postman</a:t>
-            </a:r>
-          </a:p>
-          <a:p>
-            <a:pPr lvl="1"/>
-            <a:r>
-              <a:rPr lang="zh-TW" altLang="en-US" sz="3200" dirty="0" smtClean="0">
-                <a:latin typeface="微軟正黑體" panose="020B0604030504040204" pitchFamily="34" charset="-120"/>
-                <a:ea typeface="微軟正黑體" panose="020B0604030504040204" pitchFamily="34" charset="-120"/>
-              </a:rPr>
-              <a:t>網頁版</a:t>
-            </a:r>
-            <a:r>
-              <a:rPr lang="en-US" altLang="zh-TW" sz="3200" dirty="0" smtClean="0">
-                <a:latin typeface="微軟正黑體" panose="020B0604030504040204" pitchFamily="34" charset="-120"/>
-                <a:ea typeface="微軟正黑體" panose="020B0604030504040204" pitchFamily="34" charset="-120"/>
-              </a:rPr>
-              <a:t>(Chrome App)</a:t>
-            </a:r>
-          </a:p>
-          <a:p>
-            <a:pPr lvl="1"/>
-            <a:r>
-              <a:rPr lang="zh-TW" altLang="en-US" sz="3200" dirty="0" smtClean="0">
-                <a:latin typeface="微軟正黑體" panose="020B0604030504040204" pitchFamily="34" charset="-120"/>
-                <a:ea typeface="微軟正黑體" panose="020B0604030504040204" pitchFamily="34" charset="-120"/>
-                <a:hlinkClick r:id="rId5"/>
-              </a:rPr>
-              <a:t>桌面版</a:t>
-            </a:r>
-            <a:r>
-              <a:rPr lang="en-US" altLang="zh-TW" sz="3200" dirty="0" smtClean="0">
-                <a:latin typeface="微軟正黑體" panose="020B0604030504040204" pitchFamily="34" charset="-120"/>
-                <a:ea typeface="微軟正黑體" panose="020B0604030504040204" pitchFamily="34" charset="-120"/>
-              </a:rPr>
-              <a:t>(</a:t>
-            </a:r>
-            <a:r>
-              <a:rPr lang="zh-TW" altLang="en-US" sz="3200" dirty="0" smtClean="0">
-                <a:latin typeface="微軟正黑體" panose="020B0604030504040204" pitchFamily="34" charset="-120"/>
-                <a:ea typeface="微軟正黑體" panose="020B0604030504040204" pitchFamily="34" charset="-120"/>
-              </a:rPr>
-              <a:t>支援</a:t>
-            </a:r>
-            <a:r>
-              <a:rPr lang="en-US" altLang="zh-TW" sz="3200" dirty="0" smtClean="0">
-                <a:latin typeface="微軟正黑體" panose="020B0604030504040204" pitchFamily="34" charset="-120"/>
-                <a:ea typeface="微軟正黑體" panose="020B0604030504040204" pitchFamily="34" charset="-120"/>
-              </a:rPr>
-              <a:t>Windows</a:t>
-            </a:r>
-            <a:r>
-              <a:rPr lang="zh-TW" altLang="en-US" sz="3200" dirty="0" smtClean="0">
-                <a:latin typeface="微軟正黑體" panose="020B0604030504040204" pitchFamily="34" charset="-120"/>
-                <a:ea typeface="微軟正黑體" panose="020B0604030504040204" pitchFamily="34" charset="-120"/>
-              </a:rPr>
-              <a:t>、</a:t>
-            </a:r>
-            <a:r>
-              <a:rPr lang="en-US" altLang="zh-TW" sz="3200" dirty="0" smtClean="0">
-                <a:latin typeface="微軟正黑體" panose="020B0604030504040204" pitchFamily="34" charset="-120"/>
-                <a:ea typeface="微軟正黑體" panose="020B0604030504040204" pitchFamily="34" charset="-120"/>
-              </a:rPr>
-              <a:t>Mac</a:t>
-            </a:r>
-            <a:r>
-              <a:rPr lang="zh-TW" altLang="en-US" sz="3200" dirty="0" smtClean="0">
-                <a:latin typeface="微軟正黑體" panose="020B0604030504040204" pitchFamily="34" charset="-120"/>
-                <a:ea typeface="微軟正黑體" panose="020B0604030504040204" pitchFamily="34" charset="-120"/>
-              </a:rPr>
-              <a:t>、</a:t>
-            </a:r>
-            <a:r>
-              <a:rPr lang="en-US" altLang="zh-TW" sz="3200" dirty="0" smtClean="0">
-                <a:latin typeface="微軟正黑體" panose="020B0604030504040204" pitchFamily="34" charset="-120"/>
-                <a:ea typeface="微軟正黑體" panose="020B0604030504040204" pitchFamily="34" charset="-120"/>
-              </a:rPr>
-              <a:t>Linux</a:t>
-            </a:r>
-            <a:r>
-              <a:rPr lang="zh-TW" altLang="en-US" sz="3200" dirty="0" smtClean="0">
-                <a:latin typeface="微軟正黑體" panose="020B0604030504040204" pitchFamily="34" charset="-120"/>
-                <a:ea typeface="微軟正黑體" panose="020B0604030504040204" pitchFamily="34" charset="-120"/>
-              </a:rPr>
-              <a:t>平台安裝</a:t>
-            </a:r>
-            <a:r>
-              <a:rPr lang="en-US" altLang="zh-TW" sz="3200" dirty="0" smtClean="0">
-                <a:latin typeface="微軟正黑體" panose="020B0604030504040204" pitchFamily="34" charset="-120"/>
-                <a:ea typeface="微軟正黑體" panose="020B0604030504040204" pitchFamily="34" charset="-120"/>
-              </a:rPr>
-              <a:t>)</a:t>
-            </a:r>
-            <a:endParaRPr lang="zh-TW" altLang="en-US" sz="3200" dirty="0">
-              <a:latin typeface="微軟正黑體" panose="020B0604030504040204" pitchFamily="34" charset="-120"/>
-              <a:ea typeface="微軟正黑體" panose="020B0604030504040204" pitchFamily="34" charset="-120"/>
-            </a:endParaRPr>
-          </a:p>
-        </p:txBody>
-      </p:sp>
-    </p:spTree>
-    <p:extLst>
-      <p:ext uri="{BB962C8B-B14F-4D97-AF65-F5344CB8AC3E}">
-        <p14:creationId xmlns:p14="http://schemas.microsoft.com/office/powerpoint/2010/main" val="325355253"/>
-      </p:ext>
-    </p:extLst>
-  </p:cSld>
-  <p:clrMapOvr>
-    <a:masterClrMapping/>
-  </p:clrMapOvr>
-  <p:timing>
-    <p:tnLst>
-      <p:par>
-        <p:cTn id="1" dur="indefinite" restart="never" nodeType="tmRoot"/>
-      </p:par>
-    </p:tnLst>
-  </p:timing>
-</p:sld>
-</file>
-
-<file path=ppt/slides/slide60.xml><?xml version="1.0" encoding="utf-8"?>
+<file path=ppt/slides/slide61.xml><?xml version="1.0" encoding="utf-8"?>
 <p:sld xmlns:a="http://schemas.openxmlformats.org/drawingml/2006/main" xmlns:r="http://schemas.openxmlformats.org/officeDocument/2006/relationships" xmlns:p="http://schemas.openxmlformats.org/presentationml/2006/main">
   <p:cSld>
     <p:spTree>
@@ -25255,7 +25795,7 @@
 </p:sld>
 </file>
 
-<file path=ppt/slides/slide61.xml><?xml version="1.0" encoding="utf-8"?>
+<file path=ppt/slides/slide62.xml><?xml version="1.0" encoding="utf-8"?>
 <p:sld xmlns:a="http://schemas.openxmlformats.org/drawingml/2006/main" xmlns:r="http://schemas.openxmlformats.org/officeDocument/2006/relationships" xmlns:p="http://schemas.openxmlformats.org/presentationml/2006/main">
   <p:cSld>
     <p:spTree>
@@ -25354,262 +25894,6 @@
 </p:sld>
 </file>
 
-<file path=ppt/slides/slide62.xml><?xml version="1.0" encoding="utf-8"?>
-<p:sld xmlns:a="http://schemas.openxmlformats.org/drawingml/2006/main" xmlns:r="http://schemas.openxmlformats.org/officeDocument/2006/relationships" xmlns:p="http://schemas.openxmlformats.org/presentationml/2006/main">
-  <p:cSld>
-    <p:spTree>
-      <p:nvGrpSpPr>
-        <p:cNvPr id="1" name=""/>
-        <p:cNvGrpSpPr/>
-        <p:nvPr/>
-      </p:nvGrpSpPr>
-      <p:grpSpPr>
-        <a:xfrm>
-          <a:off x="0" y="0"/>
-          <a:ext cx="0" cy="0"/>
-          <a:chOff x="0" y="0"/>
-          <a:chExt cx="0" cy="0"/>
-        </a:xfrm>
-      </p:grpSpPr>
-      <p:sp>
-        <p:nvSpPr>
-          <p:cNvPr id="2" name="標題 1"/>
-          <p:cNvSpPr>
-            <a:spLocks noGrp="1"/>
-          </p:cNvSpPr>
-          <p:nvPr>
-            <p:ph type="title"/>
-          </p:nvPr>
-        </p:nvSpPr>
-        <p:spPr>
-          <a:xfrm>
-            <a:off x="341086" y="0"/>
-            <a:ext cx="11366500" cy="1325563"/>
-          </a:xfrm>
-        </p:spPr>
-        <p:txBody>
-          <a:bodyPr>
-            <a:normAutofit/>
-          </a:bodyPr>
-          <a:lstStyle/>
-          <a:p>
-            <a:r>
-              <a:rPr lang="zh-TW" altLang="en-US" sz="3200" dirty="0">
-                <a:latin typeface="微軟正黑體" panose="020B0604030504040204" pitchFamily="34" charset="-120"/>
-                <a:ea typeface="微軟正黑體" panose="020B0604030504040204" pitchFamily="34" charset="-120"/>
-              </a:rPr>
-              <a:t>同步和非同步</a:t>
-            </a:r>
-          </a:p>
-        </p:txBody>
-      </p:sp>
-      <p:sp>
-        <p:nvSpPr>
-          <p:cNvPr id="8" name="矩形 7"/>
-          <p:cNvSpPr/>
-          <p:nvPr/>
-        </p:nvSpPr>
-        <p:spPr>
-          <a:xfrm>
-            <a:off x="3048000" y="1028343"/>
-            <a:ext cx="6096000" cy="369332"/>
-          </a:xfrm>
-          <a:prstGeom prst="rect">
-            <a:avLst/>
-          </a:prstGeom>
-        </p:spPr>
-        <p:txBody>
-          <a:bodyPr>
-            <a:spAutoFit/>
-          </a:bodyPr>
-          <a:lstStyle/>
-          <a:p>
-            <a:endParaRPr lang="zh-TW" altLang="en-US" dirty="0"/>
-          </a:p>
-        </p:txBody>
-      </p:sp>
-      <p:sp>
-        <p:nvSpPr>
-          <p:cNvPr id="3" name="內容版面配置區 2"/>
-          <p:cNvSpPr>
-            <a:spLocks noGrp="1"/>
-          </p:cNvSpPr>
-          <p:nvPr>
-            <p:ph idx="1"/>
-          </p:nvPr>
-        </p:nvSpPr>
-        <p:spPr>
-          <a:xfrm>
-            <a:off x="341086" y="1325562"/>
-            <a:ext cx="11366500" cy="5532438"/>
-          </a:xfrm>
-        </p:spPr>
-        <p:txBody>
-          <a:bodyPr>
-            <a:normAutofit/>
-          </a:bodyPr>
-          <a:lstStyle/>
-          <a:p>
-            <a:r>
-              <a:rPr lang="zh-TW" altLang="en-US" dirty="0">
-                <a:latin typeface="微軟正黑體" panose="020B0604030504040204" pitchFamily="34" charset="-120"/>
-                <a:ea typeface="微軟正黑體" panose="020B0604030504040204" pitchFamily="34" charset="-120"/>
-              </a:rPr>
-              <a:t>同步</a:t>
-            </a:r>
-            <a:r>
-              <a:rPr lang="en-US" altLang="zh-TW" dirty="0">
-                <a:latin typeface="微軟正黑體" panose="020B0604030504040204" pitchFamily="34" charset="-120"/>
-                <a:ea typeface="微軟正黑體" panose="020B0604030504040204" pitchFamily="34" charset="-120"/>
-              </a:rPr>
-              <a:t>(sync)</a:t>
-            </a:r>
-            <a:r>
-              <a:rPr lang="zh-TW" altLang="en-US" dirty="0">
-                <a:latin typeface="微軟正黑體" panose="020B0604030504040204" pitchFamily="34" charset="-120"/>
-                <a:ea typeface="微軟正黑體" panose="020B0604030504040204" pitchFamily="34" charset="-120"/>
-              </a:rPr>
-              <a:t>：程式由上往下一個一個執行，前面執行完才會往下繼續</a:t>
-            </a:r>
-            <a:r>
-              <a:rPr lang="zh-TW" altLang="en-US" dirty="0" smtClean="0">
-                <a:latin typeface="微軟正黑體" panose="020B0604030504040204" pitchFamily="34" charset="-120"/>
-                <a:ea typeface="微軟正黑體" panose="020B0604030504040204" pitchFamily="34" charset="-120"/>
-              </a:rPr>
-              <a:t>執行</a:t>
-            </a:r>
-            <a:endParaRPr lang="en-US" altLang="zh-TW" dirty="0" smtClean="0">
-              <a:latin typeface="微軟正黑體" panose="020B0604030504040204" pitchFamily="34" charset="-120"/>
-              <a:ea typeface="微軟正黑體" panose="020B0604030504040204" pitchFamily="34" charset="-120"/>
-            </a:endParaRPr>
-          </a:p>
-          <a:p>
-            <a:endParaRPr lang="zh-TW" altLang="en-US" dirty="0">
-              <a:latin typeface="微軟正黑體" panose="020B0604030504040204" pitchFamily="34" charset="-120"/>
-              <a:ea typeface="微軟正黑體" panose="020B0604030504040204" pitchFamily="34" charset="-120"/>
-            </a:endParaRPr>
-          </a:p>
-          <a:p>
-            <a:r>
-              <a:rPr lang="zh-TW" altLang="en-US" dirty="0">
-                <a:latin typeface="微軟正黑體" panose="020B0604030504040204" pitchFamily="34" charset="-120"/>
-                <a:ea typeface="微軟正黑體" panose="020B0604030504040204" pitchFamily="34" charset="-120"/>
-              </a:rPr>
-              <a:t>非同步</a:t>
-            </a:r>
-            <a:r>
-              <a:rPr lang="en-US" altLang="zh-TW" dirty="0">
-                <a:latin typeface="微軟正黑體" panose="020B0604030504040204" pitchFamily="34" charset="-120"/>
-                <a:ea typeface="微軟正黑體" panose="020B0604030504040204" pitchFamily="34" charset="-120"/>
-              </a:rPr>
-              <a:t>(</a:t>
-            </a:r>
-            <a:r>
-              <a:rPr lang="en-US" altLang="zh-TW" dirty="0" err="1">
-                <a:latin typeface="微軟正黑體" panose="020B0604030504040204" pitchFamily="34" charset="-120"/>
-                <a:ea typeface="微軟正黑體" panose="020B0604030504040204" pitchFamily="34" charset="-120"/>
-              </a:rPr>
-              <a:t>async</a:t>
-            </a:r>
-            <a:r>
-              <a:rPr lang="en-US" altLang="zh-TW" dirty="0">
-                <a:latin typeface="微軟正黑體" panose="020B0604030504040204" pitchFamily="34" charset="-120"/>
-                <a:ea typeface="微軟正黑體" panose="020B0604030504040204" pitchFamily="34" charset="-120"/>
-              </a:rPr>
-              <a:t>)</a:t>
-            </a:r>
-            <a:r>
-              <a:rPr lang="zh-TW" altLang="en-US" dirty="0">
-                <a:latin typeface="微軟正黑體" panose="020B0604030504040204" pitchFamily="34" charset="-120"/>
-                <a:ea typeface="微軟正黑體" panose="020B0604030504040204" pitchFamily="34" charset="-120"/>
-              </a:rPr>
-              <a:t>：程式執行到非同步程式時，會先將該部分程式的執行序放到一旁執行，不用等它執行完，直接往下繼續執行其他程式，等非同步執行完就會自動回傳結果， </a:t>
-            </a:r>
-            <a:r>
-              <a:rPr lang="en-US" altLang="zh-TW" dirty="0">
-                <a:latin typeface="微軟正黑體" panose="020B0604030504040204" pitchFamily="34" charset="-120"/>
-                <a:ea typeface="微軟正黑體" panose="020B0604030504040204" pitchFamily="34" charset="-120"/>
-              </a:rPr>
-              <a:t>API</a:t>
-            </a:r>
-            <a:r>
-              <a:rPr lang="zh-TW" altLang="en-US" dirty="0">
-                <a:latin typeface="微軟正黑體" panose="020B0604030504040204" pitchFamily="34" charset="-120"/>
-                <a:ea typeface="微軟正黑體" panose="020B0604030504040204" pitchFamily="34" charset="-120"/>
-              </a:rPr>
-              <a:t>就是非同步的例子</a:t>
-            </a:r>
-          </a:p>
-          <a:p>
-            <a:pPr lvl="1"/>
-            <a:r>
-              <a:rPr lang="zh-TW" altLang="en-US" sz="2800" dirty="0">
-                <a:latin typeface="微軟正黑體" panose="020B0604030504040204" pitchFamily="34" charset="-120"/>
-                <a:ea typeface="微軟正黑體" panose="020B0604030504040204" pitchFamily="34" charset="-120"/>
-              </a:rPr>
-              <a:t>一般而言，為了讓您的應用程式能夠進行擴充，請務必一律使用非同步 </a:t>
-            </a:r>
-            <a:r>
-              <a:rPr lang="en-US" altLang="zh-TW" sz="2800" dirty="0" err="1">
-                <a:latin typeface="微軟正黑體" panose="020B0604030504040204" pitchFamily="34" charset="-120"/>
-                <a:ea typeface="微軟正黑體" panose="020B0604030504040204" pitchFamily="34" charset="-120"/>
-              </a:rPr>
-              <a:t>Api</a:t>
-            </a:r>
-            <a:r>
-              <a:rPr lang="zh-TW" altLang="en-US" sz="2800" dirty="0">
-                <a:latin typeface="微軟正黑體" panose="020B0604030504040204" pitchFamily="34" charset="-120"/>
-                <a:ea typeface="微軟正黑體" panose="020B0604030504040204" pitchFamily="34" charset="-120"/>
-              </a:rPr>
-              <a:t>，而不是同步</a:t>
-            </a:r>
-          </a:p>
-          <a:p>
-            <a:pPr lvl="1"/>
-            <a:r>
-              <a:rPr lang="zh-TW" altLang="en-US" sz="2800" dirty="0">
-                <a:latin typeface="微軟正黑體" panose="020B0604030504040204" pitchFamily="34" charset="-120"/>
-                <a:ea typeface="微軟正黑體" panose="020B0604030504040204" pitchFamily="34" charset="-120"/>
-              </a:rPr>
-              <a:t>避免在相同的應用程式中混用同步和非同步程式碼</a:t>
-            </a:r>
-            <a:r>
-              <a:rPr lang="en-US" altLang="zh-TW" sz="2800" dirty="0">
-                <a:latin typeface="微軟正黑體" panose="020B0604030504040204" pitchFamily="34" charset="-120"/>
-                <a:ea typeface="微軟正黑體" panose="020B0604030504040204" pitchFamily="34" charset="-120"/>
-              </a:rPr>
-              <a:t>-</a:t>
-            </a:r>
-            <a:r>
-              <a:rPr lang="zh-TW" altLang="en-US" sz="2800" dirty="0">
-                <a:latin typeface="微軟正黑體" panose="020B0604030504040204" pitchFamily="34" charset="-120"/>
-                <a:ea typeface="微軟正黑體" panose="020B0604030504040204" pitchFamily="34" charset="-120"/>
-              </a:rPr>
-              <a:t>很容易不小心觸發微妙的執行緒集區耗盡問題。</a:t>
-            </a:r>
-          </a:p>
-        </p:txBody>
-      </p:sp>
-    </p:spTree>
-    <p:extLst>
-      <p:ext uri="{BB962C8B-B14F-4D97-AF65-F5344CB8AC3E}">
-        <p14:creationId xmlns:p14="http://schemas.microsoft.com/office/powerpoint/2010/main" val="1837588833"/>
-      </p:ext>
-    </p:extLst>
-  </p:cSld>
-  <p:clrMapOvr>
-    <a:masterClrMapping/>
-  </p:clrMapOvr>
-  <p:timing>
-    <p:tnLst>
-      <p:par>
-        <p:cTn id="1" dur="indefinite" restart="never" nodeType="tmRoot"/>
-      </p:par>
-    </p:tnLst>
-  </p:timing>
-</p:sld>
-</file>
-
 <file path=ppt/slides/slide63.xml><?xml version="1.0" encoding="utf-8"?>
 <p:sld xmlns:a="http://schemas.openxmlformats.org/drawingml/2006/main" xmlns:r="http://schemas.openxmlformats.org/officeDocument/2006/relationships" xmlns:p="http://schemas.openxmlformats.org/presentationml/2006/main">
   <p:cSld>
@@ -25629,7 +25913,7 @@
       </p:grpSpPr>
       <p:sp>
         <p:nvSpPr>
-          <p:cNvPr id="4" name="標題 3"/>
+          <p:cNvPr id="2" name="標題 1"/>
           <p:cNvSpPr>
             <a:spLocks noGrp="1"/>
           </p:cNvSpPr>
@@ -25637,7 +25921,12 @@
             <p:ph type="title"/>
           </p:nvPr>
         </p:nvSpPr>
-        <p:spPr/>
+        <p:spPr>
+          <a:xfrm>
+            <a:off x="341086" y="0"/>
+            <a:ext cx="11366500" cy="1325563"/>
+          </a:xfrm>
+        </p:spPr>
         <p:txBody>
           <a:bodyPr>
             <a:normAutofit/>
@@ -25645,59 +25934,206 @@
           <a:lstStyle/>
           <a:p>
             <a:r>
-              <a:rPr lang="zh-TW" altLang="en-US" sz="5400" dirty="0" smtClean="0">
-                <a:latin typeface="微軟正黑體" panose="020B0604030504040204" pitchFamily="34" charset="-120"/>
-                <a:ea typeface="微軟正黑體" panose="020B0604030504040204" pitchFamily="34" charset="-120"/>
-              </a:rPr>
-              <a:t>跨</a:t>
-            </a:r>
-            <a:r>
-              <a:rPr lang="zh-TW" altLang="en-US" sz="5400" dirty="0">
-                <a:latin typeface="微軟正黑體" panose="020B0604030504040204" pitchFamily="34" charset="-120"/>
-                <a:ea typeface="微軟正黑體" panose="020B0604030504040204" pitchFamily="34" charset="-120"/>
-              </a:rPr>
-              <a:t>網域存取</a:t>
-            </a:r>
-            <a:r>
-              <a:rPr lang="en-US" altLang="zh-TW" sz="5400" dirty="0">
-                <a:latin typeface="微軟正黑體" panose="020B0604030504040204" pitchFamily="34" charset="-120"/>
-                <a:ea typeface="微軟正黑體" panose="020B0604030504040204" pitchFamily="34" charset="-120"/>
-              </a:rPr>
-              <a:t>CORS</a:t>
-            </a:r>
-            <a:r>
-              <a:rPr lang="zh-TW" altLang="en-US" sz="5400" dirty="0">
-                <a:latin typeface="微軟正黑體" panose="020B0604030504040204" pitchFamily="34" charset="-120"/>
-                <a:ea typeface="微軟正黑體" panose="020B0604030504040204" pitchFamily="34" charset="-120"/>
-              </a:rPr>
-              <a:t>設定</a:t>
-            </a:r>
-          </a:p>
-        </p:txBody>
-      </p:sp>
-      <p:sp>
-        <p:nvSpPr>
-          <p:cNvPr id="5" name="文字版面配置區 4"/>
+              <a:rPr lang="zh-TW" altLang="en-US" sz="3200" dirty="0">
+                <a:latin typeface="微軟正黑體" panose="020B0604030504040204" pitchFamily="34" charset="-120"/>
+                <a:ea typeface="微軟正黑體" panose="020B0604030504040204" pitchFamily="34" charset="-120"/>
+              </a:rPr>
+              <a:t>同步和非同步</a:t>
+            </a:r>
+          </a:p>
+        </p:txBody>
+      </p:sp>
+      <p:sp>
+        <p:nvSpPr>
+          <p:cNvPr id="8" name="矩形 7"/>
+          <p:cNvSpPr/>
+          <p:nvPr/>
+        </p:nvSpPr>
+        <p:spPr>
+          <a:xfrm>
+            <a:off x="3048000" y="1028343"/>
+            <a:ext cx="6096000" cy="369332"/>
+          </a:xfrm>
+          <a:prstGeom prst="rect">
+            <a:avLst/>
+          </a:prstGeom>
+        </p:spPr>
+        <p:txBody>
+          <a:bodyPr>
+            <a:spAutoFit/>
+          </a:bodyPr>
+          <a:lstStyle/>
+          <a:p>
+            <a:endParaRPr lang="zh-TW" altLang="en-US" dirty="0"/>
+          </a:p>
+        </p:txBody>
+      </p:sp>
+      <p:sp>
+        <p:nvSpPr>
+          <p:cNvPr id="3" name="內容版面配置區 2"/>
           <p:cNvSpPr>
             <a:spLocks noGrp="1"/>
           </p:cNvSpPr>
           <p:nvPr>
-            <p:ph type="body" idx="1"/>
-          </p:nvPr>
-        </p:nvSpPr>
-        <p:spPr/>
-        <p:txBody>
-          <a:bodyPr/>
-          <a:lstStyle/>
-          <a:p>
-            <a:endParaRPr lang="zh-TW" altLang="en-US" dirty="0"/>
+            <p:ph idx="1"/>
+          </p:nvPr>
+        </p:nvSpPr>
+        <p:spPr>
+          <a:xfrm>
+            <a:off x="341086" y="1325562"/>
+            <a:ext cx="11366500" cy="5532438"/>
+          </a:xfrm>
+        </p:spPr>
+        <p:txBody>
+          <a:bodyPr>
+            <a:normAutofit/>
+          </a:bodyPr>
+          <a:lstStyle/>
+          <a:p>
+            <a:r>
+              <a:rPr lang="zh-TW" altLang="en-US" dirty="0">
+                <a:latin typeface="微軟正黑體" panose="020B0604030504040204" pitchFamily="34" charset="-120"/>
+                <a:ea typeface="微軟正黑體" panose="020B0604030504040204" pitchFamily="34" charset="-120"/>
+              </a:rPr>
+              <a:t>同步</a:t>
+            </a:r>
+            <a:r>
+              <a:rPr lang="en-US" altLang="zh-TW" dirty="0">
+                <a:latin typeface="微軟正黑體" panose="020B0604030504040204" pitchFamily="34" charset="-120"/>
+                <a:ea typeface="微軟正黑體" panose="020B0604030504040204" pitchFamily="34" charset="-120"/>
+              </a:rPr>
+              <a:t>(sync)</a:t>
+            </a:r>
+            <a:r>
+              <a:rPr lang="zh-TW" altLang="en-US" dirty="0">
+                <a:latin typeface="微軟正黑體" panose="020B0604030504040204" pitchFamily="34" charset="-120"/>
+                <a:ea typeface="微軟正黑體" panose="020B0604030504040204" pitchFamily="34" charset="-120"/>
+              </a:rPr>
+              <a:t>：程式由上往下一個一個執行，前面執行完才會往下繼續</a:t>
+            </a:r>
+            <a:r>
+              <a:rPr lang="zh-TW" altLang="en-US" dirty="0" smtClean="0">
+                <a:latin typeface="微軟正黑體" panose="020B0604030504040204" pitchFamily="34" charset="-120"/>
+                <a:ea typeface="微軟正黑體" panose="020B0604030504040204" pitchFamily="34" charset="-120"/>
+              </a:rPr>
+              <a:t>執行</a:t>
+            </a:r>
+            <a:endParaRPr lang="en-US" altLang="zh-TW" dirty="0" smtClean="0">
+              <a:latin typeface="微軟正黑體" panose="020B0604030504040204" pitchFamily="34" charset="-120"/>
+              <a:ea typeface="微軟正黑體" panose="020B0604030504040204" pitchFamily="34" charset="-120"/>
+            </a:endParaRPr>
+          </a:p>
+          <a:p>
+            <a:endParaRPr lang="zh-TW" altLang="en-US" dirty="0">
+              <a:latin typeface="微軟正黑體" panose="020B0604030504040204" pitchFamily="34" charset="-120"/>
+              <a:ea typeface="微軟正黑體" panose="020B0604030504040204" pitchFamily="34" charset="-120"/>
+            </a:endParaRPr>
+          </a:p>
+          <a:p>
+            <a:r>
+              <a:rPr lang="zh-TW" altLang="en-US" dirty="0">
+                <a:latin typeface="微軟正黑體" panose="020B0604030504040204" pitchFamily="34" charset="-120"/>
+                <a:ea typeface="微軟正黑體" panose="020B0604030504040204" pitchFamily="34" charset="-120"/>
+              </a:rPr>
+              <a:t>非同步</a:t>
+            </a:r>
+            <a:r>
+              <a:rPr lang="en-US" altLang="zh-TW" dirty="0">
+                <a:latin typeface="微軟正黑體" panose="020B0604030504040204" pitchFamily="34" charset="-120"/>
+                <a:ea typeface="微軟正黑體" panose="020B0604030504040204" pitchFamily="34" charset="-120"/>
+              </a:rPr>
+              <a:t>(</a:t>
+            </a:r>
+            <a:r>
+              <a:rPr lang="en-US" altLang="zh-TW" dirty="0" err="1">
+                <a:latin typeface="微軟正黑體" panose="020B0604030504040204" pitchFamily="34" charset="-120"/>
+                <a:ea typeface="微軟正黑體" panose="020B0604030504040204" pitchFamily="34" charset="-120"/>
+              </a:rPr>
+              <a:t>async</a:t>
+            </a:r>
+            <a:r>
+              <a:rPr lang="en-US" altLang="zh-TW" dirty="0">
+                <a:latin typeface="微軟正黑體" panose="020B0604030504040204" pitchFamily="34" charset="-120"/>
+                <a:ea typeface="微軟正黑體" panose="020B0604030504040204" pitchFamily="34" charset="-120"/>
+              </a:rPr>
+              <a:t>)</a:t>
+            </a:r>
+            <a:r>
+              <a:rPr lang="zh-TW" altLang="en-US" dirty="0">
+                <a:latin typeface="微軟正黑體" panose="020B0604030504040204" pitchFamily="34" charset="-120"/>
+                <a:ea typeface="微軟正黑體" panose="020B0604030504040204" pitchFamily="34" charset="-120"/>
+              </a:rPr>
+              <a:t>：程式執行到非同步程式時，會先將該部分程式的執行序放到一旁執行，不用等它執行完，直接往下繼續執行其他程式，等非同步執行完就會自動回傳結果， </a:t>
+            </a:r>
+            <a:r>
+              <a:rPr lang="en-US" altLang="zh-TW" dirty="0">
+                <a:latin typeface="微軟正黑體" panose="020B0604030504040204" pitchFamily="34" charset="-120"/>
+                <a:ea typeface="微軟正黑體" panose="020B0604030504040204" pitchFamily="34" charset="-120"/>
+              </a:rPr>
+              <a:t>API</a:t>
+            </a:r>
+            <a:r>
+              <a:rPr lang="zh-TW" altLang="en-US" dirty="0">
+                <a:latin typeface="微軟正黑體" panose="020B0604030504040204" pitchFamily="34" charset="-120"/>
+                <a:ea typeface="微軟正黑體" panose="020B0604030504040204" pitchFamily="34" charset="-120"/>
+              </a:rPr>
+              <a:t>就是非同步的例子</a:t>
+            </a:r>
+          </a:p>
+          <a:p>
+            <a:pPr lvl="1"/>
+            <a:r>
+              <a:rPr lang="zh-TW" altLang="en-US" sz="2800" dirty="0">
+                <a:latin typeface="微軟正黑體" panose="020B0604030504040204" pitchFamily="34" charset="-120"/>
+                <a:ea typeface="微軟正黑體" panose="020B0604030504040204" pitchFamily="34" charset="-120"/>
+              </a:rPr>
+              <a:t>一般而言，為了讓您的應用程式能夠進行擴充，請務必一律使用非同步 </a:t>
+            </a:r>
+            <a:r>
+              <a:rPr lang="en-US" altLang="zh-TW" sz="2800" dirty="0" err="1">
+                <a:latin typeface="微軟正黑體" panose="020B0604030504040204" pitchFamily="34" charset="-120"/>
+                <a:ea typeface="微軟正黑體" panose="020B0604030504040204" pitchFamily="34" charset="-120"/>
+              </a:rPr>
+              <a:t>Api</a:t>
+            </a:r>
+            <a:r>
+              <a:rPr lang="zh-TW" altLang="en-US" sz="2800" dirty="0">
+                <a:latin typeface="微軟正黑體" panose="020B0604030504040204" pitchFamily="34" charset="-120"/>
+                <a:ea typeface="微軟正黑體" panose="020B0604030504040204" pitchFamily="34" charset="-120"/>
+              </a:rPr>
+              <a:t>，而不是同步</a:t>
+            </a:r>
+          </a:p>
+          <a:p>
+            <a:pPr lvl="1"/>
+            <a:r>
+              <a:rPr lang="zh-TW" altLang="en-US" sz="2800" dirty="0">
+                <a:latin typeface="微軟正黑體" panose="020B0604030504040204" pitchFamily="34" charset="-120"/>
+                <a:ea typeface="微軟正黑體" panose="020B0604030504040204" pitchFamily="34" charset="-120"/>
+              </a:rPr>
+              <a:t>避免在相同的應用程式中混用同步和非同步程式碼</a:t>
+            </a:r>
+            <a:r>
+              <a:rPr lang="en-US" altLang="zh-TW" sz="2800" dirty="0">
+                <a:latin typeface="微軟正黑體" panose="020B0604030504040204" pitchFamily="34" charset="-120"/>
+                <a:ea typeface="微軟正黑體" panose="020B0604030504040204" pitchFamily="34" charset="-120"/>
+              </a:rPr>
+              <a:t>-</a:t>
+            </a:r>
+            <a:r>
+              <a:rPr lang="zh-TW" altLang="en-US" sz="2800" dirty="0">
+                <a:latin typeface="微軟正黑體" panose="020B0604030504040204" pitchFamily="34" charset="-120"/>
+                <a:ea typeface="微軟正黑體" panose="020B0604030504040204" pitchFamily="34" charset="-120"/>
+              </a:rPr>
+              <a:t>很容易不小心觸發微妙的執行緒集區耗盡問題。</a:t>
+            </a:r>
           </a:p>
         </p:txBody>
       </p:sp>
     </p:spTree>
     <p:extLst>
       <p:ext uri="{BB962C8B-B14F-4D97-AF65-F5344CB8AC3E}">
-        <p14:creationId xmlns:p14="http://schemas.microsoft.com/office/powerpoint/2010/main" val="2688239833"/>
+        <p14:creationId xmlns:p14="http://schemas.microsoft.com/office/powerpoint/2010/main" val="1837588833"/>
       </p:ext>
     </p:extLst>
   </p:cSld>
@@ -25733,7 +26169,7 @@
       </p:grpSpPr>
       <p:sp>
         <p:nvSpPr>
-          <p:cNvPr id="2" name="標題 1"/>
+          <p:cNvPr id="4" name="標題 3"/>
           <p:cNvSpPr>
             <a:spLocks noGrp="1"/>
           </p:cNvSpPr>
@@ -25741,12 +26177,7 @@
             <p:ph type="title"/>
           </p:nvPr>
         </p:nvSpPr>
-        <p:spPr>
-          <a:xfrm>
-            <a:off x="341086" y="0"/>
-            <a:ext cx="11366500" cy="1325563"/>
-          </a:xfrm>
-        </p:spPr>
+        <p:spPr/>
         <p:txBody>
           <a:bodyPr>
             <a:normAutofit/>
@@ -25754,435 +26185,59 @@
           <a:lstStyle/>
           <a:p>
             <a:r>
-              <a:rPr lang="zh-TW" altLang="en-US" sz="3200" dirty="0">
-                <a:latin typeface="微軟正黑體" panose="020B0604030504040204" pitchFamily="34" charset="-120"/>
-                <a:ea typeface="微軟正黑體" panose="020B0604030504040204" pitchFamily="34" charset="-120"/>
-              </a:rPr>
-              <a:t>介紹</a:t>
-            </a:r>
-          </a:p>
-        </p:txBody>
-      </p:sp>
-      <p:sp>
-        <p:nvSpPr>
-          <p:cNvPr id="8" name="矩形 7"/>
-          <p:cNvSpPr/>
-          <p:nvPr/>
-        </p:nvSpPr>
-        <p:spPr>
-          <a:xfrm>
-            <a:off x="3048000" y="1028343"/>
-            <a:ext cx="6096000" cy="369332"/>
-          </a:xfrm>
-          <a:prstGeom prst="rect">
-            <a:avLst/>
-          </a:prstGeom>
-        </p:spPr>
-        <p:txBody>
-          <a:bodyPr>
-            <a:spAutoFit/>
-          </a:bodyPr>
+              <a:rPr lang="zh-TW" altLang="en-US" sz="5400" dirty="0" smtClean="0">
+                <a:latin typeface="微軟正黑體" panose="020B0604030504040204" pitchFamily="34" charset="-120"/>
+                <a:ea typeface="微軟正黑體" panose="020B0604030504040204" pitchFamily="34" charset="-120"/>
+              </a:rPr>
+              <a:t>跨</a:t>
+            </a:r>
+            <a:r>
+              <a:rPr lang="zh-TW" altLang="en-US" sz="5400" dirty="0">
+                <a:latin typeface="微軟正黑體" panose="020B0604030504040204" pitchFamily="34" charset="-120"/>
+                <a:ea typeface="微軟正黑體" panose="020B0604030504040204" pitchFamily="34" charset="-120"/>
+              </a:rPr>
+              <a:t>網域存取</a:t>
+            </a:r>
+            <a:r>
+              <a:rPr lang="en-US" altLang="zh-TW" sz="5400" dirty="0">
+                <a:latin typeface="微軟正黑體" panose="020B0604030504040204" pitchFamily="34" charset="-120"/>
+                <a:ea typeface="微軟正黑體" panose="020B0604030504040204" pitchFamily="34" charset="-120"/>
+              </a:rPr>
+              <a:t>CORS</a:t>
+            </a:r>
+            <a:r>
+              <a:rPr lang="zh-TW" altLang="en-US" sz="5400" dirty="0">
+                <a:latin typeface="微軟正黑體" panose="020B0604030504040204" pitchFamily="34" charset="-120"/>
+                <a:ea typeface="微軟正黑體" panose="020B0604030504040204" pitchFamily="34" charset="-120"/>
+              </a:rPr>
+              <a:t>設定</a:t>
+            </a:r>
+          </a:p>
+        </p:txBody>
+      </p:sp>
+      <p:sp>
+        <p:nvSpPr>
+          <p:cNvPr id="5" name="文字版面配置區 4"/>
+          <p:cNvSpPr>
+            <a:spLocks noGrp="1"/>
+          </p:cNvSpPr>
+          <p:nvPr>
+            <p:ph type="body" idx="1"/>
+          </p:nvPr>
+        </p:nvSpPr>
+        <p:spPr/>
+        <p:txBody>
+          <a:bodyPr/>
           <a:lstStyle/>
           <a:p>
             <a:endParaRPr lang="zh-TW" altLang="en-US" dirty="0"/>
-          </a:p>
-        </p:txBody>
-      </p:sp>
-      <p:sp>
-        <p:nvSpPr>
-          <p:cNvPr id="3" name="內容版面配置區 2"/>
-          <p:cNvSpPr>
-            <a:spLocks noGrp="1"/>
-          </p:cNvSpPr>
-          <p:nvPr>
-            <p:ph idx="1"/>
-          </p:nvPr>
-        </p:nvSpPr>
-        <p:spPr>
-          <a:xfrm>
-            <a:off x="341086" y="1028342"/>
-            <a:ext cx="11366500" cy="5829657"/>
-          </a:xfrm>
-        </p:spPr>
-        <p:txBody>
-          <a:bodyPr>
-            <a:noAutofit/>
-          </a:bodyPr>
-          <a:lstStyle/>
-          <a:p>
-            <a:pPr>
-              <a:lnSpc>
-                <a:spcPct val="100000"/>
-              </a:lnSpc>
-            </a:pPr>
-            <a:r>
-              <a:rPr lang="en-US" altLang="zh-TW" dirty="0"/>
-              <a:t>CORS (Cross-Origin Resource Sharing</a:t>
-            </a:r>
-            <a:r>
-              <a:rPr lang="zh-TW" altLang="en-US" dirty="0"/>
-              <a:t>， 跨域資源共享</a:t>
-            </a:r>
-            <a:r>
-              <a:rPr lang="en-US" altLang="zh-TW" dirty="0"/>
-              <a:t>)</a:t>
-            </a:r>
-          </a:p>
-          <a:p>
-            <a:pPr>
-              <a:lnSpc>
-                <a:spcPct val="100000"/>
-              </a:lnSpc>
-            </a:pPr>
-            <a:r>
-              <a:rPr lang="zh-TW" altLang="en-US" dirty="0" smtClean="0">
-                <a:latin typeface="微軟正黑體" panose="020B0604030504040204" pitchFamily="34" charset="-120"/>
-                <a:ea typeface="微軟正黑體" panose="020B0604030504040204" pitchFamily="34" charset="-120"/>
-              </a:rPr>
-              <a:t>認識</a:t>
-            </a:r>
-            <a:r>
-              <a:rPr lang="en-US" altLang="zh-TW" dirty="0" smtClean="0">
-                <a:latin typeface="微軟正黑體" panose="020B0604030504040204" pitchFamily="34" charset="-120"/>
-                <a:ea typeface="微軟正黑體" panose="020B0604030504040204" pitchFamily="34" charset="-120"/>
-              </a:rPr>
-              <a:t>CORS</a:t>
-            </a:r>
-            <a:r>
-              <a:rPr lang="zh-TW" altLang="en-US" dirty="0" smtClean="0">
-                <a:latin typeface="微軟正黑體" panose="020B0604030504040204" pitchFamily="34" charset="-120"/>
-                <a:ea typeface="微軟正黑體" panose="020B0604030504040204" pitchFamily="34" charset="-120"/>
-              </a:rPr>
-              <a:t>前先了解：</a:t>
-            </a:r>
-            <a:endParaRPr lang="en-US" altLang="zh-TW" sz="2800" b="1" dirty="0">
-              <a:latin typeface="微軟正黑體" panose="020B0604030504040204" pitchFamily="34" charset="-120"/>
-              <a:ea typeface="微軟正黑體" panose="020B0604030504040204" pitchFamily="34" charset="-120"/>
-            </a:endParaRPr>
-          </a:p>
-          <a:p>
-            <a:pPr lvl="1">
-              <a:lnSpc>
-                <a:spcPct val="100000"/>
-              </a:lnSpc>
-            </a:pPr>
-            <a:r>
-              <a:rPr lang="en-US" altLang="zh-TW" sz="2800" b="1" dirty="0">
-                <a:latin typeface="微軟正黑體" panose="020B0604030504040204" pitchFamily="34" charset="-120"/>
-                <a:ea typeface="微軟正黑體" panose="020B0604030504040204" pitchFamily="34" charset="-120"/>
-              </a:rPr>
-              <a:t>SOP(Same-origin policy</a:t>
-            </a:r>
-            <a:r>
-              <a:rPr lang="zh-TW" altLang="en-US" sz="2800" b="1" dirty="0">
-                <a:latin typeface="微軟正黑體" panose="020B0604030504040204" pitchFamily="34" charset="-120"/>
-                <a:ea typeface="微軟正黑體" panose="020B0604030504040204" pitchFamily="34" charset="-120"/>
-              </a:rPr>
-              <a:t>，同源政策</a:t>
-            </a:r>
-            <a:r>
-              <a:rPr lang="en-US" altLang="zh-TW" sz="2800" b="1" dirty="0">
-                <a:latin typeface="微軟正黑體" panose="020B0604030504040204" pitchFamily="34" charset="-120"/>
-                <a:ea typeface="微軟正黑體" panose="020B0604030504040204" pitchFamily="34" charset="-120"/>
-              </a:rPr>
-              <a:t>)</a:t>
-            </a:r>
-            <a:r>
-              <a:rPr lang="zh-TW" altLang="en-US" sz="2800" dirty="0">
-                <a:latin typeface="微軟正黑體" panose="020B0604030504040204" pitchFamily="34" charset="-120"/>
-                <a:ea typeface="微軟正黑體" panose="020B0604030504040204" pitchFamily="34" charset="-120"/>
-              </a:rPr>
-              <a:t>：意即兩份網⾴具備相同協定、埠號 </a:t>
-            </a:r>
-            <a:r>
-              <a:rPr lang="en-US" altLang="zh-TW" sz="2800" dirty="0">
-                <a:latin typeface="微軟正黑體" panose="020B0604030504040204" pitchFamily="34" charset="-120"/>
-                <a:ea typeface="微軟正黑體" panose="020B0604030504040204" pitchFamily="34" charset="-120"/>
-              </a:rPr>
-              <a:t>(</a:t>
-            </a:r>
-            <a:r>
-              <a:rPr lang="zh-TW" altLang="en-US" sz="2800" dirty="0">
-                <a:latin typeface="微軟正黑體" panose="020B0604030504040204" pitchFamily="34" charset="-120"/>
-                <a:ea typeface="微軟正黑體" panose="020B0604030504040204" pitchFamily="34" charset="-120"/>
-              </a:rPr>
-              <a:t>如果有指定</a:t>
-            </a:r>
-            <a:r>
-              <a:rPr lang="en-US" altLang="zh-TW" sz="2800" dirty="0">
-                <a:latin typeface="微軟正黑體" panose="020B0604030504040204" pitchFamily="34" charset="-120"/>
-                <a:ea typeface="微軟正黑體" panose="020B0604030504040204" pitchFamily="34" charset="-120"/>
-              </a:rPr>
-              <a:t>) </a:t>
-            </a:r>
-            <a:r>
-              <a:rPr lang="zh-TW" altLang="en-US" sz="2800" dirty="0">
-                <a:latin typeface="微軟正黑體" panose="020B0604030504040204" pitchFamily="34" charset="-120"/>
-                <a:ea typeface="微軟正黑體" panose="020B0604030504040204" pitchFamily="34" charset="-120"/>
-              </a:rPr>
-              <a:t>以及主機 位置</a:t>
-            </a:r>
-            <a:r>
-              <a:rPr lang="en-US" altLang="zh-TW" sz="2800" dirty="0">
-                <a:latin typeface="微軟正黑體" panose="020B0604030504040204" pitchFamily="34" charset="-120"/>
-                <a:ea typeface="微軟正黑體" panose="020B0604030504040204" pitchFamily="34" charset="-120"/>
-              </a:rPr>
-              <a:t>(Domain)</a:t>
-            </a:r>
-            <a:r>
-              <a:rPr lang="zh-TW" altLang="en-US" sz="2800" dirty="0">
-                <a:latin typeface="微軟正黑體" panose="020B0604030504040204" pitchFamily="34" charset="-120"/>
-                <a:ea typeface="微軟正黑體" panose="020B0604030504040204" pitchFamily="34" charset="-120"/>
-              </a:rPr>
-              <a:t>，所以只要是 </a:t>
-            </a:r>
-            <a:r>
-              <a:rPr lang="en-US" altLang="zh-TW" sz="2800" dirty="0">
-                <a:latin typeface="微軟正黑體" panose="020B0604030504040204" pitchFamily="34" charset="-120"/>
-                <a:ea typeface="微軟正黑體" panose="020B0604030504040204" pitchFamily="34" charset="-120"/>
-              </a:rPr>
-              <a:t>Domain </a:t>
-            </a:r>
-            <a:r>
-              <a:rPr lang="zh-TW" altLang="en-US" sz="2800" dirty="0">
-                <a:latin typeface="微軟正黑體" panose="020B0604030504040204" pitchFamily="34" charset="-120"/>
-                <a:ea typeface="微軟正黑體" panose="020B0604030504040204" pitchFamily="34" charset="-120"/>
-              </a:rPr>
-              <a:t>不⼀樣，或者是⼀個⽤ </a:t>
-            </a:r>
-            <a:r>
-              <a:rPr lang="en-US" altLang="zh-TW" sz="2800" dirty="0">
-                <a:latin typeface="微軟正黑體" panose="020B0604030504040204" pitchFamily="34" charset="-120"/>
-                <a:ea typeface="微軟正黑體" panose="020B0604030504040204" pitchFamily="34" charset="-120"/>
-              </a:rPr>
-              <a:t>http </a:t>
-            </a:r>
-            <a:r>
-              <a:rPr lang="zh-TW" altLang="en-US" sz="2800" dirty="0">
-                <a:latin typeface="微軟正黑體" panose="020B0604030504040204" pitchFamily="34" charset="-120"/>
-                <a:ea typeface="微軟正黑體" panose="020B0604030504040204" pitchFamily="34" charset="-120"/>
-              </a:rPr>
-              <a:t>⼀個⽤ </a:t>
-            </a:r>
-            <a:r>
-              <a:rPr lang="en-US" altLang="zh-TW" sz="2800" dirty="0">
-                <a:latin typeface="微軟正黑體" panose="020B0604030504040204" pitchFamily="34" charset="-120"/>
-                <a:ea typeface="微軟正黑體" panose="020B0604030504040204" pitchFamily="34" charset="-120"/>
-              </a:rPr>
-              <a:t>https </a:t>
-            </a:r>
-            <a:r>
-              <a:rPr lang="zh-TW" altLang="en-US" sz="2800" dirty="0">
-                <a:latin typeface="微軟正黑體" panose="020B0604030504040204" pitchFamily="34" charset="-120"/>
-                <a:ea typeface="微軟正黑體" panose="020B0604030504040204" pitchFamily="34" charset="-120"/>
-              </a:rPr>
-              <a:t>，或者埠號</a:t>
-            </a:r>
-            <a:r>
-              <a:rPr lang="en-US" altLang="zh-TW" sz="2800" dirty="0">
-                <a:latin typeface="微軟正黑體" panose="020B0604030504040204" pitchFamily="34" charset="-120"/>
-                <a:ea typeface="微軟正黑體" panose="020B0604030504040204" pitchFamily="34" charset="-120"/>
-              </a:rPr>
-              <a:t>(port) </a:t>
-            </a:r>
-            <a:r>
-              <a:rPr lang="zh-TW" altLang="en-US" sz="2800" dirty="0">
-                <a:latin typeface="微軟正黑體" panose="020B0604030504040204" pitchFamily="34" charset="-120"/>
-                <a:ea typeface="微軟正黑體" panose="020B0604030504040204" pitchFamily="34" charset="-120"/>
-              </a:rPr>
-              <a:t>不⼀樣就是不同源</a:t>
-            </a:r>
-            <a:r>
-              <a:rPr lang="en-US" altLang="zh-TW" sz="2800" dirty="0">
-                <a:latin typeface="微軟正黑體" panose="020B0604030504040204" pitchFamily="34" charset="-120"/>
-                <a:ea typeface="微軟正黑體" panose="020B0604030504040204" pitchFamily="34" charset="-120"/>
-              </a:rPr>
-              <a:t>(</a:t>
-            </a:r>
-            <a:r>
-              <a:rPr lang="zh-TW" altLang="en-US" sz="2800" dirty="0">
-                <a:latin typeface="微軟正黑體" panose="020B0604030504040204" pitchFamily="34" charset="-120"/>
-                <a:ea typeface="微軟正黑體" panose="020B0604030504040204" pitchFamily="34" charset="-120"/>
-              </a:rPr>
-              <a:t>跨網域</a:t>
-            </a:r>
-            <a:r>
-              <a:rPr lang="en-US" altLang="zh-TW" sz="2800" dirty="0">
-                <a:latin typeface="微軟正黑體" panose="020B0604030504040204" pitchFamily="34" charset="-120"/>
-                <a:ea typeface="微軟正黑體" panose="020B0604030504040204" pitchFamily="34" charset="-120"/>
-              </a:rPr>
-              <a:t>)</a:t>
-            </a:r>
-            <a:endParaRPr lang="en-US" altLang="zh-TW" dirty="0" smtClean="0">
-              <a:latin typeface="微軟正黑體" panose="020B0604030504040204" pitchFamily="34" charset="-120"/>
-              <a:ea typeface="微軟正黑體" panose="020B0604030504040204" pitchFamily="34" charset="-120"/>
-            </a:endParaRPr>
-          </a:p>
-          <a:p>
-            <a:pPr lvl="1">
-              <a:lnSpc>
-                <a:spcPct val="100000"/>
-              </a:lnSpc>
-            </a:pPr>
-            <a:r>
-              <a:rPr lang="zh-TW" altLang="en-US" sz="2800" dirty="0" smtClean="0">
-                <a:latin typeface="微軟正黑體" panose="020B0604030504040204" pitchFamily="34" charset="-120"/>
-                <a:ea typeface="微軟正黑體" panose="020B0604030504040204" pitchFamily="34" charset="-120"/>
-              </a:rPr>
-              <a:t>瀏覽器</a:t>
-            </a:r>
-            <a:r>
-              <a:rPr lang="zh-TW" altLang="en-US" sz="2800" dirty="0">
-                <a:latin typeface="微軟正黑體" panose="020B0604030504040204" pitchFamily="34" charset="-120"/>
-                <a:ea typeface="微軟正黑體" panose="020B0604030504040204" pitchFamily="34" charset="-120"/>
-              </a:rPr>
-              <a:t>因為安全性的考量，有⼀個東⻄叫做</a:t>
-            </a:r>
-            <a:r>
-              <a:rPr lang="zh-TW" altLang="en-US" sz="2800" b="1" dirty="0">
-                <a:latin typeface="微軟正黑體" panose="020B0604030504040204" pitchFamily="34" charset="-120"/>
-                <a:ea typeface="微軟正黑體" panose="020B0604030504040204" pitchFamily="34" charset="-120"/>
-                <a:hlinkClick r:id="rId3"/>
-              </a:rPr>
-              <a:t>同源政策</a:t>
-            </a:r>
-            <a:r>
-              <a:rPr lang="zh-TW" altLang="en-US" sz="2800" dirty="0">
-                <a:latin typeface="微軟正黑體" panose="020B0604030504040204" pitchFamily="34" charset="-120"/>
-                <a:ea typeface="微軟正黑體" panose="020B0604030504040204" pitchFamily="34" charset="-120"/>
-              </a:rPr>
-              <a:t>，如果你現在這個網站的跟你要呼叫的 </a:t>
-            </a:r>
-            <a:r>
-              <a:rPr lang="en-US" altLang="zh-TW" sz="2800" dirty="0">
-                <a:latin typeface="微軟正黑體" panose="020B0604030504040204" pitchFamily="34" charset="-120"/>
-                <a:ea typeface="微軟正黑體" panose="020B0604030504040204" pitchFamily="34" charset="-120"/>
-              </a:rPr>
-              <a:t>API </a:t>
-            </a:r>
-            <a:r>
-              <a:rPr lang="zh-TW" altLang="en-US" sz="2800" dirty="0">
-                <a:latin typeface="微軟正黑體" panose="020B0604030504040204" pitchFamily="34" charset="-120"/>
-                <a:ea typeface="微軟正黑體" panose="020B0604030504040204" pitchFamily="34" charset="-120"/>
-              </a:rPr>
-              <a:t>的網站「不同源」的時候，</a:t>
-            </a:r>
-            <a:r>
-              <a:rPr lang="zh-TW" altLang="en-US" sz="2800" b="1" dirty="0">
-                <a:latin typeface="微軟正黑體" panose="020B0604030504040204" pitchFamily="34" charset="-120"/>
-                <a:ea typeface="微軟正黑體" panose="020B0604030504040204" pitchFamily="34" charset="-120"/>
-              </a:rPr>
-              <a:t>瀏覽器⼀樣「會幫你發 </a:t>
-            </a:r>
-            <a:r>
-              <a:rPr lang="en-US" altLang="zh-TW" sz="2800" b="1" dirty="0">
-                <a:latin typeface="微軟正黑體" panose="020B0604030504040204" pitchFamily="34" charset="-120"/>
-                <a:ea typeface="微軟正黑體" panose="020B0604030504040204" pitchFamily="34" charset="-120"/>
-              </a:rPr>
-              <a:t>Request</a:t>
-            </a:r>
-            <a:r>
-              <a:rPr lang="zh-TW" altLang="en-US" sz="2800" b="1" dirty="0">
-                <a:latin typeface="微軟正黑體" panose="020B0604030504040204" pitchFamily="34" charset="-120"/>
-                <a:ea typeface="微軟正黑體" panose="020B0604030504040204" pitchFamily="34" charset="-120"/>
-              </a:rPr>
-              <a:t>」，⽽且瀏覽器也「確實有收到 </a:t>
-            </a:r>
-            <a:r>
-              <a:rPr lang="en-US" altLang="zh-TW" sz="2800" b="1" dirty="0">
-                <a:latin typeface="微軟正黑體" panose="020B0604030504040204" pitchFamily="34" charset="-120"/>
-                <a:ea typeface="微軟正黑體" panose="020B0604030504040204" pitchFamily="34" charset="-120"/>
-              </a:rPr>
-              <a:t>Response</a:t>
-            </a:r>
-            <a:r>
-              <a:rPr lang="zh-TW" altLang="en-US" sz="2800" b="1" dirty="0">
-                <a:latin typeface="微軟正黑體" panose="020B0604030504040204" pitchFamily="34" charset="-120"/>
-                <a:ea typeface="微軟正黑體" panose="020B0604030504040204" pitchFamily="34" charset="-120"/>
-              </a:rPr>
-              <a:t>」，但是會把 </a:t>
-            </a:r>
-            <a:r>
-              <a:rPr lang="en-US" altLang="zh-TW" sz="2800" b="1" dirty="0">
-                <a:latin typeface="微軟正黑體" panose="020B0604030504040204" pitchFamily="34" charset="-120"/>
-                <a:ea typeface="微軟正黑體" panose="020B0604030504040204" pitchFamily="34" charset="-120"/>
-              </a:rPr>
-              <a:t>Response </a:t>
-            </a:r>
-            <a:r>
-              <a:rPr lang="zh-TW" altLang="en-US" sz="2800" b="1" dirty="0">
-                <a:latin typeface="微軟正黑體" panose="020B0604030504040204" pitchFamily="34" charset="-120"/>
-                <a:ea typeface="微軟正黑體" panose="020B0604030504040204" pitchFamily="34" charset="-120"/>
-              </a:rPr>
-              <a:t>給擋下來，不讓你的 </a:t>
-            </a:r>
-            <a:r>
-              <a:rPr lang="en-US" altLang="zh-TW" sz="2800" b="1" dirty="0">
-                <a:latin typeface="微軟正黑體" panose="020B0604030504040204" pitchFamily="34" charset="-120"/>
-                <a:ea typeface="微軟正黑體" panose="020B0604030504040204" pitchFamily="34" charset="-120"/>
-              </a:rPr>
-              <a:t>JavaScript </a:t>
-            </a:r>
-            <a:r>
-              <a:rPr lang="zh-TW" altLang="en-US" sz="2800" b="1" dirty="0">
-                <a:latin typeface="微軟正黑體" panose="020B0604030504040204" pitchFamily="34" charset="-120"/>
-                <a:ea typeface="微軟正黑體" panose="020B0604030504040204" pitchFamily="34" charset="-120"/>
-              </a:rPr>
-              <a:t>拿到並且傳回錯誤</a:t>
-            </a:r>
-            <a:r>
-              <a:rPr lang="en-US" altLang="zh-TW" sz="2800" b="1" dirty="0">
-                <a:latin typeface="微軟正黑體" panose="020B0604030504040204" pitchFamily="34" charset="-120"/>
-                <a:ea typeface="微軟正黑體" panose="020B0604030504040204" pitchFamily="34" charset="-120"/>
-              </a:rPr>
-              <a:t>(</a:t>
-            </a:r>
-            <a:r>
-              <a:rPr lang="zh-TW" altLang="en-US" sz="2800" b="1" dirty="0">
-                <a:latin typeface="微軟正黑體" panose="020B0604030504040204" pitchFamily="34" charset="-120"/>
-                <a:ea typeface="微軟正黑體" panose="020B0604030504040204" pitchFamily="34" charset="-120"/>
-              </a:rPr>
-              <a:t>跨網域</a:t>
-            </a:r>
-            <a:r>
-              <a:rPr lang="zh-TW" altLang="en-US" sz="2800" b="1" dirty="0" smtClean="0">
-                <a:latin typeface="微軟正黑體" panose="020B0604030504040204" pitchFamily="34" charset="-120"/>
-                <a:ea typeface="微軟正黑體" panose="020B0604030504040204" pitchFamily="34" charset="-120"/>
-              </a:rPr>
-              <a:t>資源</a:t>
-            </a:r>
-            <a:r>
-              <a:rPr lang="zh-TW" altLang="en-US" sz="2800" b="1" dirty="0">
-                <a:latin typeface="微軟正黑體" panose="020B0604030504040204" pitchFamily="34" charset="-120"/>
-                <a:ea typeface="微軟正黑體" panose="020B0604030504040204" pitchFamily="34" charset="-120"/>
-              </a:rPr>
-              <a:t>存取被拒絕問題</a:t>
-            </a:r>
-            <a:r>
-              <a:rPr lang="en-US" altLang="zh-TW" sz="2800" b="1" dirty="0">
-                <a:latin typeface="微軟正黑體" panose="020B0604030504040204" pitchFamily="34" charset="-120"/>
-                <a:ea typeface="微軟正黑體" panose="020B0604030504040204" pitchFamily="34" charset="-120"/>
-              </a:rPr>
-              <a:t>)</a:t>
-            </a:r>
-            <a:r>
-              <a:rPr lang="zh-TW" altLang="en-US" sz="2800" b="1" dirty="0" smtClean="0">
-                <a:latin typeface="微軟正黑體" panose="020B0604030504040204" pitchFamily="34" charset="-120"/>
-                <a:ea typeface="微軟正黑體" panose="020B0604030504040204" pitchFamily="34" charset="-120"/>
-              </a:rPr>
-              <a:t>。</a:t>
-            </a:r>
-            <a:endParaRPr lang="en-US" altLang="zh-TW" sz="2800" dirty="0">
-              <a:latin typeface="微軟正黑體" panose="020B0604030504040204" pitchFamily="34" charset="-120"/>
-              <a:ea typeface="微軟正黑體" panose="020B0604030504040204" pitchFamily="34" charset="-120"/>
-            </a:endParaRPr>
           </a:p>
         </p:txBody>
       </p:sp>
     </p:spTree>
     <p:extLst>
       <p:ext uri="{BB962C8B-B14F-4D97-AF65-F5344CB8AC3E}">
-        <p14:creationId xmlns:p14="http://schemas.microsoft.com/office/powerpoint/2010/main" val="3158280874"/>
+        <p14:creationId xmlns:p14="http://schemas.microsoft.com/office/powerpoint/2010/main" val="2688239833"/>
       </p:ext>
     </p:extLst>
   </p:cSld>
@@ -26295,6 +26350,491 @@
           </a:bodyPr>
           <a:lstStyle/>
           <a:p>
+            <a:pPr>
+              <a:lnSpc>
+                <a:spcPct val="100000"/>
+              </a:lnSpc>
+            </a:pPr>
+            <a:r>
+              <a:rPr lang="en-US" altLang="zh-TW" dirty="0"/>
+              <a:t>CORS (Cross-Origin Resource Sharing</a:t>
+            </a:r>
+            <a:r>
+              <a:rPr lang="zh-TW" altLang="en-US" dirty="0"/>
+              <a:t>， 跨域資源共享</a:t>
+            </a:r>
+            <a:r>
+              <a:rPr lang="en-US" altLang="zh-TW" dirty="0"/>
+              <a:t>)</a:t>
+            </a:r>
+          </a:p>
+          <a:p>
+            <a:pPr>
+              <a:lnSpc>
+                <a:spcPct val="100000"/>
+              </a:lnSpc>
+            </a:pPr>
+            <a:r>
+              <a:rPr lang="zh-TW" altLang="en-US" dirty="0" smtClean="0">
+                <a:latin typeface="微軟正黑體" panose="020B0604030504040204" pitchFamily="34" charset="-120"/>
+                <a:ea typeface="微軟正黑體" panose="020B0604030504040204" pitchFamily="34" charset="-120"/>
+              </a:rPr>
+              <a:t>認識</a:t>
+            </a:r>
+            <a:r>
+              <a:rPr lang="en-US" altLang="zh-TW" dirty="0" smtClean="0">
+                <a:latin typeface="微軟正黑體" panose="020B0604030504040204" pitchFamily="34" charset="-120"/>
+                <a:ea typeface="微軟正黑體" panose="020B0604030504040204" pitchFamily="34" charset="-120"/>
+              </a:rPr>
+              <a:t>CORS</a:t>
+            </a:r>
+            <a:r>
+              <a:rPr lang="zh-TW" altLang="en-US" dirty="0" smtClean="0">
+                <a:latin typeface="微軟正黑體" panose="020B0604030504040204" pitchFamily="34" charset="-120"/>
+                <a:ea typeface="微軟正黑體" panose="020B0604030504040204" pitchFamily="34" charset="-120"/>
+              </a:rPr>
+              <a:t>前先了解：</a:t>
+            </a:r>
+            <a:endParaRPr lang="en-US" altLang="zh-TW" sz="2800" b="1" dirty="0">
+              <a:latin typeface="微軟正黑體" panose="020B0604030504040204" pitchFamily="34" charset="-120"/>
+              <a:ea typeface="微軟正黑體" panose="020B0604030504040204" pitchFamily="34" charset="-120"/>
+            </a:endParaRPr>
+          </a:p>
+          <a:p>
+            <a:pPr lvl="1">
+              <a:lnSpc>
+                <a:spcPct val="100000"/>
+              </a:lnSpc>
+            </a:pPr>
+            <a:r>
+              <a:rPr lang="en-US" altLang="zh-TW" sz="2800" b="1" dirty="0">
+                <a:latin typeface="微軟正黑體" panose="020B0604030504040204" pitchFamily="34" charset="-120"/>
+                <a:ea typeface="微軟正黑體" panose="020B0604030504040204" pitchFamily="34" charset="-120"/>
+              </a:rPr>
+              <a:t>SOP(Same-origin policy</a:t>
+            </a:r>
+            <a:r>
+              <a:rPr lang="zh-TW" altLang="en-US" sz="2800" b="1" dirty="0">
+                <a:latin typeface="微軟正黑體" panose="020B0604030504040204" pitchFamily="34" charset="-120"/>
+                <a:ea typeface="微軟正黑體" panose="020B0604030504040204" pitchFamily="34" charset="-120"/>
+              </a:rPr>
+              <a:t>，同源政策</a:t>
+            </a:r>
+            <a:r>
+              <a:rPr lang="en-US" altLang="zh-TW" sz="2800" b="1" dirty="0">
+                <a:latin typeface="微軟正黑體" panose="020B0604030504040204" pitchFamily="34" charset="-120"/>
+                <a:ea typeface="微軟正黑體" panose="020B0604030504040204" pitchFamily="34" charset="-120"/>
+              </a:rPr>
+              <a:t>)</a:t>
+            </a:r>
+            <a:r>
+              <a:rPr lang="zh-TW" altLang="en-US" sz="2800" dirty="0">
+                <a:latin typeface="微軟正黑體" panose="020B0604030504040204" pitchFamily="34" charset="-120"/>
+                <a:ea typeface="微軟正黑體" panose="020B0604030504040204" pitchFamily="34" charset="-120"/>
+              </a:rPr>
+              <a:t>：意即兩份網⾴具備相同協定、埠號 </a:t>
+            </a:r>
+            <a:r>
+              <a:rPr lang="en-US" altLang="zh-TW" sz="2800" dirty="0">
+                <a:latin typeface="微軟正黑體" panose="020B0604030504040204" pitchFamily="34" charset="-120"/>
+                <a:ea typeface="微軟正黑體" panose="020B0604030504040204" pitchFamily="34" charset="-120"/>
+              </a:rPr>
+              <a:t>(</a:t>
+            </a:r>
+            <a:r>
+              <a:rPr lang="zh-TW" altLang="en-US" sz="2800" dirty="0">
+                <a:latin typeface="微軟正黑體" panose="020B0604030504040204" pitchFamily="34" charset="-120"/>
+                <a:ea typeface="微軟正黑體" panose="020B0604030504040204" pitchFamily="34" charset="-120"/>
+              </a:rPr>
+              <a:t>如果有指定</a:t>
+            </a:r>
+            <a:r>
+              <a:rPr lang="en-US" altLang="zh-TW" sz="2800" dirty="0">
+                <a:latin typeface="微軟正黑體" panose="020B0604030504040204" pitchFamily="34" charset="-120"/>
+                <a:ea typeface="微軟正黑體" panose="020B0604030504040204" pitchFamily="34" charset="-120"/>
+              </a:rPr>
+              <a:t>) </a:t>
+            </a:r>
+            <a:r>
+              <a:rPr lang="zh-TW" altLang="en-US" sz="2800" dirty="0">
+                <a:latin typeface="微軟正黑體" panose="020B0604030504040204" pitchFamily="34" charset="-120"/>
+                <a:ea typeface="微軟正黑體" panose="020B0604030504040204" pitchFamily="34" charset="-120"/>
+              </a:rPr>
+              <a:t>以及主機 位置</a:t>
+            </a:r>
+            <a:r>
+              <a:rPr lang="en-US" altLang="zh-TW" sz="2800" dirty="0">
+                <a:latin typeface="微軟正黑體" panose="020B0604030504040204" pitchFamily="34" charset="-120"/>
+                <a:ea typeface="微軟正黑體" panose="020B0604030504040204" pitchFamily="34" charset="-120"/>
+              </a:rPr>
+              <a:t>(Domain)</a:t>
+            </a:r>
+            <a:r>
+              <a:rPr lang="zh-TW" altLang="en-US" sz="2800" dirty="0">
+                <a:latin typeface="微軟正黑體" panose="020B0604030504040204" pitchFamily="34" charset="-120"/>
+                <a:ea typeface="微軟正黑體" panose="020B0604030504040204" pitchFamily="34" charset="-120"/>
+              </a:rPr>
+              <a:t>，所以只要是 </a:t>
+            </a:r>
+            <a:r>
+              <a:rPr lang="en-US" altLang="zh-TW" sz="2800" dirty="0">
+                <a:latin typeface="微軟正黑體" panose="020B0604030504040204" pitchFamily="34" charset="-120"/>
+                <a:ea typeface="微軟正黑體" panose="020B0604030504040204" pitchFamily="34" charset="-120"/>
+              </a:rPr>
+              <a:t>Domain </a:t>
+            </a:r>
+            <a:r>
+              <a:rPr lang="zh-TW" altLang="en-US" sz="2800" dirty="0">
+                <a:latin typeface="微軟正黑體" panose="020B0604030504040204" pitchFamily="34" charset="-120"/>
+                <a:ea typeface="微軟正黑體" panose="020B0604030504040204" pitchFamily="34" charset="-120"/>
+              </a:rPr>
+              <a:t>不⼀樣，或者是⼀個⽤ </a:t>
+            </a:r>
+            <a:r>
+              <a:rPr lang="en-US" altLang="zh-TW" sz="2800" dirty="0">
+                <a:latin typeface="微軟正黑體" panose="020B0604030504040204" pitchFamily="34" charset="-120"/>
+                <a:ea typeface="微軟正黑體" panose="020B0604030504040204" pitchFamily="34" charset="-120"/>
+              </a:rPr>
+              <a:t>http </a:t>
+            </a:r>
+            <a:r>
+              <a:rPr lang="zh-TW" altLang="en-US" sz="2800" dirty="0">
+                <a:latin typeface="微軟正黑體" panose="020B0604030504040204" pitchFamily="34" charset="-120"/>
+                <a:ea typeface="微軟正黑體" panose="020B0604030504040204" pitchFamily="34" charset="-120"/>
+              </a:rPr>
+              <a:t>⼀個⽤ </a:t>
+            </a:r>
+            <a:r>
+              <a:rPr lang="en-US" altLang="zh-TW" sz="2800" dirty="0">
+                <a:latin typeface="微軟正黑體" panose="020B0604030504040204" pitchFamily="34" charset="-120"/>
+                <a:ea typeface="微軟正黑體" panose="020B0604030504040204" pitchFamily="34" charset="-120"/>
+              </a:rPr>
+              <a:t>https </a:t>
+            </a:r>
+            <a:r>
+              <a:rPr lang="zh-TW" altLang="en-US" sz="2800" dirty="0">
+                <a:latin typeface="微軟正黑體" panose="020B0604030504040204" pitchFamily="34" charset="-120"/>
+                <a:ea typeface="微軟正黑體" panose="020B0604030504040204" pitchFamily="34" charset="-120"/>
+              </a:rPr>
+              <a:t>，或者埠號</a:t>
+            </a:r>
+            <a:r>
+              <a:rPr lang="en-US" altLang="zh-TW" sz="2800" dirty="0">
+                <a:latin typeface="微軟正黑體" panose="020B0604030504040204" pitchFamily="34" charset="-120"/>
+                <a:ea typeface="微軟正黑體" panose="020B0604030504040204" pitchFamily="34" charset="-120"/>
+              </a:rPr>
+              <a:t>(port) </a:t>
+            </a:r>
+            <a:r>
+              <a:rPr lang="zh-TW" altLang="en-US" sz="2800" dirty="0">
+                <a:latin typeface="微軟正黑體" panose="020B0604030504040204" pitchFamily="34" charset="-120"/>
+                <a:ea typeface="微軟正黑體" panose="020B0604030504040204" pitchFamily="34" charset="-120"/>
+              </a:rPr>
+              <a:t>不⼀樣就是不同源</a:t>
+            </a:r>
+            <a:r>
+              <a:rPr lang="en-US" altLang="zh-TW" sz="2800" dirty="0">
+                <a:latin typeface="微軟正黑體" panose="020B0604030504040204" pitchFamily="34" charset="-120"/>
+                <a:ea typeface="微軟正黑體" panose="020B0604030504040204" pitchFamily="34" charset="-120"/>
+              </a:rPr>
+              <a:t>(</a:t>
+            </a:r>
+            <a:r>
+              <a:rPr lang="zh-TW" altLang="en-US" sz="2800" dirty="0">
+                <a:latin typeface="微軟正黑體" panose="020B0604030504040204" pitchFamily="34" charset="-120"/>
+                <a:ea typeface="微軟正黑體" panose="020B0604030504040204" pitchFamily="34" charset="-120"/>
+              </a:rPr>
+              <a:t>跨網域</a:t>
+            </a:r>
+            <a:r>
+              <a:rPr lang="en-US" altLang="zh-TW" sz="2800" dirty="0">
+                <a:latin typeface="微軟正黑體" panose="020B0604030504040204" pitchFamily="34" charset="-120"/>
+                <a:ea typeface="微軟正黑體" panose="020B0604030504040204" pitchFamily="34" charset="-120"/>
+              </a:rPr>
+              <a:t>)</a:t>
+            </a:r>
+            <a:endParaRPr lang="en-US" altLang="zh-TW" dirty="0" smtClean="0">
+              <a:latin typeface="微軟正黑體" panose="020B0604030504040204" pitchFamily="34" charset="-120"/>
+              <a:ea typeface="微軟正黑體" panose="020B0604030504040204" pitchFamily="34" charset="-120"/>
+            </a:endParaRPr>
+          </a:p>
+          <a:p>
+            <a:pPr lvl="1">
+              <a:lnSpc>
+                <a:spcPct val="100000"/>
+              </a:lnSpc>
+            </a:pPr>
+            <a:r>
+              <a:rPr lang="zh-TW" altLang="en-US" sz="2800" dirty="0" smtClean="0">
+                <a:latin typeface="微軟正黑體" panose="020B0604030504040204" pitchFamily="34" charset="-120"/>
+                <a:ea typeface="微軟正黑體" panose="020B0604030504040204" pitchFamily="34" charset="-120"/>
+              </a:rPr>
+              <a:t>瀏覽器</a:t>
+            </a:r>
+            <a:r>
+              <a:rPr lang="zh-TW" altLang="en-US" sz="2800" dirty="0">
+                <a:latin typeface="微軟正黑體" panose="020B0604030504040204" pitchFamily="34" charset="-120"/>
+                <a:ea typeface="微軟正黑體" panose="020B0604030504040204" pitchFamily="34" charset="-120"/>
+              </a:rPr>
+              <a:t>因為安全性的考量，有⼀個東⻄叫做</a:t>
+            </a:r>
+            <a:r>
+              <a:rPr lang="zh-TW" altLang="en-US" sz="2800" b="1" dirty="0">
+                <a:latin typeface="微軟正黑體" panose="020B0604030504040204" pitchFamily="34" charset="-120"/>
+                <a:ea typeface="微軟正黑體" panose="020B0604030504040204" pitchFamily="34" charset="-120"/>
+                <a:hlinkClick r:id="rId3"/>
+              </a:rPr>
+              <a:t>同源政策</a:t>
+            </a:r>
+            <a:r>
+              <a:rPr lang="zh-TW" altLang="en-US" sz="2800" dirty="0">
+                <a:latin typeface="微軟正黑體" panose="020B0604030504040204" pitchFamily="34" charset="-120"/>
+                <a:ea typeface="微軟正黑體" panose="020B0604030504040204" pitchFamily="34" charset="-120"/>
+              </a:rPr>
+              <a:t>，如果你現在這個網站的跟你要呼叫的 </a:t>
+            </a:r>
+            <a:r>
+              <a:rPr lang="en-US" altLang="zh-TW" sz="2800" dirty="0">
+                <a:latin typeface="微軟正黑體" panose="020B0604030504040204" pitchFamily="34" charset="-120"/>
+                <a:ea typeface="微軟正黑體" panose="020B0604030504040204" pitchFamily="34" charset="-120"/>
+              </a:rPr>
+              <a:t>API </a:t>
+            </a:r>
+            <a:r>
+              <a:rPr lang="zh-TW" altLang="en-US" sz="2800" dirty="0">
+                <a:latin typeface="微軟正黑體" panose="020B0604030504040204" pitchFamily="34" charset="-120"/>
+                <a:ea typeface="微軟正黑體" panose="020B0604030504040204" pitchFamily="34" charset="-120"/>
+              </a:rPr>
+              <a:t>的網站「不同源」的時候，</a:t>
+            </a:r>
+            <a:r>
+              <a:rPr lang="zh-TW" altLang="en-US" sz="2800" b="1" dirty="0">
+                <a:latin typeface="微軟正黑體" panose="020B0604030504040204" pitchFamily="34" charset="-120"/>
+                <a:ea typeface="微軟正黑體" panose="020B0604030504040204" pitchFamily="34" charset="-120"/>
+              </a:rPr>
+              <a:t>瀏覽器⼀樣「會幫你發 </a:t>
+            </a:r>
+            <a:r>
+              <a:rPr lang="en-US" altLang="zh-TW" sz="2800" b="1" dirty="0">
+                <a:latin typeface="微軟正黑體" panose="020B0604030504040204" pitchFamily="34" charset="-120"/>
+                <a:ea typeface="微軟正黑體" panose="020B0604030504040204" pitchFamily="34" charset="-120"/>
+              </a:rPr>
+              <a:t>Request</a:t>
+            </a:r>
+            <a:r>
+              <a:rPr lang="zh-TW" altLang="en-US" sz="2800" b="1" dirty="0">
+                <a:latin typeface="微軟正黑體" panose="020B0604030504040204" pitchFamily="34" charset="-120"/>
+                <a:ea typeface="微軟正黑體" panose="020B0604030504040204" pitchFamily="34" charset="-120"/>
+              </a:rPr>
+              <a:t>」，⽽且瀏覽器也「確實有收到 </a:t>
+            </a:r>
+            <a:r>
+              <a:rPr lang="en-US" altLang="zh-TW" sz="2800" b="1" dirty="0">
+                <a:latin typeface="微軟正黑體" panose="020B0604030504040204" pitchFamily="34" charset="-120"/>
+                <a:ea typeface="微軟正黑體" panose="020B0604030504040204" pitchFamily="34" charset="-120"/>
+              </a:rPr>
+              <a:t>Response</a:t>
+            </a:r>
+            <a:r>
+              <a:rPr lang="zh-TW" altLang="en-US" sz="2800" b="1" dirty="0">
+                <a:latin typeface="微軟正黑體" panose="020B0604030504040204" pitchFamily="34" charset="-120"/>
+                <a:ea typeface="微軟正黑體" panose="020B0604030504040204" pitchFamily="34" charset="-120"/>
+              </a:rPr>
+              <a:t>」，但是會把 </a:t>
+            </a:r>
+            <a:r>
+              <a:rPr lang="en-US" altLang="zh-TW" sz="2800" b="1" dirty="0">
+                <a:latin typeface="微軟正黑體" panose="020B0604030504040204" pitchFamily="34" charset="-120"/>
+                <a:ea typeface="微軟正黑體" panose="020B0604030504040204" pitchFamily="34" charset="-120"/>
+              </a:rPr>
+              <a:t>Response </a:t>
+            </a:r>
+            <a:r>
+              <a:rPr lang="zh-TW" altLang="en-US" sz="2800" b="1" dirty="0">
+                <a:latin typeface="微軟正黑體" panose="020B0604030504040204" pitchFamily="34" charset="-120"/>
+                <a:ea typeface="微軟正黑體" panose="020B0604030504040204" pitchFamily="34" charset="-120"/>
+              </a:rPr>
+              <a:t>給擋下來，不讓你的 </a:t>
+            </a:r>
+            <a:r>
+              <a:rPr lang="en-US" altLang="zh-TW" sz="2800" b="1" dirty="0">
+                <a:latin typeface="微軟正黑體" panose="020B0604030504040204" pitchFamily="34" charset="-120"/>
+                <a:ea typeface="微軟正黑體" panose="020B0604030504040204" pitchFamily="34" charset="-120"/>
+              </a:rPr>
+              <a:t>JavaScript </a:t>
+            </a:r>
+            <a:r>
+              <a:rPr lang="zh-TW" altLang="en-US" sz="2800" b="1" dirty="0">
+                <a:latin typeface="微軟正黑體" panose="020B0604030504040204" pitchFamily="34" charset="-120"/>
+                <a:ea typeface="微軟正黑體" panose="020B0604030504040204" pitchFamily="34" charset="-120"/>
+              </a:rPr>
+              <a:t>拿到並且傳回錯誤</a:t>
+            </a:r>
+            <a:r>
+              <a:rPr lang="en-US" altLang="zh-TW" sz="2800" b="1" dirty="0">
+                <a:latin typeface="微軟正黑體" panose="020B0604030504040204" pitchFamily="34" charset="-120"/>
+                <a:ea typeface="微軟正黑體" panose="020B0604030504040204" pitchFamily="34" charset="-120"/>
+              </a:rPr>
+              <a:t>(</a:t>
+            </a:r>
+            <a:r>
+              <a:rPr lang="zh-TW" altLang="en-US" sz="2800" b="1" dirty="0">
+                <a:latin typeface="微軟正黑體" panose="020B0604030504040204" pitchFamily="34" charset="-120"/>
+                <a:ea typeface="微軟正黑體" panose="020B0604030504040204" pitchFamily="34" charset="-120"/>
+              </a:rPr>
+              <a:t>跨網域</a:t>
+            </a:r>
+            <a:r>
+              <a:rPr lang="zh-TW" altLang="en-US" sz="2800" b="1" dirty="0" smtClean="0">
+                <a:latin typeface="微軟正黑體" panose="020B0604030504040204" pitchFamily="34" charset="-120"/>
+                <a:ea typeface="微軟正黑體" panose="020B0604030504040204" pitchFamily="34" charset="-120"/>
+              </a:rPr>
+              <a:t>資源</a:t>
+            </a:r>
+            <a:r>
+              <a:rPr lang="zh-TW" altLang="en-US" sz="2800" b="1" dirty="0">
+                <a:latin typeface="微軟正黑體" panose="020B0604030504040204" pitchFamily="34" charset="-120"/>
+                <a:ea typeface="微軟正黑體" panose="020B0604030504040204" pitchFamily="34" charset="-120"/>
+              </a:rPr>
+              <a:t>存取被拒絕問題</a:t>
+            </a:r>
+            <a:r>
+              <a:rPr lang="en-US" altLang="zh-TW" sz="2800" b="1" dirty="0">
+                <a:latin typeface="微軟正黑體" panose="020B0604030504040204" pitchFamily="34" charset="-120"/>
+                <a:ea typeface="微軟正黑體" panose="020B0604030504040204" pitchFamily="34" charset="-120"/>
+              </a:rPr>
+              <a:t>)</a:t>
+            </a:r>
+            <a:r>
+              <a:rPr lang="zh-TW" altLang="en-US" sz="2800" b="1" dirty="0" smtClean="0">
+                <a:latin typeface="微軟正黑體" panose="020B0604030504040204" pitchFamily="34" charset="-120"/>
+                <a:ea typeface="微軟正黑體" panose="020B0604030504040204" pitchFamily="34" charset="-120"/>
+              </a:rPr>
+              <a:t>。</a:t>
+            </a:r>
+            <a:endParaRPr lang="en-US" altLang="zh-TW" sz="2800" dirty="0">
+              <a:latin typeface="微軟正黑體" panose="020B0604030504040204" pitchFamily="34" charset="-120"/>
+              <a:ea typeface="微軟正黑體" panose="020B0604030504040204" pitchFamily="34" charset="-120"/>
+            </a:endParaRPr>
+          </a:p>
+        </p:txBody>
+      </p:sp>
+    </p:spTree>
+    <p:extLst>
+      <p:ext uri="{BB962C8B-B14F-4D97-AF65-F5344CB8AC3E}">
+        <p14:creationId xmlns:p14="http://schemas.microsoft.com/office/powerpoint/2010/main" val="3158280874"/>
+      </p:ext>
+    </p:extLst>
+  </p:cSld>
+  <p:clrMapOvr>
+    <a:masterClrMapping/>
+  </p:clrMapOvr>
+  <p:timing>
+    <p:tnLst>
+      <p:par>
+        <p:cTn id="1" dur="indefinite" restart="never" nodeType="tmRoot"/>
+      </p:par>
+    </p:tnLst>
+  </p:timing>
+</p:sld>
+</file>
+
+<file path=ppt/slides/slide66.xml><?xml version="1.0" encoding="utf-8"?>
+<p:sld xmlns:a="http://schemas.openxmlformats.org/drawingml/2006/main" xmlns:r="http://schemas.openxmlformats.org/officeDocument/2006/relationships" xmlns:p="http://schemas.openxmlformats.org/presentationml/2006/main">
+  <p:cSld>
+    <p:spTree>
+      <p:nvGrpSpPr>
+        <p:cNvPr id="1" name=""/>
+        <p:cNvGrpSpPr/>
+        <p:nvPr/>
+      </p:nvGrpSpPr>
+      <p:grpSpPr>
+        <a:xfrm>
+          <a:off x="0" y="0"/>
+          <a:ext cx="0" cy="0"/>
+          <a:chOff x="0" y="0"/>
+          <a:chExt cx="0" cy="0"/>
+        </a:xfrm>
+      </p:grpSpPr>
+      <p:sp>
+        <p:nvSpPr>
+          <p:cNvPr id="2" name="標題 1"/>
+          <p:cNvSpPr>
+            <a:spLocks noGrp="1"/>
+          </p:cNvSpPr>
+          <p:nvPr>
+            <p:ph type="title"/>
+          </p:nvPr>
+        </p:nvSpPr>
+        <p:spPr>
+          <a:xfrm>
+            <a:off x="341086" y="0"/>
+            <a:ext cx="11366500" cy="1325563"/>
+          </a:xfrm>
+        </p:spPr>
+        <p:txBody>
+          <a:bodyPr>
+            <a:normAutofit/>
+          </a:bodyPr>
+          <a:lstStyle/>
+          <a:p>
+            <a:r>
+              <a:rPr lang="zh-TW" altLang="en-US" sz="3200" dirty="0">
+                <a:latin typeface="微軟正黑體" panose="020B0604030504040204" pitchFamily="34" charset="-120"/>
+                <a:ea typeface="微軟正黑體" panose="020B0604030504040204" pitchFamily="34" charset="-120"/>
+              </a:rPr>
+              <a:t>介紹</a:t>
+            </a:r>
+          </a:p>
+        </p:txBody>
+      </p:sp>
+      <p:sp>
+        <p:nvSpPr>
+          <p:cNvPr id="8" name="矩形 7"/>
+          <p:cNvSpPr/>
+          <p:nvPr/>
+        </p:nvSpPr>
+        <p:spPr>
+          <a:xfrm>
+            <a:off x="3048000" y="1028343"/>
+            <a:ext cx="6096000" cy="369332"/>
+          </a:xfrm>
+          <a:prstGeom prst="rect">
+            <a:avLst/>
+          </a:prstGeom>
+        </p:spPr>
+        <p:txBody>
+          <a:bodyPr>
+            <a:spAutoFit/>
+          </a:bodyPr>
+          <a:lstStyle/>
+          <a:p>
+            <a:endParaRPr lang="zh-TW" altLang="en-US" dirty="0"/>
+          </a:p>
+        </p:txBody>
+      </p:sp>
+      <p:sp>
+        <p:nvSpPr>
+          <p:cNvPr id="3" name="內容版面配置區 2"/>
+          <p:cNvSpPr>
+            <a:spLocks noGrp="1"/>
+          </p:cNvSpPr>
+          <p:nvPr>
+            <p:ph idx="1"/>
+          </p:nvPr>
+        </p:nvSpPr>
+        <p:spPr>
+          <a:xfrm>
+            <a:off x="341086" y="1028342"/>
+            <a:ext cx="11366500" cy="5829657"/>
+          </a:xfrm>
+        </p:spPr>
+        <p:txBody>
+          <a:bodyPr>
+            <a:noAutofit/>
+          </a:bodyPr>
+          <a:lstStyle/>
+          <a:p>
             <a:r>
               <a:rPr lang="en-US" altLang="zh-TW" dirty="0" smtClean="0">
                 <a:latin typeface="微軟正黑體" panose="020B0604030504040204" pitchFamily="34" charset="-120"/>
@@ -26486,7 +27026,7 @@
 </p:sld>
 </file>
 
-<file path=ppt/slides/slide66.xml><?xml version="1.0" encoding="utf-8"?>
+<file path=ppt/slides/slide67.xml><?xml version="1.0" encoding="utf-8"?>
 <p:sld xmlns:a="http://schemas.openxmlformats.org/drawingml/2006/main" xmlns:r="http://schemas.openxmlformats.org/officeDocument/2006/relationships" xmlns:p="http://schemas.openxmlformats.org/presentationml/2006/main">
   <p:cSld>
     <p:spTree>
@@ -26954,7 +27494,7 @@
 </p:sld>
 </file>
 
-<file path=ppt/slides/slide67.xml><?xml version="1.0" encoding="utf-8"?>
+<file path=ppt/slides/slide68.xml><?xml version="1.0" encoding="utf-8"?>
 <p:sld xmlns:a="http://schemas.openxmlformats.org/drawingml/2006/main" xmlns:r="http://schemas.openxmlformats.org/officeDocument/2006/relationships" xmlns:p="http://schemas.openxmlformats.org/presentationml/2006/main">
   <p:cSld>
     <p:spTree>
@@ -27281,7 +27821,7 @@
 </p:sld>
 </file>
 
-<file path=ppt/slides/slide68.xml><?xml version="1.0" encoding="utf-8"?>
+<file path=ppt/slides/slide69.xml><?xml version="1.0" encoding="utf-8"?>
 <p:sld xmlns:a="http://schemas.openxmlformats.org/drawingml/2006/main" xmlns:r="http://schemas.openxmlformats.org/officeDocument/2006/relationships" xmlns:p="http://schemas.openxmlformats.org/presentationml/2006/main">
   <p:cSld>
     <p:spTree>
@@ -27625,122 +28165,6 @@
     <p:extLst>
       <p:ext uri="{BB962C8B-B14F-4D97-AF65-F5344CB8AC3E}">
         <p14:creationId xmlns:p14="http://schemas.microsoft.com/office/powerpoint/2010/main" val="214205022"/>
-      </p:ext>
-    </p:extLst>
-  </p:cSld>
-  <p:clrMapOvr>
-    <a:masterClrMapping/>
-  </p:clrMapOvr>
-  <p:timing>
-    <p:tnLst>
-      <p:par>
-        <p:cTn id="1" dur="indefinite" restart="never" nodeType="tmRoot"/>
-      </p:par>
-    </p:tnLst>
-  </p:timing>
-</p:sld>
-</file>
-
-<file path=ppt/slides/slide69.xml><?xml version="1.0" encoding="utf-8"?>
-<p:sld xmlns:a="http://schemas.openxmlformats.org/drawingml/2006/main" xmlns:r="http://schemas.openxmlformats.org/officeDocument/2006/relationships" xmlns:p="http://schemas.openxmlformats.org/presentationml/2006/main">
-  <p:cSld>
-    <p:spTree>
-      <p:nvGrpSpPr>
-        <p:cNvPr id="1" name=""/>
-        <p:cNvGrpSpPr/>
-        <p:nvPr/>
-      </p:nvGrpSpPr>
-      <p:grpSpPr>
-        <a:xfrm>
-          <a:off x="0" y="0"/>
-          <a:ext cx="0" cy="0"/>
-          <a:chOff x="0" y="0"/>
-          <a:chExt cx="0" cy="0"/>
-        </a:xfrm>
-      </p:grpSpPr>
-      <p:sp>
-        <p:nvSpPr>
-          <p:cNvPr id="4" name="標題 3"/>
-          <p:cNvSpPr>
-            <a:spLocks noGrp="1"/>
-          </p:cNvSpPr>
-          <p:nvPr>
-            <p:ph type="title"/>
-          </p:nvPr>
-        </p:nvSpPr>
-        <p:spPr/>
-        <p:txBody>
-          <a:bodyPr>
-            <a:normAutofit/>
-          </a:bodyPr>
-          <a:lstStyle/>
-          <a:p>
-            <a:r>
-              <a:rPr lang="zh-TW" altLang="en-US" sz="5400" dirty="0" smtClean="0">
-                <a:latin typeface="微軟正黑體" panose="020B0604030504040204" pitchFamily="34" charset="-120"/>
-                <a:ea typeface="微軟正黑體" panose="020B0604030504040204" pitchFamily="34" charset="-120"/>
-              </a:rPr>
-              <a:t>實作：跨</a:t>
-            </a:r>
-            <a:r>
-              <a:rPr lang="zh-TW" altLang="en-US" sz="5400" dirty="0">
-                <a:latin typeface="微軟正黑體" panose="020B0604030504040204" pitchFamily="34" charset="-120"/>
-                <a:ea typeface="微軟正黑體" panose="020B0604030504040204" pitchFamily="34" charset="-120"/>
-              </a:rPr>
-              <a:t>網域存取</a:t>
-            </a:r>
-            <a:r>
-              <a:rPr lang="en-US" altLang="zh-TW" sz="5400" dirty="0">
-                <a:latin typeface="微軟正黑體" panose="020B0604030504040204" pitchFamily="34" charset="-120"/>
-                <a:ea typeface="微軟正黑體" panose="020B0604030504040204" pitchFamily="34" charset="-120"/>
-              </a:rPr>
-              <a:t>CORS</a:t>
-            </a:r>
-            <a:r>
-              <a:rPr lang="zh-TW" altLang="en-US" sz="5400" dirty="0">
-                <a:latin typeface="微軟正黑體" panose="020B0604030504040204" pitchFamily="34" charset="-120"/>
-                <a:ea typeface="微軟正黑體" panose="020B0604030504040204" pitchFamily="34" charset="-120"/>
-              </a:rPr>
-              <a:t>設定</a:t>
-            </a:r>
-          </a:p>
-        </p:txBody>
-      </p:sp>
-      <p:sp>
-        <p:nvSpPr>
-          <p:cNvPr id="5" name="文字版面配置區 4"/>
-          <p:cNvSpPr>
-            <a:spLocks noGrp="1"/>
-          </p:cNvSpPr>
-          <p:nvPr>
-            <p:ph type="body" idx="1"/>
-          </p:nvPr>
-        </p:nvSpPr>
-        <p:spPr/>
-        <p:txBody>
-          <a:bodyPr/>
-          <a:lstStyle/>
-          <a:p>
-            <a:r>
-              <a:rPr lang="zh-TW" altLang="en-US" dirty="0" smtClean="0"/>
-              <a:t>範例：</a:t>
-            </a:r>
-            <a:r>
-              <a:rPr lang="en-US" altLang="zh-TW" dirty="0" err="1"/>
-              <a:t>V</a:t>
-            </a:r>
-            <a:r>
-              <a:rPr lang="en-US" altLang="zh-TW" dirty="0" err="1" smtClean="0"/>
-              <a:t>aluesController</a:t>
-            </a:r>
-            <a:endParaRPr lang="zh-TW" altLang="en-US" dirty="0"/>
-          </a:p>
-        </p:txBody>
-      </p:sp>
-    </p:spTree>
-    <p:extLst>
-      <p:ext uri="{BB962C8B-B14F-4D97-AF65-F5344CB8AC3E}">
-        <p14:creationId xmlns:p14="http://schemas.microsoft.com/office/powerpoint/2010/main" val="4135243645"/>
       </p:ext>
     </p:extLst>
   </p:cSld>
@@ -27881,6 +28305,122 @@
       </p:grpSpPr>
       <p:sp>
         <p:nvSpPr>
+          <p:cNvPr id="4" name="標題 3"/>
+          <p:cNvSpPr>
+            <a:spLocks noGrp="1"/>
+          </p:cNvSpPr>
+          <p:nvPr>
+            <p:ph type="title"/>
+          </p:nvPr>
+        </p:nvSpPr>
+        <p:spPr/>
+        <p:txBody>
+          <a:bodyPr>
+            <a:normAutofit/>
+          </a:bodyPr>
+          <a:lstStyle/>
+          <a:p>
+            <a:r>
+              <a:rPr lang="zh-TW" altLang="en-US" sz="5400" dirty="0" smtClean="0">
+                <a:latin typeface="微軟正黑體" panose="020B0604030504040204" pitchFamily="34" charset="-120"/>
+                <a:ea typeface="微軟正黑體" panose="020B0604030504040204" pitchFamily="34" charset="-120"/>
+              </a:rPr>
+              <a:t>實作：跨</a:t>
+            </a:r>
+            <a:r>
+              <a:rPr lang="zh-TW" altLang="en-US" sz="5400" dirty="0">
+                <a:latin typeface="微軟正黑體" panose="020B0604030504040204" pitchFamily="34" charset="-120"/>
+                <a:ea typeface="微軟正黑體" panose="020B0604030504040204" pitchFamily="34" charset="-120"/>
+              </a:rPr>
+              <a:t>網域存取</a:t>
+            </a:r>
+            <a:r>
+              <a:rPr lang="en-US" altLang="zh-TW" sz="5400" dirty="0">
+                <a:latin typeface="微軟正黑體" panose="020B0604030504040204" pitchFamily="34" charset="-120"/>
+                <a:ea typeface="微軟正黑體" panose="020B0604030504040204" pitchFamily="34" charset="-120"/>
+              </a:rPr>
+              <a:t>CORS</a:t>
+            </a:r>
+            <a:r>
+              <a:rPr lang="zh-TW" altLang="en-US" sz="5400" dirty="0">
+                <a:latin typeface="微軟正黑體" panose="020B0604030504040204" pitchFamily="34" charset="-120"/>
+                <a:ea typeface="微軟正黑體" panose="020B0604030504040204" pitchFamily="34" charset="-120"/>
+              </a:rPr>
+              <a:t>設定</a:t>
+            </a:r>
+          </a:p>
+        </p:txBody>
+      </p:sp>
+      <p:sp>
+        <p:nvSpPr>
+          <p:cNvPr id="5" name="文字版面配置區 4"/>
+          <p:cNvSpPr>
+            <a:spLocks noGrp="1"/>
+          </p:cNvSpPr>
+          <p:nvPr>
+            <p:ph type="body" idx="1"/>
+          </p:nvPr>
+        </p:nvSpPr>
+        <p:spPr/>
+        <p:txBody>
+          <a:bodyPr/>
+          <a:lstStyle/>
+          <a:p>
+            <a:r>
+              <a:rPr lang="zh-TW" altLang="en-US" dirty="0" smtClean="0"/>
+              <a:t>範例：</a:t>
+            </a:r>
+            <a:r>
+              <a:rPr lang="en-US" altLang="zh-TW" dirty="0" err="1"/>
+              <a:t>V</a:t>
+            </a:r>
+            <a:r>
+              <a:rPr lang="en-US" altLang="zh-TW" dirty="0" err="1" smtClean="0"/>
+              <a:t>aluesController</a:t>
+            </a:r>
+            <a:endParaRPr lang="zh-TW" altLang="en-US" dirty="0"/>
+          </a:p>
+        </p:txBody>
+      </p:sp>
+    </p:spTree>
+    <p:extLst>
+      <p:ext uri="{BB962C8B-B14F-4D97-AF65-F5344CB8AC3E}">
+        <p14:creationId xmlns:p14="http://schemas.microsoft.com/office/powerpoint/2010/main" val="4135243645"/>
+      </p:ext>
+    </p:extLst>
+  </p:cSld>
+  <p:clrMapOvr>
+    <a:masterClrMapping/>
+  </p:clrMapOvr>
+  <p:timing>
+    <p:tnLst>
+      <p:par>
+        <p:cTn id="1" dur="indefinite" restart="never" nodeType="tmRoot"/>
+      </p:par>
+    </p:tnLst>
+  </p:timing>
+</p:sld>
+</file>
+
+<file path=ppt/slides/slide71.xml><?xml version="1.0" encoding="utf-8"?>
+<p:sld xmlns:a="http://schemas.openxmlformats.org/drawingml/2006/main" xmlns:r="http://schemas.openxmlformats.org/officeDocument/2006/relationships" xmlns:p="http://schemas.openxmlformats.org/presentationml/2006/main">
+  <p:cSld>
+    <p:spTree>
+      <p:nvGrpSpPr>
+        <p:cNvPr id="1" name=""/>
+        <p:cNvGrpSpPr/>
+        <p:nvPr/>
+      </p:nvGrpSpPr>
+      <p:grpSpPr>
+        <a:xfrm>
+          <a:off x="0" y="0"/>
+          <a:ext cx="0" cy="0"/>
+          <a:chOff x="0" y="0"/>
+          <a:chExt cx="0" cy="0"/>
+        </a:xfrm>
+      </p:grpSpPr>
+      <p:sp>
+        <p:nvSpPr>
           <p:cNvPr id="3" name="內容版面配置區 2"/>
           <p:cNvSpPr>
             <a:spLocks noGrp="1"/>
@@ -28217,7 +28757,7 @@
 </p:sld>
 </file>
 
-<file path=ppt/slides/slide71.xml><?xml version="1.0" encoding="utf-8"?>
+<file path=ppt/slides/slide72.xml><?xml version="1.0" encoding="utf-8"?>
 <p:sld xmlns:a="http://schemas.openxmlformats.org/drawingml/2006/main" xmlns:r="http://schemas.openxmlformats.org/officeDocument/2006/relationships" xmlns:p="http://schemas.openxmlformats.org/presentationml/2006/main">
   <p:cSld>
     <p:spTree>
@@ -28505,7 +29045,7 @@
 </p:sld>
 </file>
 
-<file path=ppt/slides/slide72.xml><?xml version="1.0" encoding="utf-8"?>
+<file path=ppt/slides/slide73.xml><?xml version="1.0" encoding="utf-8"?>
 <p:sld xmlns:a="http://schemas.openxmlformats.org/drawingml/2006/main" xmlns:r="http://schemas.openxmlformats.org/officeDocument/2006/relationships" xmlns:p="http://schemas.openxmlformats.org/presentationml/2006/main">
   <p:cSld>
     <p:spTree>
@@ -28672,7 +29212,7 @@
 </p:sld>
 </file>
 
-<file path=ppt/slides/slide73.xml><?xml version="1.0" encoding="utf-8"?>
+<file path=ppt/slides/slide74.xml><?xml version="1.0" encoding="utf-8"?>
 <p:sld xmlns:a="http://schemas.openxmlformats.org/drawingml/2006/main" xmlns:r="http://schemas.openxmlformats.org/officeDocument/2006/relationships" xmlns:p="http://schemas.openxmlformats.org/presentationml/2006/main">
   <p:cSld>
     <p:spTree>
@@ -28938,7 +29478,7 @@
 </p:sld>
 </file>
 
-<file path=ppt/slides/slide74.xml><?xml version="1.0" encoding="utf-8"?>
+<file path=ppt/slides/slide75.xml><?xml version="1.0" encoding="utf-8"?>
 <p:sld xmlns:a="http://schemas.openxmlformats.org/drawingml/2006/main" xmlns:r="http://schemas.openxmlformats.org/officeDocument/2006/relationships" xmlns:p="http://schemas.openxmlformats.org/presentationml/2006/main">
   <p:cSld>
     <p:spTree>
@@ -29272,7 +29812,7 @@
 </p:sld>
 </file>
 
-<file path=ppt/slides/slide75.xml><?xml version="1.0" encoding="utf-8"?>
+<file path=ppt/slides/slide76.xml><?xml version="1.0" encoding="utf-8"?>
 <p:sld xmlns:a="http://schemas.openxmlformats.org/drawingml/2006/main" xmlns:r="http://schemas.openxmlformats.org/officeDocument/2006/relationships" xmlns:p="http://schemas.openxmlformats.org/presentationml/2006/main">
   <p:cSld>
     <p:spTree>
@@ -29477,7 +30017,7 @@
 </p:sld>
 </file>
 
-<file path=ppt/slides/slide76.xml><?xml version="1.0" encoding="utf-8"?>
+<file path=ppt/slides/slide77.xml><?xml version="1.0" encoding="utf-8"?>
 <p:sld xmlns:a="http://schemas.openxmlformats.org/drawingml/2006/main" xmlns:r="http://schemas.openxmlformats.org/officeDocument/2006/relationships" xmlns:p="http://schemas.openxmlformats.org/presentationml/2006/main">
   <p:cSld>
     <p:spTree>
@@ -29682,7 +30222,7 @@
 </p:sld>
 </file>
 
-<file path=ppt/slides/slide77.xml><?xml version="1.0" encoding="utf-8"?>
+<file path=ppt/slides/slide78.xml><?xml version="1.0" encoding="utf-8"?>
 <p:sld xmlns:a="http://schemas.openxmlformats.org/drawingml/2006/main" xmlns:r="http://schemas.openxmlformats.org/officeDocument/2006/relationships" xmlns:p="http://schemas.openxmlformats.org/presentationml/2006/main">
   <p:cSld>
     <p:spTree>
@@ -30105,7 +30645,7 @@
 </p:sld>
 </file>
 
-<file path=ppt/slides/slide78.xml><?xml version="1.0" encoding="utf-8"?>
+<file path=ppt/slides/slide79.xml><?xml version="1.0" encoding="utf-8"?>
 <p:sld xmlns:a="http://schemas.openxmlformats.org/drawingml/2006/main" xmlns:r="http://schemas.openxmlformats.org/officeDocument/2006/relationships" xmlns:p="http://schemas.openxmlformats.org/presentationml/2006/main">
   <p:cSld>
     <p:spTree>
@@ -30283,7 +30823,106 @@
 </p:sld>
 </file>
 
-<file path=ppt/slides/slide79.xml><?xml version="1.0" encoding="utf-8"?>
+<file path=ppt/slides/slide8.xml><?xml version="1.0" encoding="utf-8"?>
+<p:sld xmlns:a="http://schemas.openxmlformats.org/drawingml/2006/main" xmlns:r="http://schemas.openxmlformats.org/officeDocument/2006/relationships" xmlns:p="http://schemas.openxmlformats.org/presentationml/2006/main">
+  <p:cSld>
+    <p:spTree>
+      <p:nvGrpSpPr>
+        <p:cNvPr id="1" name=""/>
+        <p:cNvGrpSpPr/>
+        <p:nvPr/>
+      </p:nvGrpSpPr>
+      <p:grpSpPr>
+        <a:xfrm>
+          <a:off x="0" y="0"/>
+          <a:ext cx="0" cy="0"/>
+          <a:chOff x="0" y="0"/>
+          <a:chExt cx="0" cy="0"/>
+        </a:xfrm>
+      </p:grpSpPr>
+      <p:sp>
+        <p:nvSpPr>
+          <p:cNvPr id="8" name="標題 7"/>
+          <p:cNvSpPr>
+            <a:spLocks noGrp="1"/>
+          </p:cNvSpPr>
+          <p:nvPr>
+            <p:ph type="title"/>
+          </p:nvPr>
+        </p:nvSpPr>
+        <p:spPr/>
+        <p:txBody>
+          <a:bodyPr/>
+          <a:lstStyle/>
+          <a:p>
+            <a:r>
+              <a:rPr lang="zh-TW" altLang="en-US" dirty="0">
+                <a:latin typeface="微軟正黑體" panose="020B0604030504040204" pitchFamily="34" charset="-120"/>
+                <a:ea typeface="微軟正黑體" panose="020B0604030504040204" pitchFamily="34" charset="-120"/>
+              </a:rPr>
+              <a:t>什麼是</a:t>
+            </a:r>
+            <a:r>
+              <a:rPr lang="en-US" altLang="zh-TW" dirty="0">
+                <a:latin typeface="微軟正黑體" panose="020B0604030504040204" pitchFamily="34" charset="-120"/>
+                <a:ea typeface="微軟正黑體" panose="020B0604030504040204" pitchFamily="34" charset="-120"/>
+              </a:rPr>
+              <a:t>API</a:t>
+            </a:r>
+            <a:r>
+              <a:rPr lang="zh-TW" altLang="en-US" dirty="0" smtClean="0">
+                <a:latin typeface="微軟正黑體" panose="020B0604030504040204" pitchFamily="34" charset="-120"/>
+                <a:ea typeface="微軟正黑體" panose="020B0604030504040204" pitchFamily="34" charset="-120"/>
+              </a:rPr>
+              <a:t>？</a:t>
+            </a:r>
+            <a:endParaRPr lang="zh-TW" altLang="en-US" dirty="0">
+              <a:latin typeface="微軟正黑體" panose="020B0604030504040204" pitchFamily="34" charset="-120"/>
+              <a:ea typeface="微軟正黑體" panose="020B0604030504040204" pitchFamily="34" charset="-120"/>
+            </a:endParaRPr>
+          </a:p>
+        </p:txBody>
+      </p:sp>
+      <p:sp>
+        <p:nvSpPr>
+          <p:cNvPr id="9" name="文字版面配置區 8"/>
+          <p:cNvSpPr>
+            <a:spLocks noGrp="1"/>
+          </p:cNvSpPr>
+          <p:nvPr>
+            <p:ph type="body" idx="1"/>
+          </p:nvPr>
+        </p:nvSpPr>
+        <p:spPr/>
+        <p:txBody>
+          <a:bodyPr/>
+          <a:lstStyle/>
+          <a:p>
+            <a:endParaRPr lang="zh-TW" altLang="en-US"/>
+          </a:p>
+        </p:txBody>
+      </p:sp>
+    </p:spTree>
+    <p:extLst>
+      <p:ext uri="{BB962C8B-B14F-4D97-AF65-F5344CB8AC3E}">
+        <p14:creationId xmlns:p14="http://schemas.microsoft.com/office/powerpoint/2010/main" val="4064265558"/>
+      </p:ext>
+    </p:extLst>
+  </p:cSld>
+  <p:clrMapOvr>
+    <a:masterClrMapping/>
+  </p:clrMapOvr>
+  <p:timing>
+    <p:tnLst>
+      <p:par>
+        <p:cTn id="1" dur="indefinite" restart="never" nodeType="tmRoot"/>
+      </p:par>
+    </p:tnLst>
+  </p:timing>
+</p:sld>
+</file>
+
+<file path=ppt/slides/slide80.xml><?xml version="1.0" encoding="utf-8"?>
 <p:sld xmlns:a="http://schemas.openxmlformats.org/drawingml/2006/main" xmlns:r="http://schemas.openxmlformats.org/officeDocument/2006/relationships" xmlns:p="http://schemas.openxmlformats.org/presentationml/2006/main">
   <p:cSld>
     <p:spTree>
@@ -30436,106 +31075,7 @@
 </p:sld>
 </file>
 
-<file path=ppt/slides/slide8.xml><?xml version="1.0" encoding="utf-8"?>
-<p:sld xmlns:a="http://schemas.openxmlformats.org/drawingml/2006/main" xmlns:r="http://schemas.openxmlformats.org/officeDocument/2006/relationships" xmlns:p="http://schemas.openxmlformats.org/presentationml/2006/main">
-  <p:cSld>
-    <p:spTree>
-      <p:nvGrpSpPr>
-        <p:cNvPr id="1" name=""/>
-        <p:cNvGrpSpPr/>
-        <p:nvPr/>
-      </p:nvGrpSpPr>
-      <p:grpSpPr>
-        <a:xfrm>
-          <a:off x="0" y="0"/>
-          <a:ext cx="0" cy="0"/>
-          <a:chOff x="0" y="0"/>
-          <a:chExt cx="0" cy="0"/>
-        </a:xfrm>
-      </p:grpSpPr>
-      <p:sp>
-        <p:nvSpPr>
-          <p:cNvPr id="8" name="標題 7"/>
-          <p:cNvSpPr>
-            <a:spLocks noGrp="1"/>
-          </p:cNvSpPr>
-          <p:nvPr>
-            <p:ph type="title"/>
-          </p:nvPr>
-        </p:nvSpPr>
-        <p:spPr/>
-        <p:txBody>
-          <a:bodyPr/>
-          <a:lstStyle/>
-          <a:p>
-            <a:r>
-              <a:rPr lang="zh-TW" altLang="en-US" dirty="0">
-                <a:latin typeface="微軟正黑體" panose="020B0604030504040204" pitchFamily="34" charset="-120"/>
-                <a:ea typeface="微軟正黑體" panose="020B0604030504040204" pitchFamily="34" charset="-120"/>
-              </a:rPr>
-              <a:t>什麼是</a:t>
-            </a:r>
-            <a:r>
-              <a:rPr lang="en-US" altLang="zh-TW" dirty="0">
-                <a:latin typeface="微軟正黑體" panose="020B0604030504040204" pitchFamily="34" charset="-120"/>
-                <a:ea typeface="微軟正黑體" panose="020B0604030504040204" pitchFamily="34" charset="-120"/>
-              </a:rPr>
-              <a:t>API</a:t>
-            </a:r>
-            <a:r>
-              <a:rPr lang="zh-TW" altLang="en-US" dirty="0" smtClean="0">
-                <a:latin typeface="微軟正黑體" panose="020B0604030504040204" pitchFamily="34" charset="-120"/>
-                <a:ea typeface="微軟正黑體" panose="020B0604030504040204" pitchFamily="34" charset="-120"/>
-              </a:rPr>
-              <a:t>？</a:t>
-            </a:r>
-            <a:endParaRPr lang="zh-TW" altLang="en-US" dirty="0">
-              <a:latin typeface="微軟正黑體" panose="020B0604030504040204" pitchFamily="34" charset="-120"/>
-              <a:ea typeface="微軟正黑體" panose="020B0604030504040204" pitchFamily="34" charset="-120"/>
-            </a:endParaRPr>
-          </a:p>
-        </p:txBody>
-      </p:sp>
-      <p:sp>
-        <p:nvSpPr>
-          <p:cNvPr id="9" name="文字版面配置區 8"/>
-          <p:cNvSpPr>
-            <a:spLocks noGrp="1"/>
-          </p:cNvSpPr>
-          <p:nvPr>
-            <p:ph type="body" idx="1"/>
-          </p:nvPr>
-        </p:nvSpPr>
-        <p:spPr/>
-        <p:txBody>
-          <a:bodyPr/>
-          <a:lstStyle/>
-          <a:p>
-            <a:endParaRPr lang="zh-TW" altLang="en-US"/>
-          </a:p>
-        </p:txBody>
-      </p:sp>
-    </p:spTree>
-    <p:extLst>
-      <p:ext uri="{BB962C8B-B14F-4D97-AF65-F5344CB8AC3E}">
-        <p14:creationId xmlns:p14="http://schemas.microsoft.com/office/powerpoint/2010/main" val="4064265558"/>
-      </p:ext>
-    </p:extLst>
-  </p:cSld>
-  <p:clrMapOvr>
-    <a:masterClrMapping/>
-  </p:clrMapOvr>
-  <p:timing>
-    <p:tnLst>
-      <p:par>
-        <p:cTn id="1" dur="indefinite" restart="never" nodeType="tmRoot"/>
-      </p:par>
-    </p:tnLst>
-  </p:timing>
-</p:sld>
-</file>
-
-<file path=ppt/slides/slide80.xml><?xml version="1.0" encoding="utf-8"?>
+<file path=ppt/slides/slide81.xml><?xml version="1.0" encoding="utf-8"?>
 <p:sld xmlns:a="http://schemas.openxmlformats.org/drawingml/2006/main" xmlns:r="http://schemas.openxmlformats.org/officeDocument/2006/relationships" xmlns:p="http://schemas.openxmlformats.org/presentationml/2006/main">
   <p:cSld>
     <p:spTree>
@@ -30691,7 +31231,7 @@
 </p:sld>
 </file>
 
-<file path=ppt/slides/slide81.xml><?xml version="1.0" encoding="utf-8"?>
+<file path=ppt/slides/slide82.xml><?xml version="1.0" encoding="utf-8"?>
 <p:sld xmlns:a="http://schemas.openxmlformats.org/drawingml/2006/main" xmlns:r="http://schemas.openxmlformats.org/officeDocument/2006/relationships" xmlns:p="http://schemas.openxmlformats.org/presentationml/2006/main">
   <p:cSld>
     <p:spTree>
@@ -30870,7 +31410,7 @@
 </p:sld>
 </file>
 
-<file path=ppt/slides/slide82.xml><?xml version="1.0" encoding="utf-8"?>
+<file path=ppt/slides/slide83.xml><?xml version="1.0" encoding="utf-8"?>
 <p:sld xmlns:a="http://schemas.openxmlformats.org/drawingml/2006/main" xmlns:r="http://schemas.openxmlformats.org/officeDocument/2006/relationships" xmlns:p="http://schemas.openxmlformats.org/presentationml/2006/main">
   <p:cSld>
     <p:spTree>
@@ -30967,7 +31507,7 @@
 </p:sld>
 </file>
 
-<file path=ppt/slides/slide83.xml><?xml version="1.0" encoding="utf-8"?>
+<file path=ppt/slides/slide84.xml><?xml version="1.0" encoding="utf-8"?>
 <p:sld xmlns:a="http://schemas.openxmlformats.org/drawingml/2006/main" xmlns:r="http://schemas.openxmlformats.org/officeDocument/2006/relationships" xmlns:p="http://schemas.openxmlformats.org/presentationml/2006/main">
   <p:cSld>
     <p:spTree>
@@ -31100,7 +31640,7 @@
 </p:sld>
 </file>
 
-<file path=ppt/slides/slide84.xml><?xml version="1.0" encoding="utf-8"?>
+<file path=ppt/slides/slide85.xml><?xml version="1.0" encoding="utf-8"?>
 <p:sld xmlns:a="http://schemas.openxmlformats.org/drawingml/2006/main" xmlns:r="http://schemas.openxmlformats.org/officeDocument/2006/relationships" xmlns:p="http://schemas.openxmlformats.org/presentationml/2006/main">
   <p:cSld>
     <p:spTree>
@@ -31190,7 +31730,7 @@
 </p:sld>
 </file>
 
-<file path=ppt/slides/slide85.xml><?xml version="1.0" encoding="utf-8"?>
+<file path=ppt/slides/slide86.xml><?xml version="1.0" encoding="utf-8"?>
 <p:sld xmlns:a="http://schemas.openxmlformats.org/drawingml/2006/main" xmlns:r="http://schemas.openxmlformats.org/officeDocument/2006/relationships" xmlns:p="http://schemas.openxmlformats.org/presentationml/2006/main">
   <p:cSld>
     <p:spTree>

--- a/Web API教學與實做.pptx
+++ b/Web API教學與實做.pptx
@@ -282,7 +282,7 @@
           <a:p>
             <a:fld id="{2F6E5846-5D0F-48C5-89A4-48096943028B}" type="datetimeFigureOut">
               <a:rPr lang="zh-TW" altLang="en-US" smtClean="0"/>
-              <a:t>2022/11/14</a:t>
+              <a:t>2022/11/22</a:t>
             </a:fld>
             <a:endParaRPr lang="zh-TW" altLang="en-US"/>
           </a:p>
@@ -7079,7 +7079,7 @@
           <a:p>
             <a:fld id="{AE18679F-F7AD-4C3C-A7D1-3B957986030F}" type="datetimeFigureOut">
               <a:rPr lang="zh-TW" altLang="en-US" smtClean="0"/>
-              <a:t>2022/11/14</a:t>
+              <a:t>2022/11/22</a:t>
             </a:fld>
             <a:endParaRPr lang="zh-TW" altLang="en-US"/>
           </a:p>
@@ -7249,7 +7249,7 @@
           <a:p>
             <a:fld id="{AE18679F-F7AD-4C3C-A7D1-3B957986030F}" type="datetimeFigureOut">
               <a:rPr lang="zh-TW" altLang="en-US" smtClean="0"/>
-              <a:t>2022/11/14</a:t>
+              <a:t>2022/11/22</a:t>
             </a:fld>
             <a:endParaRPr lang="zh-TW" altLang="en-US"/>
           </a:p>
@@ -7429,7 +7429,7 @@
           <a:p>
             <a:fld id="{AE18679F-F7AD-4C3C-A7D1-3B957986030F}" type="datetimeFigureOut">
               <a:rPr lang="zh-TW" altLang="en-US" smtClean="0"/>
-              <a:t>2022/11/14</a:t>
+              <a:t>2022/11/22</a:t>
             </a:fld>
             <a:endParaRPr lang="zh-TW" altLang="en-US"/>
           </a:p>
@@ -7599,7 +7599,7 @@
           <a:p>
             <a:fld id="{AE18679F-F7AD-4C3C-A7D1-3B957986030F}" type="datetimeFigureOut">
               <a:rPr lang="zh-TW" altLang="en-US" smtClean="0"/>
-              <a:t>2022/11/14</a:t>
+              <a:t>2022/11/22</a:t>
             </a:fld>
             <a:endParaRPr lang="zh-TW" altLang="en-US"/>
           </a:p>
@@ -7845,7 +7845,7 @@
           <a:p>
             <a:fld id="{AE18679F-F7AD-4C3C-A7D1-3B957986030F}" type="datetimeFigureOut">
               <a:rPr lang="zh-TW" altLang="en-US" smtClean="0"/>
-              <a:t>2022/11/14</a:t>
+              <a:t>2022/11/22</a:t>
             </a:fld>
             <a:endParaRPr lang="zh-TW" altLang="en-US"/>
           </a:p>
@@ -8077,7 +8077,7 @@
           <a:p>
             <a:fld id="{AE18679F-F7AD-4C3C-A7D1-3B957986030F}" type="datetimeFigureOut">
               <a:rPr lang="zh-TW" altLang="en-US" smtClean="0"/>
-              <a:t>2022/11/14</a:t>
+              <a:t>2022/11/22</a:t>
             </a:fld>
             <a:endParaRPr lang="zh-TW" altLang="en-US"/>
           </a:p>
@@ -8444,7 +8444,7 @@
           <a:p>
             <a:fld id="{AE18679F-F7AD-4C3C-A7D1-3B957986030F}" type="datetimeFigureOut">
               <a:rPr lang="zh-TW" altLang="en-US" smtClean="0"/>
-              <a:t>2022/11/14</a:t>
+              <a:t>2022/11/22</a:t>
             </a:fld>
             <a:endParaRPr lang="zh-TW" altLang="en-US"/>
           </a:p>
@@ -8562,7 +8562,7 @@
           <a:p>
             <a:fld id="{AE18679F-F7AD-4C3C-A7D1-3B957986030F}" type="datetimeFigureOut">
               <a:rPr lang="zh-TW" altLang="en-US" smtClean="0"/>
-              <a:t>2022/11/14</a:t>
+              <a:t>2022/11/22</a:t>
             </a:fld>
             <a:endParaRPr lang="zh-TW" altLang="en-US"/>
           </a:p>
@@ -8657,7 +8657,7 @@
           <a:p>
             <a:fld id="{AE18679F-F7AD-4C3C-A7D1-3B957986030F}" type="datetimeFigureOut">
               <a:rPr lang="zh-TW" altLang="en-US" smtClean="0"/>
-              <a:t>2022/11/14</a:t>
+              <a:t>2022/11/22</a:t>
             </a:fld>
             <a:endParaRPr lang="zh-TW" altLang="en-US"/>
           </a:p>
@@ -8934,7 +8934,7 @@
           <a:p>
             <a:fld id="{AE18679F-F7AD-4C3C-A7D1-3B957986030F}" type="datetimeFigureOut">
               <a:rPr lang="zh-TW" altLang="en-US" smtClean="0"/>
-              <a:t>2022/11/14</a:t>
+              <a:t>2022/11/22</a:t>
             </a:fld>
             <a:endParaRPr lang="zh-TW" altLang="en-US"/>
           </a:p>
@@ -9187,7 +9187,7 @@
           <a:p>
             <a:fld id="{AE18679F-F7AD-4C3C-A7D1-3B957986030F}" type="datetimeFigureOut">
               <a:rPr lang="zh-TW" altLang="en-US" smtClean="0"/>
-              <a:t>2022/11/14</a:t>
+              <a:t>2022/11/22</a:t>
             </a:fld>
             <a:endParaRPr lang="zh-TW" altLang="en-US"/>
           </a:p>
@@ -9400,7 +9400,7 @@
           <a:p>
             <a:fld id="{AE18679F-F7AD-4C3C-A7D1-3B957986030F}" type="datetimeFigureOut">
               <a:rPr lang="zh-TW" altLang="en-US" smtClean="0"/>
-              <a:t>2022/11/14</a:t>
+              <a:t>2022/11/22</a:t>
             </a:fld>
             <a:endParaRPr lang="zh-TW" altLang="en-US"/>
           </a:p>
@@ -21300,14 +21300,7 @@
                 <a:latin typeface="微軟正黑體" panose="020B0604030504040204" pitchFamily="34" charset="-120"/>
                 <a:ea typeface="微軟正黑體" panose="020B0604030504040204" pitchFamily="34" charset="-120"/>
               </a:rPr>
-              <a:t>：</a:t>
-            </a:r>
-            <a:r>
-              <a:rPr lang="zh-TW" altLang="en-US" sz="3600" b="1" dirty="0" smtClean="0">
-                <a:latin typeface="微軟正黑體" panose="020B0604030504040204" pitchFamily="34" charset="-120"/>
-                <a:ea typeface="微軟正黑體" panose="020B0604030504040204" pitchFamily="34" charset="-120"/>
-              </a:rPr>
-              <a:t>接收</a:t>
+              <a:t>：接收</a:t>
             </a:r>
             <a:r>
               <a:rPr lang="en-US" altLang="zh-TW" sz="3600" b="1" dirty="0" smtClean="0">
@@ -25373,8 +25366,47 @@
                 <a:latin typeface="微軟正黑體" panose="020B0604030504040204" pitchFamily="34" charset="-120"/>
                 <a:ea typeface="微軟正黑體" panose="020B0604030504040204" pitchFamily="34" charset="-120"/>
               </a:rPr>
-              <a:t>(Chrome App)</a:t>
-            </a:r>
+              <a:t>(Chrome </a:t>
+            </a:r>
+            <a:r>
+              <a:rPr lang="en-US" altLang="zh-TW" sz="3200" dirty="0" smtClean="0">
+                <a:latin typeface="微軟正黑體" panose="020B0604030504040204" pitchFamily="34" charset="-120"/>
+                <a:ea typeface="微軟正黑體" panose="020B0604030504040204" pitchFamily="34" charset="-120"/>
+              </a:rPr>
+              <a:t>App</a:t>
+            </a:r>
+            <a:r>
+              <a:rPr lang="zh-TW" altLang="en-US" sz="3200" dirty="0">
+                <a:latin typeface="微軟正黑體" panose="020B0604030504040204" pitchFamily="34" charset="-120"/>
+                <a:ea typeface="微軟正黑體" panose="020B0604030504040204" pitchFamily="34" charset="-120"/>
+              </a:rPr>
+              <a:t>，不能用於</a:t>
+            </a:r>
+            <a:r>
+              <a:rPr lang="en-US" altLang="zh-TW" sz="3200" dirty="0" err="1">
+                <a:latin typeface="微軟正黑體" panose="020B0604030504040204" pitchFamily="34" charset="-120"/>
+                <a:ea typeface="微軟正黑體" panose="020B0604030504040204" pitchFamily="34" charset="-120"/>
+              </a:rPr>
+              <a:t>localhost</a:t>
+            </a:r>
+            <a:r>
+              <a:rPr lang="zh-TW" altLang="en-US" sz="3200" dirty="0">
+                <a:latin typeface="微軟正黑體" panose="020B0604030504040204" pitchFamily="34" charset="-120"/>
+                <a:ea typeface="微軟正黑體" panose="020B0604030504040204" pitchFamily="34" charset="-120"/>
+              </a:rPr>
+              <a:t>測試</a:t>
+            </a:r>
+            <a:r>
+              <a:rPr lang="en-US" altLang="zh-TW" sz="3200" smtClean="0">
+                <a:latin typeface="微軟正黑體" panose="020B0604030504040204" pitchFamily="34" charset="-120"/>
+                <a:ea typeface="微軟正黑體" panose="020B0604030504040204" pitchFamily="34" charset="-120"/>
+              </a:rPr>
+              <a:t>)</a:t>
+            </a:r>
+            <a:endParaRPr lang="en-US" altLang="zh-TW" sz="3200" dirty="0" smtClean="0">
+              <a:latin typeface="微軟正黑體" panose="020B0604030504040204" pitchFamily="34" charset="-120"/>
+              <a:ea typeface="微軟正黑體" panose="020B0604030504040204" pitchFamily="34" charset="-120"/>
+            </a:endParaRPr>
           </a:p>
           <a:p>
             <a:pPr lvl="1"/>

--- a/Web API教學與實做.pptx
+++ b/Web API教學與實做.pptx
@@ -282,7 +282,7 @@
           <a:p>
             <a:fld id="{2F6E5846-5D0F-48C5-89A4-48096943028B}" type="datetimeFigureOut">
               <a:rPr lang="zh-TW" altLang="en-US" smtClean="0"/>
-              <a:t>2022/11/22</a:t>
+              <a:t>2023/1/13</a:t>
             </a:fld>
             <a:endParaRPr lang="zh-TW" altLang="en-US"/>
           </a:p>
@@ -7079,7 +7079,7 @@
           <a:p>
             <a:fld id="{AE18679F-F7AD-4C3C-A7D1-3B957986030F}" type="datetimeFigureOut">
               <a:rPr lang="zh-TW" altLang="en-US" smtClean="0"/>
-              <a:t>2022/11/22</a:t>
+              <a:t>2023/1/13</a:t>
             </a:fld>
             <a:endParaRPr lang="zh-TW" altLang="en-US"/>
           </a:p>
@@ -7249,7 +7249,7 @@
           <a:p>
             <a:fld id="{AE18679F-F7AD-4C3C-A7D1-3B957986030F}" type="datetimeFigureOut">
               <a:rPr lang="zh-TW" altLang="en-US" smtClean="0"/>
-              <a:t>2022/11/22</a:t>
+              <a:t>2023/1/13</a:t>
             </a:fld>
             <a:endParaRPr lang="zh-TW" altLang="en-US"/>
           </a:p>
@@ -7429,7 +7429,7 @@
           <a:p>
             <a:fld id="{AE18679F-F7AD-4C3C-A7D1-3B957986030F}" type="datetimeFigureOut">
               <a:rPr lang="zh-TW" altLang="en-US" smtClean="0"/>
-              <a:t>2022/11/22</a:t>
+              <a:t>2023/1/13</a:t>
             </a:fld>
             <a:endParaRPr lang="zh-TW" altLang="en-US"/>
           </a:p>
@@ -7599,7 +7599,7 @@
           <a:p>
             <a:fld id="{AE18679F-F7AD-4C3C-A7D1-3B957986030F}" type="datetimeFigureOut">
               <a:rPr lang="zh-TW" altLang="en-US" smtClean="0"/>
-              <a:t>2022/11/22</a:t>
+              <a:t>2023/1/13</a:t>
             </a:fld>
             <a:endParaRPr lang="zh-TW" altLang="en-US"/>
           </a:p>
@@ -7845,7 +7845,7 @@
           <a:p>
             <a:fld id="{AE18679F-F7AD-4C3C-A7D1-3B957986030F}" type="datetimeFigureOut">
               <a:rPr lang="zh-TW" altLang="en-US" smtClean="0"/>
-              <a:t>2022/11/22</a:t>
+              <a:t>2023/1/13</a:t>
             </a:fld>
             <a:endParaRPr lang="zh-TW" altLang="en-US"/>
           </a:p>
@@ -8077,7 +8077,7 @@
           <a:p>
             <a:fld id="{AE18679F-F7AD-4C3C-A7D1-3B957986030F}" type="datetimeFigureOut">
               <a:rPr lang="zh-TW" altLang="en-US" smtClean="0"/>
-              <a:t>2022/11/22</a:t>
+              <a:t>2023/1/13</a:t>
             </a:fld>
             <a:endParaRPr lang="zh-TW" altLang="en-US"/>
           </a:p>
@@ -8444,7 +8444,7 @@
           <a:p>
             <a:fld id="{AE18679F-F7AD-4C3C-A7D1-3B957986030F}" type="datetimeFigureOut">
               <a:rPr lang="zh-TW" altLang="en-US" smtClean="0"/>
-              <a:t>2022/11/22</a:t>
+              <a:t>2023/1/13</a:t>
             </a:fld>
             <a:endParaRPr lang="zh-TW" altLang="en-US"/>
           </a:p>
@@ -8562,7 +8562,7 @@
           <a:p>
             <a:fld id="{AE18679F-F7AD-4C3C-A7D1-3B957986030F}" type="datetimeFigureOut">
               <a:rPr lang="zh-TW" altLang="en-US" smtClean="0"/>
-              <a:t>2022/11/22</a:t>
+              <a:t>2023/1/13</a:t>
             </a:fld>
             <a:endParaRPr lang="zh-TW" altLang="en-US"/>
           </a:p>
@@ -8657,7 +8657,7 @@
           <a:p>
             <a:fld id="{AE18679F-F7AD-4C3C-A7D1-3B957986030F}" type="datetimeFigureOut">
               <a:rPr lang="zh-TW" altLang="en-US" smtClean="0"/>
-              <a:t>2022/11/22</a:t>
+              <a:t>2023/1/13</a:t>
             </a:fld>
             <a:endParaRPr lang="zh-TW" altLang="en-US"/>
           </a:p>
@@ -8934,7 +8934,7 @@
           <a:p>
             <a:fld id="{AE18679F-F7AD-4C3C-A7D1-3B957986030F}" type="datetimeFigureOut">
               <a:rPr lang="zh-TW" altLang="en-US" smtClean="0"/>
-              <a:t>2022/11/22</a:t>
+              <a:t>2023/1/13</a:t>
             </a:fld>
             <a:endParaRPr lang="zh-TW" altLang="en-US"/>
           </a:p>
@@ -9187,7 +9187,7 @@
           <a:p>
             <a:fld id="{AE18679F-F7AD-4C3C-A7D1-3B957986030F}" type="datetimeFigureOut">
               <a:rPr lang="zh-TW" altLang="en-US" smtClean="0"/>
-              <a:t>2022/11/22</a:t>
+              <a:t>2023/1/13</a:t>
             </a:fld>
             <a:endParaRPr lang="zh-TW" altLang="en-US"/>
           </a:p>
@@ -9400,7 +9400,7 @@
           <a:p>
             <a:fld id="{AE18679F-F7AD-4C3C-A7D1-3B957986030F}" type="datetimeFigureOut">
               <a:rPr lang="zh-TW" altLang="en-US" smtClean="0"/>
-              <a:t>2022/11/22</a:t>
+              <a:t>2023/1/13</a:t>
             </a:fld>
             <a:endParaRPr lang="zh-TW" altLang="en-US"/>
           </a:p>
@@ -17448,8 +17448,8 @@
         </p:nvSpPr>
         <p:spPr>
           <a:xfrm>
-            <a:off x="838200" y="0"/>
-            <a:ext cx="10515600" cy="951907"/>
+            <a:off x="6568811" y="152400"/>
+            <a:ext cx="4697187" cy="951907"/>
           </a:xfrm>
         </p:spPr>
         <p:txBody>
@@ -17470,7 +17470,35 @@
                 <a:latin typeface="微軟正黑體" panose="020B0604030504040204" pitchFamily="34" charset="-120"/>
                 <a:ea typeface="微軟正黑體" panose="020B0604030504040204" pitchFamily="34" charset="-120"/>
               </a:rPr>
-              <a:t>介面介紹</a:t>
+              <a:t>介面</a:t>
+            </a:r>
+            <a:r>
+              <a:rPr lang="zh-TW" altLang="en-US" sz="3200" dirty="0" smtClean="0">
+                <a:latin typeface="微軟正黑體" panose="020B0604030504040204" pitchFamily="34" charset="-120"/>
+                <a:ea typeface="微軟正黑體" panose="020B0604030504040204" pitchFamily="34" charset="-120"/>
+              </a:rPr>
+              <a:t>介紹</a:t>
+            </a:r>
+            <a:r>
+              <a:rPr lang="en-US" altLang="zh-TW" sz="3200" dirty="0" smtClean="0">
+                <a:latin typeface="微軟正黑體" panose="020B0604030504040204" pitchFamily="34" charset="-120"/>
+                <a:ea typeface="微軟正黑體" panose="020B0604030504040204" pitchFamily="34" charset="-120"/>
+              </a:rPr>
+              <a:t>(</a:t>
+            </a:r>
+            <a:r>
+              <a:rPr lang="zh-TW" altLang="en-US" sz="3200" dirty="0" smtClean="0">
+                <a:latin typeface="微軟正黑體" panose="020B0604030504040204" pitchFamily="34" charset="-120"/>
+                <a:ea typeface="微軟正黑體" panose="020B0604030504040204" pitchFamily="34" charset="-120"/>
+              </a:rPr>
+              <a:t>新版</a:t>
+            </a:r>
+            <a:r>
+              <a:rPr lang="en-US" altLang="zh-TW" sz="3200" dirty="0" smtClean="0">
+                <a:latin typeface="微軟正黑體" panose="020B0604030504040204" pitchFamily="34" charset="-120"/>
+                <a:ea typeface="微軟正黑體" panose="020B0604030504040204" pitchFamily="34" charset="-120"/>
+              </a:rPr>
+              <a:t>)</a:t>
             </a:r>
             <a:endParaRPr lang="zh-TW" altLang="en-US" sz="3200" dirty="0">
               <a:latin typeface="微軟正黑體" panose="020B0604030504040204" pitchFamily="34" charset="-120"/>
@@ -17703,8 +17731,115 @@
         </p:blipFill>
         <p:spPr>
           <a:xfrm>
-            <a:off x="3793096" y="951907"/>
+            <a:off x="929580" y="951907"/>
             <a:ext cx="4605807" cy="3241422"/>
+          </a:xfrm>
+          <a:prstGeom prst="rect">
+            <a:avLst/>
+          </a:prstGeom>
+        </p:spPr>
+      </p:pic>
+      <p:sp>
+        <p:nvSpPr>
+          <p:cNvPr id="5" name="標題 1"/>
+          <p:cNvSpPr txBox="1">
+            <a:spLocks/>
+          </p:cNvSpPr>
+          <p:nvPr/>
+        </p:nvSpPr>
+        <p:spPr>
+          <a:xfrm>
+            <a:off x="990600" y="152400"/>
+            <a:ext cx="4697187" cy="951907"/>
+          </a:xfrm>
+          <a:prstGeom prst="rect">
+            <a:avLst/>
+          </a:prstGeom>
+        </p:spPr>
+        <p:txBody>
+          <a:bodyPr vert="horz" lIns="91440" tIns="45720" rIns="91440" bIns="45720" rtlCol="0" anchor="ctr">
+            <a:normAutofit/>
+          </a:bodyPr>
+          <a:lstStyle>
+            <a:lvl1pPr algn="l" defTabSz="914400" rtl="0" eaLnBrk="1" latinLnBrk="0" hangingPunct="1">
+              <a:lnSpc>
+                <a:spcPct val="90000"/>
+              </a:lnSpc>
+              <a:spcBef>
+                <a:spcPct val="0"/>
+              </a:spcBef>
+              <a:buNone/>
+              <a:defRPr sz="4400" kern="1200">
+                <a:solidFill>
+                  <a:schemeClr val="tx1"/>
+                </a:solidFill>
+                <a:latin typeface="+mj-lt"/>
+                <a:ea typeface="+mj-ea"/>
+                <a:cs typeface="+mj-cs"/>
+              </a:defRPr>
+            </a:lvl1pPr>
+          </a:lstStyle>
+          <a:p>
+            <a:r>
+              <a:rPr lang="en-US" altLang="zh-TW" sz="3200" smtClean="0">
+                <a:latin typeface="微軟正黑體" panose="020B0604030504040204" pitchFamily="34" charset="-120"/>
+                <a:ea typeface="微軟正黑體" panose="020B0604030504040204" pitchFamily="34" charset="-120"/>
+              </a:rPr>
+              <a:t>UI</a:t>
+            </a:r>
+            <a:r>
+              <a:rPr lang="zh-TW" altLang="en-US" sz="3200" smtClean="0">
+                <a:latin typeface="微軟正黑體" panose="020B0604030504040204" pitchFamily="34" charset="-120"/>
+                <a:ea typeface="微軟正黑體" panose="020B0604030504040204" pitchFamily="34" charset="-120"/>
+              </a:rPr>
+              <a:t>介面介紹</a:t>
+            </a:r>
+            <a:r>
+              <a:rPr lang="en-US" altLang="zh-TW" sz="3200" smtClean="0">
+                <a:latin typeface="微軟正黑體" panose="020B0604030504040204" pitchFamily="34" charset="-120"/>
+                <a:ea typeface="微軟正黑體" panose="020B0604030504040204" pitchFamily="34" charset="-120"/>
+              </a:rPr>
+              <a:t>(</a:t>
+            </a:r>
+            <a:r>
+              <a:rPr lang="zh-TW" altLang="en-US" sz="3200" smtClean="0">
+                <a:latin typeface="微軟正黑體" panose="020B0604030504040204" pitchFamily="34" charset="-120"/>
+                <a:ea typeface="微軟正黑體" panose="020B0604030504040204" pitchFamily="34" charset="-120"/>
+              </a:rPr>
+              <a:t>舊版</a:t>
+            </a:r>
+            <a:r>
+              <a:rPr lang="en-US" altLang="zh-TW" sz="3200" smtClean="0">
+                <a:latin typeface="微軟正黑體" panose="020B0604030504040204" pitchFamily="34" charset="-120"/>
+                <a:ea typeface="微軟正黑體" panose="020B0604030504040204" pitchFamily="34" charset="-120"/>
+              </a:rPr>
+              <a:t>)</a:t>
+            </a:r>
+            <a:endParaRPr lang="zh-TW" altLang="en-US" sz="3200" dirty="0">
+              <a:latin typeface="微軟正黑體" panose="020B0604030504040204" pitchFamily="34" charset="-120"/>
+              <a:ea typeface="微軟正黑體" panose="020B0604030504040204" pitchFamily="34" charset="-120"/>
+            </a:endParaRPr>
+          </a:p>
+        </p:txBody>
+      </p:sp>
+      <p:pic>
+        <p:nvPicPr>
+          <p:cNvPr id="3" name="圖片 2"/>
+          <p:cNvPicPr>
+            <a:picLocks noChangeAspect="1"/>
+          </p:cNvPicPr>
+          <p:nvPr/>
+        </p:nvPicPr>
+        <p:blipFill>
+          <a:blip r:embed="rId3"/>
+          <a:stretch>
+            <a:fillRect/>
+          </a:stretch>
+        </p:blipFill>
+        <p:spPr>
+          <a:xfrm>
+            <a:off x="6356684" y="1104307"/>
+            <a:ext cx="5121442" cy="3003422"/>
           </a:xfrm>
           <a:prstGeom prst="rect">
             <a:avLst/>
@@ -21090,7 +21225,7 @@
         <p:spPr>
           <a:xfrm>
             <a:off x="1" y="3698118"/>
-            <a:ext cx="12191999" cy="2616101"/>
+            <a:ext cx="12191999" cy="3170099"/>
           </a:xfrm>
           <a:prstGeom prst="rect">
             <a:avLst/>
@@ -21342,7 +21477,32 @@
                 <a:latin typeface="微軟正黑體" panose="020B0604030504040204" pitchFamily="34" charset="-120"/>
                 <a:ea typeface="微軟正黑體" panose="020B0604030504040204" pitchFamily="34" charset="-120"/>
               </a:rPr>
-              <a:t>檔案上傳用這</a:t>
+              <a:t>檔案上傳用</a:t>
+            </a:r>
+            <a:r>
+              <a:rPr lang="zh-TW" altLang="en-US" sz="3600" b="1" dirty="0" smtClean="0">
+                <a:latin typeface="微軟正黑體" panose="020B0604030504040204" pitchFamily="34" charset="-120"/>
+                <a:ea typeface="微軟正黑體" panose="020B0604030504040204" pitchFamily="34" charset="-120"/>
+              </a:rPr>
+              <a:t>這，</a:t>
+            </a:r>
+            <a:r>
+              <a:rPr lang="en-US" altLang="zh-TW" sz="3600" b="1" dirty="0" smtClean="0">
+                <a:latin typeface="微軟正黑體" panose="020B0604030504040204" pitchFamily="34" charset="-120"/>
+                <a:ea typeface="微軟正黑體" panose="020B0604030504040204" pitchFamily="34" charset="-120"/>
+              </a:rPr>
+              <a:t>content-type</a:t>
+            </a:r>
+            <a:r>
+              <a:rPr lang="zh-TW" altLang="en-US" sz="3600" b="1" dirty="0" smtClean="0">
+                <a:latin typeface="微軟正黑體" panose="020B0604030504040204" pitchFamily="34" charset="-120"/>
+                <a:ea typeface="微軟正黑體" panose="020B0604030504040204" pitchFamily="34" charset="-120"/>
+              </a:rPr>
+              <a:t>設為</a:t>
+            </a:r>
+            <a:r>
+              <a:rPr lang="en-US" altLang="zh-TW" sz="3600" dirty="0"/>
+              <a:t>multipart/form-data</a:t>
             </a:r>
             <a:r>
               <a:rPr lang="en-US" altLang="zh-TW" sz="3600" b="1" dirty="0" smtClean="0">
@@ -25366,14 +25526,7 @@
                 <a:latin typeface="微軟正黑體" panose="020B0604030504040204" pitchFamily="34" charset="-120"/>
                 <a:ea typeface="微軟正黑體" panose="020B0604030504040204" pitchFamily="34" charset="-120"/>
               </a:rPr>
-              <a:t>(Chrome </a:t>
-            </a:r>
-            <a:r>
-              <a:rPr lang="en-US" altLang="zh-TW" sz="3200" dirty="0" smtClean="0">
-                <a:latin typeface="微軟正黑體" panose="020B0604030504040204" pitchFamily="34" charset="-120"/>
-                <a:ea typeface="微軟正黑體" panose="020B0604030504040204" pitchFamily="34" charset="-120"/>
-              </a:rPr>
-              <a:t>App</a:t>
+              <a:t>(Chrome App</a:t>
             </a:r>
             <a:r>
               <a:rPr lang="zh-TW" altLang="en-US" sz="3200" dirty="0">
@@ -26872,7 +27025,7 @@
                 <a:latin typeface="微軟正黑體" panose="020B0604030504040204" pitchFamily="34" charset="-120"/>
                 <a:ea typeface="微軟正黑體" panose="020B0604030504040204" pitchFamily="34" charset="-120"/>
               </a:rPr>
-              <a:t>CROS</a:t>
+              <a:t>CORS</a:t>
             </a:r>
             <a:r>
               <a:rPr lang="zh-TW" altLang="en-US" dirty="0">
